--- a/Doc-it.pptx
+++ b/Doc-it.pptx
@@ -5,13 +5,18 @@
     <p:sldMasterId id="2147484036" r:id="rId1"/>
   </p:sldMasterIdLst>
   <p:notesMasterIdLst>
-    <p:notesMasterId r:id="rId6"/>
+    <p:notesMasterId r:id="rId11"/>
   </p:notesMasterIdLst>
   <p:sldIdLst>
     <p:sldId id="256" r:id="rId2"/>
     <p:sldId id="258" r:id="rId3"/>
     <p:sldId id="259" r:id="rId4"/>
     <p:sldId id="260" r:id="rId5"/>
+    <p:sldId id="261" r:id="rId6"/>
+    <p:sldId id="262" r:id="rId7"/>
+    <p:sldId id="263" r:id="rId8"/>
+    <p:sldId id="264" r:id="rId9"/>
+    <p:sldId id="265" r:id="rId10"/>
   </p:sldIdLst>
   <p:sldSz cx="12192000" cy="6858000"/>
   <p:notesSz cx="6858000" cy="9144000"/>
@@ -919,10 +924,22 @@
         <a:lstStyle/>
         <a:p>
           <a:r>
-            <a:rPr lang="it-IT"/>
-            <a:t>Analisi e parsing del file XML</a:t>
+            <a:rPr lang="it-IT" b="0" dirty="0"/>
+            <a:t>Analisi</a:t>
           </a:r>
-          <a:endParaRPr lang="en-US"/>
+          <a:r>
+            <a:rPr lang="it-IT" dirty="0"/>
+            <a:t> e </a:t>
+          </a:r>
+          <a:r>
+            <a:rPr lang="it-IT" b="0" dirty="0" err="1"/>
+            <a:t>parsing</a:t>
+          </a:r>
+          <a:r>
+            <a:rPr lang="it-IT" dirty="0"/>
+            <a:t> del file XML</a:t>
+          </a:r>
+          <a:endParaRPr lang="en-US" dirty="0"/>
         </a:p>
       </dgm:t>
     </dgm:pt>
@@ -1484,10 +1501,22 @@
             <a:buNone/>
           </a:pPr>
           <a:r>
-            <a:rPr lang="it-IT" sz="2400" kern="1200"/>
-            <a:t>Analisi e parsing del file XML</a:t>
+            <a:rPr lang="it-IT" sz="2400" b="0" kern="1200" dirty="0"/>
+            <a:t>Analisi</a:t>
           </a:r>
-          <a:endParaRPr lang="en-US" sz="2400" kern="1200"/>
+          <a:r>
+            <a:rPr lang="it-IT" sz="2400" kern="1200" dirty="0"/>
+            <a:t> e </a:t>
+          </a:r>
+          <a:r>
+            <a:rPr lang="it-IT" sz="2400" b="0" kern="1200" dirty="0" err="1"/>
+            <a:t>parsing</a:t>
+          </a:r>
+          <a:r>
+            <a:rPr lang="it-IT" sz="2400" kern="1200" dirty="0"/>
+            <a:t> del file XML</a:t>
+          </a:r>
+          <a:endParaRPr lang="en-US" sz="2400" kern="1200" dirty="0"/>
         </a:p>
       </dsp:txBody>
       <dsp:txXfrm>
@@ -10190,7 +10219,7 @@
           <a:p>
             <a:pPr algn="l"/>
             <a:r>
-              <a:rPr lang="it-IT" sz="3600"/>
+              <a:rPr lang="it-IT" sz="3600" dirty="0"/>
               <a:t>Sintassi del linguaggio di ricerca</a:t>
             </a:r>
           </a:p>
@@ -10259,12 +10288,12 @@
         <p:spPr>
           <a:xfrm>
             <a:off x="4867422" y="965200"/>
-            <a:ext cx="7090116" cy="4562473"/>
+            <a:ext cx="7324578" cy="4562473"/>
           </a:xfrm>
         </p:spPr>
         <p:txBody>
           <a:bodyPr anchor="ctr">
-            <a:normAutofit lnSpcReduction="10000"/>
+            <a:normAutofit fontScale="92500" lnSpcReduction="10000"/>
           </a:bodyPr>
           <a:lstStyle/>
           <a:p>
@@ -10275,14 +10304,14 @@
               <a:buNone/>
             </a:pPr>
             <a:r>
-              <a:rPr lang="en-US" sz="1800" dirty="0">
+              <a:rPr lang="en-US" sz="2000" dirty="0">
                 <a:latin typeface="Yu Gothic Medium" panose="020B0500000000000000" pitchFamily="34" charset="-128"/>
                 <a:ea typeface="Yu Gothic Medium" panose="020B0500000000000000" pitchFamily="34" charset="-128"/>
               </a:rPr>
               <a:t>f-t-s: ([</a:t>
             </a:r>
             <a:r>
-              <a:rPr lang="en-US" sz="1800" dirty="0">
+              <a:rPr lang="en-US" sz="2000" dirty="0">
                 <a:solidFill>
                   <a:srgbClr val="FF6600"/>
                 </a:solidFill>
@@ -10292,14 +10321,14 @@
               <a:t>element-field:</a:t>
             </a:r>
             <a:r>
-              <a:rPr lang="en-US" sz="1800" dirty="0">
+              <a:rPr lang="en-US" sz="2000" dirty="0">
                 <a:latin typeface="Yu Gothic Medium" panose="020B0500000000000000" pitchFamily="34" charset="-128"/>
                 <a:ea typeface="Yu Gothic Medium" panose="020B0500000000000000" pitchFamily="34" charset="-128"/>
               </a:rPr>
               <a:t>] </a:t>
             </a:r>
             <a:r>
-              <a:rPr lang="en-US" sz="1800" dirty="0">
+              <a:rPr lang="en-US" sz="2000" dirty="0">
                 <a:solidFill>
                   <a:srgbClr val="00B050"/>
                 </a:solidFill>
@@ -10309,7 +10338,7 @@
               <a:t>search-pattern</a:t>
             </a:r>
             <a:r>
-              <a:rPr lang="en-US" sz="1800" dirty="0">
+              <a:rPr lang="en-US" sz="2000" dirty="0">
                 <a:latin typeface="Yu Gothic Medium" panose="020B0500000000000000" pitchFamily="34" charset="-128"/>
                 <a:ea typeface="Yu Gothic Medium" panose="020B0500000000000000" pitchFamily="34" charset="-128"/>
               </a:rPr>
@@ -10323,7 +10352,7 @@
               </a:lnSpc>
               <a:buNone/>
             </a:pPr>
-            <a:endParaRPr lang="en-US" sz="1800" dirty="0">
+            <a:endParaRPr lang="en-US" sz="2000" dirty="0">
               <a:latin typeface="Yu Gothic Medium" panose="020B0500000000000000" pitchFamily="34" charset="-128"/>
               <a:ea typeface="Yu Gothic Medium" panose="020B0500000000000000" pitchFamily="34" charset="-128"/>
             </a:endParaRPr>
@@ -10336,7 +10365,7 @@
               <a:buNone/>
             </a:pPr>
             <a:r>
-              <a:rPr lang="en-US" sz="1800" dirty="0">
+              <a:rPr lang="en-US" sz="2000" dirty="0">
                 <a:solidFill>
                   <a:srgbClr val="00B050"/>
                 </a:solidFill>
@@ -10346,7 +10375,7 @@
               <a:t>search-pattern</a:t>
             </a:r>
             <a:r>
-              <a:rPr lang="en-US" sz="1800" dirty="0">
+              <a:rPr lang="en-US" sz="2000" dirty="0">
                 <a:latin typeface="Yu Gothic Medium" panose="020B0500000000000000" pitchFamily="34" charset="-128"/>
                 <a:ea typeface="Yu Gothic Medium" panose="020B0500000000000000" pitchFamily="34" charset="-128"/>
               </a:rPr>
@@ -10360,7 +10389,7 @@
               </a:lnSpc>
               <a:buNone/>
             </a:pPr>
-            <a:endParaRPr lang="en-US" sz="1800" dirty="0">
+            <a:endParaRPr lang="en-US" sz="2000" dirty="0">
               <a:latin typeface="Yu Gothic Medium" panose="020B0500000000000000" pitchFamily="34" charset="-128"/>
               <a:ea typeface="Yu Gothic Medium" panose="020B0500000000000000" pitchFamily="34" charset="-128"/>
             </a:endParaRPr>
@@ -10373,7 +10402,7 @@
               <a:buNone/>
             </a:pPr>
             <a:r>
-              <a:rPr lang="en-US" sz="1800" dirty="0">
+              <a:rPr lang="en-US" sz="2000" dirty="0">
                 <a:solidFill>
                   <a:srgbClr val="FF6600"/>
                 </a:solidFill>
@@ -10383,14 +10412,14 @@
               <a:t>element-field</a:t>
             </a:r>
             <a:r>
-              <a:rPr lang="en-US" sz="1800" dirty="0">
+              <a:rPr lang="en-US" sz="2000" dirty="0">
                 <a:latin typeface="Yu Gothic Medium" panose="020B0500000000000000" pitchFamily="34" charset="-128"/>
                 <a:ea typeface="Yu Gothic Medium" panose="020B0500000000000000" pitchFamily="34" charset="-128"/>
               </a:rPr>
               <a:t>: </a:t>
             </a:r>
             <a:r>
-              <a:rPr lang="en-US" sz="1800" dirty="0">
+              <a:rPr lang="en-US" sz="2000" dirty="0">
                 <a:solidFill>
                   <a:srgbClr val="00CCFF"/>
                 </a:solidFill>
@@ -10400,14 +10429,14 @@
               <a:t>publication-search</a:t>
             </a:r>
             <a:r>
-              <a:rPr lang="en-US" sz="1800" dirty="0">
+              <a:rPr lang="en-US" sz="2000" dirty="0">
                 <a:latin typeface="Yu Gothic Medium" panose="020B0500000000000000" pitchFamily="34" charset="-128"/>
                 <a:ea typeface="Yu Gothic Medium" panose="020B0500000000000000" pitchFamily="34" charset="-128"/>
               </a:rPr>
               <a:t> | </a:t>
             </a:r>
             <a:r>
-              <a:rPr lang="en-US" sz="1800" dirty="0">
+              <a:rPr lang="en-US" sz="2000" dirty="0">
                 <a:solidFill>
                   <a:srgbClr val="FFC000"/>
                 </a:solidFill>
@@ -10425,7 +10454,7 @@
               <a:buNone/>
             </a:pPr>
             <a:r>
-              <a:rPr lang="en-US" sz="1800" dirty="0">
+              <a:rPr lang="en-US" sz="2000" dirty="0">
                 <a:solidFill>
                   <a:srgbClr val="00CCFF"/>
                 </a:solidFill>
@@ -10435,14 +10464,14 @@
               <a:t>publication-search</a:t>
             </a:r>
             <a:r>
-              <a:rPr lang="en-US" sz="1800" dirty="0">
+              <a:rPr lang="en-US" sz="2000" dirty="0">
                 <a:latin typeface="Yu Gothic Medium" panose="020B0500000000000000" pitchFamily="34" charset="-128"/>
                 <a:ea typeface="Yu Gothic Medium" panose="020B0500000000000000" pitchFamily="34" charset="-128"/>
               </a:rPr>
               <a:t>: </a:t>
             </a:r>
             <a:r>
-              <a:rPr lang="en-US" sz="1800" dirty="0">
+              <a:rPr lang="en-US" sz="2000" dirty="0">
                 <a:solidFill>
                   <a:srgbClr val="00FF99"/>
                 </a:solidFill>
@@ -10452,14 +10481,14 @@
               <a:t>publication-element</a:t>
             </a:r>
             <a:r>
-              <a:rPr lang="en-US" sz="1800" dirty="0">
+              <a:rPr lang="en-US" sz="2000" dirty="0">
                 <a:latin typeface="Yu Gothic Medium" panose="020B0500000000000000" pitchFamily="34" charset="-128"/>
                 <a:ea typeface="Yu Gothic Medium" panose="020B0500000000000000" pitchFamily="34" charset="-128"/>
               </a:rPr>
               <a:t>[</a:t>
             </a:r>
             <a:r>
-              <a:rPr lang="en-US" sz="1800" dirty="0">
+              <a:rPr lang="en-US" sz="2000" dirty="0">
                 <a:solidFill>
                   <a:srgbClr val="0099FF"/>
                 </a:solidFill>
@@ -10469,7 +10498,7 @@
               <a:t>.publication-field</a:t>
             </a:r>
             <a:r>
-              <a:rPr lang="en-US" sz="1800" dirty="0">
+              <a:rPr lang="en-US" sz="2000" dirty="0">
                 <a:latin typeface="Yu Gothic Medium" panose="020B0500000000000000" pitchFamily="34" charset="-128"/>
                 <a:ea typeface="Yu Gothic Medium" panose="020B0500000000000000" pitchFamily="34" charset="-128"/>
               </a:rPr>
@@ -10484,7 +10513,7 @@
               <a:buNone/>
             </a:pPr>
             <a:r>
-              <a:rPr lang="en-US" sz="1800" dirty="0">
+              <a:rPr lang="en-US" sz="2000" dirty="0">
                 <a:solidFill>
                   <a:srgbClr val="00FF99"/>
                 </a:solidFill>
@@ -10494,11 +10523,11 @@
               <a:t>publication-element</a:t>
             </a:r>
             <a:r>
-              <a:rPr lang="en-US" sz="1800" dirty="0">
+              <a:rPr lang="en-US" sz="2000" dirty="0">
                 <a:latin typeface="Yu Gothic Medium" panose="020B0500000000000000" pitchFamily="34" charset="-128"/>
                 <a:ea typeface="Yu Gothic Medium" panose="020B0500000000000000" pitchFamily="34" charset="-128"/>
               </a:rPr>
-              <a:t>: publication | article | incollection |  							inproceedings | phThesis | masterThesis</a:t>
+              <a:t>: publication | article | incollection | 							  inproceedings | phThesis | masterThesis</a:t>
             </a:r>
           </a:p>
           <a:p>
@@ -10509,7 +10538,7 @@
               <a:buNone/>
             </a:pPr>
             <a:r>
-              <a:rPr lang="en-US" sz="1800" dirty="0">
+              <a:rPr lang="en-US" sz="2000" dirty="0">
                 <a:solidFill>
                   <a:srgbClr val="0099FF"/>
                 </a:solidFill>
@@ -10519,7 +10548,7 @@
               <a:t>publication-field</a:t>
             </a:r>
             <a:r>
-              <a:rPr lang="en-US" sz="1800" dirty="0">
+              <a:rPr lang="en-US" sz="2000" dirty="0">
                 <a:latin typeface="Yu Gothic Medium" panose="020B0500000000000000" pitchFamily="34" charset="-128"/>
                 <a:ea typeface="Yu Gothic Medium" panose="020B0500000000000000" pitchFamily="34" charset="-128"/>
               </a:rPr>
@@ -10533,7 +10562,7 @@
               </a:lnSpc>
               <a:buNone/>
             </a:pPr>
-            <a:endParaRPr lang="en-US" sz="1800" dirty="0">
+            <a:endParaRPr lang="en-US" sz="2000" dirty="0">
               <a:latin typeface="Yu Gothic Medium" panose="020B0500000000000000" pitchFamily="34" charset="-128"/>
               <a:ea typeface="Yu Gothic Medium" panose="020B0500000000000000" pitchFamily="34" charset="-128"/>
             </a:endParaRPr>
@@ -10546,7 +10575,7 @@
               <a:buNone/>
             </a:pPr>
             <a:r>
-              <a:rPr lang="en-US" sz="1800" dirty="0">
+              <a:rPr lang="en-US" sz="2000" dirty="0">
                 <a:solidFill>
                   <a:srgbClr val="FFC000"/>
                 </a:solidFill>
@@ -10556,14 +10585,14 @@
               <a:t>venue-search</a:t>
             </a:r>
             <a:r>
-              <a:rPr lang="en-US" sz="1800" dirty="0">
+              <a:rPr lang="en-US" sz="2000" dirty="0">
                 <a:latin typeface="Yu Gothic Medium" panose="020B0500000000000000" pitchFamily="34" charset="-128"/>
                 <a:ea typeface="Yu Gothic Medium" panose="020B0500000000000000" pitchFamily="34" charset="-128"/>
               </a:rPr>
               <a:t>: venue</a:t>
             </a:r>
             <a:r>
-              <a:rPr lang="en-US" sz="1800" dirty="0">
+              <a:rPr lang="en-US" sz="2000" dirty="0">
                 <a:solidFill>
                   <a:srgbClr val="949494"/>
                 </a:solidFill>
@@ -10573,7 +10602,7 @@
               <a:t>[</a:t>
             </a:r>
             <a:r>
-              <a:rPr lang="en-US" sz="1800" dirty="0">
+              <a:rPr lang="en-US" sz="2000" dirty="0">
                 <a:solidFill>
                   <a:srgbClr val="CCFF33"/>
                 </a:solidFill>
@@ -10583,7 +10612,7 @@
               <a:t>.venue-field</a:t>
             </a:r>
             <a:r>
-              <a:rPr lang="en-US" sz="1800" dirty="0">
+              <a:rPr lang="en-US" sz="2000" dirty="0">
                 <a:latin typeface="Yu Gothic Medium" panose="020B0500000000000000" pitchFamily="34" charset="-128"/>
                 <a:ea typeface="Yu Gothic Medium" panose="020B0500000000000000" pitchFamily="34" charset="-128"/>
               </a:rPr>
@@ -10598,7 +10627,7 @@
               <a:buNone/>
             </a:pPr>
             <a:r>
-              <a:rPr lang="en-US" sz="1800" dirty="0">
+              <a:rPr lang="en-US" sz="2000" dirty="0">
                 <a:solidFill>
                   <a:srgbClr val="CCFF33"/>
                 </a:solidFill>
@@ -10608,7 +10637,7 @@
               <a:t>venue-field</a:t>
             </a:r>
             <a:r>
-              <a:rPr lang="en-US" sz="1800" dirty="0">
+              <a:rPr lang="en-US" sz="2000" dirty="0">
                 <a:latin typeface="Yu Gothic Medium" panose="020B0500000000000000" pitchFamily="34" charset="-128"/>
                 <a:ea typeface="Yu Gothic Medium" panose="020B0500000000000000" pitchFamily="34" charset="-128"/>
               </a:rPr>
@@ -10717,7 +10746,7 @@
             <p:ph idx="1"/>
             <p:extLst>
               <p:ext uri="{D42A27DB-BD31-4B8C-83A1-F6EECF244321}">
-                <p14:modId xmlns:p14="http://schemas.microsoft.com/office/powerpoint/2010/main" val="737133762"/>
+                <p14:modId xmlns:p14="http://schemas.microsoft.com/office/powerpoint/2010/main" val="4086023058"/>
               </p:ext>
             </p:extLst>
           </p:nvPr>
@@ -10736,6 +10765,995 @@
     <p:extLst>
       <p:ext uri="{BB962C8B-B14F-4D97-AF65-F5344CB8AC3E}">
         <p14:creationId xmlns:p14="http://schemas.microsoft.com/office/powerpoint/2010/main" val="3504056496"/>
+      </p:ext>
+    </p:extLst>
+  </p:cSld>
+  <p:clrMapOvr>
+    <a:masterClrMapping/>
+  </p:clrMapOvr>
+</p:sld>
+</file>
+
+<file path=ppt/slides/slide5.xml><?xml version="1.0" encoding="utf-8"?>
+<p:sld xmlns:a="http://schemas.openxmlformats.org/drawingml/2006/main" xmlns:r="http://schemas.openxmlformats.org/officeDocument/2006/relationships" xmlns:p="http://schemas.openxmlformats.org/presentationml/2006/main">
+  <p:cSld>
+    <p:spTree>
+      <p:nvGrpSpPr>
+        <p:cNvPr id="1" name=""/>
+        <p:cNvGrpSpPr/>
+        <p:nvPr/>
+      </p:nvGrpSpPr>
+      <p:grpSpPr>
+        <a:xfrm>
+          <a:off x="0" y="0"/>
+          <a:ext cx="0" cy="0"/>
+          <a:chOff x="0" y="0"/>
+          <a:chExt cx="0" cy="0"/>
+        </a:xfrm>
+      </p:grpSpPr>
+      <p:sp>
+        <p:nvSpPr>
+          <p:cNvPr id="2" name="Titolo 1">
+            <a:extLst>
+              <a:ext uri="{FF2B5EF4-FFF2-40B4-BE49-F238E27FC236}">
+                <a16:creationId xmlns:a16="http://schemas.microsoft.com/office/drawing/2014/main" id="{BD0AFD84-8461-4463-A7DF-C0133E94E2CC}"/>
+              </a:ext>
+            </a:extLst>
+          </p:cNvPr>
+          <p:cNvSpPr>
+            <a:spLocks noGrp="1"/>
+          </p:cNvSpPr>
+          <p:nvPr>
+            <p:ph type="title"/>
+          </p:nvPr>
+        </p:nvSpPr>
+        <p:spPr/>
+        <p:txBody>
+          <a:bodyPr/>
+          <a:lstStyle/>
+          <a:p>
+            <a:r>
+              <a:rPr lang="it-IT" dirty="0"/>
+              <a:t>Analisi XML</a:t>
+            </a:r>
+          </a:p>
+        </p:txBody>
+      </p:sp>
+      <p:sp>
+        <p:nvSpPr>
+          <p:cNvPr id="3" name="Segnaposto contenuto 2">
+            <a:extLst>
+              <a:ext uri="{FF2B5EF4-FFF2-40B4-BE49-F238E27FC236}">
+                <a16:creationId xmlns:a16="http://schemas.microsoft.com/office/drawing/2014/main" id="{C53F735F-67A9-47CF-98D0-AF5E0A57ACA2}"/>
+              </a:ext>
+            </a:extLst>
+          </p:cNvPr>
+          <p:cNvSpPr>
+            <a:spLocks noGrp="1"/>
+          </p:cNvSpPr>
+          <p:nvPr>
+            <p:ph idx="1"/>
+          </p:nvPr>
+        </p:nvSpPr>
+        <p:spPr/>
+        <p:txBody>
+          <a:bodyPr/>
+          <a:lstStyle/>
+          <a:p>
+            <a:endParaRPr lang="it-IT"/>
+          </a:p>
+        </p:txBody>
+      </p:sp>
+      <p:sp>
+        <p:nvSpPr>
+          <p:cNvPr id="4" name="Ovale 3">
+            <a:extLst>
+              <a:ext uri="{FF2B5EF4-FFF2-40B4-BE49-F238E27FC236}">
+                <a16:creationId xmlns:a16="http://schemas.microsoft.com/office/drawing/2014/main" id="{DD16CC5A-7F1D-4DA5-8818-4036D2CD316D}"/>
+              </a:ext>
+            </a:extLst>
+          </p:cNvPr>
+          <p:cNvSpPr/>
+          <p:nvPr/>
+        </p:nvSpPr>
+        <p:spPr>
+          <a:xfrm>
+            <a:off x="924443" y="400050"/>
+            <a:ext cx="1321746" cy="1321746"/>
+          </a:xfrm>
+          <a:prstGeom prst="ellipse">
+            <a:avLst/>
+          </a:prstGeom>
+        </p:spPr>
+        <p:style>
+          <a:lnRef idx="0">
+            <a:schemeClr val="lt1">
+              <a:alpha val="0"/>
+              <a:hueOff val="0"/>
+              <a:satOff val="0"/>
+              <a:lumOff val="0"/>
+              <a:alphaOff val="0"/>
+            </a:schemeClr>
+          </a:lnRef>
+          <a:fillRef idx="1">
+            <a:schemeClr val="accent5">
+              <a:hueOff val="0"/>
+              <a:satOff val="0"/>
+              <a:lumOff val="0"/>
+              <a:alphaOff val="0"/>
+            </a:schemeClr>
+          </a:fillRef>
+          <a:effectRef idx="0">
+            <a:schemeClr val="accent5">
+              <a:hueOff val="0"/>
+              <a:satOff val="0"/>
+              <a:lumOff val="0"/>
+              <a:alphaOff val="0"/>
+            </a:schemeClr>
+          </a:effectRef>
+          <a:fontRef idx="minor"/>
+        </p:style>
+      </p:sp>
+      <p:sp>
+        <p:nvSpPr>
+          <p:cNvPr id="5" name="Rettangolo 4" descr="Document">
+            <a:extLst>
+              <a:ext uri="{FF2B5EF4-FFF2-40B4-BE49-F238E27FC236}">
+                <a16:creationId xmlns:a16="http://schemas.microsoft.com/office/drawing/2014/main" id="{3C1FADA2-3D5D-4329-9F35-15C8701F5C9A}"/>
+              </a:ext>
+            </a:extLst>
+          </p:cNvPr>
+          <p:cNvSpPr/>
+          <p:nvPr/>
+        </p:nvSpPr>
+        <p:spPr>
+          <a:xfrm>
+            <a:off x="1202010" y="677617"/>
+            <a:ext cx="766613" cy="766613"/>
+          </a:xfrm>
+          <a:prstGeom prst="rect">
+            <a:avLst/>
+          </a:prstGeom>
+          <a:blipFill>
+            <a:blip r:embed="rId2">
+              <a:extLst>
+                <a:ext uri="{28A0092B-C50C-407E-A947-70E740481C1C}">
+                  <a14:useLocalDpi xmlns:a14="http://schemas.microsoft.com/office/drawing/2010/main" val="0"/>
+                </a:ext>
+                <a:ext uri="{96DAC541-7B7A-43D3-8B79-37D633B846F1}">
+                  <asvg:svgBlip xmlns:asvg="http://schemas.microsoft.com/office/drawing/2016/SVG/main" r:embed="rId3"/>
+                </a:ext>
+              </a:extLst>
+            </a:blip>
+            <a:stretch>
+              <a:fillRect/>
+            </a:stretch>
+          </a:blipFill>
+          <a:ln>
+            <a:noFill/>
+          </a:ln>
+        </p:spPr>
+        <p:style>
+          <a:lnRef idx="2">
+            <a:scrgbClr r="0" g="0" b="0"/>
+          </a:lnRef>
+          <a:fillRef idx="1">
+            <a:scrgbClr r="0" g="0" b="0"/>
+          </a:fillRef>
+          <a:effectRef idx="0">
+            <a:schemeClr val="bg1">
+              <a:hueOff val="0"/>
+              <a:satOff val="0"/>
+              <a:lumOff val="0"/>
+              <a:alphaOff val="0"/>
+            </a:schemeClr>
+          </a:effectRef>
+          <a:fontRef idx="minor">
+            <a:schemeClr val="dk1">
+              <a:hueOff val="0"/>
+              <a:satOff val="0"/>
+              <a:lumOff val="0"/>
+              <a:alphaOff val="0"/>
+            </a:schemeClr>
+          </a:fontRef>
+        </p:style>
+      </p:sp>
+    </p:spTree>
+    <p:extLst>
+      <p:ext uri="{BB962C8B-B14F-4D97-AF65-F5344CB8AC3E}">
+        <p14:creationId xmlns:p14="http://schemas.microsoft.com/office/powerpoint/2010/main" val="2581785726"/>
+      </p:ext>
+    </p:extLst>
+  </p:cSld>
+  <p:clrMapOvr>
+    <a:masterClrMapping/>
+  </p:clrMapOvr>
+</p:sld>
+</file>
+
+<file path=ppt/slides/slide6.xml><?xml version="1.0" encoding="utf-8"?>
+<p:sld xmlns:a="http://schemas.openxmlformats.org/drawingml/2006/main" xmlns:r="http://schemas.openxmlformats.org/officeDocument/2006/relationships" xmlns:p="http://schemas.openxmlformats.org/presentationml/2006/main">
+  <p:cSld>
+    <p:spTree>
+      <p:nvGrpSpPr>
+        <p:cNvPr id="1" name=""/>
+        <p:cNvGrpSpPr/>
+        <p:nvPr/>
+      </p:nvGrpSpPr>
+      <p:grpSpPr>
+        <a:xfrm>
+          <a:off x="0" y="0"/>
+          <a:ext cx="0" cy="0"/>
+          <a:chOff x="0" y="0"/>
+          <a:chExt cx="0" cy="0"/>
+        </a:xfrm>
+      </p:grpSpPr>
+      <p:sp>
+        <p:nvSpPr>
+          <p:cNvPr id="2" name="Titolo 1">
+            <a:extLst>
+              <a:ext uri="{FF2B5EF4-FFF2-40B4-BE49-F238E27FC236}">
+                <a16:creationId xmlns:a16="http://schemas.microsoft.com/office/drawing/2014/main" id="{8D3F5933-20FD-4578-929B-12551ACBECB0}"/>
+              </a:ext>
+            </a:extLst>
+          </p:cNvPr>
+          <p:cNvSpPr>
+            <a:spLocks noGrp="1"/>
+          </p:cNvSpPr>
+          <p:nvPr>
+            <p:ph type="title"/>
+          </p:nvPr>
+        </p:nvSpPr>
+        <p:spPr/>
+        <p:txBody>
+          <a:bodyPr/>
+          <a:lstStyle/>
+          <a:p>
+            <a:r>
+              <a:rPr lang="it-IT" dirty="0" err="1"/>
+              <a:t>Parsing</a:t>
+            </a:r>
+            <a:r>
+              <a:rPr lang="it-IT" dirty="0"/>
+              <a:t> XML</a:t>
+            </a:r>
+          </a:p>
+        </p:txBody>
+      </p:sp>
+      <p:sp>
+        <p:nvSpPr>
+          <p:cNvPr id="3" name="Segnaposto contenuto 2">
+            <a:extLst>
+              <a:ext uri="{FF2B5EF4-FFF2-40B4-BE49-F238E27FC236}">
+                <a16:creationId xmlns:a16="http://schemas.microsoft.com/office/drawing/2014/main" id="{38795D0B-52C3-4486-A885-98AB8979ABD8}"/>
+              </a:ext>
+            </a:extLst>
+          </p:cNvPr>
+          <p:cNvSpPr>
+            <a:spLocks noGrp="1"/>
+          </p:cNvSpPr>
+          <p:nvPr>
+            <p:ph idx="1"/>
+          </p:nvPr>
+        </p:nvSpPr>
+        <p:spPr/>
+        <p:txBody>
+          <a:bodyPr/>
+          <a:lstStyle/>
+          <a:p>
+            <a:endParaRPr lang="it-IT"/>
+          </a:p>
+        </p:txBody>
+      </p:sp>
+      <p:sp>
+        <p:nvSpPr>
+          <p:cNvPr id="4" name="Ovale 3">
+            <a:extLst>
+              <a:ext uri="{FF2B5EF4-FFF2-40B4-BE49-F238E27FC236}">
+                <a16:creationId xmlns:a16="http://schemas.microsoft.com/office/drawing/2014/main" id="{98ABCAFD-8692-471C-BFAF-BAB174E55DBD}"/>
+              </a:ext>
+            </a:extLst>
+          </p:cNvPr>
+          <p:cNvSpPr/>
+          <p:nvPr/>
+        </p:nvSpPr>
+        <p:spPr>
+          <a:xfrm>
+            <a:off x="913795" y="338438"/>
+            <a:ext cx="1321746" cy="1321746"/>
+          </a:xfrm>
+          <a:prstGeom prst="ellipse">
+            <a:avLst/>
+          </a:prstGeom>
+        </p:spPr>
+        <p:style>
+          <a:lnRef idx="0">
+            <a:schemeClr val="lt1">
+              <a:alpha val="0"/>
+              <a:hueOff val="0"/>
+              <a:satOff val="0"/>
+              <a:lumOff val="0"/>
+              <a:alphaOff val="0"/>
+            </a:schemeClr>
+          </a:lnRef>
+          <a:fillRef idx="1">
+            <a:schemeClr val="accent5">
+              <a:hueOff val="0"/>
+              <a:satOff val="0"/>
+              <a:lumOff val="0"/>
+              <a:alphaOff val="0"/>
+            </a:schemeClr>
+          </a:fillRef>
+          <a:effectRef idx="0">
+            <a:schemeClr val="accent5">
+              <a:hueOff val="0"/>
+              <a:satOff val="0"/>
+              <a:lumOff val="0"/>
+              <a:alphaOff val="0"/>
+            </a:schemeClr>
+          </a:effectRef>
+          <a:fontRef idx="minor"/>
+        </p:style>
+      </p:sp>
+      <p:sp>
+        <p:nvSpPr>
+          <p:cNvPr id="5" name="Rettangolo 4" descr="Document">
+            <a:extLst>
+              <a:ext uri="{FF2B5EF4-FFF2-40B4-BE49-F238E27FC236}">
+                <a16:creationId xmlns:a16="http://schemas.microsoft.com/office/drawing/2014/main" id="{8FD850C8-020E-4EB8-A1D1-172062D385EE}"/>
+              </a:ext>
+            </a:extLst>
+          </p:cNvPr>
+          <p:cNvSpPr/>
+          <p:nvPr/>
+        </p:nvSpPr>
+        <p:spPr>
+          <a:xfrm>
+            <a:off x="1191362" y="616005"/>
+            <a:ext cx="766613" cy="766613"/>
+          </a:xfrm>
+          <a:prstGeom prst="rect">
+            <a:avLst/>
+          </a:prstGeom>
+          <a:blipFill>
+            <a:blip r:embed="rId2">
+              <a:extLst>
+                <a:ext uri="{28A0092B-C50C-407E-A947-70E740481C1C}">
+                  <a14:useLocalDpi xmlns:a14="http://schemas.microsoft.com/office/drawing/2010/main" val="0"/>
+                </a:ext>
+                <a:ext uri="{96DAC541-7B7A-43D3-8B79-37D633B846F1}">
+                  <asvg:svgBlip xmlns:asvg="http://schemas.microsoft.com/office/drawing/2016/SVG/main" r:embed="rId3"/>
+                </a:ext>
+              </a:extLst>
+            </a:blip>
+            <a:stretch>
+              <a:fillRect/>
+            </a:stretch>
+          </a:blipFill>
+          <a:ln>
+            <a:noFill/>
+          </a:ln>
+        </p:spPr>
+        <p:style>
+          <a:lnRef idx="2">
+            <a:scrgbClr r="0" g="0" b="0"/>
+          </a:lnRef>
+          <a:fillRef idx="1">
+            <a:scrgbClr r="0" g="0" b="0"/>
+          </a:fillRef>
+          <a:effectRef idx="0">
+            <a:schemeClr val="bg1">
+              <a:hueOff val="0"/>
+              <a:satOff val="0"/>
+              <a:lumOff val="0"/>
+              <a:alphaOff val="0"/>
+            </a:schemeClr>
+          </a:effectRef>
+          <a:fontRef idx="minor">
+            <a:schemeClr val="dk1">
+              <a:hueOff val="0"/>
+              <a:satOff val="0"/>
+              <a:lumOff val="0"/>
+              <a:alphaOff val="0"/>
+            </a:schemeClr>
+          </a:fontRef>
+        </p:style>
+      </p:sp>
+    </p:spTree>
+    <p:extLst>
+      <p:ext uri="{BB962C8B-B14F-4D97-AF65-F5344CB8AC3E}">
+        <p14:creationId xmlns:p14="http://schemas.microsoft.com/office/powerpoint/2010/main" val="4256926265"/>
+      </p:ext>
+    </p:extLst>
+  </p:cSld>
+  <p:clrMapOvr>
+    <a:masterClrMapping/>
+  </p:clrMapOvr>
+</p:sld>
+</file>
+
+<file path=ppt/slides/slide7.xml><?xml version="1.0" encoding="utf-8"?>
+<p:sld xmlns:a="http://schemas.openxmlformats.org/drawingml/2006/main" xmlns:r="http://schemas.openxmlformats.org/officeDocument/2006/relationships" xmlns:p="http://schemas.openxmlformats.org/presentationml/2006/main">
+  <p:cSld>
+    <p:spTree>
+      <p:nvGrpSpPr>
+        <p:cNvPr id="1" name=""/>
+        <p:cNvGrpSpPr/>
+        <p:nvPr/>
+      </p:nvGrpSpPr>
+      <p:grpSpPr>
+        <a:xfrm>
+          <a:off x="0" y="0"/>
+          <a:ext cx="0" cy="0"/>
+          <a:chOff x="0" y="0"/>
+          <a:chExt cx="0" cy="0"/>
+        </a:xfrm>
+      </p:grpSpPr>
+      <p:sp>
+        <p:nvSpPr>
+          <p:cNvPr id="2" name="Titolo 1">
+            <a:extLst>
+              <a:ext uri="{FF2B5EF4-FFF2-40B4-BE49-F238E27FC236}">
+                <a16:creationId xmlns:a16="http://schemas.microsoft.com/office/drawing/2014/main" id="{BBBB011D-E23A-4AEA-8E74-2ECE7C4189B2}"/>
+              </a:ext>
+            </a:extLst>
+          </p:cNvPr>
+          <p:cNvSpPr>
+            <a:spLocks noGrp="1"/>
+          </p:cNvSpPr>
+          <p:nvPr>
+            <p:ph type="title"/>
+          </p:nvPr>
+        </p:nvSpPr>
+        <p:spPr/>
+        <p:txBody>
+          <a:bodyPr/>
+          <a:lstStyle/>
+          <a:p>
+            <a:r>
+              <a:rPr lang="it-IT" dirty="0"/>
+              <a:t>Parallelizzazione</a:t>
+            </a:r>
+          </a:p>
+        </p:txBody>
+      </p:sp>
+      <p:sp>
+        <p:nvSpPr>
+          <p:cNvPr id="3" name="Segnaposto contenuto 2">
+            <a:extLst>
+              <a:ext uri="{FF2B5EF4-FFF2-40B4-BE49-F238E27FC236}">
+                <a16:creationId xmlns:a16="http://schemas.microsoft.com/office/drawing/2014/main" id="{9F372A0B-5A8A-4AFB-A955-3F10D3E08E29}"/>
+              </a:ext>
+            </a:extLst>
+          </p:cNvPr>
+          <p:cNvSpPr>
+            <a:spLocks noGrp="1"/>
+          </p:cNvSpPr>
+          <p:nvPr>
+            <p:ph idx="1"/>
+          </p:nvPr>
+        </p:nvSpPr>
+        <p:spPr/>
+        <p:txBody>
+          <a:bodyPr/>
+          <a:lstStyle/>
+          <a:p>
+            <a:endParaRPr lang="it-IT"/>
+          </a:p>
+        </p:txBody>
+      </p:sp>
+      <p:sp>
+        <p:nvSpPr>
+          <p:cNvPr id="4" name="Ovale 3">
+            <a:extLst>
+              <a:ext uri="{FF2B5EF4-FFF2-40B4-BE49-F238E27FC236}">
+                <a16:creationId xmlns:a16="http://schemas.microsoft.com/office/drawing/2014/main" id="{71E7CCE4-2298-466F-B088-C632121C3047}"/>
+              </a:ext>
+            </a:extLst>
+          </p:cNvPr>
+          <p:cNvSpPr/>
+          <p:nvPr/>
+        </p:nvSpPr>
+        <p:spPr>
+          <a:xfrm>
+            <a:off x="913795" y="338438"/>
+            <a:ext cx="1321746" cy="1321746"/>
+          </a:xfrm>
+          <a:prstGeom prst="ellipse">
+            <a:avLst/>
+          </a:prstGeom>
+        </p:spPr>
+        <p:style>
+          <a:lnRef idx="0">
+            <a:schemeClr val="lt1">
+              <a:alpha val="0"/>
+              <a:hueOff val="0"/>
+              <a:satOff val="0"/>
+              <a:lumOff val="0"/>
+              <a:alphaOff val="0"/>
+            </a:schemeClr>
+          </a:lnRef>
+          <a:fillRef idx="1">
+            <a:schemeClr val="accent5">
+              <a:hueOff val="0"/>
+              <a:satOff val="0"/>
+              <a:lumOff val="0"/>
+              <a:alphaOff val="0"/>
+            </a:schemeClr>
+          </a:fillRef>
+          <a:effectRef idx="0">
+            <a:schemeClr val="accent5">
+              <a:hueOff val="0"/>
+              <a:satOff val="0"/>
+              <a:lumOff val="0"/>
+              <a:alphaOff val="0"/>
+            </a:schemeClr>
+          </a:effectRef>
+          <a:fontRef idx="minor"/>
+        </p:style>
+      </p:sp>
+      <p:sp>
+        <p:nvSpPr>
+          <p:cNvPr id="5" name="Rettangolo 4" descr="Document">
+            <a:extLst>
+              <a:ext uri="{FF2B5EF4-FFF2-40B4-BE49-F238E27FC236}">
+                <a16:creationId xmlns:a16="http://schemas.microsoft.com/office/drawing/2014/main" id="{A69DDC39-2AD5-44CD-882C-37B4AF4A8B84}"/>
+              </a:ext>
+            </a:extLst>
+          </p:cNvPr>
+          <p:cNvSpPr/>
+          <p:nvPr/>
+        </p:nvSpPr>
+        <p:spPr>
+          <a:xfrm>
+            <a:off x="1191362" y="616005"/>
+            <a:ext cx="766613" cy="766613"/>
+          </a:xfrm>
+          <a:prstGeom prst="rect">
+            <a:avLst/>
+          </a:prstGeom>
+          <a:blipFill>
+            <a:blip r:embed="rId2">
+              <a:extLst>
+                <a:ext uri="{28A0092B-C50C-407E-A947-70E740481C1C}">
+                  <a14:useLocalDpi xmlns:a14="http://schemas.microsoft.com/office/drawing/2010/main" val="0"/>
+                </a:ext>
+                <a:ext uri="{96DAC541-7B7A-43D3-8B79-37D633B846F1}">
+                  <asvg:svgBlip xmlns:asvg="http://schemas.microsoft.com/office/drawing/2016/SVG/main" r:embed="rId3"/>
+                </a:ext>
+              </a:extLst>
+            </a:blip>
+            <a:stretch>
+              <a:fillRect/>
+            </a:stretch>
+          </a:blipFill>
+          <a:ln>
+            <a:noFill/>
+          </a:ln>
+        </p:spPr>
+        <p:style>
+          <a:lnRef idx="2">
+            <a:scrgbClr r="0" g="0" b="0"/>
+          </a:lnRef>
+          <a:fillRef idx="1">
+            <a:scrgbClr r="0" g="0" b="0"/>
+          </a:fillRef>
+          <a:effectRef idx="0">
+            <a:schemeClr val="bg1">
+              <a:hueOff val="0"/>
+              <a:satOff val="0"/>
+              <a:lumOff val="0"/>
+              <a:alphaOff val="0"/>
+            </a:schemeClr>
+          </a:effectRef>
+          <a:fontRef idx="minor">
+            <a:schemeClr val="dk1">
+              <a:hueOff val="0"/>
+              <a:satOff val="0"/>
+              <a:lumOff val="0"/>
+              <a:alphaOff val="0"/>
+            </a:schemeClr>
+          </a:fontRef>
+        </p:style>
+      </p:sp>
+    </p:spTree>
+    <p:extLst>
+      <p:ext uri="{BB962C8B-B14F-4D97-AF65-F5344CB8AC3E}">
+        <p14:creationId xmlns:p14="http://schemas.microsoft.com/office/powerpoint/2010/main" val="3027145562"/>
+      </p:ext>
+    </p:extLst>
+  </p:cSld>
+  <p:clrMapOvr>
+    <a:masterClrMapping/>
+  </p:clrMapOvr>
+</p:sld>
+</file>
+
+<file path=ppt/slides/slide8.xml><?xml version="1.0" encoding="utf-8"?>
+<p:sld xmlns:a="http://schemas.openxmlformats.org/drawingml/2006/main" xmlns:r="http://schemas.openxmlformats.org/officeDocument/2006/relationships" xmlns:p="http://schemas.openxmlformats.org/presentationml/2006/main">
+  <p:cSld>
+    <p:spTree>
+      <p:nvGrpSpPr>
+        <p:cNvPr id="1" name=""/>
+        <p:cNvGrpSpPr/>
+        <p:nvPr/>
+      </p:nvGrpSpPr>
+      <p:grpSpPr>
+        <a:xfrm>
+          <a:off x="0" y="0"/>
+          <a:ext cx="0" cy="0"/>
+          <a:chOff x="0" y="0"/>
+          <a:chExt cx="0" cy="0"/>
+        </a:xfrm>
+      </p:grpSpPr>
+      <p:sp>
+        <p:nvSpPr>
+          <p:cNvPr id="2" name="Titolo 1">
+            <a:extLst>
+              <a:ext uri="{FF2B5EF4-FFF2-40B4-BE49-F238E27FC236}">
+                <a16:creationId xmlns:a16="http://schemas.microsoft.com/office/drawing/2014/main" id="{CF2EF52B-6032-46A9-A0A6-9713C27D052E}"/>
+              </a:ext>
+            </a:extLst>
+          </p:cNvPr>
+          <p:cNvSpPr>
+            <a:spLocks noGrp="1"/>
+          </p:cNvSpPr>
+          <p:nvPr>
+            <p:ph type="title"/>
+          </p:nvPr>
+        </p:nvSpPr>
+        <p:spPr/>
+        <p:txBody>
+          <a:bodyPr/>
+          <a:lstStyle/>
+          <a:p>
+            <a:r>
+              <a:rPr lang="it-IT" dirty="0"/>
+              <a:t>Modellazione degli indici</a:t>
+            </a:r>
+          </a:p>
+        </p:txBody>
+      </p:sp>
+      <p:sp>
+        <p:nvSpPr>
+          <p:cNvPr id="3" name="Segnaposto contenuto 2">
+            <a:extLst>
+              <a:ext uri="{FF2B5EF4-FFF2-40B4-BE49-F238E27FC236}">
+                <a16:creationId xmlns:a16="http://schemas.microsoft.com/office/drawing/2014/main" id="{E8237BC6-EDCC-44F7-B26A-64B5B54A1E16}"/>
+              </a:ext>
+            </a:extLst>
+          </p:cNvPr>
+          <p:cNvSpPr>
+            <a:spLocks noGrp="1"/>
+          </p:cNvSpPr>
+          <p:nvPr>
+            <p:ph idx="1"/>
+          </p:nvPr>
+        </p:nvSpPr>
+        <p:spPr/>
+        <p:txBody>
+          <a:bodyPr/>
+          <a:lstStyle/>
+          <a:p>
+            <a:endParaRPr lang="it-IT"/>
+          </a:p>
+        </p:txBody>
+      </p:sp>
+      <p:sp>
+        <p:nvSpPr>
+          <p:cNvPr id="4" name="Ovale 3">
+            <a:extLst>
+              <a:ext uri="{FF2B5EF4-FFF2-40B4-BE49-F238E27FC236}">
+                <a16:creationId xmlns:a16="http://schemas.microsoft.com/office/drawing/2014/main" id="{7D828D69-EC98-44C0-809D-7267536B3507}"/>
+              </a:ext>
+            </a:extLst>
+          </p:cNvPr>
+          <p:cNvSpPr/>
+          <p:nvPr/>
+        </p:nvSpPr>
+        <p:spPr>
+          <a:xfrm>
+            <a:off x="913795" y="273122"/>
+            <a:ext cx="1321746" cy="1321746"/>
+          </a:xfrm>
+          <a:prstGeom prst="ellipse">
+            <a:avLst/>
+          </a:prstGeom>
+        </p:spPr>
+        <p:style>
+          <a:lnRef idx="0">
+            <a:schemeClr val="lt1">
+              <a:alpha val="0"/>
+              <a:hueOff val="0"/>
+              <a:satOff val="0"/>
+              <a:lumOff val="0"/>
+              <a:alphaOff val="0"/>
+            </a:schemeClr>
+          </a:lnRef>
+          <a:fillRef idx="1">
+            <a:schemeClr val="accent5">
+              <a:hueOff val="534349"/>
+              <a:satOff val="-6292"/>
+              <a:lumOff val="4183"/>
+              <a:alphaOff val="0"/>
+            </a:schemeClr>
+          </a:fillRef>
+          <a:effectRef idx="0">
+            <a:schemeClr val="accent5">
+              <a:hueOff val="534349"/>
+              <a:satOff val="-6292"/>
+              <a:lumOff val="4183"/>
+              <a:alphaOff val="0"/>
+            </a:schemeClr>
+          </a:effectRef>
+          <a:fontRef idx="minor"/>
+        </p:style>
+      </p:sp>
+      <p:sp>
+        <p:nvSpPr>
+          <p:cNvPr id="5" name="Rettangolo 4" descr="Gears">
+            <a:extLst>
+              <a:ext uri="{FF2B5EF4-FFF2-40B4-BE49-F238E27FC236}">
+                <a16:creationId xmlns:a16="http://schemas.microsoft.com/office/drawing/2014/main" id="{ADC98D72-2E54-418F-9B4F-C7245C79693A}"/>
+              </a:ext>
+            </a:extLst>
+          </p:cNvPr>
+          <p:cNvSpPr/>
+          <p:nvPr/>
+        </p:nvSpPr>
+        <p:spPr>
+          <a:xfrm>
+            <a:off x="1191362" y="550689"/>
+            <a:ext cx="766613" cy="766613"/>
+          </a:xfrm>
+          <a:prstGeom prst="rect">
+            <a:avLst/>
+          </a:prstGeom>
+          <a:blipFill>
+            <a:blip r:embed="rId2">
+              <a:extLst>
+                <a:ext uri="{28A0092B-C50C-407E-A947-70E740481C1C}">
+                  <a14:useLocalDpi xmlns:a14="http://schemas.microsoft.com/office/drawing/2010/main" val="0"/>
+                </a:ext>
+                <a:ext uri="{96DAC541-7B7A-43D3-8B79-37D633B846F1}">
+                  <asvg:svgBlip xmlns:asvg="http://schemas.microsoft.com/office/drawing/2016/SVG/main" r:embed="rId3"/>
+                </a:ext>
+              </a:extLst>
+            </a:blip>
+            <a:stretch>
+              <a:fillRect/>
+            </a:stretch>
+          </a:blipFill>
+          <a:ln>
+            <a:noFill/>
+          </a:ln>
+        </p:spPr>
+        <p:style>
+          <a:lnRef idx="2">
+            <a:scrgbClr r="0" g="0" b="0"/>
+          </a:lnRef>
+          <a:fillRef idx="1">
+            <a:scrgbClr r="0" g="0" b="0"/>
+          </a:fillRef>
+          <a:effectRef idx="0">
+            <a:schemeClr val="bg1">
+              <a:hueOff val="0"/>
+              <a:satOff val="0"/>
+              <a:lumOff val="0"/>
+              <a:alphaOff val="0"/>
+            </a:schemeClr>
+          </a:effectRef>
+          <a:fontRef idx="minor">
+            <a:schemeClr val="dk1">
+              <a:hueOff val="0"/>
+              <a:satOff val="0"/>
+              <a:lumOff val="0"/>
+              <a:alphaOff val="0"/>
+            </a:schemeClr>
+          </a:fontRef>
+        </p:style>
+      </p:sp>
+    </p:spTree>
+    <p:extLst>
+      <p:ext uri="{BB962C8B-B14F-4D97-AF65-F5344CB8AC3E}">
+        <p14:creationId xmlns:p14="http://schemas.microsoft.com/office/powerpoint/2010/main" val="1882351341"/>
+      </p:ext>
+    </p:extLst>
+  </p:cSld>
+  <p:clrMapOvr>
+    <a:masterClrMapping/>
+  </p:clrMapOvr>
+</p:sld>
+</file>
+
+<file path=ppt/slides/slide9.xml><?xml version="1.0" encoding="utf-8"?>
+<p:sld xmlns:a="http://schemas.openxmlformats.org/drawingml/2006/main" xmlns:r="http://schemas.openxmlformats.org/officeDocument/2006/relationships" xmlns:p="http://schemas.openxmlformats.org/presentationml/2006/main">
+  <p:cSld>
+    <p:spTree>
+      <p:nvGrpSpPr>
+        <p:cNvPr id="1" name=""/>
+        <p:cNvGrpSpPr/>
+        <p:nvPr/>
+      </p:nvGrpSpPr>
+      <p:grpSpPr>
+        <a:xfrm>
+          <a:off x="0" y="0"/>
+          <a:ext cx="0" cy="0"/>
+          <a:chOff x="0" y="0"/>
+          <a:chExt cx="0" cy="0"/>
+        </a:xfrm>
+      </p:grpSpPr>
+      <p:sp>
+        <p:nvSpPr>
+          <p:cNvPr id="2" name="Titolo 1">
+            <a:extLst>
+              <a:ext uri="{FF2B5EF4-FFF2-40B4-BE49-F238E27FC236}">
+                <a16:creationId xmlns:a16="http://schemas.microsoft.com/office/drawing/2014/main" id="{CF2EF52B-6032-46A9-A0A6-9713C27D052E}"/>
+              </a:ext>
+            </a:extLst>
+          </p:cNvPr>
+          <p:cNvSpPr>
+            <a:spLocks noGrp="1"/>
+          </p:cNvSpPr>
+          <p:nvPr>
+            <p:ph type="title"/>
+          </p:nvPr>
+        </p:nvSpPr>
+        <p:spPr/>
+        <p:txBody>
+          <a:bodyPr/>
+          <a:lstStyle/>
+          <a:p>
+            <a:r>
+              <a:rPr lang="it-IT" dirty="0"/>
+              <a:t>Schema degli indici</a:t>
+            </a:r>
+          </a:p>
+        </p:txBody>
+      </p:sp>
+      <p:sp>
+        <p:nvSpPr>
+          <p:cNvPr id="3" name="Segnaposto contenuto 2">
+            <a:extLst>
+              <a:ext uri="{FF2B5EF4-FFF2-40B4-BE49-F238E27FC236}">
+                <a16:creationId xmlns:a16="http://schemas.microsoft.com/office/drawing/2014/main" id="{E8237BC6-EDCC-44F7-B26A-64B5B54A1E16}"/>
+              </a:ext>
+            </a:extLst>
+          </p:cNvPr>
+          <p:cNvSpPr>
+            <a:spLocks noGrp="1"/>
+          </p:cNvSpPr>
+          <p:nvPr>
+            <p:ph idx="1"/>
+          </p:nvPr>
+        </p:nvSpPr>
+        <p:spPr/>
+        <p:txBody>
+          <a:bodyPr/>
+          <a:lstStyle/>
+          <a:p>
+            <a:endParaRPr lang="it-IT"/>
+          </a:p>
+        </p:txBody>
+      </p:sp>
+      <p:sp>
+        <p:nvSpPr>
+          <p:cNvPr id="4" name="Ovale 3">
+            <a:extLst>
+              <a:ext uri="{FF2B5EF4-FFF2-40B4-BE49-F238E27FC236}">
+                <a16:creationId xmlns:a16="http://schemas.microsoft.com/office/drawing/2014/main" id="{7D828D69-EC98-44C0-809D-7267536B3507}"/>
+              </a:ext>
+            </a:extLst>
+          </p:cNvPr>
+          <p:cNvSpPr/>
+          <p:nvPr/>
+        </p:nvSpPr>
+        <p:spPr>
+          <a:xfrm>
+            <a:off x="913795" y="273122"/>
+            <a:ext cx="1321746" cy="1321746"/>
+          </a:xfrm>
+          <a:prstGeom prst="ellipse">
+            <a:avLst/>
+          </a:prstGeom>
+        </p:spPr>
+        <p:style>
+          <a:lnRef idx="0">
+            <a:schemeClr val="lt1">
+              <a:alpha val="0"/>
+              <a:hueOff val="0"/>
+              <a:satOff val="0"/>
+              <a:lumOff val="0"/>
+              <a:alphaOff val="0"/>
+            </a:schemeClr>
+          </a:lnRef>
+          <a:fillRef idx="1">
+            <a:schemeClr val="accent5">
+              <a:hueOff val="534349"/>
+              <a:satOff val="-6292"/>
+              <a:lumOff val="4183"/>
+              <a:alphaOff val="0"/>
+            </a:schemeClr>
+          </a:fillRef>
+          <a:effectRef idx="0">
+            <a:schemeClr val="accent5">
+              <a:hueOff val="534349"/>
+              <a:satOff val="-6292"/>
+              <a:lumOff val="4183"/>
+              <a:alphaOff val="0"/>
+            </a:schemeClr>
+          </a:effectRef>
+          <a:fontRef idx="minor"/>
+        </p:style>
+      </p:sp>
+      <p:sp>
+        <p:nvSpPr>
+          <p:cNvPr id="5" name="Rettangolo 4" descr="Gears">
+            <a:extLst>
+              <a:ext uri="{FF2B5EF4-FFF2-40B4-BE49-F238E27FC236}">
+                <a16:creationId xmlns:a16="http://schemas.microsoft.com/office/drawing/2014/main" id="{ADC98D72-2E54-418F-9B4F-C7245C79693A}"/>
+              </a:ext>
+            </a:extLst>
+          </p:cNvPr>
+          <p:cNvSpPr/>
+          <p:nvPr/>
+        </p:nvSpPr>
+        <p:spPr>
+          <a:xfrm>
+            <a:off x="1191362" y="550689"/>
+            <a:ext cx="766613" cy="766613"/>
+          </a:xfrm>
+          <a:prstGeom prst="rect">
+            <a:avLst/>
+          </a:prstGeom>
+          <a:blipFill>
+            <a:blip r:embed="rId2">
+              <a:extLst>
+                <a:ext uri="{28A0092B-C50C-407E-A947-70E740481C1C}">
+                  <a14:useLocalDpi xmlns:a14="http://schemas.microsoft.com/office/drawing/2010/main" val="0"/>
+                </a:ext>
+                <a:ext uri="{96DAC541-7B7A-43D3-8B79-37D633B846F1}">
+                  <asvg:svgBlip xmlns:asvg="http://schemas.microsoft.com/office/drawing/2016/SVG/main" r:embed="rId3"/>
+                </a:ext>
+              </a:extLst>
+            </a:blip>
+            <a:stretch>
+              <a:fillRect/>
+            </a:stretch>
+          </a:blipFill>
+          <a:ln>
+            <a:noFill/>
+          </a:ln>
+        </p:spPr>
+        <p:style>
+          <a:lnRef idx="2">
+            <a:scrgbClr r="0" g="0" b="0"/>
+          </a:lnRef>
+          <a:fillRef idx="1">
+            <a:scrgbClr r="0" g="0" b="0"/>
+          </a:fillRef>
+          <a:effectRef idx="0">
+            <a:schemeClr val="bg1">
+              <a:hueOff val="0"/>
+              <a:satOff val="0"/>
+              <a:lumOff val="0"/>
+              <a:alphaOff val="0"/>
+            </a:schemeClr>
+          </a:effectRef>
+          <a:fontRef idx="minor">
+            <a:schemeClr val="dk1">
+              <a:hueOff val="0"/>
+              <a:satOff val="0"/>
+              <a:lumOff val="0"/>
+              <a:alphaOff val="0"/>
+            </a:schemeClr>
+          </a:fontRef>
+        </p:style>
+      </p:sp>
+    </p:spTree>
+    <p:extLst>
+      <p:ext uri="{BB962C8B-B14F-4D97-AF65-F5344CB8AC3E}">
+        <p14:creationId xmlns:p14="http://schemas.microsoft.com/office/powerpoint/2010/main" val="3524802174"/>
       </p:ext>
     </p:extLst>
   </p:cSld>

--- a/Doc-it.pptx
+++ b/Doc-it.pptx
@@ -5,7 +5,7 @@
     <p:sldMasterId id="2147484036" r:id="rId1"/>
   </p:sldMasterIdLst>
   <p:notesMasterIdLst>
-    <p:notesMasterId r:id="rId11"/>
+    <p:notesMasterId r:id="rId13"/>
   </p:notesMasterIdLst>
   <p:sldIdLst>
     <p:sldId id="256" r:id="rId2"/>
@@ -17,6 +17,8 @@
     <p:sldId id="263" r:id="rId8"/>
     <p:sldId id="264" r:id="rId9"/>
     <p:sldId id="265" r:id="rId10"/>
+    <p:sldId id="266" r:id="rId11"/>
+    <p:sldId id="267" r:id="rId12"/>
   </p:sldIdLst>
   <p:sldSz cx="12192000" cy="6858000"/>
   <p:notesSz cx="6858000" cy="9144000"/>
@@ -115,6 +117,54 @@
       </a:defRPr>
     </a:lvl9pPr>
   </p:defaultTextStyle>
+  <p:extLst>
+    <p:ext uri="{521415D9-36F7-43E2-AB2F-B90AF26B5E84}">
+      <p14:sectionLst xmlns:p14="http://schemas.microsoft.com/office/powerpoint/2010/main">
+        <p14:section name="Sezione predefinita" id="{9BD97EEF-9061-4005-B8A7-8B10668B77A5}">
+          <p14:sldIdLst>
+            <p14:sldId id="256"/>
+          </p14:sldIdLst>
+        </p14:section>
+        <p14:section name="Sezione di riepilogo" id="{C9AEA980-A420-4A5D-A728-2FEEE2BA23F9}">
+          <p14:sldIdLst/>
+        </p14:section>
+        <p14:section name="Obiettivi del progetto" id="{FE6651C8-ABF4-4C68-BB04-6DCC8D0C41B8}">
+          <p14:sldIdLst>
+            <p14:sldId id="258"/>
+          </p14:sldIdLst>
+        </p14:section>
+        <p14:section name="Sintassi del linguaggio di ricerca" id="{C57FE3A7-B6E8-4FC9-90F1-06775D569765}">
+          <p14:sldIdLst>
+            <p14:sldId id="259"/>
+          </p14:sldIdLst>
+        </p14:section>
+        <p14:section name="Fasi di sviluppo" id="{F9650E2D-ADEE-4E6D-B8B7-3CD8FB5F39F3}">
+          <p14:sldIdLst>
+            <p14:sldId id="260"/>
+          </p14:sldIdLst>
+        </p14:section>
+        <p14:section name="Analisi XML" id="{756B677B-D61D-445B-9AF4-BCE5E3DC3760}">
+          <p14:sldIdLst>
+            <p14:sldId id="261"/>
+            <p14:sldId id="262"/>
+            <p14:sldId id="263"/>
+          </p14:sldIdLst>
+        </p14:section>
+        <p14:section name="Modellazione degli indici" id="{DACDFC63-7230-4F38-8008-2B543075ACA1}">
+          <p14:sldIdLst>
+            <p14:sldId id="264"/>
+            <p14:sldId id="265"/>
+            <p14:sldId id="266"/>
+          </p14:sldIdLst>
+        </p14:section>
+        <p14:section name="Parsing delle interrogazioni" id="{C3282AD1-D486-4088-940F-93869241B731}">
+          <p14:sldIdLst>
+            <p14:sldId id="267"/>
+          </p14:sldIdLst>
+        </p14:section>
+      </p14:sectionLst>
+    </p:ext>
+  </p:extLst>
 </p:presentation>
 </file>
 
@@ -9744,6 +9794,404 @@
 </p:sld>
 </file>
 
+<file path=ppt/slides/slide10.xml><?xml version="1.0" encoding="utf-8"?>
+<p:sld xmlns:a="http://schemas.openxmlformats.org/drawingml/2006/main" xmlns:r="http://schemas.openxmlformats.org/officeDocument/2006/relationships" xmlns:p="http://schemas.openxmlformats.org/presentationml/2006/main">
+  <p:cSld>
+    <p:spTree>
+      <p:nvGrpSpPr>
+        <p:cNvPr id="1" name=""/>
+        <p:cNvGrpSpPr/>
+        <p:nvPr/>
+      </p:nvGrpSpPr>
+      <p:grpSpPr>
+        <a:xfrm>
+          <a:off x="0" y="0"/>
+          <a:ext cx="0" cy="0"/>
+          <a:chOff x="0" y="0"/>
+          <a:chExt cx="0" cy="0"/>
+        </a:xfrm>
+      </p:grpSpPr>
+      <p:sp>
+        <p:nvSpPr>
+          <p:cNvPr id="2" name="Titolo 1">
+            <a:extLst>
+              <a:ext uri="{FF2B5EF4-FFF2-40B4-BE49-F238E27FC236}">
+                <a16:creationId xmlns:a16="http://schemas.microsoft.com/office/drawing/2014/main" id="{CF2EF52B-6032-46A9-A0A6-9713C27D052E}"/>
+              </a:ext>
+            </a:extLst>
+          </p:cNvPr>
+          <p:cNvSpPr>
+            <a:spLocks noGrp="1"/>
+          </p:cNvSpPr>
+          <p:nvPr>
+            <p:ph type="title"/>
+          </p:nvPr>
+        </p:nvSpPr>
+        <p:spPr/>
+        <p:txBody>
+          <a:bodyPr/>
+          <a:lstStyle/>
+          <a:p>
+            <a:r>
+              <a:rPr lang="it-IT" dirty="0"/>
+              <a:t>Analisi degli indici</a:t>
+            </a:r>
+          </a:p>
+        </p:txBody>
+      </p:sp>
+      <p:sp>
+        <p:nvSpPr>
+          <p:cNvPr id="3" name="Segnaposto contenuto 2">
+            <a:extLst>
+              <a:ext uri="{FF2B5EF4-FFF2-40B4-BE49-F238E27FC236}">
+                <a16:creationId xmlns:a16="http://schemas.microsoft.com/office/drawing/2014/main" id="{E8237BC6-EDCC-44F7-B26A-64B5B54A1E16}"/>
+              </a:ext>
+            </a:extLst>
+          </p:cNvPr>
+          <p:cNvSpPr>
+            <a:spLocks noGrp="1"/>
+          </p:cNvSpPr>
+          <p:nvPr>
+            <p:ph idx="1"/>
+          </p:nvPr>
+        </p:nvSpPr>
+        <p:spPr/>
+        <p:txBody>
+          <a:bodyPr/>
+          <a:lstStyle/>
+          <a:p>
+            <a:endParaRPr lang="it-IT"/>
+          </a:p>
+        </p:txBody>
+      </p:sp>
+      <p:sp>
+        <p:nvSpPr>
+          <p:cNvPr id="4" name="Ovale 3">
+            <a:extLst>
+              <a:ext uri="{FF2B5EF4-FFF2-40B4-BE49-F238E27FC236}">
+                <a16:creationId xmlns:a16="http://schemas.microsoft.com/office/drawing/2014/main" id="{7D828D69-EC98-44C0-809D-7267536B3507}"/>
+              </a:ext>
+            </a:extLst>
+          </p:cNvPr>
+          <p:cNvSpPr/>
+          <p:nvPr/>
+        </p:nvSpPr>
+        <p:spPr>
+          <a:xfrm>
+            <a:off x="913795" y="273122"/>
+            <a:ext cx="1321746" cy="1321746"/>
+          </a:xfrm>
+          <a:prstGeom prst="ellipse">
+            <a:avLst/>
+          </a:prstGeom>
+        </p:spPr>
+        <p:style>
+          <a:lnRef idx="0">
+            <a:schemeClr val="lt1">
+              <a:alpha val="0"/>
+              <a:hueOff val="0"/>
+              <a:satOff val="0"/>
+              <a:lumOff val="0"/>
+              <a:alphaOff val="0"/>
+            </a:schemeClr>
+          </a:lnRef>
+          <a:fillRef idx="1">
+            <a:schemeClr val="accent5">
+              <a:hueOff val="534349"/>
+              <a:satOff val="-6292"/>
+              <a:lumOff val="4183"/>
+              <a:alphaOff val="0"/>
+            </a:schemeClr>
+          </a:fillRef>
+          <a:effectRef idx="0">
+            <a:schemeClr val="accent5">
+              <a:hueOff val="534349"/>
+              <a:satOff val="-6292"/>
+              <a:lumOff val="4183"/>
+              <a:alphaOff val="0"/>
+            </a:schemeClr>
+          </a:effectRef>
+          <a:fontRef idx="minor"/>
+        </p:style>
+      </p:sp>
+      <p:sp>
+        <p:nvSpPr>
+          <p:cNvPr id="5" name="Rettangolo 4" descr="Gears">
+            <a:extLst>
+              <a:ext uri="{FF2B5EF4-FFF2-40B4-BE49-F238E27FC236}">
+                <a16:creationId xmlns:a16="http://schemas.microsoft.com/office/drawing/2014/main" id="{ADC98D72-2E54-418F-9B4F-C7245C79693A}"/>
+              </a:ext>
+            </a:extLst>
+          </p:cNvPr>
+          <p:cNvSpPr/>
+          <p:nvPr/>
+        </p:nvSpPr>
+        <p:spPr>
+          <a:xfrm>
+            <a:off x="1191362" y="550689"/>
+            <a:ext cx="766613" cy="766613"/>
+          </a:xfrm>
+          <a:prstGeom prst="rect">
+            <a:avLst/>
+          </a:prstGeom>
+          <a:blipFill>
+            <a:blip r:embed="rId2">
+              <a:extLst>
+                <a:ext uri="{28A0092B-C50C-407E-A947-70E740481C1C}">
+                  <a14:useLocalDpi xmlns:a14="http://schemas.microsoft.com/office/drawing/2010/main" val="0"/>
+                </a:ext>
+                <a:ext uri="{96DAC541-7B7A-43D3-8B79-37D633B846F1}">
+                  <asvg:svgBlip xmlns:asvg="http://schemas.microsoft.com/office/drawing/2016/SVG/main" r:embed="rId3"/>
+                </a:ext>
+              </a:extLst>
+            </a:blip>
+            <a:stretch>
+              <a:fillRect/>
+            </a:stretch>
+          </a:blipFill>
+          <a:ln>
+            <a:noFill/>
+          </a:ln>
+        </p:spPr>
+        <p:style>
+          <a:lnRef idx="2">
+            <a:scrgbClr r="0" g="0" b="0"/>
+          </a:lnRef>
+          <a:fillRef idx="1">
+            <a:scrgbClr r="0" g="0" b="0"/>
+          </a:fillRef>
+          <a:effectRef idx="0">
+            <a:schemeClr val="bg1">
+              <a:hueOff val="0"/>
+              <a:satOff val="0"/>
+              <a:lumOff val="0"/>
+              <a:alphaOff val="0"/>
+            </a:schemeClr>
+          </a:effectRef>
+          <a:fontRef idx="minor">
+            <a:schemeClr val="dk1">
+              <a:hueOff val="0"/>
+              <a:satOff val="0"/>
+              <a:lumOff val="0"/>
+              <a:alphaOff val="0"/>
+            </a:schemeClr>
+          </a:fontRef>
+        </p:style>
+      </p:sp>
+    </p:spTree>
+    <p:extLst>
+      <p:ext uri="{BB962C8B-B14F-4D97-AF65-F5344CB8AC3E}">
+        <p14:creationId xmlns:p14="http://schemas.microsoft.com/office/powerpoint/2010/main" val="1427323807"/>
+      </p:ext>
+    </p:extLst>
+  </p:cSld>
+  <p:clrMapOvr>
+    <a:masterClrMapping/>
+  </p:clrMapOvr>
+</p:sld>
+</file>
+
+<file path=ppt/slides/slide11.xml><?xml version="1.0" encoding="utf-8"?>
+<p:sld xmlns:a="http://schemas.openxmlformats.org/drawingml/2006/main" xmlns:r="http://schemas.openxmlformats.org/officeDocument/2006/relationships" xmlns:p="http://schemas.openxmlformats.org/presentationml/2006/main">
+  <p:cSld>
+    <p:spTree>
+      <p:nvGrpSpPr>
+        <p:cNvPr id="1" name=""/>
+        <p:cNvGrpSpPr/>
+        <p:nvPr/>
+      </p:nvGrpSpPr>
+      <p:grpSpPr>
+        <a:xfrm>
+          <a:off x="0" y="0"/>
+          <a:ext cx="0" cy="0"/>
+          <a:chOff x="0" y="0"/>
+          <a:chExt cx="0" cy="0"/>
+        </a:xfrm>
+      </p:grpSpPr>
+      <p:sp>
+        <p:nvSpPr>
+          <p:cNvPr id="2" name="Titolo 1">
+            <a:extLst>
+              <a:ext uri="{FF2B5EF4-FFF2-40B4-BE49-F238E27FC236}">
+                <a16:creationId xmlns:a16="http://schemas.microsoft.com/office/drawing/2014/main" id="{CF2EF52B-6032-46A9-A0A6-9713C27D052E}"/>
+              </a:ext>
+            </a:extLst>
+          </p:cNvPr>
+          <p:cNvSpPr>
+            <a:spLocks noGrp="1"/>
+          </p:cNvSpPr>
+          <p:nvPr>
+            <p:ph type="title"/>
+          </p:nvPr>
+        </p:nvSpPr>
+        <p:spPr/>
+        <p:txBody>
+          <a:bodyPr/>
+          <a:lstStyle/>
+          <a:p>
+            <a:r>
+              <a:rPr lang="it-IT" dirty="0" err="1"/>
+              <a:t>Parsing</a:t>
+            </a:r>
+            <a:r>
+              <a:rPr lang="it-IT" dirty="0"/>
+              <a:t> delle interrogazioni</a:t>
+            </a:r>
+          </a:p>
+        </p:txBody>
+      </p:sp>
+      <p:sp>
+        <p:nvSpPr>
+          <p:cNvPr id="3" name="Segnaposto contenuto 2">
+            <a:extLst>
+              <a:ext uri="{FF2B5EF4-FFF2-40B4-BE49-F238E27FC236}">
+                <a16:creationId xmlns:a16="http://schemas.microsoft.com/office/drawing/2014/main" id="{E8237BC6-EDCC-44F7-B26A-64B5B54A1E16}"/>
+              </a:ext>
+            </a:extLst>
+          </p:cNvPr>
+          <p:cNvSpPr>
+            <a:spLocks noGrp="1"/>
+          </p:cNvSpPr>
+          <p:nvPr>
+            <p:ph idx="1"/>
+          </p:nvPr>
+        </p:nvSpPr>
+        <p:spPr/>
+        <p:txBody>
+          <a:bodyPr/>
+          <a:lstStyle/>
+          <a:p>
+            <a:endParaRPr lang="it-IT" dirty="0"/>
+          </a:p>
+        </p:txBody>
+      </p:sp>
+      <p:sp>
+        <p:nvSpPr>
+          <p:cNvPr id="8" name="Ovale 7">
+            <a:extLst>
+              <a:ext uri="{FF2B5EF4-FFF2-40B4-BE49-F238E27FC236}">
+                <a16:creationId xmlns:a16="http://schemas.microsoft.com/office/drawing/2014/main" id="{C184D846-F81B-4F75-876C-17952A37FF5D}"/>
+              </a:ext>
+            </a:extLst>
+          </p:cNvPr>
+          <p:cNvSpPr/>
+          <p:nvPr/>
+        </p:nvSpPr>
+        <p:spPr>
+          <a:xfrm>
+            <a:off x="562681" y="346600"/>
+            <a:ext cx="1321746" cy="1321746"/>
+          </a:xfrm>
+          <a:prstGeom prst="ellipse">
+            <a:avLst/>
+          </a:prstGeom>
+        </p:spPr>
+        <p:style>
+          <a:lnRef idx="0">
+            <a:schemeClr val="lt1">
+              <a:alpha val="0"/>
+              <a:hueOff val="0"/>
+              <a:satOff val="0"/>
+              <a:lumOff val="0"/>
+              <a:alphaOff val="0"/>
+            </a:schemeClr>
+          </a:lnRef>
+          <a:fillRef idx="1">
+            <a:schemeClr val="accent5">
+              <a:hueOff val="1068698"/>
+              <a:satOff val="-12584"/>
+              <a:lumOff val="8366"/>
+              <a:alphaOff val="0"/>
+            </a:schemeClr>
+          </a:fillRef>
+          <a:effectRef idx="0">
+            <a:schemeClr val="accent5">
+              <a:hueOff val="1068698"/>
+              <a:satOff val="-12584"/>
+              <a:lumOff val="8366"/>
+              <a:alphaOff val="0"/>
+            </a:schemeClr>
+          </a:effectRef>
+          <a:fontRef idx="minor"/>
+        </p:style>
+      </p:sp>
+      <p:sp>
+        <p:nvSpPr>
+          <p:cNvPr id="9" name="Rettangolo 8" descr="Database">
+            <a:extLst>
+              <a:ext uri="{FF2B5EF4-FFF2-40B4-BE49-F238E27FC236}">
+                <a16:creationId xmlns:a16="http://schemas.microsoft.com/office/drawing/2014/main" id="{BF8500E6-7881-4E1D-AF30-3255F56DA622}"/>
+              </a:ext>
+            </a:extLst>
+          </p:cNvPr>
+          <p:cNvSpPr/>
+          <p:nvPr/>
+        </p:nvSpPr>
+        <p:spPr>
+          <a:xfrm>
+            <a:off x="840248" y="624167"/>
+            <a:ext cx="766613" cy="766613"/>
+          </a:xfrm>
+          <a:prstGeom prst="rect">
+            <a:avLst/>
+          </a:prstGeom>
+          <a:blipFill>
+            <a:blip r:embed="rId2">
+              <a:extLst>
+                <a:ext uri="{28A0092B-C50C-407E-A947-70E740481C1C}">
+                  <a14:useLocalDpi xmlns:a14="http://schemas.microsoft.com/office/drawing/2010/main" val="0"/>
+                </a:ext>
+                <a:ext uri="{96DAC541-7B7A-43D3-8B79-37D633B846F1}">
+                  <asvg:svgBlip xmlns:asvg="http://schemas.microsoft.com/office/drawing/2016/SVG/main" r:embed="rId3"/>
+                </a:ext>
+              </a:extLst>
+            </a:blip>
+            <a:stretch>
+              <a:fillRect/>
+            </a:stretch>
+          </a:blipFill>
+          <a:ln>
+            <a:noFill/>
+          </a:ln>
+        </p:spPr>
+        <p:style>
+          <a:lnRef idx="2">
+            <a:scrgbClr r="0" g="0" b="0"/>
+          </a:lnRef>
+          <a:fillRef idx="1">
+            <a:scrgbClr r="0" g="0" b="0"/>
+          </a:fillRef>
+          <a:effectRef idx="0">
+            <a:schemeClr val="bg1">
+              <a:hueOff val="0"/>
+              <a:satOff val="0"/>
+              <a:lumOff val="0"/>
+              <a:alphaOff val="0"/>
+            </a:schemeClr>
+          </a:effectRef>
+          <a:fontRef idx="minor">
+            <a:schemeClr val="dk1">
+              <a:hueOff val="0"/>
+              <a:satOff val="0"/>
+              <a:lumOff val="0"/>
+              <a:alphaOff val="0"/>
+            </a:schemeClr>
+          </a:fontRef>
+        </p:style>
+      </p:sp>
+    </p:spTree>
+    <p:extLst>
+      <p:ext uri="{BB962C8B-B14F-4D97-AF65-F5344CB8AC3E}">
+        <p14:creationId xmlns:p14="http://schemas.microsoft.com/office/powerpoint/2010/main" val="2747489111"/>
+      </p:ext>
+    </p:extLst>
+  </p:cSld>
+  <p:clrMapOvr>
+    <a:masterClrMapping/>
+  </p:clrMapOvr>
+</p:sld>
+</file>
+
 <file path=ppt/slides/slide2.xml><?xml version="1.0" encoding="utf-8"?>
 <p:sld xmlns:a="http://schemas.openxmlformats.org/drawingml/2006/main" xmlns:r="http://schemas.openxmlformats.org/officeDocument/2006/relationships" xmlns:p="http://schemas.openxmlformats.org/presentationml/2006/main">
   <p:cSld>

--- a/Doc-it.pptx
+++ b/Doc-it.pptx
@@ -7,6 +7,9 @@
   <p:notesMasterIdLst>
     <p:notesMasterId r:id="rId13"/>
   </p:notesMasterIdLst>
+  <p:handoutMasterIdLst>
+    <p:handoutMasterId r:id="rId14"/>
+  </p:handoutMasterIdLst>
   <p:sldIdLst>
     <p:sldId id="256" r:id="rId2"/>
     <p:sldId id="258" r:id="rId3"/>
@@ -121,6 +124,9 @@
     <p:ext uri="{521415D9-36F7-43E2-AB2F-B90AF26B5E84}">
       <p14:sectionLst xmlns:p14="http://schemas.microsoft.com/office/powerpoint/2010/main">
         <p14:section name="Sezione predefinita" id="{9BD97EEF-9061-4005-B8A7-8B10668B77A5}">
+          <p14:sldIdLst/>
+        </p14:section>
+        <p14:section name="titolo" id="{4A633BFB-4B46-4330-97D0-2C70B30C5B51}">
           <p14:sldIdLst>
             <p14:sldId id="256"/>
           </p14:sldIdLst>
@@ -163,6 +169,9 @@
           </p14:sldIdLst>
         </p14:section>
       </p14:sectionLst>
+    </p:ext>
+    <p:ext uri="{EFAFB233-063F-42B5-8137-9DF3F51BA10A}">
+      <p15:sldGuideLst xmlns:p15="http://schemas.microsoft.com/office/powerpoint/2012/main"/>
     </p:ext>
   </p:extLst>
 </p:presentation>
@@ -3275,6 +3284,196 @@
 </dgm:styleDef>
 </file>
 
+<file path=ppt/handoutMasters/handoutMaster1.xml><?xml version="1.0" encoding="utf-8"?>
+<p:handoutMaster xmlns:a="http://schemas.openxmlformats.org/drawingml/2006/main" xmlns:r="http://schemas.openxmlformats.org/officeDocument/2006/relationships" xmlns:p="http://schemas.openxmlformats.org/presentationml/2006/main">
+  <p:cSld>
+    <p:bg>
+      <p:bgRef idx="1001">
+        <a:schemeClr val="bg1"/>
+      </p:bgRef>
+    </p:bg>
+    <p:spTree>
+      <p:nvGrpSpPr>
+        <p:cNvPr id="1" name=""/>
+        <p:cNvGrpSpPr/>
+        <p:nvPr/>
+      </p:nvGrpSpPr>
+      <p:grpSpPr>
+        <a:xfrm>
+          <a:off x="0" y="0"/>
+          <a:ext cx="0" cy="0"/>
+          <a:chOff x="0" y="0"/>
+          <a:chExt cx="0" cy="0"/>
+        </a:xfrm>
+      </p:grpSpPr>
+      <p:sp>
+        <p:nvSpPr>
+          <p:cNvPr id="2" name="Segnaposto intestazione 1">
+            <a:extLst>
+              <a:ext uri="{FF2B5EF4-FFF2-40B4-BE49-F238E27FC236}">
+                <a16:creationId xmlns:a16="http://schemas.microsoft.com/office/drawing/2014/main" id="{45046630-84D6-446C-A006-F081FFF12087}"/>
+              </a:ext>
+            </a:extLst>
+          </p:cNvPr>
+          <p:cNvSpPr>
+            <a:spLocks noGrp="1"/>
+          </p:cNvSpPr>
+          <p:nvPr>
+            <p:ph type="hdr" sz="quarter"/>
+          </p:nvPr>
+        </p:nvSpPr>
+        <p:spPr>
+          <a:xfrm>
+            <a:off x="0" y="0"/>
+            <a:ext cx="2971800" cy="458788"/>
+          </a:xfrm>
+          <a:prstGeom prst="rect">
+            <a:avLst/>
+          </a:prstGeom>
+        </p:spPr>
+        <p:txBody>
+          <a:bodyPr vert="horz" lIns="91440" tIns="45720" rIns="91440" bIns="45720" rtlCol="0"/>
+          <a:lstStyle>
+            <a:lvl1pPr algn="l">
+              <a:defRPr sz="1200"/>
+            </a:lvl1pPr>
+          </a:lstStyle>
+          <a:p>
+            <a:endParaRPr lang="it-IT"/>
+          </a:p>
+        </p:txBody>
+      </p:sp>
+      <p:sp>
+        <p:nvSpPr>
+          <p:cNvPr id="3" name="Segnaposto data 2">
+            <a:extLst>
+              <a:ext uri="{FF2B5EF4-FFF2-40B4-BE49-F238E27FC236}">
+                <a16:creationId xmlns:a16="http://schemas.microsoft.com/office/drawing/2014/main" id="{314BC106-27D5-4616-AF33-DE2C01BE88EE}"/>
+              </a:ext>
+            </a:extLst>
+          </p:cNvPr>
+          <p:cNvSpPr>
+            <a:spLocks noGrp="1"/>
+          </p:cNvSpPr>
+          <p:nvPr>
+            <p:ph type="dt" sz="quarter" idx="1"/>
+          </p:nvPr>
+        </p:nvSpPr>
+        <p:spPr>
+          <a:xfrm>
+            <a:off x="3884613" y="0"/>
+            <a:ext cx="2971800" cy="458788"/>
+          </a:xfrm>
+          <a:prstGeom prst="rect">
+            <a:avLst/>
+          </a:prstGeom>
+        </p:spPr>
+        <p:txBody>
+          <a:bodyPr vert="horz" lIns="91440" tIns="45720" rIns="91440" bIns="45720" rtlCol="0"/>
+          <a:lstStyle>
+            <a:lvl1pPr algn="r">
+              <a:defRPr sz="1200"/>
+            </a:lvl1pPr>
+          </a:lstStyle>
+          <a:p>
+            <a:fld id="{057C0A10-08F2-4987-A546-76033F5E1B91}" type="datetimeFigureOut">
+              <a:rPr lang="it-IT" smtClean="0"/>
+              <a:t>11/11/2019</a:t>
+            </a:fld>
+            <a:endParaRPr lang="it-IT"/>
+          </a:p>
+        </p:txBody>
+      </p:sp>
+      <p:sp>
+        <p:nvSpPr>
+          <p:cNvPr id="4" name="Segnaposto piè di pagina 3">
+            <a:extLst>
+              <a:ext uri="{FF2B5EF4-FFF2-40B4-BE49-F238E27FC236}">
+                <a16:creationId xmlns:a16="http://schemas.microsoft.com/office/drawing/2014/main" id="{D6146FDE-9A24-4C36-9C08-E71BB3C9927E}"/>
+              </a:ext>
+            </a:extLst>
+          </p:cNvPr>
+          <p:cNvSpPr>
+            <a:spLocks noGrp="1"/>
+          </p:cNvSpPr>
+          <p:nvPr>
+            <p:ph type="ftr" sz="quarter" idx="2"/>
+          </p:nvPr>
+        </p:nvSpPr>
+        <p:spPr>
+          <a:xfrm>
+            <a:off x="0" y="8685213"/>
+            <a:ext cx="2971800" cy="458787"/>
+          </a:xfrm>
+          <a:prstGeom prst="rect">
+            <a:avLst/>
+          </a:prstGeom>
+        </p:spPr>
+        <p:txBody>
+          <a:bodyPr vert="horz" lIns="91440" tIns="45720" rIns="91440" bIns="45720" rtlCol="0" anchor="b"/>
+          <a:lstStyle>
+            <a:lvl1pPr algn="l">
+              <a:defRPr sz="1200"/>
+            </a:lvl1pPr>
+          </a:lstStyle>
+          <a:p>
+            <a:endParaRPr lang="it-IT"/>
+          </a:p>
+        </p:txBody>
+      </p:sp>
+      <p:sp>
+        <p:nvSpPr>
+          <p:cNvPr id="5" name="Segnaposto numero diapositiva 4">
+            <a:extLst>
+              <a:ext uri="{FF2B5EF4-FFF2-40B4-BE49-F238E27FC236}">
+                <a16:creationId xmlns:a16="http://schemas.microsoft.com/office/drawing/2014/main" id="{00494614-EA71-4FF2-87DD-17FE312F5FE7}"/>
+              </a:ext>
+            </a:extLst>
+          </p:cNvPr>
+          <p:cNvSpPr>
+            <a:spLocks noGrp="1"/>
+          </p:cNvSpPr>
+          <p:nvPr>
+            <p:ph type="sldNum" sz="quarter" idx="3"/>
+          </p:nvPr>
+        </p:nvSpPr>
+        <p:spPr>
+          <a:xfrm>
+            <a:off x="3884613" y="8685213"/>
+            <a:ext cx="2971800" cy="458787"/>
+          </a:xfrm>
+          <a:prstGeom prst="rect">
+            <a:avLst/>
+          </a:prstGeom>
+        </p:spPr>
+        <p:txBody>
+          <a:bodyPr vert="horz" lIns="91440" tIns="45720" rIns="91440" bIns="45720" rtlCol="0" anchor="b"/>
+          <a:lstStyle>
+            <a:lvl1pPr algn="r">
+              <a:defRPr sz="1200"/>
+            </a:lvl1pPr>
+          </a:lstStyle>
+          <a:p>
+            <a:fld id="{60CD672D-337C-485F-A6D9-EF464598C5D4}" type="slidenum">
+              <a:rPr lang="it-IT" smtClean="0"/>
+              <a:t>‹N›</a:t>
+            </a:fld>
+            <a:endParaRPr lang="it-IT"/>
+          </a:p>
+        </p:txBody>
+      </p:sp>
+    </p:spTree>
+    <p:extLst>
+      <p:ext uri="{BB962C8B-B14F-4D97-AF65-F5344CB8AC3E}">
+        <p14:creationId xmlns:p14="http://schemas.microsoft.com/office/powerpoint/2010/main" val="1942154154"/>
+      </p:ext>
+    </p:extLst>
+  </p:cSld>
+  <p:clrMap bg1="lt1" tx1="dk1" bg2="lt2" tx2="dk2" accent1="accent1" accent2="accent2" accent3="accent3" accent4="accent4" accent5="accent5" accent6="accent6" hlink="hlink" folHlink="folHlink"/>
+  <p:hf dt="0"/>
+</p:handoutMaster>
+</file>
+
 <file path=ppt/notesMasters/notesMaster1.xml><?xml version="1.0" encoding="utf-8"?>
 <p:notesMaster xmlns:a="http://schemas.openxmlformats.org/drawingml/2006/main" xmlns:r="http://schemas.openxmlformats.org/officeDocument/2006/relationships" xmlns:p="http://schemas.openxmlformats.org/presentationml/2006/main">
   <p:cSld>
@@ -3357,7 +3556,7 @@
           <a:p>
             <a:fld id="{35BD7E0B-F58C-414F-AB60-F68CECCADE6F}" type="datetimeFigureOut">
               <a:rPr lang="it-IT" smtClean="0"/>
-              <a:t>08/11/2019</a:t>
+              <a:t>11/11/2019</a:t>
             </a:fld>
             <a:endParaRPr lang="it-IT"/>
           </a:p>
@@ -3529,6 +3728,7 @@
     </p:extLst>
   </p:cSld>
   <p:clrMap bg1="lt1" tx1="dk1" bg2="lt2" tx2="dk2" accent1="accent1" accent2="accent2" accent3="accent3" accent4="accent4" accent5="accent5" accent6="accent6" hlink="hlink" folHlink="folHlink"/>
+  <p:hf dt="0"/>
   <p:notesStyle>
     <a:lvl1pPr marL="0" algn="l" defTabSz="914400" rtl="0" eaLnBrk="1" latinLnBrk="0" hangingPunct="1">
       <a:defRPr sz="1200" kern="1200">
@@ -3807,9 +4007,9 @@
           <a:bodyPr/>
           <a:lstStyle/>
           <a:p>
-            <a:fld id="{88D38747-4367-4BD2-8D51-C97E202738E2}" type="datetime1">
+            <a:fld id="{C5534CC0-8DFC-4304-9DC7-C5B020228D99}" type="datetime1">
               <a:rPr lang="en-US" smtClean="0"/>
-              <a:t>11/8/2019</a:t>
+              <a:t>11/11/2019</a:t>
             </a:fld>
             <a:endParaRPr lang="en-US" dirty="0"/>
           </a:p>
@@ -3830,6 +4030,10 @@
           <a:bodyPr/>
           <a:lstStyle/>
           <a:p>
+            <a:r>
+              <a:rPr lang="it-IT"/>
+              <a:t>Gestione Avanzata dell’Informazione – UNIMORE- 2019/2020</a:t>
+            </a:r>
             <a:endParaRPr lang="en-US" dirty="0"/>
           </a:p>
         </p:txBody>
@@ -4112,9 +4316,9 @@
           <a:bodyPr/>
           <a:lstStyle/>
           <a:p>
-            <a:fld id="{11F1B079-7EF0-44EE-B798-BCC497C9F3B2}" type="datetime1">
+            <a:fld id="{6C9EAABF-F619-455A-AF2B-2DE40686EDC7}" type="datetime1">
               <a:rPr lang="en-US" smtClean="0"/>
-              <a:t>11/8/2019</a:t>
+              <a:t>11/11/2019</a:t>
             </a:fld>
             <a:endParaRPr lang="en-US" dirty="0"/>
           </a:p>
@@ -4135,6 +4339,10 @@
           <a:bodyPr/>
           <a:lstStyle/>
           <a:p>
+            <a:r>
+              <a:rPr lang="it-IT"/>
+              <a:t>Gestione Avanzata dell’Informazione – UNIMORE- 2019/2020</a:t>
+            </a:r>
             <a:endParaRPr lang="en-US" dirty="0"/>
           </a:p>
         </p:txBody>
@@ -4306,9 +4514,9 @@
           <a:bodyPr/>
           <a:lstStyle/>
           <a:p>
-            <a:fld id="{28FF70A8-1D13-4657-95F0-A9EA54967B8D}" type="datetime1">
+            <a:fld id="{548848ED-0B54-48E3-8ED9-D796C46540DF}" type="datetime1">
               <a:rPr lang="en-US" smtClean="0"/>
-              <a:t>11/8/2019</a:t>
+              <a:t>11/11/2019</a:t>
             </a:fld>
             <a:endParaRPr lang="en-US" dirty="0"/>
           </a:p>
@@ -4329,6 +4537,10 @@
           <a:bodyPr/>
           <a:lstStyle/>
           <a:p>
+            <a:r>
+              <a:rPr lang="it-IT"/>
+              <a:t>Gestione Avanzata dell’Informazione – UNIMORE- 2019/2020</a:t>
+            </a:r>
             <a:endParaRPr lang="en-US" dirty="0"/>
           </a:p>
         </p:txBody>
@@ -4569,9 +4781,9 @@
           <a:bodyPr/>
           <a:lstStyle/>
           <a:p>
-            <a:fld id="{21EB90AC-71BD-4C7F-8ACA-7B3F18292E63}" type="datetime1">
+            <a:fld id="{699E01A9-985E-4B8E-A1D1-5A3B9482A51E}" type="datetime1">
               <a:rPr lang="en-US" smtClean="0"/>
-              <a:t>11/8/2019</a:t>
+              <a:t>11/11/2019</a:t>
             </a:fld>
             <a:endParaRPr lang="en-US" dirty="0"/>
           </a:p>
@@ -4592,6 +4804,10 @@
           <a:bodyPr/>
           <a:lstStyle/>
           <a:p>
+            <a:r>
+              <a:rPr lang="it-IT"/>
+              <a:t>Gestione Avanzata dell’Informazione – UNIMORE- 2019/2020</a:t>
+            </a:r>
             <a:endParaRPr lang="en-US" dirty="0"/>
           </a:p>
         </p:txBody>
@@ -5005,9 +5221,9 @@
           <a:bodyPr/>
           <a:lstStyle/>
           <a:p>
-            <a:fld id="{4E6EFC2C-8905-46F0-B443-CE905B76BA01}" type="datetime1">
+            <a:fld id="{BDA18F17-62FF-4FD0-855D-CD8396DD6905}" type="datetime1">
               <a:rPr lang="en-US" smtClean="0"/>
-              <a:t>11/8/2019</a:t>
+              <a:t>11/11/2019</a:t>
             </a:fld>
             <a:endParaRPr lang="en-US" dirty="0"/>
           </a:p>
@@ -5028,6 +5244,10 @@
           <a:bodyPr/>
           <a:lstStyle/>
           <a:p>
+            <a:r>
+              <a:rPr lang="it-IT"/>
+              <a:t>Gestione Avanzata dell’Informazione – UNIMORE- 2019/2020</a:t>
+            </a:r>
             <a:endParaRPr lang="en-US" dirty="0"/>
           </a:p>
         </p:txBody>
@@ -5542,9 +5762,9 @@
           <a:bodyPr/>
           <a:lstStyle/>
           <a:p>
-            <a:fld id="{D9079DC3-C9B5-499E-9140-0DC28B7074E2}" type="datetime1">
+            <a:fld id="{596F8984-F028-4E01-9240-9C0AFC67EC06}" type="datetime1">
               <a:rPr lang="en-US" smtClean="0"/>
-              <a:t>11/8/2019</a:t>
+              <a:t>11/11/2019</a:t>
             </a:fld>
             <a:endParaRPr lang="en-US" dirty="0"/>
           </a:p>
@@ -5565,6 +5785,10 @@
           <a:bodyPr/>
           <a:lstStyle/>
           <a:p>
+            <a:r>
+              <a:rPr lang="it-IT"/>
+              <a:t>Gestione Avanzata dell’Informazione – UNIMORE- 2019/2020</a:t>
+            </a:r>
             <a:endParaRPr lang="en-US" dirty="0"/>
           </a:p>
         </p:txBody>
@@ -6424,9 +6648,9 @@
           <a:bodyPr/>
           <a:lstStyle/>
           <a:p>
-            <a:fld id="{30BB33EA-E472-4D22-9C03-A9C14AA21CED}" type="datetime1">
+            <a:fld id="{4ACAF86C-6109-45A3-9723-30FB1317765F}" type="datetime1">
               <a:rPr lang="en-US" smtClean="0"/>
-              <a:t>11/8/2019</a:t>
+              <a:t>11/11/2019</a:t>
             </a:fld>
             <a:endParaRPr lang="en-US" dirty="0"/>
           </a:p>
@@ -6447,6 +6671,10 @@
           <a:bodyPr/>
           <a:lstStyle/>
           <a:p>
+            <a:r>
+              <a:rPr lang="it-IT"/>
+              <a:t>Gestione Avanzata dell’Informazione – UNIMORE- 2019/2020</a:t>
+            </a:r>
             <a:endParaRPr lang="en-US" dirty="0"/>
           </a:p>
         </p:txBody>
@@ -6594,9 +6822,9 @@
           <a:bodyPr/>
           <a:lstStyle/>
           <a:p>
-            <a:fld id="{217E833E-1B6D-415F-AD29-75AE8C43BD0D}" type="datetime1">
+            <a:fld id="{110136F7-6558-4BA2-9CA3-A12A881D867C}" type="datetime1">
               <a:rPr lang="en-US" smtClean="0"/>
-              <a:t>11/8/2019</a:t>
+              <a:t>11/11/2019</a:t>
             </a:fld>
             <a:endParaRPr lang="en-US" dirty="0"/>
           </a:p>
@@ -6617,6 +6845,10 @@
           <a:bodyPr/>
           <a:lstStyle/>
           <a:p>
+            <a:r>
+              <a:rPr lang="it-IT"/>
+              <a:t>Gestione Avanzata dell’Informazione – UNIMORE- 2019/2020</a:t>
+            </a:r>
             <a:endParaRPr lang="en-US" dirty="0"/>
           </a:p>
         </p:txBody>
@@ -6778,9 +7010,9 @@
           <a:bodyPr/>
           <a:lstStyle/>
           <a:p>
-            <a:fld id="{8452596F-08A7-4B70-989A-F2B1CF31E66B}" type="datetime1">
+            <a:fld id="{B779D75B-1D09-4E71-884A-158953375BAF}" type="datetime1">
               <a:rPr lang="en-US" smtClean="0"/>
-              <a:t>11/8/2019</a:t>
+              <a:t>11/11/2019</a:t>
             </a:fld>
             <a:endParaRPr lang="en-US" dirty="0"/>
           </a:p>
@@ -6801,6 +7033,10 @@
           <a:bodyPr/>
           <a:lstStyle/>
           <a:p>
+            <a:r>
+              <a:rPr lang="it-IT"/>
+              <a:t>Gestione Avanzata dell’Informazione – UNIMORE- 2019/2020</a:t>
+            </a:r>
             <a:endParaRPr lang="en-US" dirty="0"/>
           </a:p>
         </p:txBody>
@@ -6948,9 +7184,9 @@
           <a:bodyPr/>
           <a:lstStyle/>
           <a:p>
-            <a:fld id="{73C55A3C-5767-4844-A0A3-83778C2E5409}" type="datetime1">
+            <a:fld id="{B69383A4-7D1A-4470-B6C4-8FF803DCD5E6}" type="datetime1">
               <a:rPr lang="en-US" smtClean="0"/>
-              <a:t>11/8/2019</a:t>
+              <a:t>11/11/2019</a:t>
             </a:fld>
             <a:endParaRPr lang="en-US" dirty="0"/>
           </a:p>
@@ -6971,6 +7207,10 @@
           <a:bodyPr/>
           <a:lstStyle/>
           <a:p>
+            <a:r>
+              <a:rPr lang="it-IT"/>
+              <a:t>Gestione Avanzata dell’Informazione – UNIMORE- 2019/2020</a:t>
+            </a:r>
             <a:endParaRPr lang="en-US" dirty="0"/>
           </a:p>
         </p:txBody>
@@ -7192,9 +7432,9 @@
           <a:bodyPr/>
           <a:lstStyle/>
           <a:p>
-            <a:fld id="{CAE507A8-A5CF-4D38-AB86-7EDDA87A85D4}" type="datetime1">
+            <a:fld id="{85E88BAD-2D95-45F4-A01A-D955A7E29B40}" type="datetime1">
               <a:rPr lang="en-US" smtClean="0"/>
-              <a:t>11/8/2019</a:t>
+              <a:t>11/11/2019</a:t>
             </a:fld>
             <a:endParaRPr lang="en-US" dirty="0"/>
           </a:p>
@@ -7215,6 +7455,10 @@
           <a:bodyPr/>
           <a:lstStyle/>
           <a:p>
+            <a:r>
+              <a:rPr lang="it-IT"/>
+              <a:t>Gestione Avanzata dell’Informazione – UNIMORE- 2019/2020</a:t>
+            </a:r>
             <a:endParaRPr lang="en-US" dirty="0"/>
           </a:p>
         </p:txBody>
@@ -7434,9 +7678,9 @@
           <a:bodyPr/>
           <a:lstStyle/>
           <a:p>
-            <a:fld id="{BDFCD27C-8599-43EF-BA1D-14DDC1946E06}" type="datetime1">
+            <a:fld id="{0E92028E-E5AD-4C16-90FE-13D241197923}" type="datetime1">
               <a:rPr lang="en-US" smtClean="0"/>
-              <a:t>11/8/2019</a:t>
+              <a:t>11/11/2019</a:t>
             </a:fld>
             <a:endParaRPr lang="en-US" dirty="0"/>
           </a:p>
@@ -7457,6 +7701,10 @@
           <a:bodyPr/>
           <a:lstStyle/>
           <a:p>
+            <a:r>
+              <a:rPr lang="it-IT"/>
+              <a:t>Gestione Avanzata dell’Informazione – UNIMORE- 2019/2020</a:t>
+            </a:r>
             <a:endParaRPr lang="en-US" dirty="0"/>
           </a:p>
         </p:txBody>
@@ -7915,9 +8163,9 @@
           <a:bodyPr/>
           <a:lstStyle/>
           <a:p>
-            <a:fld id="{49343D99-809A-49C0-96E5-4250D0B498EE}" type="datetime1">
+            <a:fld id="{D0C81FA9-C04D-4CBA-AC5A-E3E6C44FAA9E}" type="datetime1">
               <a:rPr lang="en-US" smtClean="0"/>
-              <a:t>11/8/2019</a:t>
+              <a:t>11/11/2019</a:t>
             </a:fld>
             <a:endParaRPr lang="en-US" dirty="0"/>
           </a:p>
@@ -7938,6 +8186,10 @@
           <a:bodyPr/>
           <a:lstStyle/>
           <a:p>
+            <a:r>
+              <a:rPr lang="it-IT"/>
+              <a:t>Gestione Avanzata dell’Informazione – UNIMORE- 2019/2020</a:t>
+            </a:r>
             <a:endParaRPr lang="en-US" dirty="0"/>
           </a:p>
         </p:txBody>
@@ -8033,9 +8285,9 @@
           <a:bodyPr/>
           <a:lstStyle/>
           <a:p>
-            <a:fld id="{A143DE9B-B678-4EFB-BB7D-A4370204A0B0}" type="datetime1">
+            <a:fld id="{D1633EB8-7B08-4D2C-8283-9E0E06A195E0}" type="datetime1">
               <a:rPr lang="en-US" smtClean="0"/>
-              <a:t>11/8/2019</a:t>
+              <a:t>11/11/2019</a:t>
             </a:fld>
             <a:endParaRPr lang="en-US" dirty="0"/>
           </a:p>
@@ -8056,6 +8308,10 @@
           <a:bodyPr/>
           <a:lstStyle/>
           <a:p>
+            <a:r>
+              <a:rPr lang="it-IT"/>
+              <a:t>Gestione Avanzata dell’Informazione – UNIMORE- 2019/2020</a:t>
+            </a:r>
             <a:endParaRPr lang="en-US" dirty="0"/>
           </a:p>
         </p:txBody>
@@ -8128,9 +8384,9 @@
           <a:bodyPr/>
           <a:lstStyle/>
           <a:p>
-            <a:fld id="{E68812DA-F765-4142-A6A3-A8ED7235E082}" type="datetime1">
+            <a:fld id="{76E6ACD1-F798-4057-B1B3-28AFC947AA55}" type="datetime1">
               <a:rPr lang="en-US" smtClean="0"/>
-              <a:t>11/8/2019</a:t>
+              <a:t>11/11/2019</a:t>
             </a:fld>
             <a:endParaRPr lang="en-US" dirty="0"/>
           </a:p>
@@ -8151,6 +8407,10 @@
           <a:bodyPr/>
           <a:lstStyle/>
           <a:p>
+            <a:r>
+              <a:rPr lang="it-IT"/>
+              <a:t>Gestione Avanzata dell’Informazione – UNIMORE- 2019/2020</a:t>
+            </a:r>
             <a:endParaRPr lang="en-US" dirty="0"/>
           </a:p>
         </p:txBody>
@@ -8383,9 +8643,9 @@
           <a:bodyPr/>
           <a:lstStyle/>
           <a:p>
-            <a:fld id="{3E0277FD-7DE6-41D4-930D-AC99F5AFE54E}" type="datetime1">
+            <a:fld id="{D052FF3D-75DA-4DF0-9828-CF88B7326B65}" type="datetime1">
               <a:rPr lang="en-US" smtClean="0"/>
-              <a:t>11/8/2019</a:t>
+              <a:t>11/11/2019</a:t>
             </a:fld>
             <a:endParaRPr lang="en-US" dirty="0"/>
           </a:p>
@@ -8406,6 +8666,10 @@
           <a:bodyPr/>
           <a:lstStyle/>
           <a:p>
+            <a:r>
+              <a:rPr lang="it-IT"/>
+              <a:t>Gestione Avanzata dell’Informazione – UNIMORE- 2019/2020</a:t>
+            </a:r>
             <a:endParaRPr lang="en-US" dirty="0"/>
           </a:p>
         </p:txBody>
@@ -8690,9 +8954,9 @@
           <a:bodyPr/>
           <a:lstStyle/>
           <a:p>
-            <a:fld id="{9EA15526-7079-4B7B-987C-1B5FAE11A0FF}" type="datetime1">
+            <a:fld id="{A5929FA4-0F03-4E59-99FE-6FDBB13785AA}" type="datetime1">
               <a:rPr lang="en-US" smtClean="0"/>
-              <a:t>11/8/2019</a:t>
+              <a:t>11/11/2019</a:t>
             </a:fld>
             <a:endParaRPr lang="en-US" dirty="0"/>
           </a:p>
@@ -8714,6 +8978,10 @@
           <a:lstStyle/>
           <a:p>
             <a:pPr algn="l"/>
+            <a:r>
+              <a:rPr lang="it-IT"/>
+              <a:t>Gestione Avanzata dell’Informazione – UNIMORE- 2019/2020</a:t>
+            </a:r>
             <a:endParaRPr lang="en-US" dirty="0"/>
           </a:p>
         </p:txBody>
@@ -8925,9 +9193,9 @@
             </a:lvl1pPr>
           </a:lstStyle>
           <a:p>
-            <a:fld id="{073ED0CC-082F-4160-86E5-0D6041F12778}" type="datetime1">
+            <a:fld id="{EE481914-821C-4511-AD6A-120D964128A8}" type="datetime1">
               <a:rPr lang="en-US" smtClean="0"/>
-              <a:t>11/8/2019</a:t>
+              <a:t>11/11/2019</a:t>
             </a:fld>
             <a:endParaRPr lang="en-US" dirty="0"/>
           </a:p>
@@ -8973,6 +9241,10 @@
             </a:lvl1pPr>
           </a:lstStyle>
           <a:p>
+            <a:r>
+              <a:rPr lang="it-IT"/>
+              <a:t>Gestione Avanzata dell’Informazione – UNIMORE- 2019/2020</a:t>
+            </a:r>
             <a:endParaRPr lang="en-US" dirty="0"/>
           </a:p>
         </p:txBody>
@@ -9052,7 +9324,7 @@
     <p:sldLayoutId id="2147484029" r:id="rId16"/>
     <p:sldLayoutId id="2147484030" r:id="rId17"/>
   </p:sldLayoutIdLst>
-  <p:hf sldNum="0" hdr="0" ftr="0" dt="0"/>
+  <p:hf hdr="0" dt="0"/>
   <p:txStyles>
     <p:titleStyle>
       <a:lvl1pPr algn="ctr" defTabSz="457200" rtl="0" eaLnBrk="1" latinLnBrk="0" hangingPunct="1">
@@ -9978,6 +10250,64 @@
           </a:fontRef>
         </p:style>
       </p:sp>
+      <p:sp>
+        <p:nvSpPr>
+          <p:cNvPr id="6" name="Segnaposto piè di pagina 5">
+            <a:extLst>
+              <a:ext uri="{FF2B5EF4-FFF2-40B4-BE49-F238E27FC236}">
+                <a16:creationId xmlns:a16="http://schemas.microsoft.com/office/drawing/2014/main" id="{1738B549-996A-4593-B42F-4C5E30B0FC50}"/>
+              </a:ext>
+            </a:extLst>
+          </p:cNvPr>
+          <p:cNvSpPr>
+            <a:spLocks noGrp="1"/>
+          </p:cNvSpPr>
+          <p:nvPr>
+            <p:ph type="ftr" sz="quarter" idx="11"/>
+          </p:nvPr>
+        </p:nvSpPr>
+        <p:spPr/>
+        <p:txBody>
+          <a:bodyPr/>
+          <a:lstStyle/>
+          <a:p>
+            <a:r>
+              <a:rPr lang="it-IT"/>
+              <a:t>Gestione Avanzata dell’Informazione – UNIMORE- 2019/2020</a:t>
+            </a:r>
+            <a:endParaRPr lang="en-US" dirty="0"/>
+          </a:p>
+        </p:txBody>
+      </p:sp>
+      <p:sp>
+        <p:nvSpPr>
+          <p:cNvPr id="7" name="Segnaposto numero diapositiva 6">
+            <a:extLst>
+              <a:ext uri="{FF2B5EF4-FFF2-40B4-BE49-F238E27FC236}">
+                <a16:creationId xmlns:a16="http://schemas.microsoft.com/office/drawing/2014/main" id="{55EC184C-0776-4CFD-9B76-538F233F4683}"/>
+              </a:ext>
+            </a:extLst>
+          </p:cNvPr>
+          <p:cNvSpPr>
+            <a:spLocks noGrp="1"/>
+          </p:cNvSpPr>
+          <p:nvPr>
+            <p:ph type="sldNum" sz="quarter" idx="12"/>
+          </p:nvPr>
+        </p:nvSpPr>
+        <p:spPr/>
+        <p:txBody>
+          <a:bodyPr/>
+          <a:lstStyle/>
+          <a:p>
+            <a:fld id="{3A98EE3D-8CD1-4C3F-BD1C-C98C9596463C}" type="slidenum">
+              <a:rPr lang="en-US" smtClean="0"/>
+              <a:t>10</a:t>
+            </a:fld>
+            <a:endParaRPr lang="en-US" dirty="0"/>
+          </a:p>
+        </p:txBody>
+      </p:sp>
     </p:spTree>
     <p:extLst>
       <p:ext uri="{BB962C8B-B14F-4D97-AF65-F5344CB8AC3E}">
@@ -10179,6 +10509,64 @@
           </a:fontRef>
         </p:style>
       </p:sp>
+      <p:sp>
+        <p:nvSpPr>
+          <p:cNvPr id="4" name="Segnaposto piè di pagina 3">
+            <a:extLst>
+              <a:ext uri="{FF2B5EF4-FFF2-40B4-BE49-F238E27FC236}">
+                <a16:creationId xmlns:a16="http://schemas.microsoft.com/office/drawing/2014/main" id="{E6D0A6E1-C30A-4012-8700-786F5093477A}"/>
+              </a:ext>
+            </a:extLst>
+          </p:cNvPr>
+          <p:cNvSpPr>
+            <a:spLocks noGrp="1"/>
+          </p:cNvSpPr>
+          <p:nvPr>
+            <p:ph type="ftr" sz="quarter" idx="11"/>
+          </p:nvPr>
+        </p:nvSpPr>
+        <p:spPr/>
+        <p:txBody>
+          <a:bodyPr/>
+          <a:lstStyle/>
+          <a:p>
+            <a:r>
+              <a:rPr lang="it-IT"/>
+              <a:t>Gestione Avanzata dell’Informazione – UNIMORE- 2019/2020</a:t>
+            </a:r>
+            <a:endParaRPr lang="en-US" dirty="0"/>
+          </a:p>
+        </p:txBody>
+      </p:sp>
+      <p:sp>
+        <p:nvSpPr>
+          <p:cNvPr id="5" name="Segnaposto numero diapositiva 4">
+            <a:extLst>
+              <a:ext uri="{FF2B5EF4-FFF2-40B4-BE49-F238E27FC236}">
+                <a16:creationId xmlns:a16="http://schemas.microsoft.com/office/drawing/2014/main" id="{11E082F5-B252-49CD-8795-1DC97B9B53A1}"/>
+              </a:ext>
+            </a:extLst>
+          </p:cNvPr>
+          <p:cNvSpPr>
+            <a:spLocks noGrp="1"/>
+          </p:cNvSpPr>
+          <p:nvPr>
+            <p:ph type="sldNum" sz="quarter" idx="12"/>
+          </p:nvPr>
+        </p:nvSpPr>
+        <p:spPr/>
+        <p:txBody>
+          <a:bodyPr/>
+          <a:lstStyle/>
+          <a:p>
+            <a:fld id="{3A98EE3D-8CD1-4C3F-BD1C-C98C9596463C}" type="slidenum">
+              <a:rPr lang="en-US" smtClean="0"/>
+              <a:t>11</a:t>
+            </a:fld>
+            <a:endParaRPr lang="en-US" dirty="0"/>
+          </a:p>
+        </p:txBody>
+      </p:sp>
     </p:spTree>
     <p:extLst>
       <p:ext uri="{BB962C8B-B14F-4D97-AF65-F5344CB8AC3E}">
@@ -10380,7 +10768,7 @@
         </p:nvSpPr>
         <p:spPr>
           <a:xfrm>
-            <a:off x="913795" y="963506"/>
+            <a:off x="913795" y="963505"/>
             <a:ext cx="3740815" cy="4827693"/>
           </a:xfrm>
         </p:spPr>
@@ -10525,6 +10913,157 @@
               </a:rPr>
               <a:t>Supporto per ricerche full-text in base al linguaggio proposto.</a:t>
             </a:r>
+          </a:p>
+        </p:txBody>
+      </p:sp>
+      <p:sp>
+        <p:nvSpPr>
+          <p:cNvPr id="3" name="Segnaposto piè di pagina 2">
+            <a:extLst>
+              <a:ext uri="{FF2B5EF4-FFF2-40B4-BE49-F238E27FC236}">
+                <a16:creationId xmlns:a16="http://schemas.microsoft.com/office/drawing/2014/main" id="{998A0AD6-393D-4700-8679-9D46C5F3DE57}"/>
+              </a:ext>
+            </a:extLst>
+          </p:cNvPr>
+          <p:cNvSpPr>
+            <a:spLocks noGrp="1"/>
+          </p:cNvSpPr>
+          <p:nvPr>
+            <p:ph type="ftr" sz="quarter" idx="11"/>
+          </p:nvPr>
+        </p:nvSpPr>
+        <p:spPr/>
+        <p:txBody>
+          <a:bodyPr/>
+          <a:lstStyle/>
+          <a:p>
+            <a:r>
+              <a:rPr lang="it-IT"/>
+              <a:t>Gestione Avanzata dell’Informazione – UNIMORE- 2019/2020</a:t>
+            </a:r>
+            <a:endParaRPr lang="en-US" dirty="0"/>
+          </a:p>
+        </p:txBody>
+      </p:sp>
+      <p:sp>
+        <p:nvSpPr>
+          <p:cNvPr id="4" name="Segnaposto numero diapositiva 3">
+            <a:extLst>
+              <a:ext uri="{FF2B5EF4-FFF2-40B4-BE49-F238E27FC236}">
+                <a16:creationId xmlns:a16="http://schemas.microsoft.com/office/drawing/2014/main" id="{DE6DF356-ACDB-4574-B83E-C45F699B0C85}"/>
+              </a:ext>
+            </a:extLst>
+          </p:cNvPr>
+          <p:cNvSpPr>
+            <a:spLocks noGrp="1"/>
+          </p:cNvSpPr>
+          <p:nvPr>
+            <p:ph type="sldNum" sz="quarter" idx="12"/>
+          </p:nvPr>
+        </p:nvSpPr>
+        <p:spPr/>
+        <p:txBody>
+          <a:bodyPr/>
+          <a:lstStyle/>
+          <a:p>
+            <a:fld id="{3A98EE3D-8CD1-4C3F-BD1C-C98C9596463C}" type="slidenum">
+              <a:rPr lang="en-US" smtClean="0"/>
+              <a:t>2</a:t>
+            </a:fld>
+            <a:endParaRPr lang="en-US" dirty="0"/>
+          </a:p>
+        </p:txBody>
+      </p:sp>
+      <p:sp>
+        <p:nvSpPr>
+          <p:cNvPr id="12" name="CasellaDiTesto 11">
+            <a:hlinkClick r:id="rId3" action="ppaction://hlinksldjump"/>
+            <a:extLst>
+              <a:ext uri="{FF2B5EF4-FFF2-40B4-BE49-F238E27FC236}">
+                <a16:creationId xmlns:a16="http://schemas.microsoft.com/office/drawing/2014/main" id="{A85D1A10-DBC1-4BFC-A8A5-441B75E5AC10}"/>
+              </a:ext>
+            </a:extLst>
+          </p:cNvPr>
+          <p:cNvSpPr txBox="1"/>
+          <p:nvPr/>
+        </p:nvSpPr>
+        <p:spPr>
+          <a:xfrm>
+            <a:off x="3193366" y="106178"/>
+            <a:ext cx="8677069" cy="307777"/>
+          </a:xfrm>
+          <a:prstGeom prst="rect">
+            <a:avLst/>
+          </a:prstGeom>
+          <a:noFill/>
+        </p:spPr>
+        <p:txBody>
+          <a:bodyPr wrap="square" rtlCol="0">
+            <a:spAutoFit/>
+          </a:bodyPr>
+          <a:lstStyle/>
+          <a:p>
+            <a:r>
+              <a:rPr lang="it-IT" sz="1400" dirty="0">
+                <a:latin typeface="Cambria Math" panose="02040503050406030204" pitchFamily="18" charset="0"/>
+                <a:ea typeface="Cambria Math" panose="02040503050406030204" pitchFamily="18" charset="0"/>
+              </a:rPr>
+              <a:t>◇ ◆ ◽◾♢♦</a:t>
+            </a:r>
+            <a:endParaRPr lang="it-IT" sz="1400" dirty="0"/>
+          </a:p>
+        </p:txBody>
+      </p:sp>
+      <p:sp>
+        <p:nvSpPr>
+          <p:cNvPr id="7" name="CasellaDiTesto 6">
+            <a:hlinkClick r:id="rId3" action="ppaction://hlinksldjump"/>
+            <a:extLst>
+              <a:ext uri="{FF2B5EF4-FFF2-40B4-BE49-F238E27FC236}">
+                <a16:creationId xmlns:a16="http://schemas.microsoft.com/office/drawing/2014/main" id="{6329A0A9-D2F1-4E2A-B4E9-C90EFE4A4859}"/>
+              </a:ext>
+            </a:extLst>
+          </p:cNvPr>
+          <p:cNvSpPr txBox="1"/>
+          <p:nvPr/>
+        </p:nvSpPr>
+        <p:spPr>
+          <a:xfrm flipH="1">
+            <a:off x="321563" y="172528"/>
+            <a:ext cx="986731" cy="584775"/>
+          </a:xfrm>
+          <a:prstGeom prst="rect">
+            <a:avLst/>
+          </a:prstGeom>
+          <a:noFill/>
+        </p:spPr>
+        <p:txBody>
+          <a:bodyPr wrap="square" rtlCol="0">
+            <a:spAutoFit/>
+          </a:bodyPr>
+          <a:lstStyle/>
+          <a:p>
+            <a:r>
+              <a:rPr lang="it-IT" sz="1400" dirty="0">
+                <a:latin typeface="Cambria Math" panose="02040503050406030204" pitchFamily="18" charset="0"/>
+                <a:ea typeface="Cambria Math" panose="02040503050406030204" pitchFamily="18" charset="0"/>
+              </a:rPr>
+              <a:t>Obbiettivi</a:t>
+            </a:r>
+            <a:endParaRPr lang="it-IT" dirty="0">
+              <a:latin typeface="Cambria Math" panose="02040503050406030204" pitchFamily="18" charset="0"/>
+              <a:ea typeface="Cambria Math" panose="02040503050406030204" pitchFamily="18" charset="0"/>
+            </a:endParaRPr>
+          </a:p>
+          <a:p>
+            <a:r>
+              <a:rPr lang="it-IT" dirty="0">
+                <a:latin typeface="Cambria Math" panose="02040503050406030204" pitchFamily="18" charset="0"/>
+                <a:ea typeface="Cambria Math" panose="02040503050406030204" pitchFamily="18" charset="0"/>
+              </a:rPr>
+              <a:t>      ◆</a:t>
+            </a:r>
+            <a:endParaRPr lang="it-IT" dirty="0"/>
           </a:p>
         </p:txBody>
       </p:sp>
@@ -11094,6 +11633,174 @@
           </a:p>
         </p:txBody>
       </p:sp>
+      <p:sp>
+        <p:nvSpPr>
+          <p:cNvPr id="4" name="Segnaposto piè di pagina 3">
+            <a:extLst>
+              <a:ext uri="{FF2B5EF4-FFF2-40B4-BE49-F238E27FC236}">
+                <a16:creationId xmlns:a16="http://schemas.microsoft.com/office/drawing/2014/main" id="{F8E065BB-97BC-4066-8356-AE139F21BCCF}"/>
+              </a:ext>
+            </a:extLst>
+          </p:cNvPr>
+          <p:cNvSpPr>
+            <a:spLocks noGrp="1"/>
+          </p:cNvSpPr>
+          <p:nvPr>
+            <p:ph type="ftr" sz="quarter" idx="11"/>
+          </p:nvPr>
+        </p:nvSpPr>
+        <p:spPr/>
+        <p:txBody>
+          <a:bodyPr/>
+          <a:lstStyle/>
+          <a:p>
+            <a:r>
+              <a:rPr lang="it-IT"/>
+              <a:t>Gestione Avanzata dell’Informazione – UNIMORE- 2019/2020</a:t>
+            </a:r>
+            <a:endParaRPr lang="en-US" dirty="0"/>
+          </a:p>
+        </p:txBody>
+      </p:sp>
+      <p:sp>
+        <p:nvSpPr>
+          <p:cNvPr id="5" name="Segnaposto numero diapositiva 4">
+            <a:extLst>
+              <a:ext uri="{FF2B5EF4-FFF2-40B4-BE49-F238E27FC236}">
+                <a16:creationId xmlns:a16="http://schemas.microsoft.com/office/drawing/2014/main" id="{65D84721-D54C-468C-9A6E-D2D5FCC491C0}"/>
+              </a:ext>
+            </a:extLst>
+          </p:cNvPr>
+          <p:cNvSpPr>
+            <a:spLocks noGrp="1"/>
+          </p:cNvSpPr>
+          <p:nvPr>
+            <p:ph type="sldNum" sz="quarter" idx="12"/>
+          </p:nvPr>
+        </p:nvSpPr>
+        <p:spPr/>
+        <p:txBody>
+          <a:bodyPr/>
+          <a:lstStyle/>
+          <a:p>
+            <a:fld id="{3A98EE3D-8CD1-4C3F-BD1C-C98C9596463C}" type="slidenum">
+              <a:rPr lang="en-US" smtClean="0"/>
+              <a:t>3</a:t>
+            </a:fld>
+            <a:endParaRPr lang="en-US" dirty="0"/>
+          </a:p>
+        </p:txBody>
+      </p:sp>
+      <p:sp>
+        <p:nvSpPr>
+          <p:cNvPr id="9" name="CasellaDiTesto 8">
+            <a:extLst>
+              <a:ext uri="{FF2B5EF4-FFF2-40B4-BE49-F238E27FC236}">
+                <a16:creationId xmlns:a16="http://schemas.microsoft.com/office/drawing/2014/main" id="{1DEDFF93-B9D0-4FAE-B2D7-D5C18275828A}"/>
+              </a:ext>
+            </a:extLst>
+          </p:cNvPr>
+          <p:cNvSpPr txBox="1"/>
+          <p:nvPr/>
+        </p:nvSpPr>
+        <p:spPr>
+          <a:xfrm>
+            <a:off x="3545058" y="109248"/>
+            <a:ext cx="8321024" cy="523220"/>
+          </a:xfrm>
+          <a:prstGeom prst="rect">
+            <a:avLst/>
+          </a:prstGeom>
+          <a:noFill/>
+        </p:spPr>
+        <p:txBody>
+          <a:bodyPr wrap="square" rtlCol="0">
+            <a:spAutoFit/>
+          </a:bodyPr>
+          <a:lstStyle/>
+          <a:p>
+            <a:r>
+              <a:rPr lang="it-IT" sz="1400" dirty="0">
+                <a:latin typeface="Cambria Math" panose="02040503050406030204" pitchFamily="18" charset="0"/>
+                <a:ea typeface="Cambria Math" panose="02040503050406030204" pitchFamily="18" charset="0"/>
+                <a:hlinkClick r:id="rId4" action="ppaction://hlinksldjump"/>
+              </a:rPr>
+              <a:t>Obbiettivi</a:t>
+            </a:r>
+          </a:p>
+          <a:p>
+            <a:r>
+              <a:rPr lang="it-IT" sz="1400" dirty="0">
+                <a:latin typeface="Cambria Math" panose="02040503050406030204" pitchFamily="18" charset="0"/>
+                <a:ea typeface="Cambria Math" panose="02040503050406030204" pitchFamily="18" charset="0"/>
+                <a:hlinkClick r:id="rId4" action="ppaction://hlinksldjump"/>
+              </a:rPr>
+              <a:t>     ◇ </a:t>
+            </a:r>
+            <a:r>
+              <a:rPr lang="it-IT" sz="1400" dirty="0">
+                <a:latin typeface="Cambria Math" panose="02040503050406030204" pitchFamily="18" charset="0"/>
+                <a:ea typeface="Cambria Math" panose="02040503050406030204" pitchFamily="18" charset="0"/>
+              </a:rPr>
+              <a:t>		 ◇ ◆ ◽◾♢♦</a:t>
+            </a:r>
+            <a:endParaRPr lang="it-IT" sz="1400" dirty="0"/>
+          </a:p>
+        </p:txBody>
+      </p:sp>
+      <p:sp>
+        <p:nvSpPr>
+          <p:cNvPr id="12" name="CasellaDiTesto 11">
+            <a:hlinkClick r:id="rId4" action="ppaction://hlinksldjump"/>
+            <a:extLst>
+              <a:ext uri="{FF2B5EF4-FFF2-40B4-BE49-F238E27FC236}">
+                <a16:creationId xmlns:a16="http://schemas.microsoft.com/office/drawing/2014/main" id="{2D9C97D2-CF39-4289-8B4C-52172E6D047A}"/>
+              </a:ext>
+            </a:extLst>
+          </p:cNvPr>
+          <p:cNvSpPr txBox="1"/>
+          <p:nvPr/>
+        </p:nvSpPr>
+        <p:spPr>
+          <a:xfrm flipH="1">
+            <a:off x="321563" y="172528"/>
+            <a:ext cx="986731" cy="584775"/>
+          </a:xfrm>
+          <a:prstGeom prst="rect">
+            <a:avLst/>
+          </a:prstGeom>
+          <a:noFill/>
+        </p:spPr>
+        <p:txBody>
+          <a:bodyPr wrap="square" rtlCol="0">
+            <a:spAutoFit/>
+          </a:bodyPr>
+          <a:lstStyle/>
+          <a:p>
+            <a:r>
+              <a:rPr lang="it-IT" sz="1400" dirty="0">
+                <a:latin typeface="Cambria Math" panose="02040503050406030204" pitchFamily="18" charset="0"/>
+                <a:ea typeface="Cambria Math" panose="02040503050406030204" pitchFamily="18" charset="0"/>
+              </a:rPr>
+              <a:t>Obbiettivi</a:t>
+            </a:r>
+            <a:endParaRPr lang="it-IT" dirty="0">
+              <a:latin typeface="Cambria Math" panose="02040503050406030204" pitchFamily="18" charset="0"/>
+              <a:ea typeface="Cambria Math" panose="02040503050406030204" pitchFamily="18" charset="0"/>
+            </a:endParaRPr>
+          </a:p>
+          <a:p>
+            <a:r>
+              <a:rPr lang="it-IT" dirty="0">
+                <a:latin typeface="Cambria Math" panose="02040503050406030204" pitchFamily="18" charset="0"/>
+                <a:ea typeface="Cambria Math" panose="02040503050406030204" pitchFamily="18" charset="0"/>
+              </a:rPr>
+              <a:t>     ◇</a:t>
+            </a:r>
+            <a:endParaRPr lang="it-IT" dirty="0"/>
+          </a:p>
+        </p:txBody>
+      </p:sp>
     </p:spTree>
     <p:extLst>
       <p:ext uri="{BB962C8B-B14F-4D97-AF65-F5344CB8AC3E}">
@@ -11209,6 +11916,64 @@
           </a:graphicData>
         </a:graphic>
       </p:graphicFrame>
+      <p:sp>
+        <p:nvSpPr>
+          <p:cNvPr id="3" name="Segnaposto piè di pagina 2">
+            <a:extLst>
+              <a:ext uri="{FF2B5EF4-FFF2-40B4-BE49-F238E27FC236}">
+                <a16:creationId xmlns:a16="http://schemas.microsoft.com/office/drawing/2014/main" id="{A9422D18-5F9C-428B-A9D2-267F8A2C5FE7}"/>
+              </a:ext>
+            </a:extLst>
+          </p:cNvPr>
+          <p:cNvSpPr>
+            <a:spLocks noGrp="1"/>
+          </p:cNvSpPr>
+          <p:nvPr>
+            <p:ph type="ftr" sz="quarter" idx="11"/>
+          </p:nvPr>
+        </p:nvSpPr>
+        <p:spPr/>
+        <p:txBody>
+          <a:bodyPr/>
+          <a:lstStyle/>
+          <a:p>
+            <a:r>
+              <a:rPr lang="it-IT"/>
+              <a:t>Gestione Avanzata dell’Informazione – UNIMORE- 2019/2020</a:t>
+            </a:r>
+            <a:endParaRPr lang="en-US" dirty="0"/>
+          </a:p>
+        </p:txBody>
+      </p:sp>
+      <p:sp>
+        <p:nvSpPr>
+          <p:cNvPr id="4" name="Segnaposto numero diapositiva 3">
+            <a:extLst>
+              <a:ext uri="{FF2B5EF4-FFF2-40B4-BE49-F238E27FC236}">
+                <a16:creationId xmlns:a16="http://schemas.microsoft.com/office/drawing/2014/main" id="{478BB79E-8481-4221-B5AA-3E5B4E6234E5}"/>
+              </a:ext>
+            </a:extLst>
+          </p:cNvPr>
+          <p:cNvSpPr>
+            <a:spLocks noGrp="1"/>
+          </p:cNvSpPr>
+          <p:nvPr>
+            <p:ph type="sldNum" sz="quarter" idx="12"/>
+          </p:nvPr>
+        </p:nvSpPr>
+        <p:spPr/>
+        <p:txBody>
+          <a:bodyPr/>
+          <a:lstStyle/>
+          <a:p>
+            <a:fld id="{3A98EE3D-8CD1-4C3F-BD1C-C98C9596463C}" type="slidenum">
+              <a:rPr lang="en-US" smtClean="0"/>
+              <a:t>4</a:t>
+            </a:fld>
+            <a:endParaRPr lang="en-US" dirty="0"/>
+          </a:p>
+        </p:txBody>
+      </p:sp>
     </p:spTree>
     <p:extLst>
       <p:ext uri="{BB962C8B-B14F-4D97-AF65-F5344CB8AC3E}">
@@ -11406,6 +12171,64 @@
           </a:fontRef>
         </p:style>
       </p:sp>
+      <p:sp>
+        <p:nvSpPr>
+          <p:cNvPr id="6" name="Segnaposto piè di pagina 5">
+            <a:extLst>
+              <a:ext uri="{FF2B5EF4-FFF2-40B4-BE49-F238E27FC236}">
+                <a16:creationId xmlns:a16="http://schemas.microsoft.com/office/drawing/2014/main" id="{C3B8C465-BE51-464A-8E3E-372230515749}"/>
+              </a:ext>
+            </a:extLst>
+          </p:cNvPr>
+          <p:cNvSpPr>
+            <a:spLocks noGrp="1"/>
+          </p:cNvSpPr>
+          <p:nvPr>
+            <p:ph type="ftr" sz="quarter" idx="11"/>
+          </p:nvPr>
+        </p:nvSpPr>
+        <p:spPr/>
+        <p:txBody>
+          <a:bodyPr/>
+          <a:lstStyle/>
+          <a:p>
+            <a:r>
+              <a:rPr lang="it-IT"/>
+              <a:t>Gestione Avanzata dell’Informazione – UNIMORE- 2019/2020</a:t>
+            </a:r>
+            <a:endParaRPr lang="en-US" dirty="0"/>
+          </a:p>
+        </p:txBody>
+      </p:sp>
+      <p:sp>
+        <p:nvSpPr>
+          <p:cNvPr id="7" name="Segnaposto numero diapositiva 6">
+            <a:extLst>
+              <a:ext uri="{FF2B5EF4-FFF2-40B4-BE49-F238E27FC236}">
+                <a16:creationId xmlns:a16="http://schemas.microsoft.com/office/drawing/2014/main" id="{836BF468-01FC-44DB-A0B0-CDB3B01466A3}"/>
+              </a:ext>
+            </a:extLst>
+          </p:cNvPr>
+          <p:cNvSpPr>
+            <a:spLocks noGrp="1"/>
+          </p:cNvSpPr>
+          <p:nvPr>
+            <p:ph type="sldNum" sz="quarter" idx="12"/>
+          </p:nvPr>
+        </p:nvSpPr>
+        <p:spPr/>
+        <p:txBody>
+          <a:bodyPr/>
+          <a:lstStyle/>
+          <a:p>
+            <a:fld id="{3A98EE3D-8CD1-4C3F-BD1C-C98C9596463C}" type="slidenum">
+              <a:rPr lang="en-US" smtClean="0"/>
+              <a:t>5</a:t>
+            </a:fld>
+            <a:endParaRPr lang="en-US" dirty="0"/>
+          </a:p>
+        </p:txBody>
+      </p:sp>
     </p:spTree>
     <p:extLst>
       <p:ext uri="{BB962C8B-B14F-4D97-AF65-F5344CB8AC3E}">
@@ -11607,6 +12430,64 @@
           </a:fontRef>
         </p:style>
       </p:sp>
+      <p:sp>
+        <p:nvSpPr>
+          <p:cNvPr id="6" name="Segnaposto piè di pagina 5">
+            <a:extLst>
+              <a:ext uri="{FF2B5EF4-FFF2-40B4-BE49-F238E27FC236}">
+                <a16:creationId xmlns:a16="http://schemas.microsoft.com/office/drawing/2014/main" id="{6064E8CF-F401-47DC-B161-8D8D45EC1FDF}"/>
+              </a:ext>
+            </a:extLst>
+          </p:cNvPr>
+          <p:cNvSpPr>
+            <a:spLocks noGrp="1"/>
+          </p:cNvSpPr>
+          <p:nvPr>
+            <p:ph type="ftr" sz="quarter" idx="11"/>
+          </p:nvPr>
+        </p:nvSpPr>
+        <p:spPr/>
+        <p:txBody>
+          <a:bodyPr/>
+          <a:lstStyle/>
+          <a:p>
+            <a:r>
+              <a:rPr lang="it-IT"/>
+              <a:t>Gestione Avanzata dell’Informazione – UNIMORE- 2019/2020</a:t>
+            </a:r>
+            <a:endParaRPr lang="en-US" dirty="0"/>
+          </a:p>
+        </p:txBody>
+      </p:sp>
+      <p:sp>
+        <p:nvSpPr>
+          <p:cNvPr id="7" name="Segnaposto numero diapositiva 6">
+            <a:extLst>
+              <a:ext uri="{FF2B5EF4-FFF2-40B4-BE49-F238E27FC236}">
+                <a16:creationId xmlns:a16="http://schemas.microsoft.com/office/drawing/2014/main" id="{304F6459-7C24-470F-A925-B3B10D194F76}"/>
+              </a:ext>
+            </a:extLst>
+          </p:cNvPr>
+          <p:cNvSpPr>
+            <a:spLocks noGrp="1"/>
+          </p:cNvSpPr>
+          <p:nvPr>
+            <p:ph type="sldNum" sz="quarter" idx="12"/>
+          </p:nvPr>
+        </p:nvSpPr>
+        <p:spPr/>
+        <p:txBody>
+          <a:bodyPr/>
+          <a:lstStyle/>
+          <a:p>
+            <a:fld id="{3A98EE3D-8CD1-4C3F-BD1C-C98C9596463C}" type="slidenum">
+              <a:rPr lang="en-US" smtClean="0"/>
+              <a:t>6</a:t>
+            </a:fld>
+            <a:endParaRPr lang="en-US" dirty="0"/>
+          </a:p>
+        </p:txBody>
+      </p:sp>
     </p:spTree>
     <p:extLst>
       <p:ext uri="{BB962C8B-B14F-4D97-AF65-F5344CB8AC3E}">
@@ -11804,6 +12685,64 @@
           </a:fontRef>
         </p:style>
       </p:sp>
+      <p:sp>
+        <p:nvSpPr>
+          <p:cNvPr id="6" name="Segnaposto piè di pagina 5">
+            <a:extLst>
+              <a:ext uri="{FF2B5EF4-FFF2-40B4-BE49-F238E27FC236}">
+                <a16:creationId xmlns:a16="http://schemas.microsoft.com/office/drawing/2014/main" id="{E95EE388-108A-4DDF-BD49-6244C98B349E}"/>
+              </a:ext>
+            </a:extLst>
+          </p:cNvPr>
+          <p:cNvSpPr>
+            <a:spLocks noGrp="1"/>
+          </p:cNvSpPr>
+          <p:nvPr>
+            <p:ph type="ftr" sz="quarter" idx="11"/>
+          </p:nvPr>
+        </p:nvSpPr>
+        <p:spPr/>
+        <p:txBody>
+          <a:bodyPr/>
+          <a:lstStyle/>
+          <a:p>
+            <a:r>
+              <a:rPr lang="it-IT"/>
+              <a:t>Gestione Avanzata dell’Informazione – UNIMORE- 2019/2020</a:t>
+            </a:r>
+            <a:endParaRPr lang="en-US" dirty="0"/>
+          </a:p>
+        </p:txBody>
+      </p:sp>
+      <p:sp>
+        <p:nvSpPr>
+          <p:cNvPr id="7" name="Segnaposto numero diapositiva 6">
+            <a:extLst>
+              <a:ext uri="{FF2B5EF4-FFF2-40B4-BE49-F238E27FC236}">
+                <a16:creationId xmlns:a16="http://schemas.microsoft.com/office/drawing/2014/main" id="{855FB0FF-DCDD-413E-B72B-BF9FF562A752}"/>
+              </a:ext>
+            </a:extLst>
+          </p:cNvPr>
+          <p:cNvSpPr>
+            <a:spLocks noGrp="1"/>
+          </p:cNvSpPr>
+          <p:nvPr>
+            <p:ph type="sldNum" sz="quarter" idx="12"/>
+          </p:nvPr>
+        </p:nvSpPr>
+        <p:spPr/>
+        <p:txBody>
+          <a:bodyPr/>
+          <a:lstStyle/>
+          <a:p>
+            <a:fld id="{3A98EE3D-8CD1-4C3F-BD1C-C98C9596463C}" type="slidenum">
+              <a:rPr lang="en-US" smtClean="0"/>
+              <a:t>7</a:t>
+            </a:fld>
+            <a:endParaRPr lang="en-US" dirty="0"/>
+          </a:p>
+        </p:txBody>
+      </p:sp>
     </p:spTree>
     <p:extLst>
       <p:ext uri="{BB962C8B-B14F-4D97-AF65-F5344CB8AC3E}">
@@ -12001,6 +12940,64 @@
           </a:fontRef>
         </p:style>
       </p:sp>
+      <p:sp>
+        <p:nvSpPr>
+          <p:cNvPr id="6" name="Segnaposto piè di pagina 5">
+            <a:extLst>
+              <a:ext uri="{FF2B5EF4-FFF2-40B4-BE49-F238E27FC236}">
+                <a16:creationId xmlns:a16="http://schemas.microsoft.com/office/drawing/2014/main" id="{4CE40CF5-1688-4A4B-A273-C950089BF573}"/>
+              </a:ext>
+            </a:extLst>
+          </p:cNvPr>
+          <p:cNvSpPr>
+            <a:spLocks noGrp="1"/>
+          </p:cNvSpPr>
+          <p:nvPr>
+            <p:ph type="ftr" sz="quarter" idx="11"/>
+          </p:nvPr>
+        </p:nvSpPr>
+        <p:spPr/>
+        <p:txBody>
+          <a:bodyPr/>
+          <a:lstStyle/>
+          <a:p>
+            <a:r>
+              <a:rPr lang="it-IT"/>
+              <a:t>Gestione Avanzata dell’Informazione – UNIMORE- 2019/2020</a:t>
+            </a:r>
+            <a:endParaRPr lang="en-US" dirty="0"/>
+          </a:p>
+        </p:txBody>
+      </p:sp>
+      <p:sp>
+        <p:nvSpPr>
+          <p:cNvPr id="7" name="Segnaposto numero diapositiva 6">
+            <a:extLst>
+              <a:ext uri="{FF2B5EF4-FFF2-40B4-BE49-F238E27FC236}">
+                <a16:creationId xmlns:a16="http://schemas.microsoft.com/office/drawing/2014/main" id="{9A2DB2CE-4952-4434-87B2-8663EF1EC0FA}"/>
+              </a:ext>
+            </a:extLst>
+          </p:cNvPr>
+          <p:cNvSpPr>
+            <a:spLocks noGrp="1"/>
+          </p:cNvSpPr>
+          <p:nvPr>
+            <p:ph type="sldNum" sz="quarter" idx="12"/>
+          </p:nvPr>
+        </p:nvSpPr>
+        <p:spPr/>
+        <p:txBody>
+          <a:bodyPr/>
+          <a:lstStyle/>
+          <a:p>
+            <a:fld id="{3A98EE3D-8CD1-4C3F-BD1C-C98C9596463C}" type="slidenum">
+              <a:rPr lang="en-US" smtClean="0"/>
+              <a:t>8</a:t>
+            </a:fld>
+            <a:endParaRPr lang="en-US" dirty="0"/>
+          </a:p>
+        </p:txBody>
+      </p:sp>
     </p:spTree>
     <p:extLst>
       <p:ext uri="{BB962C8B-B14F-4D97-AF65-F5344CB8AC3E}">
@@ -12197,6 +13194,64 @@
             </a:schemeClr>
           </a:fontRef>
         </p:style>
+      </p:sp>
+      <p:sp>
+        <p:nvSpPr>
+          <p:cNvPr id="6" name="Segnaposto piè di pagina 5">
+            <a:extLst>
+              <a:ext uri="{FF2B5EF4-FFF2-40B4-BE49-F238E27FC236}">
+                <a16:creationId xmlns:a16="http://schemas.microsoft.com/office/drawing/2014/main" id="{D19B4878-AF6A-4E5A-998B-07E3A78E6661}"/>
+              </a:ext>
+            </a:extLst>
+          </p:cNvPr>
+          <p:cNvSpPr>
+            <a:spLocks noGrp="1"/>
+          </p:cNvSpPr>
+          <p:nvPr>
+            <p:ph type="ftr" sz="quarter" idx="11"/>
+          </p:nvPr>
+        </p:nvSpPr>
+        <p:spPr/>
+        <p:txBody>
+          <a:bodyPr/>
+          <a:lstStyle/>
+          <a:p>
+            <a:r>
+              <a:rPr lang="it-IT"/>
+              <a:t>Gestione Avanzata dell’Informazione – UNIMORE- 2019/2020</a:t>
+            </a:r>
+            <a:endParaRPr lang="en-US" dirty="0"/>
+          </a:p>
+        </p:txBody>
+      </p:sp>
+      <p:sp>
+        <p:nvSpPr>
+          <p:cNvPr id="7" name="Segnaposto numero diapositiva 6">
+            <a:extLst>
+              <a:ext uri="{FF2B5EF4-FFF2-40B4-BE49-F238E27FC236}">
+                <a16:creationId xmlns:a16="http://schemas.microsoft.com/office/drawing/2014/main" id="{A20D9697-7EAC-49A9-B1F0-7C2BB4D4B700}"/>
+              </a:ext>
+            </a:extLst>
+          </p:cNvPr>
+          <p:cNvSpPr>
+            <a:spLocks noGrp="1"/>
+          </p:cNvSpPr>
+          <p:nvPr>
+            <p:ph type="sldNum" sz="quarter" idx="12"/>
+          </p:nvPr>
+        </p:nvSpPr>
+        <p:spPr/>
+        <p:txBody>
+          <a:bodyPr/>
+          <a:lstStyle/>
+          <a:p>
+            <a:fld id="{3A98EE3D-8CD1-4C3F-BD1C-C98C9596463C}" type="slidenum">
+              <a:rPr lang="en-US" smtClean="0"/>
+              <a:t>9</a:t>
+            </a:fld>
+            <a:endParaRPr lang="en-US" dirty="0"/>
+          </a:p>
+        </p:txBody>
       </p:sp>
     </p:spTree>
     <p:extLst>
@@ -12746,4 +13801,299 @@
     </a:ext>
   </a:extLst>
 </a:theme>
+</file>
+
+<file path=ppt/theme/theme3.xml><?xml version="1.0" encoding="utf-8"?>
+<a:theme xmlns:a="http://schemas.openxmlformats.org/drawingml/2006/main" name="Tema di Office">
+  <a:themeElements>
+    <a:clrScheme name="Office">
+      <a:dk1>
+        <a:sysClr val="windowText" lastClr="000000"/>
+      </a:dk1>
+      <a:lt1>
+        <a:sysClr val="window" lastClr="FFFFFF"/>
+      </a:lt1>
+      <a:dk2>
+        <a:srgbClr val="44546A"/>
+      </a:dk2>
+      <a:lt2>
+        <a:srgbClr val="E7E6E6"/>
+      </a:lt2>
+      <a:accent1>
+        <a:srgbClr val="4472C4"/>
+      </a:accent1>
+      <a:accent2>
+        <a:srgbClr val="ED7D31"/>
+      </a:accent2>
+      <a:accent3>
+        <a:srgbClr val="A5A5A5"/>
+      </a:accent3>
+      <a:accent4>
+        <a:srgbClr val="FFC000"/>
+      </a:accent4>
+      <a:accent5>
+        <a:srgbClr val="5B9BD5"/>
+      </a:accent5>
+      <a:accent6>
+        <a:srgbClr val="70AD47"/>
+      </a:accent6>
+      <a:hlink>
+        <a:srgbClr val="0563C1"/>
+      </a:hlink>
+      <a:folHlink>
+        <a:srgbClr val="954F72"/>
+      </a:folHlink>
+    </a:clrScheme>
+    <a:fontScheme name="Office">
+      <a:majorFont>
+        <a:latin typeface="Calibri Light" panose="020F0302020204030204"/>
+        <a:ea typeface=""/>
+        <a:cs typeface=""/>
+        <a:font script="Jpan" typeface="游ゴシック Light"/>
+        <a:font script="Hang" typeface="맑은 고딕"/>
+        <a:font script="Hans" typeface="等线 Light"/>
+        <a:font script="Hant" typeface="新細明體"/>
+        <a:font script="Arab" typeface="Times New Roman"/>
+        <a:font script="Hebr" typeface="Times New Roman"/>
+        <a:font script="Thai" typeface="Angsana New"/>
+        <a:font script="Ethi" typeface="Nyala"/>
+        <a:font script="Beng" typeface="Vrinda"/>
+        <a:font script="Gujr" typeface="Shruti"/>
+        <a:font script="Khmr" typeface="MoolBoran"/>
+        <a:font script="Knda" typeface="Tunga"/>
+        <a:font script="Guru" typeface="Raavi"/>
+        <a:font script="Cans" typeface="Euphemia"/>
+        <a:font script="Cher" typeface="Plantagenet Cherokee"/>
+        <a:font script="Yiii" typeface="Microsoft Yi Baiti"/>
+        <a:font script="Tibt" typeface="Microsoft Himalaya"/>
+        <a:font script="Thaa" typeface="MV Boli"/>
+        <a:font script="Deva" typeface="Mangal"/>
+        <a:font script="Telu" typeface="Gautami"/>
+        <a:font script="Taml" typeface="Latha"/>
+        <a:font script="Syrc" typeface="Estrangelo Edessa"/>
+        <a:font script="Orya" typeface="Kalinga"/>
+        <a:font script="Mlym" typeface="Kartika"/>
+        <a:font script="Laoo" typeface="DokChampa"/>
+        <a:font script="Sinh" typeface="Iskoola Pota"/>
+        <a:font script="Mong" typeface="Mongolian Baiti"/>
+        <a:font script="Viet" typeface="Times New Roman"/>
+        <a:font script="Uigh" typeface="Microsoft Uighur"/>
+        <a:font script="Geor" typeface="Sylfaen"/>
+        <a:font script="Armn" typeface="Arial"/>
+        <a:font script="Bugi" typeface="Leelawadee UI"/>
+        <a:font script="Bopo" typeface="Microsoft JhengHei"/>
+        <a:font script="Java" typeface="Javanese Text"/>
+        <a:font script="Lisu" typeface="Segoe UI"/>
+        <a:font script="Mymr" typeface="Myanmar Text"/>
+        <a:font script="Nkoo" typeface="Ebrima"/>
+        <a:font script="Olck" typeface="Nirmala UI"/>
+        <a:font script="Osma" typeface="Ebrima"/>
+        <a:font script="Phag" typeface="Phagspa"/>
+        <a:font script="Syrn" typeface="Estrangelo Edessa"/>
+        <a:font script="Syrj" typeface="Estrangelo Edessa"/>
+        <a:font script="Syre" typeface="Estrangelo Edessa"/>
+        <a:font script="Sora" typeface="Nirmala UI"/>
+        <a:font script="Tale" typeface="Microsoft Tai Le"/>
+        <a:font script="Talu" typeface="Microsoft New Tai Lue"/>
+        <a:font script="Tfng" typeface="Ebrima"/>
+      </a:majorFont>
+      <a:minorFont>
+        <a:latin typeface="Calibri" panose="020F0502020204030204"/>
+        <a:ea typeface=""/>
+        <a:cs typeface=""/>
+        <a:font script="Jpan" typeface="游ゴシック"/>
+        <a:font script="Hang" typeface="맑은 고딕"/>
+        <a:font script="Hans" typeface="等线"/>
+        <a:font script="Hant" typeface="新細明體"/>
+        <a:font script="Arab" typeface="Arial"/>
+        <a:font script="Hebr" typeface="Arial"/>
+        <a:font script="Thai" typeface="Cordia New"/>
+        <a:font script="Ethi" typeface="Nyala"/>
+        <a:font script="Beng" typeface="Vrinda"/>
+        <a:font script="Gujr" typeface="Shruti"/>
+        <a:font script="Khmr" typeface="DaunPenh"/>
+        <a:font script="Knda" typeface="Tunga"/>
+        <a:font script="Guru" typeface="Raavi"/>
+        <a:font script="Cans" typeface="Euphemia"/>
+        <a:font script="Cher" typeface="Plantagenet Cherokee"/>
+        <a:font script="Yiii" typeface="Microsoft Yi Baiti"/>
+        <a:font script="Tibt" typeface="Microsoft Himalaya"/>
+        <a:font script="Thaa" typeface="MV Boli"/>
+        <a:font script="Deva" typeface="Mangal"/>
+        <a:font script="Telu" typeface="Gautami"/>
+        <a:font script="Taml" typeface="Latha"/>
+        <a:font script="Syrc" typeface="Estrangelo Edessa"/>
+        <a:font script="Orya" typeface="Kalinga"/>
+        <a:font script="Mlym" typeface="Kartika"/>
+        <a:font script="Laoo" typeface="DokChampa"/>
+        <a:font script="Sinh" typeface="Iskoola Pota"/>
+        <a:font script="Mong" typeface="Mongolian Baiti"/>
+        <a:font script="Viet" typeface="Arial"/>
+        <a:font script="Uigh" typeface="Microsoft Uighur"/>
+        <a:font script="Geor" typeface="Sylfaen"/>
+        <a:font script="Armn" typeface="Arial"/>
+        <a:font script="Bugi" typeface="Leelawadee UI"/>
+        <a:font script="Bopo" typeface="Microsoft JhengHei"/>
+        <a:font script="Java" typeface="Javanese Text"/>
+        <a:font script="Lisu" typeface="Segoe UI"/>
+        <a:font script="Mymr" typeface="Myanmar Text"/>
+        <a:font script="Nkoo" typeface="Ebrima"/>
+        <a:font script="Olck" typeface="Nirmala UI"/>
+        <a:font script="Osma" typeface="Ebrima"/>
+        <a:font script="Phag" typeface="Phagspa"/>
+        <a:font script="Syrn" typeface="Estrangelo Edessa"/>
+        <a:font script="Syrj" typeface="Estrangelo Edessa"/>
+        <a:font script="Syre" typeface="Estrangelo Edessa"/>
+        <a:font script="Sora" typeface="Nirmala UI"/>
+        <a:font script="Tale" typeface="Microsoft Tai Le"/>
+        <a:font script="Talu" typeface="Microsoft New Tai Lue"/>
+        <a:font script="Tfng" typeface="Ebrima"/>
+      </a:minorFont>
+    </a:fontScheme>
+    <a:fmtScheme name="Office">
+      <a:fillStyleLst>
+        <a:solidFill>
+          <a:schemeClr val="phClr"/>
+        </a:solidFill>
+        <a:gradFill rotWithShape="1">
+          <a:gsLst>
+            <a:gs pos="0">
+              <a:schemeClr val="phClr">
+                <a:lumMod val="110000"/>
+                <a:satMod val="105000"/>
+                <a:tint val="67000"/>
+              </a:schemeClr>
+            </a:gs>
+            <a:gs pos="50000">
+              <a:schemeClr val="phClr">
+                <a:lumMod val="105000"/>
+                <a:satMod val="103000"/>
+                <a:tint val="73000"/>
+              </a:schemeClr>
+            </a:gs>
+            <a:gs pos="100000">
+              <a:schemeClr val="phClr">
+                <a:lumMod val="105000"/>
+                <a:satMod val="109000"/>
+                <a:tint val="81000"/>
+              </a:schemeClr>
+            </a:gs>
+          </a:gsLst>
+          <a:lin ang="5400000" scaled="0"/>
+        </a:gradFill>
+        <a:gradFill rotWithShape="1">
+          <a:gsLst>
+            <a:gs pos="0">
+              <a:schemeClr val="phClr">
+                <a:satMod val="103000"/>
+                <a:lumMod val="102000"/>
+                <a:tint val="94000"/>
+              </a:schemeClr>
+            </a:gs>
+            <a:gs pos="50000">
+              <a:schemeClr val="phClr">
+                <a:satMod val="110000"/>
+                <a:lumMod val="100000"/>
+                <a:shade val="100000"/>
+              </a:schemeClr>
+            </a:gs>
+            <a:gs pos="100000">
+              <a:schemeClr val="phClr">
+                <a:lumMod val="99000"/>
+                <a:satMod val="120000"/>
+                <a:shade val="78000"/>
+              </a:schemeClr>
+            </a:gs>
+          </a:gsLst>
+          <a:lin ang="5400000" scaled="0"/>
+        </a:gradFill>
+      </a:fillStyleLst>
+      <a:lnStyleLst>
+        <a:ln w="6350" cap="flat" cmpd="sng" algn="ctr">
+          <a:solidFill>
+            <a:schemeClr val="phClr"/>
+          </a:solidFill>
+          <a:prstDash val="solid"/>
+          <a:miter lim="800000"/>
+        </a:ln>
+        <a:ln w="12700" cap="flat" cmpd="sng" algn="ctr">
+          <a:solidFill>
+            <a:schemeClr val="phClr"/>
+          </a:solidFill>
+          <a:prstDash val="solid"/>
+          <a:miter lim="800000"/>
+        </a:ln>
+        <a:ln w="19050" cap="flat" cmpd="sng" algn="ctr">
+          <a:solidFill>
+            <a:schemeClr val="phClr"/>
+          </a:solidFill>
+          <a:prstDash val="solid"/>
+          <a:miter lim="800000"/>
+        </a:ln>
+      </a:lnStyleLst>
+      <a:effectStyleLst>
+        <a:effectStyle>
+          <a:effectLst/>
+        </a:effectStyle>
+        <a:effectStyle>
+          <a:effectLst/>
+        </a:effectStyle>
+        <a:effectStyle>
+          <a:effectLst>
+            <a:outerShdw blurRad="57150" dist="19050" dir="5400000" algn="ctr" rotWithShape="0">
+              <a:srgbClr val="000000">
+                <a:alpha val="63000"/>
+              </a:srgbClr>
+            </a:outerShdw>
+          </a:effectLst>
+        </a:effectStyle>
+      </a:effectStyleLst>
+      <a:bgFillStyleLst>
+        <a:solidFill>
+          <a:schemeClr val="phClr"/>
+        </a:solidFill>
+        <a:solidFill>
+          <a:schemeClr val="phClr">
+            <a:tint val="95000"/>
+            <a:satMod val="170000"/>
+          </a:schemeClr>
+        </a:solidFill>
+        <a:gradFill rotWithShape="1">
+          <a:gsLst>
+            <a:gs pos="0">
+              <a:schemeClr val="phClr">
+                <a:tint val="93000"/>
+                <a:satMod val="150000"/>
+                <a:shade val="98000"/>
+                <a:lumMod val="102000"/>
+              </a:schemeClr>
+            </a:gs>
+            <a:gs pos="50000">
+              <a:schemeClr val="phClr">
+                <a:tint val="98000"/>
+                <a:satMod val="130000"/>
+                <a:shade val="90000"/>
+                <a:lumMod val="103000"/>
+              </a:schemeClr>
+            </a:gs>
+            <a:gs pos="100000">
+              <a:schemeClr val="phClr">
+                <a:shade val="63000"/>
+                <a:satMod val="120000"/>
+              </a:schemeClr>
+            </a:gs>
+          </a:gsLst>
+          <a:lin ang="5400000" scaled="0"/>
+        </a:gradFill>
+      </a:bgFillStyleLst>
+    </a:fmtScheme>
+  </a:themeElements>
+  <a:objectDefaults/>
+  <a:extraClrSchemeLst/>
+  <a:extLst>
+    <a:ext uri="{05A4C25C-085E-4340-85A3-A5531E510DB2}">
+      <thm15:themeFamily xmlns:thm15="http://schemas.microsoft.com/office/thememl/2012/main" name="Office Theme" id="{62F939B6-93AF-4DB8-9C6B-D6C7DFDC589F}" vid="{4A3C46E8-61CC-4603-A589-7422A47A8E4A}"/>
+    </a:ext>
+  </a:extLst>
+</a:theme>
 </file>
--- a/Doc-it.pptx
+++ b/Doc-it.pptx
@@ -5,23 +5,30 @@
     <p:sldMasterId id="2147484036" r:id="rId1"/>
   </p:sldMasterIdLst>
   <p:notesMasterIdLst>
-    <p:notesMasterId r:id="rId13"/>
+    <p:notesMasterId r:id="rId20"/>
   </p:notesMasterIdLst>
   <p:handoutMasterIdLst>
-    <p:handoutMasterId r:id="rId14"/>
+    <p:handoutMasterId r:id="rId21"/>
   </p:handoutMasterIdLst>
   <p:sldIdLst>
     <p:sldId id="256" r:id="rId2"/>
     <p:sldId id="258" r:id="rId3"/>
     <p:sldId id="259" r:id="rId4"/>
     <p:sldId id="260" r:id="rId5"/>
-    <p:sldId id="261" r:id="rId6"/>
-    <p:sldId id="262" r:id="rId7"/>
-    <p:sldId id="263" r:id="rId8"/>
-    <p:sldId id="264" r:id="rId9"/>
-    <p:sldId id="265" r:id="rId10"/>
-    <p:sldId id="266" r:id="rId11"/>
-    <p:sldId id="267" r:id="rId12"/>
+    <p:sldId id="268" r:id="rId6"/>
+    <p:sldId id="261" r:id="rId7"/>
+    <p:sldId id="262" r:id="rId8"/>
+    <p:sldId id="263" r:id="rId9"/>
+    <p:sldId id="264" r:id="rId10"/>
+    <p:sldId id="270" r:id="rId11"/>
+    <p:sldId id="265" r:id="rId12"/>
+    <p:sldId id="269" r:id="rId13"/>
+    <p:sldId id="266" r:id="rId14"/>
+    <p:sldId id="267" r:id="rId15"/>
+    <p:sldId id="272" r:id="rId16"/>
+    <p:sldId id="273" r:id="rId17"/>
+    <p:sldId id="271" r:id="rId18"/>
+    <p:sldId id="274" r:id="rId19"/>
   </p:sldIdLst>
   <p:sldSz cx="12192000" cy="6858000"/>
   <p:notesSz cx="6858000" cy="9144000"/>
@@ -151,6 +158,7 @@
         </p14:section>
         <p14:section name="Analisi XML" id="{756B677B-D61D-445B-9AF4-BCE5E3DC3760}">
           <p14:sldIdLst>
+            <p14:sldId id="268"/>
             <p14:sldId id="261"/>
             <p14:sldId id="262"/>
             <p14:sldId id="263"/>
@@ -159,13 +167,19 @@
         <p14:section name="Modellazione degli indici" id="{DACDFC63-7230-4F38-8008-2B543075ACA1}">
           <p14:sldIdLst>
             <p14:sldId id="264"/>
+            <p14:sldId id="270"/>
             <p14:sldId id="265"/>
+            <p14:sldId id="269"/>
             <p14:sldId id="266"/>
           </p14:sldIdLst>
         </p14:section>
         <p14:section name="Parsing delle interrogazioni" id="{C3282AD1-D486-4088-940F-93869241B731}">
           <p14:sldIdLst>
             <p14:sldId id="267"/>
+            <p14:sldId id="272"/>
+            <p14:sldId id="273"/>
+            <p14:sldId id="271"/>
+            <p14:sldId id="274"/>
           </p14:sldIdLst>
         </p14:section>
       </p14:sectionLst>
@@ -982,6 +996,11 @@
         <a:bodyPr/>
         <a:lstStyle/>
         <a:p>
+          <a:pPr>
+            <a:lnSpc>
+              <a:spcPct val="100000"/>
+            </a:lnSpc>
+          </a:pPr>
           <a:r>
             <a:rPr lang="it-IT" b="0" dirty="0"/>
             <a:t>Analisi</a:t>
@@ -1020,6 +1039,11 @@
         <a:bodyPr/>
         <a:lstStyle/>
         <a:p>
+          <a:pPr>
+            <a:lnSpc>
+              <a:spcPct val="100000"/>
+            </a:lnSpc>
+          </a:pPr>
           <a:endParaRPr lang="en-US"/>
         </a:p>
       </dgm:t>
@@ -1031,6 +1055,11 @@
         <a:bodyPr/>
         <a:lstStyle/>
         <a:p>
+          <a:pPr>
+            <a:lnSpc>
+              <a:spcPct val="100000"/>
+            </a:lnSpc>
+          </a:pPr>
           <a:r>
             <a:rPr lang="it-IT"/>
             <a:t>Modellazione degli indici</a:t>
@@ -1057,6 +1086,11 @@
         <a:bodyPr/>
         <a:lstStyle/>
         <a:p>
+          <a:pPr>
+            <a:lnSpc>
+              <a:spcPct val="100000"/>
+            </a:lnSpc>
+          </a:pPr>
           <a:endParaRPr lang="en-US"/>
         </a:p>
       </dgm:t>
@@ -1068,6 +1102,11 @@
         <a:bodyPr/>
         <a:lstStyle/>
         <a:p>
+          <a:pPr>
+            <a:lnSpc>
+              <a:spcPct val="100000"/>
+            </a:lnSpc>
+          </a:pPr>
           <a:r>
             <a:rPr lang="it-IT" err="1"/>
             <a:t>Parsing</a:t>
@@ -1098,6 +1137,11 @@
         <a:bodyPr/>
         <a:lstStyle/>
         <a:p>
+          <a:pPr>
+            <a:lnSpc>
+              <a:spcPct val="100000"/>
+            </a:lnSpc>
+          </a:pPr>
           <a:endParaRPr lang="en-US"/>
         </a:p>
       </dgm:t>
@@ -1109,11 +1153,16 @@
         <a:bodyPr/>
         <a:lstStyle/>
         <a:p>
+          <a:pPr>
+            <a:lnSpc>
+              <a:spcPct val="100000"/>
+            </a:lnSpc>
+          </a:pPr>
           <a:r>
-            <a:rPr lang="it-IT"/>
-            <a:t>Algoritmo di ricerca basato sugli indici creati</a:t>
+            <a:rPr lang="it-IT" dirty="0"/>
+            <a:t>Algoritmi di ricerca</a:t>
           </a:r>
-          <a:endParaRPr lang="en-US"/>
+          <a:endParaRPr lang="en-US" dirty="0"/>
         </a:p>
       </dgm:t>
     </dgm:pt>
@@ -1135,7 +1184,70 @@
         <a:bodyPr/>
         <a:lstStyle/>
         <a:p>
+          <a:pPr>
+            <a:lnSpc>
+              <a:spcPct val="100000"/>
+            </a:lnSpc>
+          </a:pPr>
           <a:endParaRPr lang="en-US"/>
+        </a:p>
+      </dgm:t>
+    </dgm:pt>
+    <dgm:pt modelId="{E09E7502-E392-4423-B057-D5C07691E7DC}">
+      <dgm:prSet/>
+      <dgm:spPr/>
+      <dgm:t>
+        <a:bodyPr/>
+        <a:lstStyle/>
+        <a:p>
+          <a:pPr>
+            <a:lnSpc>
+              <a:spcPct val="100000"/>
+            </a:lnSpc>
+          </a:pPr>
+          <a:r>
+            <a:rPr lang="en-US" dirty="0" err="1"/>
+            <a:t>Gestione</a:t>
+          </a:r>
+          <a:r>
+            <a:rPr lang="en-US" dirty="0"/>
+            <a:t> </a:t>
+          </a:r>
+          <a:r>
+            <a:rPr lang="en-US" dirty="0" err="1"/>
+            <a:t>dei</a:t>
+          </a:r>
+          <a:r>
+            <a:rPr lang="en-US" dirty="0"/>
+            <a:t> </a:t>
+          </a:r>
+          <a:r>
+            <a:rPr lang="en-US" dirty="0" err="1"/>
+            <a:t>risultati</a:t>
+          </a:r>
+          <a:endParaRPr lang="en-US" dirty="0"/>
+        </a:p>
+      </dgm:t>
+    </dgm:pt>
+    <dgm:pt modelId="{DFABC760-44A4-4CBD-AD9A-92F116F53E0A}" type="parTrans" cxnId="{E7075BA1-CFD8-4803-9D90-F1D4057DDC2E}">
+      <dgm:prSet/>
+      <dgm:spPr/>
+      <dgm:t>
+        <a:bodyPr/>
+        <a:lstStyle/>
+        <a:p>
+          <a:endParaRPr lang="it-IT"/>
+        </a:p>
+      </dgm:t>
+    </dgm:pt>
+    <dgm:pt modelId="{279ABD60-6D33-43D5-AF4D-C426C701779F}" type="sibTrans" cxnId="{E7075BA1-CFD8-4803-9D90-F1D4057DDC2E}">
+      <dgm:prSet/>
+      <dgm:spPr/>
+      <dgm:t>
+        <a:bodyPr/>
+        <a:lstStyle/>
+        <a:p>
+          <a:endParaRPr lang="it-IT"/>
         </a:p>
       </dgm:t>
     </dgm:pt>
@@ -1162,11 +1274,11 @@
       <dgm:spPr/>
     </dgm:pt>
     <dgm:pt modelId="{F34B0B0E-2017-4043-80FF-4DEA3AA54614}" type="pres">
-      <dgm:prSet presAssocID="{B7A271BE-0A1A-4073-9F22-5716816D6672}" presName="iconBgRect" presStyleLbl="bgShp" presStyleIdx="0" presStyleCnt="4"/>
+      <dgm:prSet presAssocID="{B7A271BE-0A1A-4073-9F22-5716816D6672}" presName="iconBgRect" presStyleLbl="bgShp" presStyleIdx="0" presStyleCnt="5"/>
       <dgm:spPr/>
     </dgm:pt>
     <dgm:pt modelId="{5E6516A5-47D6-4F56-B802-31C7A720C20A}" type="pres">
-      <dgm:prSet presAssocID="{B7A271BE-0A1A-4073-9F22-5716816D6672}" presName="iconRect" presStyleLbl="node1" presStyleIdx="0" presStyleCnt="4"/>
+      <dgm:prSet presAssocID="{B7A271BE-0A1A-4073-9F22-5716816D6672}" presName="iconRect" presStyleLbl="node1" presStyleIdx="0" presStyleCnt="5"/>
       <dgm:spPr>
         <a:blipFill>
           <a:blip xmlns:r="http://schemas.openxmlformats.org/officeDocument/2006/relationships" r:embed="rId1">
@@ -1198,7 +1310,7 @@
       <dgm:spPr/>
     </dgm:pt>
     <dgm:pt modelId="{36A22659-884F-4E82-A091-0EAD6E752E6C}" type="pres">
-      <dgm:prSet presAssocID="{B7A271BE-0A1A-4073-9F22-5716816D6672}" presName="textRect" presStyleLbl="revTx" presStyleIdx="0" presStyleCnt="4">
+      <dgm:prSet presAssocID="{B7A271BE-0A1A-4073-9F22-5716816D6672}" presName="textRect" presStyleLbl="revTx" presStyleIdx="0" presStyleCnt="5">
         <dgm:presLayoutVars>
           <dgm:chMax val="1"/>
           <dgm:chPref val="1"/>
@@ -1215,11 +1327,11 @@
       <dgm:spPr/>
     </dgm:pt>
     <dgm:pt modelId="{67A587D9-8CFB-45B7-B4EF-7C4263AA4B91}" type="pres">
-      <dgm:prSet presAssocID="{10A15781-13E1-4B30-8560-6811B700D6CE}" presName="iconBgRect" presStyleLbl="bgShp" presStyleIdx="1" presStyleCnt="4"/>
+      <dgm:prSet presAssocID="{10A15781-13E1-4B30-8560-6811B700D6CE}" presName="iconBgRect" presStyleLbl="bgShp" presStyleIdx="1" presStyleCnt="5"/>
       <dgm:spPr/>
     </dgm:pt>
     <dgm:pt modelId="{A05A8307-E2A5-450C-9E03-0F2B5C19EB6C}" type="pres">
-      <dgm:prSet presAssocID="{10A15781-13E1-4B30-8560-6811B700D6CE}" presName="iconRect" presStyleLbl="node1" presStyleIdx="1" presStyleCnt="4"/>
+      <dgm:prSet presAssocID="{10A15781-13E1-4B30-8560-6811B700D6CE}" presName="iconRect" presStyleLbl="node1" presStyleIdx="1" presStyleCnt="5"/>
       <dgm:spPr>
         <a:blipFill>
           <a:blip xmlns:r="http://schemas.openxmlformats.org/officeDocument/2006/relationships" r:embed="rId3">
@@ -1251,7 +1363,7 @@
       <dgm:spPr/>
     </dgm:pt>
     <dgm:pt modelId="{90C24EB8-61B5-4A8A-94BE-C857DD67DABF}" type="pres">
-      <dgm:prSet presAssocID="{10A15781-13E1-4B30-8560-6811B700D6CE}" presName="textRect" presStyleLbl="revTx" presStyleIdx="1" presStyleCnt="4">
+      <dgm:prSet presAssocID="{10A15781-13E1-4B30-8560-6811B700D6CE}" presName="textRect" presStyleLbl="revTx" presStyleIdx="1" presStyleCnt="5">
         <dgm:presLayoutVars>
           <dgm:chMax val="1"/>
           <dgm:chPref val="1"/>
@@ -1268,11 +1380,11 @@
       <dgm:spPr/>
     </dgm:pt>
     <dgm:pt modelId="{B8D30411-613B-4489-B53C-FAF20E00A5E3}" type="pres">
-      <dgm:prSet presAssocID="{F8E09BF5-BD60-4E2D-831C-C805B1ED0BF6}" presName="iconBgRect" presStyleLbl="bgShp" presStyleIdx="2" presStyleCnt="4"/>
+      <dgm:prSet presAssocID="{F8E09BF5-BD60-4E2D-831C-C805B1ED0BF6}" presName="iconBgRect" presStyleLbl="bgShp" presStyleIdx="2" presStyleCnt="5"/>
       <dgm:spPr/>
     </dgm:pt>
     <dgm:pt modelId="{B8C7284C-8A77-41C9-A5D0-A10542FFC69E}" type="pres">
-      <dgm:prSet presAssocID="{F8E09BF5-BD60-4E2D-831C-C805B1ED0BF6}" presName="iconRect" presStyleLbl="node1" presStyleIdx="2" presStyleCnt="4"/>
+      <dgm:prSet presAssocID="{F8E09BF5-BD60-4E2D-831C-C805B1ED0BF6}" presName="iconRect" presStyleLbl="node1" presStyleIdx="2" presStyleCnt="5"/>
       <dgm:spPr>
         <a:blipFill>
           <a:blip xmlns:r="http://schemas.openxmlformats.org/officeDocument/2006/relationships" r:embed="rId5">
@@ -1304,7 +1416,7 @@
       <dgm:spPr/>
     </dgm:pt>
     <dgm:pt modelId="{C6416976-368C-436B-B64A-412F27E33AE5}" type="pres">
-      <dgm:prSet presAssocID="{F8E09BF5-BD60-4E2D-831C-C805B1ED0BF6}" presName="textRect" presStyleLbl="revTx" presStyleIdx="2" presStyleCnt="4">
+      <dgm:prSet presAssocID="{F8E09BF5-BD60-4E2D-831C-C805B1ED0BF6}" presName="textRect" presStyleLbl="revTx" presStyleIdx="2" presStyleCnt="5">
         <dgm:presLayoutVars>
           <dgm:chMax val="1"/>
           <dgm:chPref val="1"/>
@@ -1321,11 +1433,11 @@
       <dgm:spPr/>
     </dgm:pt>
     <dgm:pt modelId="{45D7244C-F902-4905-96CF-2C4ADA638842}" type="pres">
-      <dgm:prSet presAssocID="{DFED3F60-860A-433E-AD6D-D7E5ADBC82AB}" presName="iconBgRect" presStyleLbl="bgShp" presStyleIdx="3" presStyleCnt="4"/>
+      <dgm:prSet presAssocID="{DFED3F60-860A-433E-AD6D-D7E5ADBC82AB}" presName="iconBgRect" presStyleLbl="bgShp" presStyleIdx="3" presStyleCnt="5"/>
       <dgm:spPr/>
     </dgm:pt>
     <dgm:pt modelId="{A22E3025-2134-4EA7-928C-8D8756B35D6B}" type="pres">
-      <dgm:prSet presAssocID="{DFED3F60-860A-433E-AD6D-D7E5ADBC82AB}" presName="iconRect" presStyleLbl="node1" presStyleIdx="3" presStyleCnt="4"/>
+      <dgm:prSet presAssocID="{DFED3F60-860A-433E-AD6D-D7E5ADBC82AB}" presName="iconRect" presStyleLbl="node1" presStyleIdx="3" presStyleCnt="5"/>
       <dgm:spPr>
         <a:blipFill>
           <a:blip xmlns:r="http://schemas.openxmlformats.org/officeDocument/2006/relationships" r:embed="rId7">
@@ -1357,7 +1469,55 @@
       <dgm:spPr/>
     </dgm:pt>
     <dgm:pt modelId="{F22A653D-B3BF-470E-975D-B15417124CD7}" type="pres">
-      <dgm:prSet presAssocID="{DFED3F60-860A-433E-AD6D-D7E5ADBC82AB}" presName="textRect" presStyleLbl="revTx" presStyleIdx="3" presStyleCnt="4">
+      <dgm:prSet presAssocID="{DFED3F60-860A-433E-AD6D-D7E5ADBC82AB}" presName="textRect" presStyleLbl="revTx" presStyleIdx="3" presStyleCnt="5">
+        <dgm:presLayoutVars>
+          <dgm:chMax val="1"/>
+          <dgm:chPref val="1"/>
+        </dgm:presLayoutVars>
+      </dgm:prSet>
+      <dgm:spPr/>
+    </dgm:pt>
+    <dgm:pt modelId="{30764E17-9704-4FA7-B24C-6A742D8F0E58}" type="pres">
+      <dgm:prSet presAssocID="{14BC5BB4-65FD-443F-94D4-B79FE58DB19A}" presName="sibTrans" presStyleLbl="sibTrans2D1" presStyleIdx="0" presStyleCnt="0"/>
+      <dgm:spPr/>
+    </dgm:pt>
+    <dgm:pt modelId="{BFE589E7-A6BE-4A66-B8B3-293174A75C8D}" type="pres">
+      <dgm:prSet presAssocID="{E09E7502-E392-4423-B057-D5C07691E7DC}" presName="compNode" presStyleCnt="0"/>
+      <dgm:spPr/>
+    </dgm:pt>
+    <dgm:pt modelId="{E1AFC431-01B9-42C0-821C-661E7D60DDD2}" type="pres">
+      <dgm:prSet presAssocID="{E09E7502-E392-4423-B057-D5C07691E7DC}" presName="iconBgRect" presStyleLbl="bgShp" presStyleIdx="4" presStyleCnt="5"/>
+      <dgm:spPr/>
+    </dgm:pt>
+    <dgm:pt modelId="{3E259BA6-65DD-4972-9161-0ABD4C89A1F7}" type="pres">
+      <dgm:prSet presAssocID="{E09E7502-E392-4423-B057-D5C07691E7DC}" presName="iconRect" presStyleLbl="node1" presStyleIdx="4" presStyleCnt="5"/>
+      <dgm:spPr>
+        <a:blipFill>
+          <a:blip xmlns:r="http://schemas.openxmlformats.org/officeDocument/2006/relationships" r:embed="rId9">
+            <a:extLst>
+              <a:ext uri="{96DAC541-7B7A-43D3-8B79-37D633B846F1}">
+                <asvg:svgBlip xmlns:asvg="http://schemas.microsoft.com/office/drawing/2016/SVG/main" r:embed="rId10"/>
+              </a:ext>
+            </a:extLst>
+          </a:blip>
+          <a:srcRect/>
+          <a:stretch>
+            <a:fillRect/>
+          </a:stretch>
+        </a:blipFill>
+      </dgm:spPr>
+      <dgm:extLst>
+        <a:ext uri="{E40237B7-FDA0-4F09-8148-C483321AD2D9}">
+          <dgm14:cNvPr xmlns:dgm14="http://schemas.microsoft.com/office/drawing/2010/diagram" id="0" name="" descr="Aula"/>
+        </a:ext>
+      </dgm:extLst>
+    </dgm:pt>
+    <dgm:pt modelId="{601B392C-D40A-4546-9A18-6B45E1612526}" type="pres">
+      <dgm:prSet presAssocID="{E09E7502-E392-4423-B057-D5C07691E7DC}" presName="spaceRect" presStyleCnt="0"/>
+      <dgm:spPr/>
+    </dgm:pt>
+    <dgm:pt modelId="{41731CBF-3D35-4E4E-9D91-989D2AB2FCB4}" type="pres">
+      <dgm:prSet presAssocID="{E09E7502-E392-4423-B057-D5C07691E7DC}" presName="textRect" presStyleLbl="revTx" presStyleIdx="4" presStyleCnt="5">
         <dgm:presLayoutVars>
           <dgm:chMax val="1"/>
           <dgm:chPref val="1"/>
@@ -1368,16 +1528,19 @@
   </dgm:ptLst>
   <dgm:cxnLst>
     <dgm:cxn modelId="{90FA4717-E2B3-4AFC-8AB2-07D249966D97}" type="presOf" srcId="{F8E09BF5-BD60-4E2D-831C-C805B1ED0BF6}" destId="{C6416976-368C-436B-B64A-412F27E33AE5}" srcOrd="0" destOrd="0" presId="urn:microsoft.com/office/officeart/2018/2/layout/IconCircleList"/>
+    <dgm:cxn modelId="{BE021E35-589F-4BA5-93C5-712E4FE6033E}" type="presOf" srcId="{14BC5BB4-65FD-443F-94D4-B79FE58DB19A}" destId="{30764E17-9704-4FA7-B24C-6A742D8F0E58}" srcOrd="0" destOrd="0" presId="urn:microsoft.com/office/officeart/2018/2/layout/IconCircleList"/>
     <dgm:cxn modelId="{98254263-9603-4A1A-9B8B-F650B1F54C51}" srcId="{152D658B-EEC4-4CAC-BD25-C8045E3D7E41}" destId="{F8E09BF5-BD60-4E2D-831C-C805B1ED0BF6}" srcOrd="2" destOrd="0" parTransId="{12681E36-D5EA-49DE-A6B4-4217FB1E9C0D}" sibTransId="{996E3620-3CA4-4E13-BB86-B608C14495E2}"/>
     <dgm:cxn modelId="{3549E54C-1144-4059-85EA-176A4BD780B0}" type="presOf" srcId="{B7A271BE-0A1A-4073-9F22-5716816D6672}" destId="{36A22659-884F-4E82-A091-0EAD6E752E6C}" srcOrd="0" destOrd="0" presId="urn:microsoft.com/office/officeart/2018/2/layout/IconCircleList"/>
     <dgm:cxn modelId="{FF27957B-00B9-4CF2-95E8-8AEE7A058DCB}" type="presOf" srcId="{152D658B-EEC4-4CAC-BD25-C8045E3D7E41}" destId="{A5D53C30-A778-4199-8D39-CB711BD3189E}" srcOrd="0" destOrd="0" presId="urn:microsoft.com/office/officeart/2018/2/layout/IconCircleList"/>
     <dgm:cxn modelId="{C987B57E-2A7C-468E-BDED-1CD9E83027B2}" srcId="{152D658B-EEC4-4CAC-BD25-C8045E3D7E41}" destId="{10A15781-13E1-4B30-8560-6811B700D6CE}" srcOrd="1" destOrd="0" parTransId="{FB62F32D-FC08-4F9C-91D2-0255D69513A2}" sibTransId="{456FD06C-AF77-4ED7-9704-99DABCFEA362}"/>
     <dgm:cxn modelId="{605A0F90-CD31-49AA-B579-A847F58F632F}" type="presOf" srcId="{456FD06C-AF77-4ED7-9704-99DABCFEA362}" destId="{C1CEEB2B-2F92-435E-88C9-561CC8D1BBDF}" srcOrd="0" destOrd="0" presId="urn:microsoft.com/office/officeart/2018/2/layout/IconCircleList"/>
+    <dgm:cxn modelId="{E7075BA1-CFD8-4803-9D90-F1D4057DDC2E}" srcId="{152D658B-EEC4-4CAC-BD25-C8045E3D7E41}" destId="{E09E7502-E392-4423-B057-D5C07691E7DC}" srcOrd="4" destOrd="0" parTransId="{DFABC760-44A4-4CBD-AD9A-92F116F53E0A}" sibTransId="{279ABD60-6D33-43D5-AF4D-C426C701779F}"/>
     <dgm:cxn modelId="{9AB962A3-98AA-4C5B-9BB8-47528D707140}" srcId="{152D658B-EEC4-4CAC-BD25-C8045E3D7E41}" destId="{B7A271BE-0A1A-4073-9F22-5716816D6672}" srcOrd="0" destOrd="0" parTransId="{B61955D6-2F1C-42B5-B855-5F6E1D18F296}" sibTransId="{98EDBD5E-4BC1-400A-BA41-06362AA77215}"/>
     <dgm:cxn modelId="{C16349C2-9309-40E7-B4FF-2896D7BB12FF}" type="presOf" srcId="{98EDBD5E-4BC1-400A-BA41-06362AA77215}" destId="{4063A02C-D78E-41DD-9BF1-3A040BADD758}" srcOrd="0" destOrd="0" presId="urn:microsoft.com/office/officeart/2018/2/layout/IconCircleList"/>
     <dgm:cxn modelId="{A5E0E0C4-9E82-4AE8-83E6-ADDEFBECCDAB}" type="presOf" srcId="{996E3620-3CA4-4E13-BB86-B608C14495E2}" destId="{42603DB0-A653-40A2-888B-7093125829C7}" srcOrd="0" destOrd="0" presId="urn:microsoft.com/office/officeart/2018/2/layout/IconCircleList"/>
     <dgm:cxn modelId="{218EB7DC-AF14-4E0D-82FD-AAC4C349E5F4}" type="presOf" srcId="{DFED3F60-860A-433E-AD6D-D7E5ADBC82AB}" destId="{F22A653D-B3BF-470E-975D-B15417124CD7}" srcOrd="0" destOrd="0" presId="urn:microsoft.com/office/officeart/2018/2/layout/IconCircleList"/>
     <dgm:cxn modelId="{C16B81DF-F897-402F-8072-56453F158F1D}" type="presOf" srcId="{10A15781-13E1-4B30-8560-6811B700D6CE}" destId="{90C24EB8-61B5-4A8A-94BE-C857DD67DABF}" srcOrd="0" destOrd="0" presId="urn:microsoft.com/office/officeart/2018/2/layout/IconCircleList"/>
+    <dgm:cxn modelId="{6B71BCE9-63FA-427D-A5C9-7045E523B8DB}" type="presOf" srcId="{E09E7502-E392-4423-B057-D5C07691E7DC}" destId="{41731CBF-3D35-4E4E-9D91-989D2AB2FCB4}" srcOrd="0" destOrd="0" presId="urn:microsoft.com/office/officeart/2018/2/layout/IconCircleList"/>
     <dgm:cxn modelId="{5883ADF8-3352-4E47-8158-AEE3CB1EE9D9}" srcId="{152D658B-EEC4-4CAC-BD25-C8045E3D7E41}" destId="{DFED3F60-860A-433E-AD6D-D7E5ADBC82AB}" srcOrd="3" destOrd="0" parTransId="{B385AD8A-88FE-4941-9AFE-094F5AAF7EE4}" sibTransId="{14BC5BB4-65FD-443F-94D4-B79FE58DB19A}"/>
     <dgm:cxn modelId="{5D2A8B41-4543-4151-89CE-0DDAC0A7AF12}" type="presParOf" srcId="{A5D53C30-A778-4199-8D39-CB711BD3189E}" destId="{9C1ABA80-1B58-43F7-8657-0800A2BC7453}" srcOrd="0" destOrd="0" presId="urn:microsoft.com/office/officeart/2018/2/layout/IconCircleList"/>
     <dgm:cxn modelId="{268E634E-8A89-4F70-ACB4-79AFCD6324ED}" type="presParOf" srcId="{9C1ABA80-1B58-43F7-8657-0800A2BC7453}" destId="{440B60C6-51D5-44BE-A94B-5EDA72F83802}" srcOrd="0" destOrd="0" presId="urn:microsoft.com/office/officeart/2018/2/layout/IconCircleList"/>
@@ -1403,6 +1566,12 @@
     <dgm:cxn modelId="{989E66B1-F54A-4FBA-A2C7-B6057E9481C1}" type="presParOf" srcId="{2B93A415-F844-4B11-9658-70D27B6E39F6}" destId="{A22E3025-2134-4EA7-928C-8D8756B35D6B}" srcOrd="1" destOrd="0" presId="urn:microsoft.com/office/officeart/2018/2/layout/IconCircleList"/>
     <dgm:cxn modelId="{25B81E0F-C53E-4E26-A756-94F266B08D1A}" type="presParOf" srcId="{2B93A415-F844-4B11-9658-70D27B6E39F6}" destId="{3CEE2CF8-1563-41DB-A3E5-608841BB2F30}" srcOrd="2" destOrd="0" presId="urn:microsoft.com/office/officeart/2018/2/layout/IconCircleList"/>
     <dgm:cxn modelId="{DAF0A019-40B5-49EB-A0B4-9449CEADE8DC}" type="presParOf" srcId="{2B93A415-F844-4B11-9658-70D27B6E39F6}" destId="{F22A653D-B3BF-470E-975D-B15417124CD7}" srcOrd="3" destOrd="0" presId="urn:microsoft.com/office/officeart/2018/2/layout/IconCircleList"/>
+    <dgm:cxn modelId="{613B458F-E336-4CF8-A536-46DD1599D87D}" type="presParOf" srcId="{9C1ABA80-1B58-43F7-8657-0800A2BC7453}" destId="{30764E17-9704-4FA7-B24C-6A742D8F0E58}" srcOrd="7" destOrd="0" presId="urn:microsoft.com/office/officeart/2018/2/layout/IconCircleList"/>
+    <dgm:cxn modelId="{3918CEEE-4294-49EC-A1B8-2D8BD18BA2C0}" type="presParOf" srcId="{9C1ABA80-1B58-43F7-8657-0800A2BC7453}" destId="{BFE589E7-A6BE-4A66-B8B3-293174A75C8D}" srcOrd="8" destOrd="0" presId="urn:microsoft.com/office/officeart/2018/2/layout/IconCircleList"/>
+    <dgm:cxn modelId="{A06241D7-DE11-4901-ABFF-2E886B45D781}" type="presParOf" srcId="{BFE589E7-A6BE-4A66-B8B3-293174A75C8D}" destId="{E1AFC431-01B9-42C0-821C-661E7D60DDD2}" srcOrd="0" destOrd="0" presId="urn:microsoft.com/office/officeart/2018/2/layout/IconCircleList"/>
+    <dgm:cxn modelId="{A5525386-A9B8-4413-BE8B-834E97E69384}" type="presParOf" srcId="{BFE589E7-A6BE-4A66-B8B3-293174A75C8D}" destId="{3E259BA6-65DD-4972-9161-0ABD4C89A1F7}" srcOrd="1" destOrd="0" presId="urn:microsoft.com/office/officeart/2018/2/layout/IconCircleList"/>
+    <dgm:cxn modelId="{7AC708D9-C0E1-49AD-9525-E47C18FB1339}" type="presParOf" srcId="{BFE589E7-A6BE-4A66-B8B3-293174A75C8D}" destId="{601B392C-D40A-4546-9A18-6B45E1612526}" srcOrd="2" destOrd="0" presId="urn:microsoft.com/office/officeart/2018/2/layout/IconCircleList"/>
+    <dgm:cxn modelId="{5A5C108F-5CDD-4BEA-BE4A-0A824881A0FC}" type="presParOf" srcId="{BFE589E7-A6BE-4A66-B8B3-293174A75C8D}" destId="{41731CBF-3D35-4E4E-9D91-989D2AB2FCB4}" srcOrd="3" destOrd="0" presId="urn:microsoft.com/office/officeart/2018/2/layout/IconCircleList"/>
   </dgm:cxnLst>
   <dgm:bg/>
   <dgm:whole/>
@@ -1429,8 +1598,8 @@
       </dsp:nvSpPr>
       <dsp:spPr>
         <a:xfrm>
-          <a:off x="184883" y="219874"/>
-          <a:ext cx="1321746" cy="1321746"/>
+          <a:off x="34339" y="650042"/>
+          <a:ext cx="891578" cy="891578"/>
         </a:xfrm>
         <a:prstGeom prst="ellipse">
           <a:avLst/>
@@ -1468,8 +1637,8 @@
       </dsp:nvSpPr>
       <dsp:spPr>
         <a:xfrm>
-          <a:off x="462450" y="497441"/>
-          <a:ext cx="766613" cy="766613"/>
+          <a:off x="221570" y="837274"/>
+          <a:ext cx="517115" cy="517115"/>
         </a:xfrm>
         <a:prstGeom prst="rect">
           <a:avLst/>
@@ -1517,8 +1686,8 @@
       </dsp:nvSpPr>
       <dsp:spPr>
         <a:xfrm>
-          <a:off x="1789861" y="219874"/>
-          <a:ext cx="3115545" cy="1321746"/>
+          <a:off x="1116970" y="650042"/>
+          <a:ext cx="2101578" cy="891578"/>
         </a:xfrm>
         <a:prstGeom prst="rect">
           <a:avLst/>
@@ -1547,9 +1716,9 @@
         </a:bodyPr>
         <a:lstStyle/>
         <a:p>
-          <a:pPr marL="0" lvl="0" indent="0" algn="l" defTabSz="1066800">
+          <a:pPr marL="0" lvl="0" indent="0" algn="l" defTabSz="889000">
             <a:lnSpc>
-              <a:spcPct val="90000"/>
+              <a:spcPct val="100000"/>
             </a:lnSpc>
             <a:spcBef>
               <a:spcPct val="0"/>
@@ -1560,27 +1729,27 @@
             <a:buNone/>
           </a:pPr>
           <a:r>
-            <a:rPr lang="it-IT" sz="2400" b="0" kern="1200" dirty="0"/>
+            <a:rPr lang="it-IT" sz="2000" b="0" kern="1200" dirty="0"/>
             <a:t>Analisi</a:t>
           </a:r>
           <a:r>
-            <a:rPr lang="it-IT" sz="2400" kern="1200" dirty="0"/>
+            <a:rPr lang="it-IT" sz="2000" kern="1200" dirty="0"/>
             <a:t> e </a:t>
           </a:r>
           <a:r>
-            <a:rPr lang="it-IT" sz="2400" b="0" kern="1200" dirty="0" err="1"/>
+            <a:rPr lang="it-IT" sz="2000" b="0" kern="1200" dirty="0" err="1"/>
             <a:t>parsing</a:t>
           </a:r>
           <a:r>
-            <a:rPr lang="it-IT" sz="2400" kern="1200" dirty="0"/>
+            <a:rPr lang="it-IT" sz="2000" kern="1200" dirty="0"/>
             <a:t> del file XML</a:t>
           </a:r>
-          <a:endParaRPr lang="en-US" sz="2400" kern="1200" dirty="0"/>
+          <a:endParaRPr lang="en-US" sz="2000" kern="1200" dirty="0"/>
         </a:p>
       </dsp:txBody>
       <dsp:txXfrm>
-        <a:off x="1789861" y="219874"/>
-        <a:ext cx="3115545" cy="1321746"/>
+        <a:off x="1116970" y="650042"/>
+        <a:ext cx="2101578" cy="891578"/>
       </dsp:txXfrm>
     </dsp:sp>
     <dsp:sp modelId="{67A587D9-8CFB-45B7-B4EF-7C4263AA4B91}">
@@ -1590,17 +1759,17 @@
       </dsp:nvSpPr>
       <dsp:spPr>
         <a:xfrm>
-          <a:off x="5448267" y="219874"/>
-          <a:ext cx="1321746" cy="1321746"/>
+          <a:off x="3584732" y="650042"/>
+          <a:ext cx="891578" cy="891578"/>
         </a:xfrm>
         <a:prstGeom prst="ellipse">
           <a:avLst/>
         </a:prstGeom>
         <a:solidFill>
           <a:schemeClr val="accent5">
-            <a:hueOff val="534349"/>
-            <a:satOff val="-6292"/>
-            <a:lumOff val="4183"/>
+            <a:hueOff val="400762"/>
+            <a:satOff val="-4719"/>
+            <a:lumOff val="3137"/>
             <a:alphaOff val="0"/>
           </a:schemeClr>
         </a:solidFill>
@@ -1629,8 +1798,8 @@
       </dsp:nvSpPr>
       <dsp:spPr>
         <a:xfrm>
-          <a:off x="5725834" y="497441"/>
-          <a:ext cx="766613" cy="766613"/>
+          <a:off x="3771964" y="837274"/>
+          <a:ext cx="517115" cy="517115"/>
         </a:xfrm>
         <a:prstGeom prst="rect">
           <a:avLst/>
@@ -1678,8 +1847,8 @@
       </dsp:nvSpPr>
       <dsp:spPr>
         <a:xfrm>
-          <a:off x="7053245" y="219874"/>
-          <a:ext cx="3115545" cy="1321746"/>
+          <a:off x="4667364" y="650042"/>
+          <a:ext cx="2101578" cy="891578"/>
         </a:xfrm>
         <a:prstGeom prst="rect">
           <a:avLst/>
@@ -1708,9 +1877,9 @@
         </a:bodyPr>
         <a:lstStyle/>
         <a:p>
-          <a:pPr marL="0" lvl="0" indent="0" algn="l" defTabSz="1066800">
+          <a:pPr marL="0" lvl="0" indent="0" algn="l" defTabSz="889000">
             <a:lnSpc>
-              <a:spcPct val="90000"/>
+              <a:spcPct val="100000"/>
             </a:lnSpc>
             <a:spcBef>
               <a:spcPct val="0"/>
@@ -1721,15 +1890,15 @@
             <a:buNone/>
           </a:pPr>
           <a:r>
-            <a:rPr lang="it-IT" sz="2400" kern="1200"/>
+            <a:rPr lang="it-IT" sz="2000" kern="1200"/>
             <a:t>Modellazione degli indici</a:t>
           </a:r>
-          <a:endParaRPr lang="en-US" sz="2400" kern="1200"/>
+          <a:endParaRPr lang="en-US" sz="2000" kern="1200"/>
         </a:p>
       </dsp:txBody>
       <dsp:txXfrm>
-        <a:off x="7053245" y="219874"/>
-        <a:ext cx="3115545" cy="1321746"/>
+        <a:off x="4667364" y="650042"/>
+        <a:ext cx="2101578" cy="891578"/>
       </dsp:txXfrm>
     </dsp:sp>
     <dsp:sp modelId="{B8D30411-613B-4489-B53C-FAF20E00A5E3}">
@@ -1739,17 +1908,17 @@
       </dsp:nvSpPr>
       <dsp:spPr>
         <a:xfrm>
-          <a:off x="184883" y="2173128"/>
-          <a:ext cx="1321746" cy="1321746"/>
+          <a:off x="7135126" y="650042"/>
+          <a:ext cx="891578" cy="891578"/>
         </a:xfrm>
         <a:prstGeom prst="ellipse">
           <a:avLst/>
         </a:prstGeom>
         <a:solidFill>
           <a:schemeClr val="accent5">
-            <a:hueOff val="1068698"/>
-            <a:satOff val="-12584"/>
-            <a:lumOff val="8366"/>
+            <a:hueOff val="801524"/>
+            <a:satOff val="-9438"/>
+            <a:lumOff val="6274"/>
             <a:alphaOff val="0"/>
           </a:schemeClr>
         </a:solidFill>
@@ -1778,8 +1947,8 @@
       </dsp:nvSpPr>
       <dsp:spPr>
         <a:xfrm>
-          <a:off x="462450" y="2450695"/>
-          <a:ext cx="766613" cy="766613"/>
+          <a:off x="7322357" y="837274"/>
+          <a:ext cx="517115" cy="517115"/>
         </a:xfrm>
         <a:prstGeom prst="rect">
           <a:avLst/>
@@ -1827,8 +1996,8 @@
       </dsp:nvSpPr>
       <dsp:spPr>
         <a:xfrm>
-          <a:off x="1789861" y="2173128"/>
-          <a:ext cx="3115545" cy="1321746"/>
+          <a:off x="8217757" y="650042"/>
+          <a:ext cx="2101578" cy="891578"/>
         </a:xfrm>
         <a:prstGeom prst="rect">
           <a:avLst/>
@@ -1857,9 +2026,9 @@
         </a:bodyPr>
         <a:lstStyle/>
         <a:p>
-          <a:pPr marL="0" lvl="0" indent="0" algn="l" defTabSz="1066800">
+          <a:pPr marL="0" lvl="0" indent="0" algn="l" defTabSz="889000">
             <a:lnSpc>
-              <a:spcPct val="90000"/>
+              <a:spcPct val="100000"/>
             </a:lnSpc>
             <a:spcBef>
               <a:spcPct val="0"/>
@@ -1870,19 +2039,19 @@
             <a:buNone/>
           </a:pPr>
           <a:r>
-            <a:rPr lang="it-IT" sz="2400" kern="1200" err="1"/>
+            <a:rPr lang="it-IT" sz="2000" kern="1200" err="1"/>
             <a:t>Parsing</a:t>
           </a:r>
           <a:r>
-            <a:rPr lang="it-IT" sz="2400" kern="1200"/>
+            <a:rPr lang="it-IT" sz="2000" kern="1200"/>
             <a:t> della query utente</a:t>
           </a:r>
-          <a:endParaRPr lang="en-US" sz="2400" kern="1200"/>
+          <a:endParaRPr lang="en-US" sz="2000" kern="1200"/>
         </a:p>
       </dsp:txBody>
       <dsp:txXfrm>
-        <a:off x="1789861" y="2173128"/>
-        <a:ext cx="3115545" cy="1321746"/>
+        <a:off x="8217757" y="650042"/>
+        <a:ext cx="2101578" cy="891578"/>
       </dsp:txXfrm>
     </dsp:sp>
     <dsp:sp modelId="{45D7244C-F902-4905-96CF-2C4ADA638842}">
@@ -1892,17 +2061,17 @@
       </dsp:nvSpPr>
       <dsp:spPr>
         <a:xfrm>
-          <a:off x="5448267" y="2173128"/>
-          <a:ext cx="1321746" cy="1321746"/>
+          <a:off x="34339" y="2173128"/>
+          <a:ext cx="891578" cy="891578"/>
         </a:xfrm>
         <a:prstGeom prst="ellipse">
           <a:avLst/>
         </a:prstGeom>
         <a:solidFill>
           <a:schemeClr val="accent5">
-            <a:hueOff val="1603047"/>
-            <a:satOff val="-18876"/>
-            <a:lumOff val="12549"/>
+            <a:hueOff val="1202285"/>
+            <a:satOff val="-14157"/>
+            <a:lumOff val="9412"/>
             <a:alphaOff val="0"/>
           </a:schemeClr>
         </a:solidFill>
@@ -1931,8 +2100,8 @@
       </dsp:nvSpPr>
       <dsp:spPr>
         <a:xfrm>
-          <a:off x="5725834" y="2450695"/>
-          <a:ext cx="766613" cy="766613"/>
+          <a:off x="221570" y="2360360"/>
+          <a:ext cx="517115" cy="517115"/>
         </a:xfrm>
         <a:prstGeom prst="rect">
           <a:avLst/>
@@ -1980,8 +2149,8 @@
       </dsp:nvSpPr>
       <dsp:spPr>
         <a:xfrm>
-          <a:off x="7053245" y="2173128"/>
-          <a:ext cx="3115545" cy="1321746"/>
+          <a:off x="1116970" y="2173128"/>
+          <a:ext cx="2101578" cy="891578"/>
         </a:xfrm>
         <a:prstGeom prst="rect">
           <a:avLst/>
@@ -2010,9 +2179,9 @@
         </a:bodyPr>
         <a:lstStyle/>
         <a:p>
-          <a:pPr marL="0" lvl="0" indent="0" algn="l" defTabSz="1066800">
+          <a:pPr marL="0" lvl="0" indent="0" algn="l" defTabSz="889000">
             <a:lnSpc>
-              <a:spcPct val="90000"/>
+              <a:spcPct val="100000"/>
             </a:lnSpc>
             <a:spcBef>
               <a:spcPct val="0"/>
@@ -2023,15 +2192,186 @@
             <a:buNone/>
           </a:pPr>
           <a:r>
-            <a:rPr lang="it-IT" sz="2400" kern="1200"/>
-            <a:t>Algoritmo di ricerca basato sugli indici creati</a:t>
+            <a:rPr lang="it-IT" sz="2000" kern="1200" dirty="0"/>
+            <a:t>Algoritmi di ricerca</a:t>
           </a:r>
-          <a:endParaRPr lang="en-US" sz="2400" kern="1200"/>
+          <a:endParaRPr lang="en-US" sz="2000" kern="1200" dirty="0"/>
         </a:p>
       </dsp:txBody>
       <dsp:txXfrm>
-        <a:off x="7053245" y="2173128"/>
-        <a:ext cx="3115545" cy="1321746"/>
+        <a:off x="1116970" y="2173128"/>
+        <a:ext cx="2101578" cy="891578"/>
+      </dsp:txXfrm>
+    </dsp:sp>
+    <dsp:sp modelId="{E1AFC431-01B9-42C0-821C-661E7D60DDD2}">
+      <dsp:nvSpPr>
+        <dsp:cNvPr id="0" name=""/>
+        <dsp:cNvSpPr/>
+      </dsp:nvSpPr>
+      <dsp:spPr>
+        <a:xfrm>
+          <a:off x="3584732" y="2173128"/>
+          <a:ext cx="891578" cy="891578"/>
+        </a:xfrm>
+        <a:prstGeom prst="ellipse">
+          <a:avLst/>
+        </a:prstGeom>
+        <a:solidFill>
+          <a:schemeClr val="accent5">
+            <a:hueOff val="1603047"/>
+            <a:satOff val="-18876"/>
+            <a:lumOff val="12549"/>
+            <a:alphaOff val="0"/>
+          </a:schemeClr>
+        </a:solidFill>
+        <a:ln>
+          <a:noFill/>
+        </a:ln>
+        <a:effectLst/>
+      </dsp:spPr>
+      <dsp:style>
+        <a:lnRef idx="0">
+          <a:scrgbClr r="0" g="0" b="0"/>
+        </a:lnRef>
+        <a:fillRef idx="1">
+          <a:scrgbClr r="0" g="0" b="0"/>
+        </a:fillRef>
+        <a:effectRef idx="0">
+          <a:scrgbClr r="0" g="0" b="0"/>
+        </a:effectRef>
+        <a:fontRef idx="minor"/>
+      </dsp:style>
+    </dsp:sp>
+    <dsp:sp modelId="{3E259BA6-65DD-4972-9161-0ABD4C89A1F7}">
+      <dsp:nvSpPr>
+        <dsp:cNvPr id="0" name=""/>
+        <dsp:cNvSpPr/>
+      </dsp:nvSpPr>
+      <dsp:spPr>
+        <a:xfrm>
+          <a:off x="3771964" y="2360360"/>
+          <a:ext cx="517115" cy="517115"/>
+        </a:xfrm>
+        <a:prstGeom prst="rect">
+          <a:avLst/>
+        </a:prstGeom>
+        <a:blipFill>
+          <a:blip xmlns:r="http://schemas.openxmlformats.org/officeDocument/2006/relationships" r:embed="rId9">
+            <a:extLst>
+              <a:ext uri="{96DAC541-7B7A-43D3-8B79-37D633B846F1}">
+                <asvg:svgBlip xmlns:asvg="http://schemas.microsoft.com/office/drawing/2016/SVG/main" r:embed="rId10"/>
+              </a:ext>
+            </a:extLst>
+          </a:blip>
+          <a:srcRect/>
+          <a:stretch>
+            <a:fillRect/>
+          </a:stretch>
+        </a:blipFill>
+        <a:ln w="15875" cap="rnd" cmpd="sng" algn="ctr">
+          <a:solidFill>
+            <a:schemeClr val="lt1">
+              <a:alpha val="0"/>
+              <a:hueOff val="0"/>
+              <a:satOff val="0"/>
+              <a:lumOff val="0"/>
+              <a:alphaOff val="0"/>
+            </a:schemeClr>
+          </a:solidFill>
+          <a:prstDash val="solid"/>
+        </a:ln>
+        <a:effectLst/>
+      </dsp:spPr>
+      <dsp:style>
+        <a:lnRef idx="2">
+          <a:scrgbClr r="0" g="0" b="0"/>
+        </a:lnRef>
+        <a:fillRef idx="1">
+          <a:scrgbClr r="0" g="0" b="0"/>
+        </a:fillRef>
+        <a:effectRef idx="0">
+          <a:scrgbClr r="0" g="0" b="0"/>
+        </a:effectRef>
+        <a:fontRef idx="minor">
+          <a:schemeClr val="lt1"/>
+        </a:fontRef>
+      </dsp:style>
+    </dsp:sp>
+    <dsp:sp modelId="{41731CBF-3D35-4E4E-9D91-989D2AB2FCB4}">
+      <dsp:nvSpPr>
+        <dsp:cNvPr id="0" name=""/>
+        <dsp:cNvSpPr/>
+      </dsp:nvSpPr>
+      <dsp:spPr>
+        <a:xfrm>
+          <a:off x="4667363" y="2173128"/>
+          <a:ext cx="2101578" cy="891578"/>
+        </a:xfrm>
+        <a:prstGeom prst="rect">
+          <a:avLst/>
+        </a:prstGeom>
+        <a:noFill/>
+        <a:ln>
+          <a:noFill/>
+        </a:ln>
+        <a:effectLst/>
+      </dsp:spPr>
+      <dsp:style>
+        <a:lnRef idx="0">
+          <a:scrgbClr r="0" g="0" b="0"/>
+        </a:lnRef>
+        <a:fillRef idx="0">
+          <a:scrgbClr r="0" g="0" b="0"/>
+        </a:fillRef>
+        <a:effectRef idx="0">
+          <a:scrgbClr r="0" g="0" b="0"/>
+        </a:effectRef>
+        <a:fontRef idx="minor"/>
+      </dsp:style>
+      <dsp:txBody>
+        <a:bodyPr spcFirstLastPara="0" vert="horz" wrap="square" lIns="0" tIns="0" rIns="0" bIns="0" numCol="1" spcCol="1270" anchor="ctr" anchorCtr="0">
+          <a:noAutofit/>
+        </a:bodyPr>
+        <a:lstStyle/>
+        <a:p>
+          <a:pPr marL="0" lvl="0" indent="0" algn="l" defTabSz="889000">
+            <a:lnSpc>
+              <a:spcPct val="100000"/>
+            </a:lnSpc>
+            <a:spcBef>
+              <a:spcPct val="0"/>
+            </a:spcBef>
+            <a:spcAft>
+              <a:spcPct val="35000"/>
+            </a:spcAft>
+            <a:buNone/>
+          </a:pPr>
+          <a:r>
+            <a:rPr lang="en-US" sz="2000" kern="1200" dirty="0" err="1"/>
+            <a:t>Gestione</a:t>
+          </a:r>
+          <a:r>
+            <a:rPr lang="en-US" sz="2000" kern="1200" dirty="0"/>
+            <a:t> </a:t>
+          </a:r>
+          <a:r>
+            <a:rPr lang="en-US" sz="2000" kern="1200" dirty="0" err="1"/>
+            <a:t>dei</a:t>
+          </a:r>
+          <a:r>
+            <a:rPr lang="en-US" sz="2000" kern="1200" dirty="0"/>
+            <a:t> </a:t>
+          </a:r>
+          <a:r>
+            <a:rPr lang="en-US" sz="2000" kern="1200" dirty="0" err="1"/>
+            <a:t>risultati</a:t>
+          </a:r>
+          <a:endParaRPr lang="en-US" sz="2000" kern="1200" dirty="0"/>
+        </a:p>
+      </dsp:txBody>
+      <dsp:txXfrm>
+        <a:off x="4667363" y="2173128"/>
+        <a:ext cx="2101578" cy="891578"/>
       </dsp:txXfrm>
     </dsp:sp>
   </dsp:spTree>
@@ -3378,7 +3718,7 @@
           <a:p>
             <a:fld id="{057C0A10-08F2-4987-A546-76033F5E1B91}" type="datetimeFigureOut">
               <a:rPr lang="it-IT" smtClean="0"/>
-              <a:t>11/11/2019</a:t>
+              <a:t>05/12/2019</a:t>
             </a:fld>
             <a:endParaRPr lang="it-IT"/>
           </a:p>
@@ -3556,7 +3896,7 @@
           <a:p>
             <a:fld id="{35BD7E0B-F58C-414F-AB60-F68CECCADE6F}" type="datetimeFigureOut">
               <a:rPr lang="it-IT" smtClean="0"/>
-              <a:t>11/11/2019</a:t>
+              <a:t>05/12/2019</a:t>
             </a:fld>
             <a:endParaRPr lang="it-IT"/>
           </a:p>
@@ -4009,7 +4349,7 @@
           <a:p>
             <a:fld id="{C5534CC0-8DFC-4304-9DC7-C5B020228D99}" type="datetime1">
               <a:rPr lang="en-US" smtClean="0"/>
-              <a:t>11/11/2019</a:t>
+              <a:t>12/5/2019</a:t>
             </a:fld>
             <a:endParaRPr lang="en-US" dirty="0"/>
           </a:p>
@@ -4318,7 +4658,7 @@
           <a:p>
             <a:fld id="{6C9EAABF-F619-455A-AF2B-2DE40686EDC7}" type="datetime1">
               <a:rPr lang="en-US" smtClean="0"/>
-              <a:t>11/11/2019</a:t>
+              <a:t>12/5/2019</a:t>
             </a:fld>
             <a:endParaRPr lang="en-US" dirty="0"/>
           </a:p>
@@ -4516,7 +4856,7 @@
           <a:p>
             <a:fld id="{548848ED-0B54-48E3-8ED9-D796C46540DF}" type="datetime1">
               <a:rPr lang="en-US" smtClean="0"/>
-              <a:t>11/11/2019</a:t>
+              <a:t>12/5/2019</a:t>
             </a:fld>
             <a:endParaRPr lang="en-US" dirty="0"/>
           </a:p>
@@ -4783,7 +5123,7 @@
           <a:p>
             <a:fld id="{699E01A9-985E-4B8E-A1D1-5A3B9482A51E}" type="datetime1">
               <a:rPr lang="en-US" smtClean="0"/>
-              <a:t>11/11/2019</a:t>
+              <a:t>12/5/2019</a:t>
             </a:fld>
             <a:endParaRPr lang="en-US" dirty="0"/>
           </a:p>
@@ -5223,7 +5563,7 @@
           <a:p>
             <a:fld id="{BDA18F17-62FF-4FD0-855D-CD8396DD6905}" type="datetime1">
               <a:rPr lang="en-US" smtClean="0"/>
-              <a:t>11/11/2019</a:t>
+              <a:t>12/5/2019</a:t>
             </a:fld>
             <a:endParaRPr lang="en-US" dirty="0"/>
           </a:p>
@@ -5764,7 +6104,7 @@
           <a:p>
             <a:fld id="{596F8984-F028-4E01-9240-9C0AFC67EC06}" type="datetime1">
               <a:rPr lang="en-US" smtClean="0"/>
-              <a:t>11/11/2019</a:t>
+              <a:t>12/5/2019</a:t>
             </a:fld>
             <a:endParaRPr lang="en-US" dirty="0"/>
           </a:p>
@@ -6650,7 +6990,7 @@
           <a:p>
             <a:fld id="{4ACAF86C-6109-45A3-9723-30FB1317765F}" type="datetime1">
               <a:rPr lang="en-US" smtClean="0"/>
-              <a:t>11/11/2019</a:t>
+              <a:t>12/5/2019</a:t>
             </a:fld>
             <a:endParaRPr lang="en-US" dirty="0"/>
           </a:p>
@@ -6824,7 +7164,7 @@
           <a:p>
             <a:fld id="{110136F7-6558-4BA2-9CA3-A12A881D867C}" type="datetime1">
               <a:rPr lang="en-US" smtClean="0"/>
-              <a:t>11/11/2019</a:t>
+              <a:t>12/5/2019</a:t>
             </a:fld>
             <a:endParaRPr lang="en-US" dirty="0"/>
           </a:p>
@@ -7012,7 +7352,7 @@
           <a:p>
             <a:fld id="{B779D75B-1D09-4E71-884A-158953375BAF}" type="datetime1">
               <a:rPr lang="en-US" smtClean="0"/>
-              <a:t>11/11/2019</a:t>
+              <a:t>12/5/2019</a:t>
             </a:fld>
             <a:endParaRPr lang="en-US" dirty="0"/>
           </a:p>
@@ -7186,7 +7526,7 @@
           <a:p>
             <a:fld id="{B69383A4-7D1A-4470-B6C4-8FF803DCD5E6}" type="datetime1">
               <a:rPr lang="en-US" smtClean="0"/>
-              <a:t>11/11/2019</a:t>
+              <a:t>12/5/2019</a:t>
             </a:fld>
             <a:endParaRPr lang="en-US" dirty="0"/>
           </a:p>
@@ -7434,7 +7774,7 @@
           <a:p>
             <a:fld id="{85E88BAD-2D95-45F4-A01A-D955A7E29B40}" type="datetime1">
               <a:rPr lang="en-US" smtClean="0"/>
-              <a:t>11/11/2019</a:t>
+              <a:t>12/5/2019</a:t>
             </a:fld>
             <a:endParaRPr lang="en-US" dirty="0"/>
           </a:p>
@@ -7680,7 +8020,7 @@
           <a:p>
             <a:fld id="{0E92028E-E5AD-4C16-90FE-13D241197923}" type="datetime1">
               <a:rPr lang="en-US" smtClean="0"/>
-              <a:t>11/11/2019</a:t>
+              <a:t>12/5/2019</a:t>
             </a:fld>
             <a:endParaRPr lang="en-US" dirty="0"/>
           </a:p>
@@ -8165,7 +8505,7 @@
           <a:p>
             <a:fld id="{D0C81FA9-C04D-4CBA-AC5A-E3E6C44FAA9E}" type="datetime1">
               <a:rPr lang="en-US" smtClean="0"/>
-              <a:t>11/11/2019</a:t>
+              <a:t>12/5/2019</a:t>
             </a:fld>
             <a:endParaRPr lang="en-US" dirty="0"/>
           </a:p>
@@ -8287,7 +8627,7 @@
           <a:p>
             <a:fld id="{D1633EB8-7B08-4D2C-8283-9E0E06A195E0}" type="datetime1">
               <a:rPr lang="en-US" smtClean="0"/>
-              <a:t>11/11/2019</a:t>
+              <a:t>12/5/2019</a:t>
             </a:fld>
             <a:endParaRPr lang="en-US" dirty="0"/>
           </a:p>
@@ -8386,7 +8726,7 @@
           <a:p>
             <a:fld id="{76E6ACD1-F798-4057-B1B3-28AFC947AA55}" type="datetime1">
               <a:rPr lang="en-US" smtClean="0"/>
-              <a:t>11/11/2019</a:t>
+              <a:t>12/5/2019</a:t>
             </a:fld>
             <a:endParaRPr lang="en-US" dirty="0"/>
           </a:p>
@@ -8645,7 +8985,7 @@
           <a:p>
             <a:fld id="{D052FF3D-75DA-4DF0-9828-CF88B7326B65}" type="datetime1">
               <a:rPr lang="en-US" smtClean="0"/>
-              <a:t>11/11/2019</a:t>
+              <a:t>12/5/2019</a:t>
             </a:fld>
             <a:endParaRPr lang="en-US" dirty="0"/>
           </a:p>
@@ -8956,7 +9296,7 @@
           <a:p>
             <a:fld id="{A5929FA4-0F03-4E59-99FE-6FDBB13785AA}" type="datetime1">
               <a:rPr lang="en-US" smtClean="0"/>
-              <a:t>11/11/2019</a:t>
+              <a:t>12/5/2019</a:t>
             </a:fld>
             <a:endParaRPr lang="en-US" dirty="0"/>
           </a:p>
@@ -9195,7 +9535,7 @@
           <a:p>
             <a:fld id="{EE481914-821C-4511-AD6A-120D964128A8}" type="datetime1">
               <a:rPr lang="en-US" smtClean="0"/>
-              <a:t>11/11/2019</a:t>
+              <a:t>12/5/2019</a:t>
             </a:fld>
             <a:endParaRPr lang="en-US" dirty="0"/>
           </a:p>
@@ -10088,7 +10428,7 @@
           <p:cNvPr id="2" name="Titolo 1">
             <a:extLst>
               <a:ext uri="{FF2B5EF4-FFF2-40B4-BE49-F238E27FC236}">
-                <a16:creationId xmlns:a16="http://schemas.microsoft.com/office/drawing/2014/main" id="{CF2EF52B-6032-46A9-A0A6-9713C27D052E}"/>
+                <a16:creationId xmlns:a16="http://schemas.microsoft.com/office/drawing/2014/main" id="{97414B6A-F38D-47DB-85DF-2CA02B3FBACC}"/>
               </a:ext>
             </a:extLst>
           </p:cNvPr>
@@ -10106,8 +10446,12 @@
           <a:p>
             <a:r>
               <a:rPr lang="it-IT" dirty="0"/>
-              <a:t>Analisi degli indici</a:t>
-            </a:r>
+              <a:t>Caso particolare: Journal</a:t>
+            </a:r>
+            <a:br>
+              <a:rPr lang="it-IT" dirty="0"/>
+            </a:br>
+            <a:endParaRPr lang="it-IT" dirty="0"/>
           </a:p>
         </p:txBody>
       </p:sp>
@@ -10116,7 +10460,7 @@
           <p:cNvPr id="3" name="Segnaposto contenuto 2">
             <a:extLst>
               <a:ext uri="{FF2B5EF4-FFF2-40B4-BE49-F238E27FC236}">
-                <a16:creationId xmlns:a16="http://schemas.microsoft.com/office/drawing/2014/main" id="{E8237BC6-EDCC-44F7-B26A-64B5B54A1E16}"/>
+                <a16:creationId xmlns:a16="http://schemas.microsoft.com/office/drawing/2014/main" id="{B086E6B6-A605-439A-BF73-D4FB56D08790}"/>
               </a:ext>
             </a:extLst>
           </p:cNvPr>
@@ -10132,16 +10476,94 @@
           <a:bodyPr/>
           <a:lstStyle/>
           <a:p>
-            <a:endParaRPr lang="it-IT"/>
-          </a:p>
-        </p:txBody>
-      </p:sp>
-      <p:sp>
-        <p:nvSpPr>
-          <p:cNvPr id="4" name="Ovale 3">
+            <a:r>
+              <a:rPr lang="it-IT" dirty="0"/>
+              <a:t>Creazione: Chiave e altro</a:t>
+            </a:r>
+          </a:p>
+          <a:p>
+            <a:r>
+              <a:rPr lang="it-IT" dirty="0"/>
+              <a:t>«Duplicazione» valutata per l’output e riferimenti più precisi</a:t>
+            </a:r>
+          </a:p>
+          <a:p>
+            <a:r>
+              <a:rPr lang="it-IT" dirty="0"/>
+              <a:t>Inseriti successivamente modificando </a:t>
+            </a:r>
+            <a:r>
+              <a:rPr lang="it-IT" dirty="0" err="1"/>
+              <a:t>Venue</a:t>
+            </a:r>
+            <a:endParaRPr lang="it-IT" dirty="0"/>
+          </a:p>
+        </p:txBody>
+      </p:sp>
+      <p:sp>
+        <p:nvSpPr>
+          <p:cNvPr id="4" name="Segnaposto piè di pagina 3">
             <a:extLst>
               <a:ext uri="{FF2B5EF4-FFF2-40B4-BE49-F238E27FC236}">
-                <a16:creationId xmlns:a16="http://schemas.microsoft.com/office/drawing/2014/main" id="{7D828D69-EC98-44C0-809D-7267536B3507}"/>
+                <a16:creationId xmlns:a16="http://schemas.microsoft.com/office/drawing/2014/main" id="{F4A0A09E-15F8-4DEF-8D8E-0905F3037810}"/>
+              </a:ext>
+            </a:extLst>
+          </p:cNvPr>
+          <p:cNvSpPr>
+            <a:spLocks noGrp="1"/>
+          </p:cNvSpPr>
+          <p:nvPr>
+            <p:ph type="ftr" sz="quarter" idx="11"/>
+          </p:nvPr>
+        </p:nvSpPr>
+        <p:spPr/>
+        <p:txBody>
+          <a:bodyPr/>
+          <a:lstStyle/>
+          <a:p>
+            <a:r>
+              <a:rPr lang="it-IT"/>
+              <a:t>Gestione Avanzata dell’Informazione – UNIMORE- 2019/2020</a:t>
+            </a:r>
+            <a:endParaRPr lang="en-US" dirty="0"/>
+          </a:p>
+        </p:txBody>
+      </p:sp>
+      <p:sp>
+        <p:nvSpPr>
+          <p:cNvPr id="5" name="Segnaposto numero diapositiva 4">
+            <a:extLst>
+              <a:ext uri="{FF2B5EF4-FFF2-40B4-BE49-F238E27FC236}">
+                <a16:creationId xmlns:a16="http://schemas.microsoft.com/office/drawing/2014/main" id="{BADA6B65-AC20-4EFA-866B-5F1BE99F6D1B}"/>
+              </a:ext>
+            </a:extLst>
+          </p:cNvPr>
+          <p:cNvSpPr>
+            <a:spLocks noGrp="1"/>
+          </p:cNvSpPr>
+          <p:nvPr>
+            <p:ph type="sldNum" sz="quarter" idx="12"/>
+          </p:nvPr>
+        </p:nvSpPr>
+        <p:spPr/>
+        <p:txBody>
+          <a:bodyPr/>
+          <a:lstStyle/>
+          <a:p>
+            <a:fld id="{3A98EE3D-8CD1-4C3F-BD1C-C98C9596463C}" type="slidenum">
+              <a:rPr lang="en-US" smtClean="0"/>
+              <a:t>10</a:t>
+            </a:fld>
+            <a:endParaRPr lang="en-US" dirty="0"/>
+          </a:p>
+        </p:txBody>
+      </p:sp>
+      <p:sp>
+        <p:nvSpPr>
+          <p:cNvPr id="6" name="Ovale 5">
+            <a:extLst>
+              <a:ext uri="{FF2B5EF4-FFF2-40B4-BE49-F238E27FC236}">
+                <a16:creationId xmlns:a16="http://schemas.microsoft.com/office/drawing/2014/main" id="{B4852946-0A83-419F-8FD1-0E4BC9A241DE}"/>
               </a:ext>
             </a:extLst>
           </p:cNvPr>
@@ -10188,10 +10610,10 @@
       </p:sp>
       <p:sp>
         <p:nvSpPr>
-          <p:cNvPr id="5" name="Rettangolo 4" descr="Gears">
+          <p:cNvPr id="7" name="Rettangolo 6" descr="Gears">
             <a:extLst>
               <a:ext uri="{FF2B5EF4-FFF2-40B4-BE49-F238E27FC236}">
-                <a16:creationId xmlns:a16="http://schemas.microsoft.com/office/drawing/2014/main" id="{ADC98D72-2E54-418F-9B4F-C7245C79693A}"/>
+                <a16:creationId xmlns:a16="http://schemas.microsoft.com/office/drawing/2014/main" id="{8F4AD8BC-23CB-4488-AF52-FB7DA7795020}"/>
               </a:ext>
             </a:extLst>
           </p:cNvPr>
@@ -10250,68 +10672,10 @@
           </a:fontRef>
         </p:style>
       </p:sp>
-      <p:sp>
-        <p:nvSpPr>
-          <p:cNvPr id="6" name="Segnaposto piè di pagina 5">
-            <a:extLst>
-              <a:ext uri="{FF2B5EF4-FFF2-40B4-BE49-F238E27FC236}">
-                <a16:creationId xmlns:a16="http://schemas.microsoft.com/office/drawing/2014/main" id="{1738B549-996A-4593-B42F-4C5E30B0FC50}"/>
-              </a:ext>
-            </a:extLst>
-          </p:cNvPr>
-          <p:cNvSpPr>
-            <a:spLocks noGrp="1"/>
-          </p:cNvSpPr>
-          <p:nvPr>
-            <p:ph type="ftr" sz="quarter" idx="11"/>
-          </p:nvPr>
-        </p:nvSpPr>
-        <p:spPr/>
-        <p:txBody>
-          <a:bodyPr/>
-          <a:lstStyle/>
-          <a:p>
-            <a:r>
-              <a:rPr lang="it-IT"/>
-              <a:t>Gestione Avanzata dell’Informazione – UNIMORE- 2019/2020</a:t>
-            </a:r>
-            <a:endParaRPr lang="en-US" dirty="0"/>
-          </a:p>
-        </p:txBody>
-      </p:sp>
-      <p:sp>
-        <p:nvSpPr>
-          <p:cNvPr id="7" name="Segnaposto numero diapositiva 6">
-            <a:extLst>
-              <a:ext uri="{FF2B5EF4-FFF2-40B4-BE49-F238E27FC236}">
-                <a16:creationId xmlns:a16="http://schemas.microsoft.com/office/drawing/2014/main" id="{55EC184C-0776-4CFD-9B76-538F233F4683}"/>
-              </a:ext>
-            </a:extLst>
-          </p:cNvPr>
-          <p:cNvSpPr>
-            <a:spLocks noGrp="1"/>
-          </p:cNvSpPr>
-          <p:nvPr>
-            <p:ph type="sldNum" sz="quarter" idx="12"/>
-          </p:nvPr>
-        </p:nvSpPr>
-        <p:spPr/>
-        <p:txBody>
-          <a:bodyPr/>
-          <a:lstStyle/>
-          <a:p>
-            <a:fld id="{3A98EE3D-8CD1-4C3F-BD1C-C98C9596463C}" type="slidenum">
-              <a:rPr lang="en-US" smtClean="0"/>
-              <a:t>10</a:t>
-            </a:fld>
-            <a:endParaRPr lang="en-US" dirty="0"/>
-          </a:p>
-        </p:txBody>
-      </p:sp>
     </p:spTree>
     <p:extLst>
       <p:ext uri="{BB962C8B-B14F-4D97-AF65-F5344CB8AC3E}">
-        <p14:creationId xmlns:p14="http://schemas.microsoft.com/office/powerpoint/2010/main" val="1427323807"/>
+        <p14:creationId xmlns:p14="http://schemas.microsoft.com/office/powerpoint/2010/main" val="398371209"/>
       </p:ext>
     </p:extLst>
   </p:cSld>
@@ -10360,12 +10724,836 @@
           <a:lstStyle/>
           <a:p>
             <a:r>
+              <a:rPr lang="it-IT" dirty="0"/>
+              <a:t>Schema degli indici</a:t>
+            </a:r>
+          </a:p>
+        </p:txBody>
+      </p:sp>
+      <p:sp>
+        <p:nvSpPr>
+          <p:cNvPr id="8" name="Segnaposto contenuto 7">
+            <a:extLst>
+              <a:ext uri="{FF2B5EF4-FFF2-40B4-BE49-F238E27FC236}">
+                <a16:creationId xmlns:a16="http://schemas.microsoft.com/office/drawing/2014/main" id="{850776B8-9B47-4F78-AC92-C5F213F660F0}"/>
+              </a:ext>
+            </a:extLst>
+          </p:cNvPr>
+          <p:cNvSpPr>
+            <a:spLocks noGrp="1"/>
+          </p:cNvSpPr>
+          <p:nvPr>
+            <p:ph idx="1"/>
+          </p:nvPr>
+        </p:nvSpPr>
+        <p:spPr/>
+        <p:txBody>
+          <a:bodyPr>
+            <a:normAutofit fontScale="92500" lnSpcReduction="10000"/>
+          </a:bodyPr>
+          <a:lstStyle/>
+          <a:p>
+            <a:pPr marL="36900" indent="0">
+              <a:buNone/>
+            </a:pPr>
+            <a:r>
+              <a:rPr lang="en-US" dirty="0"/>
+              <a:t>	</a:t>
+            </a:r>
+            <a:r>
+              <a:rPr lang="en-US" dirty="0" err="1"/>
+              <a:t>pubtype</a:t>
+            </a:r>
+            <a:r>
+              <a:rPr lang="en-US" dirty="0"/>
+              <a:t>  =  TEXT(stored  =  True)</a:t>
+            </a:r>
+          </a:p>
+          <a:p>
+            <a:pPr marL="36900" indent="0">
+              <a:buNone/>
+            </a:pPr>
+            <a:r>
+              <a:rPr lang="en-US" dirty="0"/>
+              <a:t>        key  =  STORED</a:t>
+            </a:r>
+          </a:p>
+          <a:p>
+            <a:pPr marL="36900" indent="0">
+              <a:buNone/>
+            </a:pPr>
+            <a:r>
+              <a:rPr lang="en-US" dirty="0"/>
+              <a:t>        author  =  TEXT(stored  =  True)</a:t>
+            </a:r>
+          </a:p>
+          <a:p>
+            <a:pPr marL="36900" indent="0">
+              <a:buNone/>
+            </a:pPr>
+            <a:r>
+              <a:rPr lang="en-US" dirty="0"/>
+              <a:t>        title  =  TEXT(stored  =  True)</a:t>
+            </a:r>
+          </a:p>
+          <a:p>
+            <a:pPr marL="36900" indent="0">
+              <a:buNone/>
+            </a:pPr>
+            <a:r>
+              <a:rPr lang="en-US" dirty="0"/>
+              <a:t>        pages  =  STORED</a:t>
+            </a:r>
+          </a:p>
+          <a:p>
+            <a:pPr marL="36900" indent="0">
+              <a:buNone/>
+            </a:pPr>
+            <a:r>
+              <a:rPr lang="en-US" dirty="0"/>
+              <a:t>        year  =  TEXT(stored  =  True)</a:t>
+            </a:r>
+          </a:p>
+          <a:p>
+            <a:pPr marL="36900" indent="0">
+              <a:buNone/>
+            </a:pPr>
+            <a:r>
+              <a:rPr lang="en-US" dirty="0"/>
+              <a:t>        journal  =  STORED</a:t>
+            </a:r>
+          </a:p>
+          <a:p>
+            <a:pPr marL="36900" indent="0">
+              <a:buNone/>
+            </a:pPr>
+            <a:r>
+              <a:rPr lang="en-US" dirty="0"/>
+              <a:t>        volume  =  STORED</a:t>
+            </a:r>
+          </a:p>
+          <a:p>
+            <a:pPr marL="36900" indent="0">
+              <a:buNone/>
+            </a:pPr>
+            <a:r>
+              <a:rPr lang="en-US" dirty="0"/>
+              <a:t>        number  =  STORED</a:t>
+            </a:r>
+          </a:p>
+          <a:p>
+            <a:pPr marL="36900" indent="0">
+              <a:buNone/>
+            </a:pPr>
+            <a:r>
+              <a:rPr lang="en-US" dirty="0"/>
+              <a:t>        </a:t>
+            </a:r>
+            <a:r>
+              <a:rPr lang="en-US" dirty="0" err="1"/>
+              <a:t>url</a:t>
+            </a:r>
+            <a:r>
+              <a:rPr lang="en-US" dirty="0"/>
+              <a:t>  =  STORED</a:t>
+            </a:r>
+          </a:p>
+          <a:p>
+            <a:pPr marL="36900" indent="0">
+              <a:buNone/>
+            </a:pPr>
+            <a:r>
+              <a:rPr lang="en-US" dirty="0"/>
+              <a:t>        </a:t>
+            </a:r>
+            <a:r>
+              <a:rPr lang="en-US" dirty="0" err="1"/>
+              <a:t>ee</a:t>
+            </a:r>
+            <a:r>
+              <a:rPr lang="en-US" dirty="0"/>
+              <a:t>  =  STORED</a:t>
+            </a:r>
+          </a:p>
+          <a:p>
+            <a:pPr marL="36900" indent="0">
+              <a:buNone/>
+            </a:pPr>
+            <a:r>
+              <a:rPr lang="en-US" dirty="0"/>
+              <a:t>        </a:t>
+            </a:r>
+            <a:r>
+              <a:rPr lang="en-US" dirty="0" err="1"/>
+              <a:t>crossref</a:t>
+            </a:r>
+            <a:r>
+              <a:rPr lang="en-US" dirty="0"/>
+              <a:t>  =  STORED</a:t>
+            </a:r>
+            <a:endParaRPr lang="it-IT" dirty="0"/>
+          </a:p>
+        </p:txBody>
+      </p:sp>
+      <p:sp>
+        <p:nvSpPr>
+          <p:cNvPr id="9" name="Segnaposto testo 8">
+            <a:extLst>
+              <a:ext uri="{FF2B5EF4-FFF2-40B4-BE49-F238E27FC236}">
+                <a16:creationId xmlns:a16="http://schemas.microsoft.com/office/drawing/2014/main" id="{4921D0B0-1E3E-4585-8DC4-E83C91872C3D}"/>
+              </a:ext>
+            </a:extLst>
+          </p:cNvPr>
+          <p:cNvSpPr>
+            <a:spLocks noGrp="1"/>
+          </p:cNvSpPr>
+          <p:nvPr>
+            <p:ph type="body" sz="half" idx="2"/>
+          </p:nvPr>
+        </p:nvSpPr>
+        <p:spPr/>
+        <p:txBody>
+          <a:bodyPr/>
+          <a:lstStyle/>
+          <a:p>
+            <a:r>
               <a:rPr lang="it-IT" dirty="0" err="1"/>
-              <a:t>Parsing</a:t>
-            </a:r>
+              <a:t>Publication</a:t>
+            </a:r>
+            <a:endParaRPr lang="it-IT" dirty="0"/>
+          </a:p>
+        </p:txBody>
+      </p:sp>
+      <p:sp>
+        <p:nvSpPr>
+          <p:cNvPr id="6" name="Segnaposto piè di pagina 5">
+            <a:extLst>
+              <a:ext uri="{FF2B5EF4-FFF2-40B4-BE49-F238E27FC236}">
+                <a16:creationId xmlns:a16="http://schemas.microsoft.com/office/drawing/2014/main" id="{D19B4878-AF6A-4E5A-998B-07E3A78E6661}"/>
+              </a:ext>
+            </a:extLst>
+          </p:cNvPr>
+          <p:cNvSpPr>
+            <a:spLocks noGrp="1"/>
+          </p:cNvSpPr>
+          <p:nvPr>
+            <p:ph type="ftr" sz="quarter" idx="11"/>
+          </p:nvPr>
+        </p:nvSpPr>
+        <p:spPr/>
+        <p:txBody>
+          <a:bodyPr/>
+          <a:lstStyle/>
+          <a:p>
+            <a:r>
+              <a:rPr lang="it-IT"/>
+              <a:t>Gestione Avanzata dell’Informazione – UNIMORE- 2019/2020</a:t>
+            </a:r>
+            <a:endParaRPr lang="en-US" dirty="0"/>
+          </a:p>
+        </p:txBody>
+      </p:sp>
+      <p:sp>
+        <p:nvSpPr>
+          <p:cNvPr id="7" name="Segnaposto numero diapositiva 6">
+            <a:extLst>
+              <a:ext uri="{FF2B5EF4-FFF2-40B4-BE49-F238E27FC236}">
+                <a16:creationId xmlns:a16="http://schemas.microsoft.com/office/drawing/2014/main" id="{A20D9697-7EAC-49A9-B1F0-7C2BB4D4B700}"/>
+              </a:ext>
+            </a:extLst>
+          </p:cNvPr>
+          <p:cNvSpPr>
+            <a:spLocks noGrp="1"/>
+          </p:cNvSpPr>
+          <p:nvPr>
+            <p:ph type="sldNum" sz="quarter" idx="12"/>
+          </p:nvPr>
+        </p:nvSpPr>
+        <p:spPr/>
+        <p:txBody>
+          <a:bodyPr/>
+          <a:lstStyle/>
+          <a:p>
+            <a:fld id="{3A98EE3D-8CD1-4C3F-BD1C-C98C9596463C}" type="slidenum">
+              <a:rPr lang="en-US" smtClean="0"/>
+              <a:t>11</a:t>
+            </a:fld>
+            <a:endParaRPr lang="en-US" dirty="0"/>
+          </a:p>
+        </p:txBody>
+      </p:sp>
+      <p:sp>
+        <p:nvSpPr>
+          <p:cNvPr id="4" name="Ovale 3">
+            <a:extLst>
+              <a:ext uri="{FF2B5EF4-FFF2-40B4-BE49-F238E27FC236}">
+                <a16:creationId xmlns:a16="http://schemas.microsoft.com/office/drawing/2014/main" id="{7D828D69-EC98-44C0-809D-7267536B3507}"/>
+              </a:ext>
+            </a:extLst>
+          </p:cNvPr>
+          <p:cNvSpPr/>
+          <p:nvPr/>
+        </p:nvSpPr>
+        <p:spPr>
+          <a:xfrm>
+            <a:off x="913795" y="273122"/>
+            <a:ext cx="1321746" cy="1321746"/>
+          </a:xfrm>
+          <a:prstGeom prst="ellipse">
+            <a:avLst/>
+          </a:prstGeom>
+        </p:spPr>
+        <p:style>
+          <a:lnRef idx="0">
+            <a:schemeClr val="lt1">
+              <a:alpha val="0"/>
+              <a:hueOff val="0"/>
+              <a:satOff val="0"/>
+              <a:lumOff val="0"/>
+              <a:alphaOff val="0"/>
+            </a:schemeClr>
+          </a:lnRef>
+          <a:fillRef idx="1">
+            <a:schemeClr val="accent5">
+              <a:hueOff val="534349"/>
+              <a:satOff val="-6292"/>
+              <a:lumOff val="4183"/>
+              <a:alphaOff val="0"/>
+            </a:schemeClr>
+          </a:fillRef>
+          <a:effectRef idx="0">
+            <a:schemeClr val="accent5">
+              <a:hueOff val="534349"/>
+              <a:satOff val="-6292"/>
+              <a:lumOff val="4183"/>
+              <a:alphaOff val="0"/>
+            </a:schemeClr>
+          </a:effectRef>
+          <a:fontRef idx="minor"/>
+        </p:style>
+      </p:sp>
+      <p:sp>
+        <p:nvSpPr>
+          <p:cNvPr id="5" name="Rettangolo 4" descr="Gears">
+            <a:extLst>
+              <a:ext uri="{FF2B5EF4-FFF2-40B4-BE49-F238E27FC236}">
+                <a16:creationId xmlns:a16="http://schemas.microsoft.com/office/drawing/2014/main" id="{ADC98D72-2E54-418F-9B4F-C7245C79693A}"/>
+              </a:ext>
+            </a:extLst>
+          </p:cNvPr>
+          <p:cNvSpPr/>
+          <p:nvPr/>
+        </p:nvSpPr>
+        <p:spPr>
+          <a:xfrm>
+            <a:off x="1191362" y="550689"/>
+            <a:ext cx="766613" cy="766613"/>
+          </a:xfrm>
+          <a:prstGeom prst="rect">
+            <a:avLst/>
+          </a:prstGeom>
+          <a:blipFill>
+            <a:blip r:embed="rId2">
+              <a:extLst>
+                <a:ext uri="{28A0092B-C50C-407E-A947-70E740481C1C}">
+                  <a14:useLocalDpi xmlns:a14="http://schemas.microsoft.com/office/drawing/2010/main" val="0"/>
+                </a:ext>
+                <a:ext uri="{96DAC541-7B7A-43D3-8B79-37D633B846F1}">
+                  <asvg:svgBlip xmlns:asvg="http://schemas.microsoft.com/office/drawing/2016/SVG/main" r:embed="rId3"/>
+                </a:ext>
+              </a:extLst>
+            </a:blip>
+            <a:stretch>
+              <a:fillRect/>
+            </a:stretch>
+          </a:blipFill>
+          <a:ln>
+            <a:noFill/>
+          </a:ln>
+        </p:spPr>
+        <p:style>
+          <a:lnRef idx="2">
+            <a:scrgbClr r="0" g="0" b="0"/>
+          </a:lnRef>
+          <a:fillRef idx="1">
+            <a:scrgbClr r="0" g="0" b="0"/>
+          </a:fillRef>
+          <a:effectRef idx="0">
+            <a:schemeClr val="bg1">
+              <a:hueOff val="0"/>
+              <a:satOff val="0"/>
+              <a:lumOff val="0"/>
+              <a:alphaOff val="0"/>
+            </a:schemeClr>
+          </a:effectRef>
+          <a:fontRef idx="minor">
+            <a:schemeClr val="dk1">
+              <a:hueOff val="0"/>
+              <a:satOff val="0"/>
+              <a:lumOff val="0"/>
+              <a:alphaOff val="0"/>
+            </a:schemeClr>
+          </a:fontRef>
+        </p:style>
+      </p:sp>
+    </p:spTree>
+    <p:extLst>
+      <p:ext uri="{BB962C8B-B14F-4D97-AF65-F5344CB8AC3E}">
+        <p14:creationId xmlns:p14="http://schemas.microsoft.com/office/powerpoint/2010/main" val="3524802174"/>
+      </p:ext>
+    </p:extLst>
+  </p:cSld>
+  <p:clrMapOvr>
+    <a:masterClrMapping/>
+  </p:clrMapOvr>
+</p:sld>
+</file>
+
+<file path=ppt/slides/slide12.xml><?xml version="1.0" encoding="utf-8"?>
+<p:sld xmlns:a="http://schemas.openxmlformats.org/drawingml/2006/main" xmlns:r="http://schemas.openxmlformats.org/officeDocument/2006/relationships" xmlns:p="http://schemas.openxmlformats.org/presentationml/2006/main">
+  <p:cSld>
+    <p:spTree>
+      <p:nvGrpSpPr>
+        <p:cNvPr id="1" name=""/>
+        <p:cNvGrpSpPr/>
+        <p:nvPr/>
+      </p:nvGrpSpPr>
+      <p:grpSpPr>
+        <a:xfrm>
+          <a:off x="0" y="0"/>
+          <a:ext cx="0" cy="0"/>
+          <a:chOff x="0" y="0"/>
+          <a:chExt cx="0" cy="0"/>
+        </a:xfrm>
+      </p:grpSpPr>
+      <p:sp>
+        <p:nvSpPr>
+          <p:cNvPr id="2" name="Titolo 1">
+            <a:extLst>
+              <a:ext uri="{FF2B5EF4-FFF2-40B4-BE49-F238E27FC236}">
+                <a16:creationId xmlns:a16="http://schemas.microsoft.com/office/drawing/2014/main" id="{CF2EF52B-6032-46A9-A0A6-9713C27D052E}"/>
+              </a:ext>
+            </a:extLst>
+          </p:cNvPr>
+          <p:cNvSpPr>
+            <a:spLocks noGrp="1"/>
+          </p:cNvSpPr>
+          <p:nvPr>
+            <p:ph type="title"/>
+          </p:nvPr>
+        </p:nvSpPr>
+        <p:spPr/>
+        <p:txBody>
+          <a:bodyPr/>
+          <a:lstStyle/>
+          <a:p>
             <a:r>
               <a:rPr lang="it-IT" dirty="0"/>
-              <a:t> delle interrogazioni</a:t>
+              <a:t>Schema degli indici</a:t>
+            </a:r>
+          </a:p>
+        </p:txBody>
+      </p:sp>
+      <p:sp>
+        <p:nvSpPr>
+          <p:cNvPr id="8" name="Segnaposto contenuto 7">
+            <a:extLst>
+              <a:ext uri="{FF2B5EF4-FFF2-40B4-BE49-F238E27FC236}">
+                <a16:creationId xmlns:a16="http://schemas.microsoft.com/office/drawing/2014/main" id="{850776B8-9B47-4F78-AC92-C5F213F660F0}"/>
+              </a:ext>
+            </a:extLst>
+          </p:cNvPr>
+          <p:cNvSpPr>
+            <a:spLocks noGrp="1"/>
+          </p:cNvSpPr>
+          <p:nvPr>
+            <p:ph idx="1"/>
+          </p:nvPr>
+        </p:nvSpPr>
+        <p:spPr/>
+        <p:txBody>
+          <a:bodyPr/>
+          <a:lstStyle/>
+          <a:p>
+            <a:pPr marL="36900" indent="0">
+              <a:buNone/>
+            </a:pPr>
+            <a:r>
+              <a:rPr lang="en-US" dirty="0"/>
+              <a:t> 	</a:t>
+            </a:r>
+            <a:r>
+              <a:rPr lang="en-US" dirty="0" err="1"/>
+              <a:t>pubtype</a:t>
+            </a:r>
+            <a:r>
+              <a:rPr lang="en-US" dirty="0"/>
+              <a:t> = STORED</a:t>
+            </a:r>
+          </a:p>
+          <a:p>
+            <a:pPr marL="36900" indent="0">
+              <a:buNone/>
+            </a:pPr>
+            <a:r>
+              <a:rPr lang="en-US" dirty="0"/>
+              <a:t>        key = STORED</a:t>
+            </a:r>
+          </a:p>
+          <a:p>
+            <a:pPr marL="36900" indent="0">
+              <a:buNone/>
+            </a:pPr>
+            <a:r>
+              <a:rPr lang="en-US" dirty="0"/>
+              <a:t>        author = STORED</a:t>
+            </a:r>
+          </a:p>
+          <a:p>
+            <a:pPr marL="36900" indent="0">
+              <a:buNone/>
+            </a:pPr>
+            <a:r>
+              <a:rPr lang="en-US" dirty="0"/>
+              <a:t>        title = TEXT(stored = True)</a:t>
+            </a:r>
+          </a:p>
+          <a:p>
+            <a:pPr marL="36900" indent="0">
+              <a:buNone/>
+            </a:pPr>
+            <a:r>
+              <a:rPr lang="en-US" dirty="0"/>
+              <a:t>        journal = STORED</a:t>
+            </a:r>
+          </a:p>
+          <a:p>
+            <a:pPr marL="36900" indent="0">
+              <a:buNone/>
+            </a:pPr>
+            <a:r>
+              <a:rPr lang="en-US" dirty="0"/>
+              <a:t>        publisher = TEXT(stored = True)</a:t>
+            </a:r>
+          </a:p>
+          <a:p>
+            <a:pPr marL="36900" indent="0">
+              <a:buNone/>
+            </a:pPr>
+            <a:r>
+              <a:rPr lang="en-US" dirty="0"/>
+              <a:t>        </a:t>
+            </a:r>
+            <a:r>
+              <a:rPr lang="en-US" dirty="0" err="1"/>
+              <a:t>url</a:t>
+            </a:r>
+            <a:r>
+              <a:rPr lang="en-US" dirty="0"/>
+              <a:t> = STORED</a:t>
+            </a:r>
+          </a:p>
+          <a:p>
+            <a:pPr marL="36900" indent="0">
+              <a:buNone/>
+            </a:pPr>
+            <a:r>
+              <a:rPr lang="en-US" dirty="0"/>
+              <a:t>        </a:t>
+            </a:r>
+            <a:r>
+              <a:rPr lang="en-US" dirty="0" err="1"/>
+              <a:t>ee</a:t>
+            </a:r>
+            <a:r>
+              <a:rPr lang="en-US" dirty="0"/>
+              <a:t> = STORED</a:t>
+            </a:r>
+          </a:p>
+          <a:p>
+            <a:pPr marL="36900" indent="0">
+              <a:buNone/>
+            </a:pPr>
+            <a:r>
+              <a:rPr lang="en-US" dirty="0"/>
+              <a:t>        year = STORED</a:t>
+            </a:r>
+          </a:p>
+          <a:p>
+            <a:pPr marL="36900" indent="0">
+              <a:buNone/>
+            </a:pPr>
+            <a:r>
+              <a:rPr lang="en-US" dirty="0"/>
+              <a:t>        </a:t>
+            </a:r>
+            <a:r>
+              <a:rPr lang="en-US" dirty="0" err="1"/>
+              <a:t>isbn</a:t>
+            </a:r>
+            <a:r>
+              <a:rPr lang="en-US" dirty="0"/>
+              <a:t> = STORED</a:t>
+            </a:r>
+            <a:endParaRPr lang="it-IT" dirty="0"/>
+          </a:p>
+        </p:txBody>
+      </p:sp>
+      <p:sp>
+        <p:nvSpPr>
+          <p:cNvPr id="9" name="Segnaposto testo 8">
+            <a:extLst>
+              <a:ext uri="{FF2B5EF4-FFF2-40B4-BE49-F238E27FC236}">
+                <a16:creationId xmlns:a16="http://schemas.microsoft.com/office/drawing/2014/main" id="{4921D0B0-1E3E-4585-8DC4-E83C91872C3D}"/>
+              </a:ext>
+            </a:extLst>
+          </p:cNvPr>
+          <p:cNvSpPr>
+            <a:spLocks noGrp="1"/>
+          </p:cNvSpPr>
+          <p:nvPr>
+            <p:ph type="body" sz="half" idx="2"/>
+          </p:nvPr>
+        </p:nvSpPr>
+        <p:spPr/>
+        <p:txBody>
+          <a:bodyPr/>
+          <a:lstStyle/>
+          <a:p>
+            <a:r>
+              <a:rPr lang="it-IT" dirty="0" err="1"/>
+              <a:t>Venue</a:t>
+            </a:r>
+            <a:endParaRPr lang="it-IT" dirty="0"/>
+          </a:p>
+        </p:txBody>
+      </p:sp>
+      <p:sp>
+        <p:nvSpPr>
+          <p:cNvPr id="6" name="Segnaposto piè di pagina 5">
+            <a:extLst>
+              <a:ext uri="{FF2B5EF4-FFF2-40B4-BE49-F238E27FC236}">
+                <a16:creationId xmlns:a16="http://schemas.microsoft.com/office/drawing/2014/main" id="{D19B4878-AF6A-4E5A-998B-07E3A78E6661}"/>
+              </a:ext>
+            </a:extLst>
+          </p:cNvPr>
+          <p:cNvSpPr>
+            <a:spLocks noGrp="1"/>
+          </p:cNvSpPr>
+          <p:nvPr>
+            <p:ph type="ftr" sz="quarter" idx="11"/>
+          </p:nvPr>
+        </p:nvSpPr>
+        <p:spPr/>
+        <p:txBody>
+          <a:bodyPr/>
+          <a:lstStyle/>
+          <a:p>
+            <a:r>
+              <a:rPr lang="it-IT"/>
+              <a:t>Gestione Avanzata dell’Informazione – UNIMORE- 2019/2020</a:t>
+            </a:r>
+            <a:endParaRPr lang="en-US" dirty="0"/>
+          </a:p>
+        </p:txBody>
+      </p:sp>
+      <p:sp>
+        <p:nvSpPr>
+          <p:cNvPr id="7" name="Segnaposto numero diapositiva 6">
+            <a:extLst>
+              <a:ext uri="{FF2B5EF4-FFF2-40B4-BE49-F238E27FC236}">
+                <a16:creationId xmlns:a16="http://schemas.microsoft.com/office/drawing/2014/main" id="{A20D9697-7EAC-49A9-B1F0-7C2BB4D4B700}"/>
+              </a:ext>
+            </a:extLst>
+          </p:cNvPr>
+          <p:cNvSpPr>
+            <a:spLocks noGrp="1"/>
+          </p:cNvSpPr>
+          <p:nvPr>
+            <p:ph type="sldNum" sz="quarter" idx="12"/>
+          </p:nvPr>
+        </p:nvSpPr>
+        <p:spPr/>
+        <p:txBody>
+          <a:bodyPr/>
+          <a:lstStyle/>
+          <a:p>
+            <a:fld id="{3A98EE3D-8CD1-4C3F-BD1C-C98C9596463C}" type="slidenum">
+              <a:rPr lang="en-US" smtClean="0"/>
+              <a:t>12</a:t>
+            </a:fld>
+            <a:endParaRPr lang="en-US" dirty="0"/>
+          </a:p>
+        </p:txBody>
+      </p:sp>
+      <p:sp>
+        <p:nvSpPr>
+          <p:cNvPr id="4" name="Ovale 3">
+            <a:extLst>
+              <a:ext uri="{FF2B5EF4-FFF2-40B4-BE49-F238E27FC236}">
+                <a16:creationId xmlns:a16="http://schemas.microsoft.com/office/drawing/2014/main" id="{7D828D69-EC98-44C0-809D-7267536B3507}"/>
+              </a:ext>
+            </a:extLst>
+          </p:cNvPr>
+          <p:cNvSpPr/>
+          <p:nvPr/>
+        </p:nvSpPr>
+        <p:spPr>
+          <a:xfrm>
+            <a:off x="913795" y="273122"/>
+            <a:ext cx="1321746" cy="1321746"/>
+          </a:xfrm>
+          <a:prstGeom prst="ellipse">
+            <a:avLst/>
+          </a:prstGeom>
+        </p:spPr>
+        <p:style>
+          <a:lnRef idx="0">
+            <a:schemeClr val="lt1">
+              <a:alpha val="0"/>
+              <a:hueOff val="0"/>
+              <a:satOff val="0"/>
+              <a:lumOff val="0"/>
+              <a:alphaOff val="0"/>
+            </a:schemeClr>
+          </a:lnRef>
+          <a:fillRef idx="1">
+            <a:schemeClr val="accent5">
+              <a:hueOff val="534349"/>
+              <a:satOff val="-6292"/>
+              <a:lumOff val="4183"/>
+              <a:alphaOff val="0"/>
+            </a:schemeClr>
+          </a:fillRef>
+          <a:effectRef idx="0">
+            <a:schemeClr val="accent5">
+              <a:hueOff val="534349"/>
+              <a:satOff val="-6292"/>
+              <a:lumOff val="4183"/>
+              <a:alphaOff val="0"/>
+            </a:schemeClr>
+          </a:effectRef>
+          <a:fontRef idx="minor"/>
+        </p:style>
+      </p:sp>
+      <p:sp>
+        <p:nvSpPr>
+          <p:cNvPr id="5" name="Rettangolo 4" descr="Gears">
+            <a:extLst>
+              <a:ext uri="{FF2B5EF4-FFF2-40B4-BE49-F238E27FC236}">
+                <a16:creationId xmlns:a16="http://schemas.microsoft.com/office/drawing/2014/main" id="{ADC98D72-2E54-418F-9B4F-C7245C79693A}"/>
+              </a:ext>
+            </a:extLst>
+          </p:cNvPr>
+          <p:cNvSpPr/>
+          <p:nvPr/>
+        </p:nvSpPr>
+        <p:spPr>
+          <a:xfrm>
+            <a:off x="1191362" y="550689"/>
+            <a:ext cx="766613" cy="766613"/>
+          </a:xfrm>
+          <a:prstGeom prst="rect">
+            <a:avLst/>
+          </a:prstGeom>
+          <a:blipFill>
+            <a:blip r:embed="rId2">
+              <a:extLst>
+                <a:ext uri="{28A0092B-C50C-407E-A947-70E740481C1C}">
+                  <a14:useLocalDpi xmlns:a14="http://schemas.microsoft.com/office/drawing/2010/main" val="0"/>
+                </a:ext>
+                <a:ext uri="{96DAC541-7B7A-43D3-8B79-37D633B846F1}">
+                  <asvg:svgBlip xmlns:asvg="http://schemas.microsoft.com/office/drawing/2016/SVG/main" r:embed="rId3"/>
+                </a:ext>
+              </a:extLst>
+            </a:blip>
+            <a:stretch>
+              <a:fillRect/>
+            </a:stretch>
+          </a:blipFill>
+          <a:ln>
+            <a:noFill/>
+          </a:ln>
+        </p:spPr>
+        <p:style>
+          <a:lnRef idx="2">
+            <a:scrgbClr r="0" g="0" b="0"/>
+          </a:lnRef>
+          <a:fillRef idx="1">
+            <a:scrgbClr r="0" g="0" b="0"/>
+          </a:fillRef>
+          <a:effectRef idx="0">
+            <a:schemeClr val="bg1">
+              <a:hueOff val="0"/>
+              <a:satOff val="0"/>
+              <a:lumOff val="0"/>
+              <a:alphaOff val="0"/>
+            </a:schemeClr>
+          </a:effectRef>
+          <a:fontRef idx="minor">
+            <a:schemeClr val="dk1">
+              <a:hueOff val="0"/>
+              <a:satOff val="0"/>
+              <a:lumOff val="0"/>
+              <a:alphaOff val="0"/>
+            </a:schemeClr>
+          </a:fontRef>
+        </p:style>
+      </p:sp>
+    </p:spTree>
+    <p:extLst>
+      <p:ext uri="{BB962C8B-B14F-4D97-AF65-F5344CB8AC3E}">
+        <p14:creationId xmlns:p14="http://schemas.microsoft.com/office/powerpoint/2010/main" val="2394044515"/>
+      </p:ext>
+    </p:extLst>
+  </p:cSld>
+  <p:clrMapOvr>
+    <a:masterClrMapping/>
+  </p:clrMapOvr>
+</p:sld>
+</file>
+
+<file path=ppt/slides/slide13.xml><?xml version="1.0" encoding="utf-8"?>
+<p:sld xmlns:a="http://schemas.openxmlformats.org/drawingml/2006/main" xmlns:r="http://schemas.openxmlformats.org/officeDocument/2006/relationships" xmlns:p="http://schemas.openxmlformats.org/presentationml/2006/main">
+  <p:cSld>
+    <p:spTree>
+      <p:nvGrpSpPr>
+        <p:cNvPr id="1" name=""/>
+        <p:cNvGrpSpPr/>
+        <p:nvPr/>
+      </p:nvGrpSpPr>
+      <p:grpSpPr>
+        <a:xfrm>
+          <a:off x="0" y="0"/>
+          <a:ext cx="0" cy="0"/>
+          <a:chOff x="0" y="0"/>
+          <a:chExt cx="0" cy="0"/>
+        </a:xfrm>
+      </p:grpSpPr>
+      <p:sp>
+        <p:nvSpPr>
+          <p:cNvPr id="2" name="Titolo 1">
+            <a:extLst>
+              <a:ext uri="{FF2B5EF4-FFF2-40B4-BE49-F238E27FC236}">
+                <a16:creationId xmlns:a16="http://schemas.microsoft.com/office/drawing/2014/main" id="{CF2EF52B-6032-46A9-A0A6-9713C27D052E}"/>
+              </a:ext>
+            </a:extLst>
+          </p:cNvPr>
+          <p:cNvSpPr>
+            <a:spLocks noGrp="1"/>
+          </p:cNvSpPr>
+          <p:nvPr>
+            <p:ph type="title"/>
+          </p:nvPr>
+        </p:nvSpPr>
+        <p:spPr/>
+        <p:txBody>
+          <a:bodyPr/>
+          <a:lstStyle/>
+          <a:p>
+            <a:r>
+              <a:rPr lang="it-IT" dirty="0"/>
+              <a:t>Analisi degli indici</a:t>
             </a:r>
           </a:p>
         </p:txBody>
@@ -10391,7 +11579,390 @@
           <a:bodyPr/>
           <a:lstStyle/>
           <a:p>
+            <a:r>
+              <a:rPr lang="it-IT" dirty="0"/>
+              <a:t>Dati</a:t>
+            </a:r>
+          </a:p>
+          <a:p>
+            <a:r>
+              <a:rPr lang="it-IT" dirty="0"/>
+              <a:t>Pubblicazioni: </a:t>
+            </a:r>
+            <a:r>
+              <a:rPr lang="it-IT" dirty="0" err="1"/>
+              <a:t>num</a:t>
+            </a:r>
+            <a:r>
+              <a:rPr lang="it-IT" dirty="0"/>
+              <a:t> </a:t>
+            </a:r>
+          </a:p>
+          <a:p>
+            <a:r>
+              <a:rPr lang="it-IT" dirty="0" err="1"/>
+              <a:t>Venue</a:t>
+            </a:r>
+            <a:r>
+              <a:rPr lang="it-IT" dirty="0"/>
+              <a:t> : </a:t>
+            </a:r>
+            <a:r>
+              <a:rPr lang="it-IT" dirty="0" err="1"/>
+              <a:t>num</a:t>
+            </a:r>
+            <a:r>
+              <a:rPr lang="it-IT" dirty="0"/>
+              <a:t> </a:t>
+            </a:r>
+          </a:p>
+        </p:txBody>
+      </p:sp>
+      <p:sp>
+        <p:nvSpPr>
+          <p:cNvPr id="4" name="Ovale 3">
+            <a:extLst>
+              <a:ext uri="{FF2B5EF4-FFF2-40B4-BE49-F238E27FC236}">
+                <a16:creationId xmlns:a16="http://schemas.microsoft.com/office/drawing/2014/main" id="{7D828D69-EC98-44C0-809D-7267536B3507}"/>
+              </a:ext>
+            </a:extLst>
+          </p:cNvPr>
+          <p:cNvSpPr/>
+          <p:nvPr/>
+        </p:nvSpPr>
+        <p:spPr>
+          <a:xfrm>
+            <a:off x="913795" y="273122"/>
+            <a:ext cx="1321746" cy="1321746"/>
+          </a:xfrm>
+          <a:prstGeom prst="ellipse">
+            <a:avLst/>
+          </a:prstGeom>
+        </p:spPr>
+        <p:style>
+          <a:lnRef idx="0">
+            <a:schemeClr val="lt1">
+              <a:alpha val="0"/>
+              <a:hueOff val="0"/>
+              <a:satOff val="0"/>
+              <a:lumOff val="0"/>
+              <a:alphaOff val="0"/>
+            </a:schemeClr>
+          </a:lnRef>
+          <a:fillRef idx="1">
+            <a:schemeClr val="accent5">
+              <a:hueOff val="534349"/>
+              <a:satOff val="-6292"/>
+              <a:lumOff val="4183"/>
+              <a:alphaOff val="0"/>
+            </a:schemeClr>
+          </a:fillRef>
+          <a:effectRef idx="0">
+            <a:schemeClr val="accent5">
+              <a:hueOff val="534349"/>
+              <a:satOff val="-6292"/>
+              <a:lumOff val="4183"/>
+              <a:alphaOff val="0"/>
+            </a:schemeClr>
+          </a:effectRef>
+          <a:fontRef idx="minor"/>
+        </p:style>
+      </p:sp>
+      <p:sp>
+        <p:nvSpPr>
+          <p:cNvPr id="5" name="Rettangolo 4" descr="Gears">
+            <a:extLst>
+              <a:ext uri="{FF2B5EF4-FFF2-40B4-BE49-F238E27FC236}">
+                <a16:creationId xmlns:a16="http://schemas.microsoft.com/office/drawing/2014/main" id="{ADC98D72-2E54-418F-9B4F-C7245C79693A}"/>
+              </a:ext>
+            </a:extLst>
+          </p:cNvPr>
+          <p:cNvSpPr/>
+          <p:nvPr/>
+        </p:nvSpPr>
+        <p:spPr>
+          <a:xfrm>
+            <a:off x="1191362" y="550689"/>
+            <a:ext cx="766613" cy="766613"/>
+          </a:xfrm>
+          <a:prstGeom prst="rect">
+            <a:avLst/>
+          </a:prstGeom>
+          <a:blipFill>
+            <a:blip r:embed="rId2">
+              <a:extLst>
+                <a:ext uri="{28A0092B-C50C-407E-A947-70E740481C1C}">
+                  <a14:useLocalDpi xmlns:a14="http://schemas.microsoft.com/office/drawing/2010/main" val="0"/>
+                </a:ext>
+                <a:ext uri="{96DAC541-7B7A-43D3-8B79-37D633B846F1}">
+                  <asvg:svgBlip xmlns:asvg="http://schemas.microsoft.com/office/drawing/2016/SVG/main" r:embed="rId3"/>
+                </a:ext>
+              </a:extLst>
+            </a:blip>
+            <a:stretch>
+              <a:fillRect/>
+            </a:stretch>
+          </a:blipFill>
+          <a:ln>
+            <a:noFill/>
+          </a:ln>
+        </p:spPr>
+        <p:style>
+          <a:lnRef idx="2">
+            <a:scrgbClr r="0" g="0" b="0"/>
+          </a:lnRef>
+          <a:fillRef idx="1">
+            <a:scrgbClr r="0" g="0" b="0"/>
+          </a:fillRef>
+          <a:effectRef idx="0">
+            <a:schemeClr val="bg1">
+              <a:hueOff val="0"/>
+              <a:satOff val="0"/>
+              <a:lumOff val="0"/>
+              <a:alphaOff val="0"/>
+            </a:schemeClr>
+          </a:effectRef>
+          <a:fontRef idx="minor">
+            <a:schemeClr val="dk1">
+              <a:hueOff val="0"/>
+              <a:satOff val="0"/>
+              <a:lumOff val="0"/>
+              <a:alphaOff val="0"/>
+            </a:schemeClr>
+          </a:fontRef>
+        </p:style>
+      </p:sp>
+      <p:sp>
+        <p:nvSpPr>
+          <p:cNvPr id="6" name="Segnaposto piè di pagina 5">
+            <a:extLst>
+              <a:ext uri="{FF2B5EF4-FFF2-40B4-BE49-F238E27FC236}">
+                <a16:creationId xmlns:a16="http://schemas.microsoft.com/office/drawing/2014/main" id="{1738B549-996A-4593-B42F-4C5E30B0FC50}"/>
+              </a:ext>
+            </a:extLst>
+          </p:cNvPr>
+          <p:cNvSpPr>
+            <a:spLocks noGrp="1"/>
+          </p:cNvSpPr>
+          <p:nvPr>
+            <p:ph type="ftr" sz="quarter" idx="11"/>
+          </p:nvPr>
+        </p:nvSpPr>
+        <p:spPr/>
+        <p:txBody>
+          <a:bodyPr/>
+          <a:lstStyle/>
+          <a:p>
+            <a:r>
+              <a:rPr lang="it-IT"/>
+              <a:t>Gestione Avanzata dell’Informazione – UNIMORE- 2019/2020</a:t>
+            </a:r>
+            <a:endParaRPr lang="en-US" dirty="0"/>
+          </a:p>
+        </p:txBody>
+      </p:sp>
+      <p:sp>
+        <p:nvSpPr>
+          <p:cNvPr id="7" name="Segnaposto numero diapositiva 6">
+            <a:extLst>
+              <a:ext uri="{FF2B5EF4-FFF2-40B4-BE49-F238E27FC236}">
+                <a16:creationId xmlns:a16="http://schemas.microsoft.com/office/drawing/2014/main" id="{55EC184C-0776-4CFD-9B76-538F233F4683}"/>
+              </a:ext>
+            </a:extLst>
+          </p:cNvPr>
+          <p:cNvSpPr>
+            <a:spLocks noGrp="1"/>
+          </p:cNvSpPr>
+          <p:nvPr>
+            <p:ph type="sldNum" sz="quarter" idx="12"/>
+          </p:nvPr>
+        </p:nvSpPr>
+        <p:spPr/>
+        <p:txBody>
+          <a:bodyPr/>
+          <a:lstStyle/>
+          <a:p>
+            <a:fld id="{3A98EE3D-8CD1-4C3F-BD1C-C98C9596463C}" type="slidenum">
+              <a:rPr lang="en-US" smtClean="0"/>
+              <a:t>13</a:t>
+            </a:fld>
+            <a:endParaRPr lang="en-US" dirty="0"/>
+          </a:p>
+        </p:txBody>
+      </p:sp>
+    </p:spTree>
+    <p:extLst>
+      <p:ext uri="{BB962C8B-B14F-4D97-AF65-F5344CB8AC3E}">
+        <p14:creationId xmlns:p14="http://schemas.microsoft.com/office/powerpoint/2010/main" val="1427323807"/>
+      </p:ext>
+    </p:extLst>
+  </p:cSld>
+  <p:clrMapOvr>
+    <a:masterClrMapping/>
+  </p:clrMapOvr>
+</p:sld>
+</file>
+
+<file path=ppt/slides/slide14.xml><?xml version="1.0" encoding="utf-8"?>
+<p:sld xmlns:a="http://schemas.openxmlformats.org/drawingml/2006/main" xmlns:r="http://schemas.openxmlformats.org/officeDocument/2006/relationships" xmlns:p="http://schemas.openxmlformats.org/presentationml/2006/main">
+  <p:cSld>
+    <p:spTree>
+      <p:nvGrpSpPr>
+        <p:cNvPr id="1" name=""/>
+        <p:cNvGrpSpPr/>
+        <p:nvPr/>
+      </p:nvGrpSpPr>
+      <p:grpSpPr>
+        <a:xfrm>
+          <a:off x="0" y="0"/>
+          <a:ext cx="0" cy="0"/>
+          <a:chOff x="0" y="0"/>
+          <a:chExt cx="0" cy="0"/>
+        </a:xfrm>
+      </p:grpSpPr>
+      <p:sp>
+        <p:nvSpPr>
+          <p:cNvPr id="2" name="Titolo 1">
+            <a:extLst>
+              <a:ext uri="{FF2B5EF4-FFF2-40B4-BE49-F238E27FC236}">
+                <a16:creationId xmlns:a16="http://schemas.microsoft.com/office/drawing/2014/main" id="{CF2EF52B-6032-46A9-A0A6-9713C27D052E}"/>
+              </a:ext>
+            </a:extLst>
+          </p:cNvPr>
+          <p:cNvSpPr>
+            <a:spLocks noGrp="1"/>
+          </p:cNvSpPr>
+          <p:nvPr>
+            <p:ph type="title"/>
+          </p:nvPr>
+        </p:nvSpPr>
+        <p:spPr/>
+        <p:txBody>
+          <a:bodyPr/>
+          <a:lstStyle/>
+          <a:p>
+            <a:r>
+              <a:rPr lang="it-IT" dirty="0" err="1"/>
+              <a:t>Parsing</a:t>
+            </a:r>
+            <a:r>
+              <a:rPr lang="it-IT" dirty="0"/>
+              <a:t> delle interrogazioni</a:t>
+            </a:r>
+          </a:p>
+        </p:txBody>
+      </p:sp>
+      <p:sp>
+        <p:nvSpPr>
+          <p:cNvPr id="3" name="Segnaposto contenuto 2">
+            <a:extLst>
+              <a:ext uri="{FF2B5EF4-FFF2-40B4-BE49-F238E27FC236}">
+                <a16:creationId xmlns:a16="http://schemas.microsoft.com/office/drawing/2014/main" id="{E8237BC6-EDCC-44F7-B26A-64B5B54A1E16}"/>
+              </a:ext>
+            </a:extLst>
+          </p:cNvPr>
+          <p:cNvSpPr>
+            <a:spLocks noGrp="1"/>
+          </p:cNvSpPr>
+          <p:nvPr>
+            <p:ph idx="1"/>
+          </p:nvPr>
+        </p:nvSpPr>
+        <p:spPr/>
+        <p:txBody>
+          <a:bodyPr>
+            <a:normAutofit fontScale="92500" lnSpcReduction="10000"/>
+          </a:bodyPr>
+          <a:lstStyle/>
+          <a:p>
+            <a:r>
+              <a:rPr lang="it-IT" dirty="0"/>
+              <a:t>Divisa la frase utente dividendo le ricerche come da traccia</a:t>
+            </a:r>
+          </a:p>
+          <a:p>
+            <a:r>
+              <a:rPr lang="it-IT" dirty="0"/>
+              <a:t>Adattate per </a:t>
+            </a:r>
+            <a:r>
+              <a:rPr lang="it-IT" dirty="0" err="1"/>
+              <a:t>whoosh</a:t>
+            </a:r>
+            <a:r>
+              <a:rPr lang="it-IT" dirty="0"/>
+              <a:t> query </a:t>
+            </a:r>
+            <a:r>
+              <a:rPr lang="it-IT" dirty="0" err="1"/>
+              <a:t>language</a:t>
+            </a:r>
             <a:endParaRPr lang="it-IT" dirty="0"/>
+          </a:p>
+          <a:p>
+            <a:r>
+              <a:rPr lang="it-IT" dirty="0"/>
+              <a:t>Collegate tra loro in OR</a:t>
+            </a:r>
+          </a:p>
+          <a:p>
+            <a:pPr marL="36900" indent="0">
+              <a:buNone/>
+            </a:pPr>
+            <a:endParaRPr lang="it-IT" dirty="0"/>
+          </a:p>
+          <a:p>
+            <a:r>
+              <a:rPr lang="it-IT" dirty="0"/>
+              <a:t>Parole senza tipo -&gt; ricerca in entrambi</a:t>
+            </a:r>
+          </a:p>
+          <a:p>
+            <a:pPr marL="36900" indent="0">
+              <a:buNone/>
+            </a:pPr>
+            <a:endParaRPr lang="it-IT" dirty="0"/>
+          </a:p>
+          <a:p>
+            <a:r>
+              <a:rPr lang="it-IT" dirty="0"/>
+              <a:t>Tipi di ricerca ammessi:</a:t>
+            </a:r>
+          </a:p>
+          <a:p>
+            <a:pPr lvl="1"/>
+            <a:r>
+              <a:rPr lang="it-IT" dirty="0" err="1"/>
+              <a:t>Phrasal</a:t>
+            </a:r>
+            <a:r>
+              <a:rPr lang="it-IT" dirty="0"/>
+              <a:t> </a:t>
+            </a:r>
+            <a:r>
+              <a:rPr lang="it-IT" dirty="0" err="1"/>
+              <a:t>retrieval</a:t>
+            </a:r>
+            <a:endParaRPr lang="it-IT" dirty="0"/>
+          </a:p>
+          <a:p>
+            <a:pPr lvl="1"/>
+            <a:r>
+              <a:rPr lang="it-IT" dirty="0" err="1"/>
+              <a:t>Prefix</a:t>
+            </a:r>
+            <a:r>
+              <a:rPr lang="it-IT" dirty="0"/>
+              <a:t> e </a:t>
+            </a:r>
+            <a:r>
+              <a:rPr lang="it-IT" dirty="0" err="1"/>
+              <a:t>suffix</a:t>
+            </a:r>
+            <a:r>
+              <a:rPr lang="it-IT" dirty="0"/>
+              <a:t> ( * , ? )</a:t>
+            </a:r>
           </a:p>
         </p:txBody>
       </p:sp>
@@ -10561,7 +12132,7 @@
           <a:p>
             <a:fld id="{3A98EE3D-8CD1-4C3F-BD1C-C98C9596463C}" type="slidenum">
               <a:rPr lang="en-US" smtClean="0"/>
-              <a:t>11</a:t>
+              <a:t>14</a:t>
             </a:fld>
             <a:endParaRPr lang="en-US" dirty="0"/>
           </a:p>
@@ -10571,6 +12142,1345 @@
     <p:extLst>
       <p:ext uri="{BB962C8B-B14F-4D97-AF65-F5344CB8AC3E}">
         <p14:creationId xmlns:p14="http://schemas.microsoft.com/office/powerpoint/2010/main" val="2747489111"/>
+      </p:ext>
+    </p:extLst>
+  </p:cSld>
+  <p:clrMapOvr>
+    <a:masterClrMapping/>
+  </p:clrMapOvr>
+</p:sld>
+</file>
+
+<file path=ppt/slides/slide15.xml><?xml version="1.0" encoding="utf-8"?>
+<p:sld xmlns:a="http://schemas.openxmlformats.org/drawingml/2006/main" xmlns:r="http://schemas.openxmlformats.org/officeDocument/2006/relationships" xmlns:p="http://schemas.openxmlformats.org/presentationml/2006/main">
+  <p:cSld>
+    <p:spTree>
+      <p:nvGrpSpPr>
+        <p:cNvPr id="1" name=""/>
+        <p:cNvGrpSpPr/>
+        <p:nvPr/>
+      </p:nvGrpSpPr>
+      <p:grpSpPr>
+        <a:xfrm>
+          <a:off x="0" y="0"/>
+          <a:ext cx="0" cy="0"/>
+          <a:chOff x="0" y="0"/>
+          <a:chExt cx="0" cy="0"/>
+        </a:xfrm>
+      </p:grpSpPr>
+      <p:sp>
+        <p:nvSpPr>
+          <p:cNvPr id="2" name="Titolo 1">
+            <a:extLst>
+              <a:ext uri="{FF2B5EF4-FFF2-40B4-BE49-F238E27FC236}">
+                <a16:creationId xmlns:a16="http://schemas.microsoft.com/office/drawing/2014/main" id="{B73F6E97-0E95-416C-B7EC-6BE4FC177C89}"/>
+              </a:ext>
+            </a:extLst>
+          </p:cNvPr>
+          <p:cNvSpPr>
+            <a:spLocks noGrp="1"/>
+          </p:cNvSpPr>
+          <p:nvPr>
+            <p:ph type="title"/>
+          </p:nvPr>
+        </p:nvSpPr>
+        <p:spPr>
+          <a:xfrm>
+            <a:off x="913795" y="609600"/>
+            <a:ext cx="10353762" cy="1257300"/>
+          </a:xfrm>
+        </p:spPr>
+        <p:txBody>
+          <a:bodyPr/>
+          <a:lstStyle/>
+          <a:p>
+            <a:r>
+              <a:rPr lang="it-IT" dirty="0"/>
+              <a:t>Algoritmi di ricerca</a:t>
+            </a:r>
+          </a:p>
+        </p:txBody>
+      </p:sp>
+      <p:sp>
+        <p:nvSpPr>
+          <p:cNvPr id="3" name="Segnaposto contenuto 2">
+            <a:extLst>
+              <a:ext uri="{FF2B5EF4-FFF2-40B4-BE49-F238E27FC236}">
+                <a16:creationId xmlns:a16="http://schemas.microsoft.com/office/drawing/2014/main" id="{17DCA46B-0340-475F-93C6-9A7276FFB80D}"/>
+              </a:ext>
+            </a:extLst>
+          </p:cNvPr>
+          <p:cNvSpPr>
+            <a:spLocks noGrp="1"/>
+          </p:cNvSpPr>
+          <p:nvPr>
+            <p:ph idx="1"/>
+          </p:nvPr>
+        </p:nvSpPr>
+        <p:spPr>
+          <a:xfrm>
+            <a:off x="913795" y="2076450"/>
+            <a:ext cx="10353762" cy="3714749"/>
+          </a:xfrm>
+        </p:spPr>
+        <p:txBody>
+          <a:bodyPr/>
+          <a:lstStyle/>
+          <a:p>
+            <a:pPr lvl="1"/>
+            <a:r>
+              <a:rPr lang="it-IT" dirty="0"/>
+              <a:t>Vettoriale</a:t>
+            </a:r>
+          </a:p>
+          <a:p>
+            <a:pPr lvl="1"/>
+            <a:r>
+              <a:rPr lang="it-IT" dirty="0"/>
+              <a:t>Frequenza</a:t>
+            </a:r>
+          </a:p>
+          <a:p>
+            <a:pPr lvl="1"/>
+            <a:endParaRPr lang="it-IT" dirty="0"/>
+          </a:p>
+          <a:p>
+            <a:pPr lvl="1"/>
+            <a:r>
+              <a:rPr lang="it-IT" dirty="0"/>
+              <a:t>Altre opzioni: Fuzzy-</a:t>
+            </a:r>
+            <a:r>
+              <a:rPr lang="it-IT" dirty="0" err="1"/>
+              <a:t>term</a:t>
+            </a:r>
+            <a:endParaRPr lang="it-IT" dirty="0"/>
+          </a:p>
+          <a:p>
+            <a:pPr lvl="1"/>
+            <a:endParaRPr lang="it-IT" dirty="0"/>
+          </a:p>
+          <a:p>
+            <a:pPr lvl="1"/>
+            <a:endParaRPr lang="it-IT" dirty="0"/>
+          </a:p>
+        </p:txBody>
+      </p:sp>
+      <p:sp>
+        <p:nvSpPr>
+          <p:cNvPr id="4" name="Segnaposto piè di pagina 3">
+            <a:extLst>
+              <a:ext uri="{FF2B5EF4-FFF2-40B4-BE49-F238E27FC236}">
+                <a16:creationId xmlns:a16="http://schemas.microsoft.com/office/drawing/2014/main" id="{8FC14F56-AC0A-46B6-BEA0-012CF08606BA}"/>
+              </a:ext>
+            </a:extLst>
+          </p:cNvPr>
+          <p:cNvSpPr>
+            <a:spLocks noGrp="1"/>
+          </p:cNvSpPr>
+          <p:nvPr>
+            <p:ph type="ftr" sz="quarter" idx="11"/>
+          </p:nvPr>
+        </p:nvSpPr>
+        <p:spPr/>
+        <p:txBody>
+          <a:bodyPr/>
+          <a:lstStyle/>
+          <a:p>
+            <a:r>
+              <a:rPr lang="it-IT"/>
+              <a:t>Gestione Avanzata dell’Informazione – UNIMORE- 2019/2020</a:t>
+            </a:r>
+            <a:endParaRPr lang="en-US" dirty="0"/>
+          </a:p>
+        </p:txBody>
+      </p:sp>
+      <p:sp>
+        <p:nvSpPr>
+          <p:cNvPr id="5" name="Segnaposto numero diapositiva 4">
+            <a:extLst>
+              <a:ext uri="{FF2B5EF4-FFF2-40B4-BE49-F238E27FC236}">
+                <a16:creationId xmlns:a16="http://schemas.microsoft.com/office/drawing/2014/main" id="{61EA7C52-2550-4DD5-B6A6-58E75CAF356A}"/>
+              </a:ext>
+            </a:extLst>
+          </p:cNvPr>
+          <p:cNvSpPr>
+            <a:spLocks noGrp="1"/>
+          </p:cNvSpPr>
+          <p:nvPr>
+            <p:ph type="sldNum" sz="quarter" idx="12"/>
+          </p:nvPr>
+        </p:nvSpPr>
+        <p:spPr/>
+        <p:txBody>
+          <a:bodyPr/>
+          <a:lstStyle/>
+          <a:p>
+            <a:fld id="{3A98EE3D-8CD1-4C3F-BD1C-C98C9596463C}" type="slidenum">
+              <a:rPr lang="en-US" smtClean="0"/>
+              <a:t>15</a:t>
+            </a:fld>
+            <a:endParaRPr lang="en-US" dirty="0"/>
+          </a:p>
+        </p:txBody>
+      </p:sp>
+      <p:sp>
+        <p:nvSpPr>
+          <p:cNvPr id="10" name="Ovale 9">
+            <a:extLst>
+              <a:ext uri="{FF2B5EF4-FFF2-40B4-BE49-F238E27FC236}">
+                <a16:creationId xmlns:a16="http://schemas.microsoft.com/office/drawing/2014/main" id="{60E1C569-4849-4484-BD88-2B7211D0115D}"/>
+              </a:ext>
+            </a:extLst>
+          </p:cNvPr>
+          <p:cNvSpPr/>
+          <p:nvPr/>
+        </p:nvSpPr>
+        <p:spPr>
+          <a:xfrm>
+            <a:off x="607948" y="524783"/>
+            <a:ext cx="891578" cy="891578"/>
+          </a:xfrm>
+          <a:prstGeom prst="ellipse">
+            <a:avLst/>
+          </a:prstGeom>
+        </p:spPr>
+        <p:style>
+          <a:lnRef idx="0">
+            <a:schemeClr val="lt1">
+              <a:alpha val="0"/>
+              <a:hueOff val="0"/>
+              <a:satOff val="0"/>
+              <a:lumOff val="0"/>
+              <a:alphaOff val="0"/>
+            </a:schemeClr>
+          </a:lnRef>
+          <a:fillRef idx="1">
+            <a:schemeClr val="accent5">
+              <a:hueOff val="1202285"/>
+              <a:satOff val="-14157"/>
+              <a:lumOff val="9412"/>
+              <a:alphaOff val="0"/>
+            </a:schemeClr>
+          </a:fillRef>
+          <a:effectRef idx="0">
+            <a:schemeClr val="accent5">
+              <a:hueOff val="1202285"/>
+              <a:satOff val="-14157"/>
+              <a:lumOff val="9412"/>
+              <a:alphaOff val="0"/>
+            </a:schemeClr>
+          </a:effectRef>
+          <a:fontRef idx="minor"/>
+        </p:style>
+      </p:sp>
+      <p:sp>
+        <p:nvSpPr>
+          <p:cNvPr id="11" name="Rettangolo 10" descr="Magnifying glass">
+            <a:extLst>
+              <a:ext uri="{FF2B5EF4-FFF2-40B4-BE49-F238E27FC236}">
+                <a16:creationId xmlns:a16="http://schemas.microsoft.com/office/drawing/2014/main" id="{9795C960-F284-44BC-B4BD-5319C20A62C2}"/>
+              </a:ext>
+            </a:extLst>
+          </p:cNvPr>
+          <p:cNvSpPr/>
+          <p:nvPr/>
+        </p:nvSpPr>
+        <p:spPr>
+          <a:xfrm>
+            <a:off x="795179" y="712015"/>
+            <a:ext cx="517115" cy="517115"/>
+          </a:xfrm>
+          <a:prstGeom prst="rect">
+            <a:avLst/>
+          </a:prstGeom>
+          <a:blipFill>
+            <a:blip r:embed="rId2">
+              <a:extLst>
+                <a:ext uri="{28A0092B-C50C-407E-A947-70E740481C1C}">
+                  <a14:useLocalDpi xmlns:a14="http://schemas.microsoft.com/office/drawing/2010/main" val="0"/>
+                </a:ext>
+                <a:ext uri="{96DAC541-7B7A-43D3-8B79-37D633B846F1}">
+                  <asvg:svgBlip xmlns:asvg="http://schemas.microsoft.com/office/drawing/2016/SVG/main" r:embed="rId3"/>
+                </a:ext>
+              </a:extLst>
+            </a:blip>
+            <a:stretch>
+              <a:fillRect/>
+            </a:stretch>
+          </a:blipFill>
+          <a:ln>
+            <a:noFill/>
+          </a:ln>
+        </p:spPr>
+        <p:style>
+          <a:lnRef idx="2">
+            <a:scrgbClr r="0" g="0" b="0"/>
+          </a:lnRef>
+          <a:fillRef idx="1">
+            <a:scrgbClr r="0" g="0" b="0"/>
+          </a:fillRef>
+          <a:effectRef idx="0">
+            <a:schemeClr val="bg1">
+              <a:hueOff val="0"/>
+              <a:satOff val="0"/>
+              <a:lumOff val="0"/>
+              <a:alphaOff val="0"/>
+            </a:schemeClr>
+          </a:effectRef>
+          <a:fontRef idx="minor">
+            <a:schemeClr val="dk1">
+              <a:hueOff val="0"/>
+              <a:satOff val="0"/>
+              <a:lumOff val="0"/>
+              <a:alphaOff val="0"/>
+            </a:schemeClr>
+          </a:fontRef>
+        </p:style>
+      </p:sp>
+    </p:spTree>
+    <p:extLst>
+      <p:ext uri="{BB962C8B-B14F-4D97-AF65-F5344CB8AC3E}">
+        <p14:creationId xmlns:p14="http://schemas.microsoft.com/office/powerpoint/2010/main" val="3061523071"/>
+      </p:ext>
+    </p:extLst>
+  </p:cSld>
+  <p:clrMapOvr>
+    <a:masterClrMapping/>
+  </p:clrMapOvr>
+</p:sld>
+</file>
+
+<file path=ppt/slides/slide16.xml><?xml version="1.0" encoding="utf-8"?>
+<p:sld xmlns:a="http://schemas.openxmlformats.org/drawingml/2006/main" xmlns:r="http://schemas.openxmlformats.org/officeDocument/2006/relationships" xmlns:p="http://schemas.openxmlformats.org/presentationml/2006/main">
+  <p:cSld>
+    <p:spTree>
+      <p:nvGrpSpPr>
+        <p:cNvPr id="1" name=""/>
+        <p:cNvGrpSpPr/>
+        <p:nvPr/>
+      </p:nvGrpSpPr>
+      <p:grpSpPr>
+        <a:xfrm>
+          <a:off x="0" y="0"/>
+          <a:ext cx="0" cy="0"/>
+          <a:chOff x="0" y="0"/>
+          <a:chExt cx="0" cy="0"/>
+        </a:xfrm>
+      </p:grpSpPr>
+      <p:sp>
+        <p:nvSpPr>
+          <p:cNvPr id="2" name="Titolo 1">
+            <a:extLst>
+              <a:ext uri="{FF2B5EF4-FFF2-40B4-BE49-F238E27FC236}">
+                <a16:creationId xmlns:a16="http://schemas.microsoft.com/office/drawing/2014/main" id="{78CCE87B-4A46-48F7-A9B0-BF70CE47DB5C}"/>
+              </a:ext>
+            </a:extLst>
+          </p:cNvPr>
+          <p:cNvSpPr>
+            <a:spLocks noGrp="1"/>
+          </p:cNvSpPr>
+          <p:nvPr>
+            <p:ph type="title"/>
+          </p:nvPr>
+        </p:nvSpPr>
+        <p:spPr/>
+        <p:txBody>
+          <a:bodyPr/>
+          <a:lstStyle/>
+          <a:p>
+            <a:r>
+              <a:rPr lang="it-IT" dirty="0" err="1"/>
+              <a:t>Threshold</a:t>
+            </a:r>
+            <a:endParaRPr lang="it-IT" dirty="0"/>
+          </a:p>
+        </p:txBody>
+      </p:sp>
+      <p:sp>
+        <p:nvSpPr>
+          <p:cNvPr id="3" name="Segnaposto contenuto 2">
+            <a:extLst>
+              <a:ext uri="{FF2B5EF4-FFF2-40B4-BE49-F238E27FC236}">
+                <a16:creationId xmlns:a16="http://schemas.microsoft.com/office/drawing/2014/main" id="{1D6FED4A-8204-40B7-BE13-E392ADA1E8DB}"/>
+              </a:ext>
+            </a:extLst>
+          </p:cNvPr>
+          <p:cNvSpPr>
+            <a:spLocks noGrp="1"/>
+          </p:cNvSpPr>
+          <p:nvPr>
+            <p:ph idx="1"/>
+          </p:nvPr>
+        </p:nvSpPr>
+        <p:spPr/>
+        <p:txBody>
+          <a:bodyPr/>
+          <a:lstStyle/>
+          <a:p>
+            <a:endParaRPr lang="it-IT" dirty="0"/>
+          </a:p>
+        </p:txBody>
+      </p:sp>
+      <p:sp>
+        <p:nvSpPr>
+          <p:cNvPr id="4" name="Segnaposto piè di pagina 3">
+            <a:extLst>
+              <a:ext uri="{FF2B5EF4-FFF2-40B4-BE49-F238E27FC236}">
+                <a16:creationId xmlns:a16="http://schemas.microsoft.com/office/drawing/2014/main" id="{C4B0E81A-C7BB-4895-886F-96A53552C779}"/>
+              </a:ext>
+            </a:extLst>
+          </p:cNvPr>
+          <p:cNvSpPr>
+            <a:spLocks noGrp="1"/>
+          </p:cNvSpPr>
+          <p:nvPr>
+            <p:ph type="ftr" sz="quarter" idx="11"/>
+          </p:nvPr>
+        </p:nvSpPr>
+        <p:spPr/>
+        <p:txBody>
+          <a:bodyPr/>
+          <a:lstStyle/>
+          <a:p>
+            <a:r>
+              <a:rPr lang="it-IT"/>
+              <a:t>Gestione Avanzata dell’Informazione – UNIMORE- 2019/2020</a:t>
+            </a:r>
+            <a:endParaRPr lang="en-US" dirty="0"/>
+          </a:p>
+        </p:txBody>
+      </p:sp>
+      <p:sp>
+        <p:nvSpPr>
+          <p:cNvPr id="5" name="Segnaposto numero diapositiva 4">
+            <a:extLst>
+              <a:ext uri="{FF2B5EF4-FFF2-40B4-BE49-F238E27FC236}">
+                <a16:creationId xmlns:a16="http://schemas.microsoft.com/office/drawing/2014/main" id="{A70778E9-C667-4301-84F9-1F2241093A71}"/>
+              </a:ext>
+            </a:extLst>
+          </p:cNvPr>
+          <p:cNvSpPr>
+            <a:spLocks noGrp="1"/>
+          </p:cNvSpPr>
+          <p:nvPr>
+            <p:ph type="sldNum" sz="quarter" idx="12"/>
+          </p:nvPr>
+        </p:nvSpPr>
+        <p:spPr/>
+        <p:txBody>
+          <a:bodyPr/>
+          <a:lstStyle/>
+          <a:p>
+            <a:fld id="{3A98EE3D-8CD1-4C3F-BD1C-C98C9596463C}" type="slidenum">
+              <a:rPr lang="en-US" smtClean="0"/>
+              <a:t>16</a:t>
+            </a:fld>
+            <a:endParaRPr lang="en-US" dirty="0"/>
+          </a:p>
+        </p:txBody>
+      </p:sp>
+      <p:sp>
+        <p:nvSpPr>
+          <p:cNvPr id="6" name="Ovale 5">
+            <a:extLst>
+              <a:ext uri="{FF2B5EF4-FFF2-40B4-BE49-F238E27FC236}">
+                <a16:creationId xmlns:a16="http://schemas.microsoft.com/office/drawing/2014/main" id="{70190462-C5BA-4BBC-AC62-350339C08E7F}"/>
+              </a:ext>
+            </a:extLst>
+          </p:cNvPr>
+          <p:cNvSpPr/>
+          <p:nvPr/>
+        </p:nvSpPr>
+        <p:spPr>
+          <a:xfrm>
+            <a:off x="607948" y="524783"/>
+            <a:ext cx="891578" cy="891578"/>
+          </a:xfrm>
+          <a:prstGeom prst="ellipse">
+            <a:avLst/>
+          </a:prstGeom>
+        </p:spPr>
+        <p:style>
+          <a:lnRef idx="0">
+            <a:schemeClr val="lt1">
+              <a:alpha val="0"/>
+              <a:hueOff val="0"/>
+              <a:satOff val="0"/>
+              <a:lumOff val="0"/>
+              <a:alphaOff val="0"/>
+            </a:schemeClr>
+          </a:lnRef>
+          <a:fillRef idx="1">
+            <a:schemeClr val="accent5">
+              <a:hueOff val="1202285"/>
+              <a:satOff val="-14157"/>
+              <a:lumOff val="9412"/>
+              <a:alphaOff val="0"/>
+            </a:schemeClr>
+          </a:fillRef>
+          <a:effectRef idx="0">
+            <a:schemeClr val="accent5">
+              <a:hueOff val="1202285"/>
+              <a:satOff val="-14157"/>
+              <a:lumOff val="9412"/>
+              <a:alphaOff val="0"/>
+            </a:schemeClr>
+          </a:effectRef>
+          <a:fontRef idx="minor"/>
+        </p:style>
+      </p:sp>
+      <p:sp>
+        <p:nvSpPr>
+          <p:cNvPr id="7" name="Rettangolo 6" descr="Magnifying glass">
+            <a:extLst>
+              <a:ext uri="{FF2B5EF4-FFF2-40B4-BE49-F238E27FC236}">
+                <a16:creationId xmlns:a16="http://schemas.microsoft.com/office/drawing/2014/main" id="{5B109802-FB19-41F9-A2AA-27E1AB9AFA13}"/>
+              </a:ext>
+            </a:extLst>
+          </p:cNvPr>
+          <p:cNvSpPr/>
+          <p:nvPr/>
+        </p:nvSpPr>
+        <p:spPr>
+          <a:xfrm>
+            <a:off x="795179" y="712015"/>
+            <a:ext cx="517115" cy="517115"/>
+          </a:xfrm>
+          <a:prstGeom prst="rect">
+            <a:avLst/>
+          </a:prstGeom>
+          <a:blipFill>
+            <a:blip r:embed="rId2">
+              <a:extLst>
+                <a:ext uri="{28A0092B-C50C-407E-A947-70E740481C1C}">
+                  <a14:useLocalDpi xmlns:a14="http://schemas.microsoft.com/office/drawing/2010/main" val="0"/>
+                </a:ext>
+                <a:ext uri="{96DAC541-7B7A-43D3-8B79-37D633B846F1}">
+                  <asvg:svgBlip xmlns:asvg="http://schemas.microsoft.com/office/drawing/2016/SVG/main" r:embed="rId3"/>
+                </a:ext>
+              </a:extLst>
+            </a:blip>
+            <a:stretch>
+              <a:fillRect/>
+            </a:stretch>
+          </a:blipFill>
+          <a:ln>
+            <a:noFill/>
+          </a:ln>
+        </p:spPr>
+        <p:style>
+          <a:lnRef idx="2">
+            <a:scrgbClr r="0" g="0" b="0"/>
+          </a:lnRef>
+          <a:fillRef idx="1">
+            <a:scrgbClr r="0" g="0" b="0"/>
+          </a:fillRef>
+          <a:effectRef idx="0">
+            <a:schemeClr val="bg1">
+              <a:hueOff val="0"/>
+              <a:satOff val="0"/>
+              <a:lumOff val="0"/>
+              <a:alphaOff val="0"/>
+            </a:schemeClr>
+          </a:effectRef>
+          <a:fontRef idx="minor">
+            <a:schemeClr val="dk1">
+              <a:hueOff val="0"/>
+              <a:satOff val="0"/>
+              <a:lumOff val="0"/>
+              <a:alphaOff val="0"/>
+            </a:schemeClr>
+          </a:fontRef>
+        </p:style>
+      </p:sp>
+    </p:spTree>
+    <p:extLst>
+      <p:ext uri="{BB962C8B-B14F-4D97-AF65-F5344CB8AC3E}">
+        <p14:creationId xmlns:p14="http://schemas.microsoft.com/office/powerpoint/2010/main" val="1161372136"/>
+      </p:ext>
+    </p:extLst>
+  </p:cSld>
+  <p:clrMapOvr>
+    <a:masterClrMapping/>
+  </p:clrMapOvr>
+</p:sld>
+</file>
+
+<file path=ppt/slides/slide17.xml><?xml version="1.0" encoding="utf-8"?>
+<p:sld xmlns:a="http://schemas.openxmlformats.org/drawingml/2006/main" xmlns:r="http://schemas.openxmlformats.org/officeDocument/2006/relationships" xmlns:p="http://schemas.openxmlformats.org/presentationml/2006/main">
+  <p:cSld>
+    <p:spTree>
+      <p:nvGrpSpPr>
+        <p:cNvPr id="1" name=""/>
+        <p:cNvGrpSpPr/>
+        <p:nvPr/>
+      </p:nvGrpSpPr>
+      <p:grpSpPr>
+        <a:xfrm>
+          <a:off x="0" y="0"/>
+          <a:ext cx="0" cy="0"/>
+          <a:chOff x="0" y="0"/>
+          <a:chExt cx="0" cy="0"/>
+        </a:xfrm>
+      </p:grpSpPr>
+      <p:sp>
+        <p:nvSpPr>
+          <p:cNvPr id="2" name="Titolo 1">
+            <a:extLst>
+              <a:ext uri="{FF2B5EF4-FFF2-40B4-BE49-F238E27FC236}">
+                <a16:creationId xmlns:a16="http://schemas.microsoft.com/office/drawing/2014/main" id="{72E12CBB-841D-4A05-AC3A-D35456CC855E}"/>
+              </a:ext>
+            </a:extLst>
+          </p:cNvPr>
+          <p:cNvSpPr>
+            <a:spLocks noGrp="1"/>
+          </p:cNvSpPr>
+          <p:nvPr>
+            <p:ph type="title"/>
+          </p:nvPr>
+        </p:nvSpPr>
+        <p:spPr/>
+        <p:txBody>
+          <a:bodyPr/>
+          <a:lstStyle/>
+          <a:p>
+            <a:r>
+              <a:rPr lang="it-IT" dirty="0"/>
+              <a:t>Gestione dei risultati</a:t>
+            </a:r>
+          </a:p>
+        </p:txBody>
+      </p:sp>
+      <p:sp>
+        <p:nvSpPr>
+          <p:cNvPr id="3" name="Segnaposto contenuto 2">
+            <a:extLst>
+              <a:ext uri="{FF2B5EF4-FFF2-40B4-BE49-F238E27FC236}">
+                <a16:creationId xmlns:a16="http://schemas.microsoft.com/office/drawing/2014/main" id="{70983DFF-2DFF-423B-A736-7F71F6AEA9C7}"/>
+              </a:ext>
+            </a:extLst>
+          </p:cNvPr>
+          <p:cNvSpPr>
+            <a:spLocks noGrp="1"/>
+          </p:cNvSpPr>
+          <p:nvPr>
+            <p:ph idx="1"/>
+          </p:nvPr>
+        </p:nvSpPr>
+        <p:spPr/>
+        <p:txBody>
+          <a:bodyPr>
+            <a:normAutofit fontScale="55000" lnSpcReduction="20000"/>
+          </a:bodyPr>
+          <a:lstStyle/>
+          <a:p>
+            <a:r>
+              <a:rPr lang="it-IT" dirty="0"/>
+              <a:t>Livelli di output (cosa si mostra)</a:t>
+            </a:r>
+          </a:p>
+          <a:p>
+            <a:r>
+              <a:rPr lang="it-IT" dirty="0"/>
+              <a:t>1.	…. </a:t>
+            </a:r>
+          </a:p>
+          <a:p>
+            <a:r>
+              <a:rPr lang="it-IT" dirty="0"/>
+              <a:t>2. 	…</a:t>
+            </a:r>
+          </a:p>
+          <a:p>
+            <a:r>
+              <a:rPr lang="it-IT" dirty="0"/>
+              <a:t>3.	…</a:t>
+            </a:r>
+          </a:p>
+          <a:p>
+            <a:pPr marL="36900" indent="0">
+              <a:buNone/>
+            </a:pPr>
+            <a:endParaRPr lang="it-IT" dirty="0"/>
+          </a:p>
+          <a:p>
+            <a:pPr marL="36900" indent="0">
+              <a:buNone/>
+            </a:pPr>
+            <a:r>
+              <a:rPr lang="it-IT" dirty="0"/>
+              <a:t>Possibili «oggetti» in output (oggetto in evidenza)</a:t>
+            </a:r>
+          </a:p>
+          <a:p>
+            <a:r>
+              <a:rPr lang="it-IT" dirty="0"/>
+              <a:t>Solo </a:t>
+            </a:r>
+            <a:r>
+              <a:rPr lang="it-IT" dirty="0" err="1"/>
+              <a:t>publication</a:t>
+            </a:r>
+            <a:endParaRPr lang="it-IT" dirty="0"/>
+          </a:p>
+          <a:p>
+            <a:r>
+              <a:rPr lang="it-IT" dirty="0"/>
+              <a:t>Solo </a:t>
+            </a:r>
+            <a:r>
+              <a:rPr lang="it-IT" dirty="0" err="1"/>
+              <a:t>venue</a:t>
+            </a:r>
+            <a:endParaRPr lang="it-IT" dirty="0"/>
+          </a:p>
+          <a:p>
+            <a:r>
+              <a:rPr lang="it-IT" dirty="0"/>
+              <a:t>1 pub 1 </a:t>
+            </a:r>
+            <a:r>
+              <a:rPr lang="it-IT" dirty="0" err="1"/>
+              <a:t>ven</a:t>
+            </a:r>
+            <a:endParaRPr lang="it-IT" dirty="0"/>
+          </a:p>
+          <a:p>
+            <a:r>
+              <a:rPr lang="it-IT" dirty="0"/>
+              <a:t>1 </a:t>
+            </a:r>
+            <a:r>
+              <a:rPr lang="it-IT" dirty="0" err="1"/>
+              <a:t>ven</a:t>
+            </a:r>
+            <a:r>
+              <a:rPr lang="it-IT" dirty="0"/>
+              <a:t> n pub</a:t>
+            </a:r>
+          </a:p>
+          <a:p>
+            <a:endParaRPr lang="it-IT" dirty="0"/>
+          </a:p>
+          <a:p>
+            <a:pPr marL="36900" indent="0">
+              <a:buNone/>
+            </a:pPr>
+            <a:r>
+              <a:rPr lang="it-IT" dirty="0"/>
+              <a:t>Alternative pub, se oggetto principale è </a:t>
+            </a:r>
+            <a:r>
+              <a:rPr lang="it-IT" dirty="0" err="1"/>
+              <a:t>venue</a:t>
+            </a:r>
+            <a:r>
+              <a:rPr lang="it-IT" dirty="0"/>
+              <a:t> </a:t>
+            </a:r>
+          </a:p>
+          <a:p>
+            <a:pPr marL="36900" indent="0">
+              <a:buNone/>
+            </a:pPr>
+            <a:r>
+              <a:rPr lang="it-IT" dirty="0"/>
+              <a:t>Ottimizzazione -&gt; solo se richiesti in base all’output</a:t>
+            </a:r>
+          </a:p>
+        </p:txBody>
+      </p:sp>
+      <p:sp>
+        <p:nvSpPr>
+          <p:cNvPr id="4" name="Segnaposto piè di pagina 3">
+            <a:extLst>
+              <a:ext uri="{FF2B5EF4-FFF2-40B4-BE49-F238E27FC236}">
+                <a16:creationId xmlns:a16="http://schemas.microsoft.com/office/drawing/2014/main" id="{45C7D66D-84CB-4CB1-B855-CF0806A40623}"/>
+              </a:ext>
+            </a:extLst>
+          </p:cNvPr>
+          <p:cNvSpPr>
+            <a:spLocks noGrp="1"/>
+          </p:cNvSpPr>
+          <p:nvPr>
+            <p:ph type="ftr" sz="quarter" idx="11"/>
+          </p:nvPr>
+        </p:nvSpPr>
+        <p:spPr/>
+        <p:txBody>
+          <a:bodyPr/>
+          <a:lstStyle/>
+          <a:p>
+            <a:r>
+              <a:rPr lang="it-IT"/>
+              <a:t>Gestione Avanzata dell’Informazione – UNIMORE- 2019/2020</a:t>
+            </a:r>
+            <a:endParaRPr lang="en-US" dirty="0"/>
+          </a:p>
+        </p:txBody>
+      </p:sp>
+      <p:sp>
+        <p:nvSpPr>
+          <p:cNvPr id="5" name="Segnaposto numero diapositiva 4">
+            <a:extLst>
+              <a:ext uri="{FF2B5EF4-FFF2-40B4-BE49-F238E27FC236}">
+                <a16:creationId xmlns:a16="http://schemas.microsoft.com/office/drawing/2014/main" id="{B13CB847-4E82-4371-86E3-B664D4E1CCBD}"/>
+              </a:ext>
+            </a:extLst>
+          </p:cNvPr>
+          <p:cNvSpPr>
+            <a:spLocks noGrp="1"/>
+          </p:cNvSpPr>
+          <p:nvPr>
+            <p:ph type="sldNum" sz="quarter" idx="12"/>
+          </p:nvPr>
+        </p:nvSpPr>
+        <p:spPr/>
+        <p:txBody>
+          <a:bodyPr/>
+          <a:lstStyle/>
+          <a:p>
+            <a:fld id="{3A98EE3D-8CD1-4C3F-BD1C-C98C9596463C}" type="slidenum">
+              <a:rPr lang="en-US" smtClean="0"/>
+              <a:t>17</a:t>
+            </a:fld>
+            <a:endParaRPr lang="en-US" dirty="0"/>
+          </a:p>
+        </p:txBody>
+      </p:sp>
+      <p:sp>
+        <p:nvSpPr>
+          <p:cNvPr id="6" name="Ovale 5">
+            <a:extLst>
+              <a:ext uri="{FF2B5EF4-FFF2-40B4-BE49-F238E27FC236}">
+                <a16:creationId xmlns:a16="http://schemas.microsoft.com/office/drawing/2014/main" id="{72B1BED0-117E-4148-9AB2-6A4622CEF91F}"/>
+              </a:ext>
+            </a:extLst>
+          </p:cNvPr>
+          <p:cNvSpPr/>
+          <p:nvPr/>
+        </p:nvSpPr>
+        <p:spPr>
+          <a:xfrm>
+            <a:off x="346691" y="693091"/>
+            <a:ext cx="891578" cy="891578"/>
+          </a:xfrm>
+          <a:prstGeom prst="ellipse">
+            <a:avLst/>
+          </a:prstGeom>
+        </p:spPr>
+        <p:style>
+          <a:lnRef idx="0">
+            <a:schemeClr val="lt1">
+              <a:alpha val="0"/>
+              <a:hueOff val="0"/>
+              <a:satOff val="0"/>
+              <a:lumOff val="0"/>
+              <a:alphaOff val="0"/>
+            </a:schemeClr>
+          </a:lnRef>
+          <a:fillRef idx="1">
+            <a:schemeClr val="accent5">
+              <a:hueOff val="1603047"/>
+              <a:satOff val="-18876"/>
+              <a:lumOff val="12549"/>
+              <a:alphaOff val="0"/>
+            </a:schemeClr>
+          </a:fillRef>
+          <a:effectRef idx="0">
+            <a:schemeClr val="accent5">
+              <a:hueOff val="1603047"/>
+              <a:satOff val="-18876"/>
+              <a:lumOff val="12549"/>
+              <a:alphaOff val="0"/>
+            </a:schemeClr>
+          </a:effectRef>
+          <a:fontRef idx="minor"/>
+        </p:style>
+      </p:sp>
+      <p:sp>
+        <p:nvSpPr>
+          <p:cNvPr id="7" name="Rettangolo 6" descr="Aula">
+            <a:extLst>
+              <a:ext uri="{FF2B5EF4-FFF2-40B4-BE49-F238E27FC236}">
+                <a16:creationId xmlns:a16="http://schemas.microsoft.com/office/drawing/2014/main" id="{E50E1A71-01E5-4FAF-A362-84AB3C9B97F7}"/>
+              </a:ext>
+            </a:extLst>
+          </p:cNvPr>
+          <p:cNvSpPr/>
+          <p:nvPr/>
+        </p:nvSpPr>
+        <p:spPr>
+          <a:xfrm>
+            <a:off x="533923" y="880323"/>
+            <a:ext cx="517115" cy="517115"/>
+          </a:xfrm>
+          <a:prstGeom prst="rect">
+            <a:avLst/>
+          </a:prstGeom>
+          <a:blipFill>
+            <a:blip r:embed="rId2">
+              <a:extLst>
+                <a:ext uri="{96DAC541-7B7A-43D3-8B79-37D633B846F1}">
+                  <asvg:svgBlip xmlns:asvg="http://schemas.microsoft.com/office/drawing/2016/SVG/main" r:embed="rId3"/>
+                </a:ext>
+              </a:extLst>
+            </a:blip>
+            <a:srcRect/>
+            <a:stretch>
+              <a:fillRect/>
+            </a:stretch>
+          </a:blipFill>
+        </p:spPr>
+        <p:style>
+          <a:lnRef idx="2">
+            <a:schemeClr val="lt1">
+              <a:alpha val="0"/>
+              <a:hueOff val="0"/>
+              <a:satOff val="0"/>
+              <a:lumOff val="0"/>
+              <a:alphaOff val="0"/>
+            </a:schemeClr>
+          </a:lnRef>
+          <a:fillRef idx="1">
+            <a:scrgbClr r="0" g="0" b="0"/>
+          </a:fillRef>
+          <a:effectRef idx="0">
+            <a:schemeClr val="bg1">
+              <a:hueOff val="0"/>
+              <a:satOff val="0"/>
+              <a:lumOff val="0"/>
+              <a:alphaOff val="0"/>
+            </a:schemeClr>
+          </a:effectRef>
+          <a:fontRef idx="minor">
+            <a:schemeClr val="dk1">
+              <a:hueOff val="0"/>
+              <a:satOff val="0"/>
+              <a:lumOff val="0"/>
+              <a:alphaOff val="0"/>
+            </a:schemeClr>
+          </a:fontRef>
+        </p:style>
+      </p:sp>
+    </p:spTree>
+    <p:extLst>
+      <p:ext uri="{BB962C8B-B14F-4D97-AF65-F5344CB8AC3E}">
+        <p14:creationId xmlns:p14="http://schemas.microsoft.com/office/powerpoint/2010/main" val="1117767733"/>
+      </p:ext>
+    </p:extLst>
+  </p:cSld>
+  <p:clrMapOvr>
+    <a:masterClrMapping/>
+  </p:clrMapOvr>
+</p:sld>
+</file>
+
+<file path=ppt/slides/slide18.xml><?xml version="1.0" encoding="utf-8"?>
+<p:sld xmlns:a="http://schemas.openxmlformats.org/drawingml/2006/main" xmlns:r="http://schemas.openxmlformats.org/officeDocument/2006/relationships" xmlns:p="http://schemas.openxmlformats.org/presentationml/2006/main">
+  <p:cSld>
+    <p:bg>
+      <p:bgPr>
+        <a:blipFill rotWithShape="1">
+          <a:blip r:embed="rId2">
+            <a:duotone>
+              <a:schemeClr val="bg1">
+                <a:shade val="80000"/>
+                <a:lumMod val="80000"/>
+              </a:schemeClr>
+              <a:schemeClr val="bg1">
+                <a:tint val="98000"/>
+              </a:schemeClr>
+            </a:duotone>
+          </a:blip>
+          <a:stretch/>
+        </a:blipFill>
+        <a:effectLst/>
+      </p:bgPr>
+    </p:bg>
+    <p:spTree>
+      <p:nvGrpSpPr>
+        <p:cNvPr id="1" name=""/>
+        <p:cNvGrpSpPr/>
+        <p:nvPr/>
+      </p:nvGrpSpPr>
+      <p:grpSpPr>
+        <a:xfrm>
+          <a:off x="0" y="0"/>
+          <a:ext cx="0" cy="0"/>
+          <a:chOff x="0" y="0"/>
+          <a:chExt cx="0" cy="0"/>
+        </a:xfrm>
+      </p:grpSpPr>
+      <p:sp useBgFill="1">
+        <p:nvSpPr>
+          <p:cNvPr id="12" name="Rectangle 11">
+            <a:extLst>
+              <a:ext uri="{FF2B5EF4-FFF2-40B4-BE49-F238E27FC236}">
+                <a16:creationId xmlns:a16="http://schemas.microsoft.com/office/drawing/2014/main" id="{1E70A317-DCED-4E80-AA2D-467D8702E5CB}"/>
+              </a:ext>
+              <a:ext uri="{C183D7F6-B498-43B3-948B-1728B52AA6E4}">
+                <adec:decorative xmlns:adec="http://schemas.microsoft.com/office/drawing/2017/decorative" val="1"/>
+              </a:ext>
+            </a:extLst>
+          </p:cNvPr>
+          <p:cNvSpPr>
+            <a:spLocks noGrp="1" noRot="1" noChangeAspect="1" noMove="1" noResize="1" noEditPoints="1" noAdjustHandles="1" noChangeArrowheads="1" noChangeShapeType="1" noTextEdit="1"/>
+          </p:cNvSpPr>
+          <p:nvPr>
+            <p:extLst>
+              <p:ext uri="{386F3935-93C4-4BCD-93E2-E3B085C9AB24}">
+                <p16:designElem xmlns:p16="http://schemas.microsoft.com/office/powerpoint/2015/main" val="1"/>
+              </p:ext>
+            </p:extLst>
+          </p:nvPr>
+        </p:nvSpPr>
+        <p:spPr>
+          <a:xfrm>
+            <a:off x="0" y="0"/>
+            <a:ext cx="12192000" cy="6858000"/>
+          </a:xfrm>
+          <a:prstGeom prst="rect">
+            <a:avLst/>
+          </a:prstGeom>
+          <a:ln>
+            <a:noFill/>
+          </a:ln>
+        </p:spPr>
+        <p:style>
+          <a:lnRef idx="2">
+            <a:schemeClr val="accent1">
+              <a:shade val="50000"/>
+            </a:schemeClr>
+          </a:lnRef>
+          <a:fillRef idx="1">
+            <a:schemeClr val="accent1"/>
+          </a:fillRef>
+          <a:effectRef idx="0">
+            <a:schemeClr val="accent1"/>
+          </a:effectRef>
+          <a:fontRef idx="minor">
+            <a:schemeClr val="lt1"/>
+          </a:fontRef>
+        </p:style>
+        <p:txBody>
+          <a:bodyPr rtlCol="0" anchor="ctr"/>
+          <a:lstStyle/>
+          <a:p>
+            <a:pPr algn="ctr"/>
+            <a:endParaRPr lang="en-US"/>
+          </a:p>
+        </p:txBody>
+      </p:sp>
+      <p:sp>
+        <p:nvSpPr>
+          <p:cNvPr id="2" name="Titolo 1">
+            <a:extLst>
+              <a:ext uri="{FF2B5EF4-FFF2-40B4-BE49-F238E27FC236}">
+                <a16:creationId xmlns:a16="http://schemas.microsoft.com/office/drawing/2014/main" id="{DC8E64C7-E6DD-47C2-B23C-002D981DDE62}"/>
+              </a:ext>
+            </a:extLst>
+          </p:cNvPr>
+          <p:cNvSpPr>
+            <a:spLocks noGrp="1"/>
+          </p:cNvSpPr>
+          <p:nvPr>
+            <p:ph type="title"/>
+          </p:nvPr>
+        </p:nvSpPr>
+        <p:spPr>
+          <a:xfrm>
+            <a:off x="861791" y="835383"/>
+            <a:ext cx="3382832" cy="3499549"/>
+          </a:xfrm>
+        </p:spPr>
+        <p:txBody>
+          <a:bodyPr vert="horz" lIns="91440" tIns="45720" rIns="91440" bIns="45720" rtlCol="0" anchor="b">
+            <a:normAutofit/>
+          </a:bodyPr>
+          <a:lstStyle/>
+          <a:p>
+            <a:pPr algn="l"/>
+            <a:r>
+              <a:rPr lang="en-US" sz="4200"/>
+              <a:t>Niente</a:t>
+            </a:r>
+          </a:p>
+        </p:txBody>
+      </p:sp>
+      <p:sp>
+        <p:nvSpPr>
+          <p:cNvPr id="3" name="Segnaposto contenuto 2">
+            <a:extLst>
+              <a:ext uri="{FF2B5EF4-FFF2-40B4-BE49-F238E27FC236}">
+                <a16:creationId xmlns:a16="http://schemas.microsoft.com/office/drawing/2014/main" id="{3F7B1903-15C5-47A3-961C-1E6A9E07C5D1}"/>
+              </a:ext>
+            </a:extLst>
+          </p:cNvPr>
+          <p:cNvSpPr>
+            <a:spLocks noGrp="1"/>
+          </p:cNvSpPr>
+          <p:nvPr>
+            <p:ph idx="1"/>
+          </p:nvPr>
+        </p:nvSpPr>
+        <p:spPr>
+          <a:xfrm>
+            <a:off x="861789" y="4334933"/>
+            <a:ext cx="3382831" cy="1185333"/>
+          </a:xfrm>
+        </p:spPr>
+        <p:txBody>
+          <a:bodyPr vert="horz" lIns="91440" tIns="45720" rIns="91440" bIns="45720" rtlCol="0" anchor="t">
+            <a:normAutofit/>
+          </a:bodyPr>
+          <a:lstStyle/>
+          <a:p>
+            <a:pPr marL="0" indent="0">
+              <a:buNone/>
+            </a:pPr>
+            <a:r>
+              <a:rPr lang="en-US" sz="2000">
+                <a:solidFill>
+                  <a:schemeClr val="tx1"/>
+                </a:solidFill>
+              </a:rPr>
+              <a:t>Si fotta </a:t>
+            </a:r>
+            <a:r>
+              <a:rPr lang="en-US" sz="2000" u="sng">
+                <a:solidFill>
+                  <a:schemeClr val="tx1"/>
+                </a:solidFill>
+              </a:rPr>
+              <a:t>allegramente </a:t>
+            </a:r>
+          </a:p>
+        </p:txBody>
+      </p:sp>
+      <p:sp>
+        <p:nvSpPr>
+          <p:cNvPr id="14" name="Rectangle 13">
+            <a:extLst>
+              <a:ext uri="{FF2B5EF4-FFF2-40B4-BE49-F238E27FC236}">
+                <a16:creationId xmlns:a16="http://schemas.microsoft.com/office/drawing/2014/main" id="{A6D87845-294F-40CB-BC48-46455460D292}"/>
+              </a:ext>
+              <a:ext uri="{C183D7F6-B498-43B3-948B-1728B52AA6E4}">
+                <adec:decorative xmlns:adec="http://schemas.microsoft.com/office/drawing/2017/decorative" val="1"/>
+              </a:ext>
+            </a:extLst>
+          </p:cNvPr>
+          <p:cNvSpPr>
+            <a:spLocks noGrp="1" noRot="1" noChangeAspect="1" noMove="1" noResize="1" noEditPoints="1" noAdjustHandles="1" noChangeArrowheads="1" noChangeShapeType="1" noTextEdit="1"/>
+          </p:cNvSpPr>
+          <p:nvPr>
+            <p:extLst>
+              <p:ext uri="{386F3935-93C4-4BCD-93E2-E3B085C9AB24}">
+                <p16:designElem xmlns:p16="http://schemas.microsoft.com/office/powerpoint/2015/main" val="1"/>
+              </p:ext>
+            </p:extLst>
+          </p:nvPr>
+        </p:nvSpPr>
+        <p:spPr>
+          <a:xfrm>
+            <a:off x="4655671" y="0"/>
+            <a:ext cx="7536329" cy="6858000"/>
+          </a:xfrm>
+          <a:prstGeom prst="rect">
+            <a:avLst/>
+          </a:prstGeom>
+          <a:solidFill>
+            <a:schemeClr val="tx1"/>
+          </a:solidFill>
+          <a:ln>
+            <a:noFill/>
+          </a:ln>
+        </p:spPr>
+        <p:style>
+          <a:lnRef idx="2">
+            <a:schemeClr val="accent1">
+              <a:shade val="50000"/>
+            </a:schemeClr>
+          </a:lnRef>
+          <a:fillRef idx="1">
+            <a:schemeClr val="accent1"/>
+          </a:fillRef>
+          <a:effectRef idx="0">
+            <a:schemeClr val="accent1"/>
+          </a:effectRef>
+          <a:fontRef idx="minor">
+            <a:schemeClr val="lt1"/>
+          </a:fontRef>
+        </p:style>
+        <p:txBody>
+          <a:bodyPr rtlCol="0" anchor="ctr"/>
+          <a:lstStyle/>
+          <a:p>
+            <a:pPr algn="ctr"/>
+            <a:endParaRPr lang="en-US"/>
+          </a:p>
+        </p:txBody>
+      </p:sp>
+      <p:pic>
+        <p:nvPicPr>
+          <p:cNvPr id="7" name="Elemento grafico 6" descr="Faccia sorridente con riempimento a tinta unita">
+            <a:extLst>
+              <a:ext uri="{FF2B5EF4-FFF2-40B4-BE49-F238E27FC236}">
+                <a16:creationId xmlns:a16="http://schemas.microsoft.com/office/drawing/2014/main" id="{B6E09168-71EF-4CCC-83C7-170DF4FDDC14}"/>
+              </a:ext>
+            </a:extLst>
+          </p:cNvPr>
+          <p:cNvPicPr>
+            <a:picLocks noChangeAspect="1"/>
+          </p:cNvPicPr>
+          <p:nvPr/>
+        </p:nvPicPr>
+        <p:blipFill>
+          <a:blip r:embed="rId3">
+            <a:extLst>
+              <a:ext uri="{28A0092B-C50C-407E-A947-70E740481C1C}">
+                <a14:useLocalDpi xmlns:a14="http://schemas.microsoft.com/office/drawing/2010/main" val="0"/>
+              </a:ext>
+              <a:ext uri="{96DAC541-7B7A-43D3-8B79-37D633B846F1}">
+                <asvg:svgBlip xmlns:asvg="http://schemas.microsoft.com/office/drawing/2016/SVG/main" r:embed="rId4"/>
+              </a:ext>
+            </a:extLst>
+          </a:blip>
+          <a:stretch>
+            <a:fillRect/>
+          </a:stretch>
+        </p:blipFill>
+        <p:spPr>
+          <a:xfrm>
+            <a:off x="5603749" y="609600"/>
+            <a:ext cx="5638800" cy="5638800"/>
+          </a:xfrm>
+          <a:prstGeom prst="rect">
+            <a:avLst/>
+          </a:prstGeom>
+        </p:spPr>
+      </p:pic>
+      <p:sp>
+        <p:nvSpPr>
+          <p:cNvPr id="4" name="Segnaposto piè di pagina 3">
+            <a:extLst>
+              <a:ext uri="{FF2B5EF4-FFF2-40B4-BE49-F238E27FC236}">
+                <a16:creationId xmlns:a16="http://schemas.microsoft.com/office/drawing/2014/main" id="{5B06B3CD-D7CD-45EE-9F58-471FE9B37415}"/>
+              </a:ext>
+            </a:extLst>
+          </p:cNvPr>
+          <p:cNvSpPr>
+            <a:spLocks noGrp="1"/>
+          </p:cNvSpPr>
+          <p:nvPr>
+            <p:ph type="ftr" sz="quarter" idx="11"/>
+          </p:nvPr>
+        </p:nvSpPr>
+        <p:spPr>
+          <a:xfrm>
+            <a:off x="913795" y="6310313"/>
+            <a:ext cx="6672865" cy="365125"/>
+          </a:xfrm>
+        </p:spPr>
+        <p:txBody>
+          <a:bodyPr vert="horz" lIns="91440" tIns="45720" rIns="91440" bIns="45720" rtlCol="0" anchor="ctr">
+            <a:normAutofit/>
+          </a:bodyPr>
+          <a:lstStyle/>
+          <a:p>
+            <a:pPr>
+              <a:spcAft>
+                <a:spcPts val="600"/>
+              </a:spcAft>
+            </a:pPr>
+            <a:r>
+              <a:rPr lang="en-US" sz="1000" kern="1200">
+                <a:solidFill>
+                  <a:schemeClr val="tx1">
+                    <a:lumMod val="95000"/>
+                  </a:schemeClr>
+                </a:solidFill>
+                <a:effectLst>
+                  <a:outerShdw blurRad="50800" dist="38100" dir="2700000" algn="tl" rotWithShape="0">
+                    <a:schemeClr val="bg1">
+                      <a:alpha val="43000"/>
+                    </a:schemeClr>
+                  </a:outerShdw>
+                </a:effectLst>
+                <a:latin typeface="+mn-lt"/>
+                <a:ea typeface="+mn-ea"/>
+                <a:cs typeface="+mn-cs"/>
+              </a:rPr>
+              <a:t>Gestione Avanzata dell’Informazione – UNIMORE- 2019/2020</a:t>
+            </a:r>
+          </a:p>
+        </p:txBody>
+      </p:sp>
+      <p:sp>
+        <p:nvSpPr>
+          <p:cNvPr id="5" name="Segnaposto numero diapositiva 4">
+            <a:extLst>
+              <a:ext uri="{FF2B5EF4-FFF2-40B4-BE49-F238E27FC236}">
+                <a16:creationId xmlns:a16="http://schemas.microsoft.com/office/drawing/2014/main" id="{199D62B6-B303-4874-AC03-C0D2C4BB2DF3}"/>
+              </a:ext>
+            </a:extLst>
+          </p:cNvPr>
+          <p:cNvSpPr>
+            <a:spLocks noGrp="1"/>
+          </p:cNvSpPr>
+          <p:nvPr>
+            <p:ph type="sldNum" sz="quarter" idx="12"/>
+          </p:nvPr>
+        </p:nvSpPr>
+        <p:spPr>
+          <a:xfrm>
+            <a:off x="10514011" y="6310313"/>
+            <a:ext cx="753545" cy="365125"/>
+          </a:xfrm>
+        </p:spPr>
+        <p:txBody>
+          <a:bodyPr vert="horz" lIns="91440" tIns="45720" rIns="91440" bIns="45720" rtlCol="0" anchor="ctr">
+            <a:normAutofit/>
+          </a:bodyPr>
+          <a:lstStyle/>
+          <a:p>
+            <a:pPr>
+              <a:spcAft>
+                <a:spcPts val="600"/>
+              </a:spcAft>
+            </a:pPr>
+            <a:fld id="{3A98EE3D-8CD1-4C3F-BD1C-C98C9596463C}" type="slidenum">
+              <a:rPr lang="en-US" sz="1000">
+                <a:solidFill>
+                  <a:schemeClr val="bg1">
+                    <a:lumMod val="85000"/>
+                    <a:lumOff val="15000"/>
+                  </a:schemeClr>
+                </a:solidFill>
+              </a:rPr>
+              <a:pPr>
+                <a:spcAft>
+                  <a:spcPts val="600"/>
+                </a:spcAft>
+              </a:pPr>
+              <a:t>18</a:t>
+            </a:fld>
+            <a:endParaRPr lang="en-US" sz="1000">
+              <a:solidFill>
+                <a:schemeClr val="bg1">
+                  <a:lumMod val="85000"/>
+                  <a:lumOff val="15000"/>
+                </a:schemeClr>
+              </a:solidFill>
+            </a:endParaRPr>
+          </a:p>
+        </p:txBody>
+      </p:sp>
+    </p:spTree>
+    <p:extLst>
+      <p:ext uri="{BB962C8B-B14F-4D97-AF65-F5344CB8AC3E}">
+        <p14:creationId xmlns:p14="http://schemas.microsoft.com/office/powerpoint/2010/main" val="2897208934"/>
       </p:ext>
     </p:extLst>
   </p:cSld>
@@ -10971,99 +13881,6 @@
               <a:t>2</a:t>
             </a:fld>
             <a:endParaRPr lang="en-US" dirty="0"/>
-          </a:p>
-        </p:txBody>
-      </p:sp>
-      <p:sp>
-        <p:nvSpPr>
-          <p:cNvPr id="12" name="CasellaDiTesto 11">
-            <a:hlinkClick r:id="rId3" action="ppaction://hlinksldjump"/>
-            <a:extLst>
-              <a:ext uri="{FF2B5EF4-FFF2-40B4-BE49-F238E27FC236}">
-                <a16:creationId xmlns:a16="http://schemas.microsoft.com/office/drawing/2014/main" id="{A85D1A10-DBC1-4BFC-A8A5-441B75E5AC10}"/>
-              </a:ext>
-            </a:extLst>
-          </p:cNvPr>
-          <p:cNvSpPr txBox="1"/>
-          <p:nvPr/>
-        </p:nvSpPr>
-        <p:spPr>
-          <a:xfrm>
-            <a:off x="3193366" y="106178"/>
-            <a:ext cx="8677069" cy="307777"/>
-          </a:xfrm>
-          <a:prstGeom prst="rect">
-            <a:avLst/>
-          </a:prstGeom>
-          <a:noFill/>
-        </p:spPr>
-        <p:txBody>
-          <a:bodyPr wrap="square" rtlCol="0">
-            <a:spAutoFit/>
-          </a:bodyPr>
-          <a:lstStyle/>
-          <a:p>
-            <a:r>
-              <a:rPr lang="it-IT" sz="1400" dirty="0">
-                <a:latin typeface="Cambria Math" panose="02040503050406030204" pitchFamily="18" charset="0"/>
-                <a:ea typeface="Cambria Math" panose="02040503050406030204" pitchFamily="18" charset="0"/>
-              </a:rPr>
-              <a:t>◇ ◆ ◽◾♢♦</a:t>
-            </a:r>
-            <a:endParaRPr lang="it-IT" sz="1400" dirty="0"/>
-          </a:p>
-        </p:txBody>
-      </p:sp>
-      <p:sp>
-        <p:nvSpPr>
-          <p:cNvPr id="7" name="CasellaDiTesto 6">
-            <a:hlinkClick r:id="rId3" action="ppaction://hlinksldjump"/>
-            <a:extLst>
-              <a:ext uri="{FF2B5EF4-FFF2-40B4-BE49-F238E27FC236}">
-                <a16:creationId xmlns:a16="http://schemas.microsoft.com/office/drawing/2014/main" id="{6329A0A9-D2F1-4E2A-B4E9-C90EFE4A4859}"/>
-              </a:ext>
-            </a:extLst>
-          </p:cNvPr>
-          <p:cNvSpPr txBox="1"/>
-          <p:nvPr/>
-        </p:nvSpPr>
-        <p:spPr>
-          <a:xfrm flipH="1">
-            <a:off x="321563" y="172528"/>
-            <a:ext cx="986731" cy="584775"/>
-          </a:xfrm>
-          <a:prstGeom prst="rect">
-            <a:avLst/>
-          </a:prstGeom>
-          <a:noFill/>
-        </p:spPr>
-        <p:txBody>
-          <a:bodyPr wrap="square" rtlCol="0">
-            <a:spAutoFit/>
-          </a:bodyPr>
-          <a:lstStyle/>
-          <a:p>
-            <a:r>
-              <a:rPr lang="it-IT" sz="1400" dirty="0">
-                <a:latin typeface="Cambria Math" panose="02040503050406030204" pitchFamily="18" charset="0"/>
-                <a:ea typeface="Cambria Math" panose="02040503050406030204" pitchFamily="18" charset="0"/>
-              </a:rPr>
-              <a:t>Obbiettivi</a:t>
-            </a:r>
-            <a:endParaRPr lang="it-IT" dirty="0">
-              <a:latin typeface="Cambria Math" panose="02040503050406030204" pitchFamily="18" charset="0"/>
-              <a:ea typeface="Cambria Math" panose="02040503050406030204" pitchFamily="18" charset="0"/>
-            </a:endParaRPr>
-          </a:p>
-          <a:p>
-            <a:r>
-              <a:rPr lang="it-IT" dirty="0">
-                <a:latin typeface="Cambria Math" panose="02040503050406030204" pitchFamily="18" charset="0"/>
-                <a:ea typeface="Cambria Math" panose="02040503050406030204" pitchFamily="18" charset="0"/>
-              </a:rPr>
-              <a:t>      ◆</a:t>
-            </a:r>
-            <a:endParaRPr lang="it-IT" dirty="0"/>
           </a:p>
         </p:txBody>
       </p:sp>
@@ -11274,7 +14091,7 @@
         </p:nvSpPr>
         <p:spPr>
           <a:xfrm>
-            <a:off x="4867422" y="965200"/>
+            <a:off x="4753239" y="5217160"/>
             <a:ext cx="7324578" cy="4562473"/>
           </a:xfrm>
         </p:spPr>
@@ -11691,116 +14508,42 @@
           </a:p>
         </p:txBody>
       </p:sp>
-      <p:sp>
-        <p:nvSpPr>
-          <p:cNvPr id="9" name="CasellaDiTesto 8">
+      <p:pic>
+        <p:nvPicPr>
+          <p:cNvPr id="7" name="Immagine 6" descr="Immagine che contiene screenshot, monitor, nero, schermo&#10;&#10;Descrizione generata automaticamente">
             <a:extLst>
               <a:ext uri="{FF2B5EF4-FFF2-40B4-BE49-F238E27FC236}">
-                <a16:creationId xmlns:a16="http://schemas.microsoft.com/office/drawing/2014/main" id="{1DEDFF93-B9D0-4FAE-B2D7-D5C18275828A}"/>
+                <a16:creationId xmlns:a16="http://schemas.microsoft.com/office/drawing/2014/main" id="{65C72B4F-CE14-498B-AC84-B056CAB219E8}"/>
               </a:ext>
             </a:extLst>
           </p:cNvPr>
-          <p:cNvSpPr txBox="1"/>
+          <p:cNvPicPr>
+            <a:picLocks noChangeAspect="1"/>
+          </p:cNvPicPr>
           <p:nvPr/>
-        </p:nvSpPr>
+        </p:nvPicPr>
+        <p:blipFill>
+          <a:blip r:embed="rId4">
+            <a:extLst>
+              <a:ext uri="{28A0092B-C50C-407E-A947-70E740481C1C}">
+                <a14:useLocalDpi xmlns:a14="http://schemas.microsoft.com/office/drawing/2010/main" val="0"/>
+              </a:ext>
+            </a:extLst>
+          </a:blip>
+          <a:stretch>
+            <a:fillRect/>
+          </a:stretch>
+        </p:blipFill>
         <p:spPr>
           <a:xfrm>
-            <a:off x="3545058" y="109248"/>
-            <a:ext cx="8321024" cy="523220"/>
+            <a:off x="4602431" y="1568108"/>
+            <a:ext cx="7626194" cy="2864534"/>
           </a:xfrm>
           <a:prstGeom prst="rect">
             <a:avLst/>
           </a:prstGeom>
-          <a:noFill/>
         </p:spPr>
-        <p:txBody>
-          <a:bodyPr wrap="square" rtlCol="0">
-            <a:spAutoFit/>
-          </a:bodyPr>
-          <a:lstStyle/>
-          <a:p>
-            <a:r>
-              <a:rPr lang="it-IT" sz="1400" dirty="0">
-                <a:latin typeface="Cambria Math" panose="02040503050406030204" pitchFamily="18" charset="0"/>
-                <a:ea typeface="Cambria Math" panose="02040503050406030204" pitchFamily="18" charset="0"/>
-                <a:hlinkClick r:id="rId4" action="ppaction://hlinksldjump"/>
-              </a:rPr>
-              <a:t>Obbiettivi</a:t>
-            </a:r>
-          </a:p>
-          <a:p>
-            <a:r>
-              <a:rPr lang="it-IT" sz="1400" dirty="0">
-                <a:latin typeface="Cambria Math" panose="02040503050406030204" pitchFamily="18" charset="0"/>
-                <a:ea typeface="Cambria Math" panose="02040503050406030204" pitchFamily="18" charset="0"/>
-                <a:hlinkClick r:id="rId4" action="ppaction://hlinksldjump"/>
-              </a:rPr>
-              <a:t>     ◇ </a:t>
-            </a:r>
-            <a:r>
-              <a:rPr lang="it-IT" sz="1400" dirty="0">
-                <a:latin typeface="Cambria Math" panose="02040503050406030204" pitchFamily="18" charset="0"/>
-                <a:ea typeface="Cambria Math" panose="02040503050406030204" pitchFamily="18" charset="0"/>
-              </a:rPr>
-              <a:t>		 ◇ ◆ ◽◾♢♦</a:t>
-            </a:r>
-            <a:endParaRPr lang="it-IT" sz="1400" dirty="0"/>
-          </a:p>
-        </p:txBody>
-      </p:sp>
-      <p:sp>
-        <p:nvSpPr>
-          <p:cNvPr id="12" name="CasellaDiTesto 11">
-            <a:hlinkClick r:id="rId4" action="ppaction://hlinksldjump"/>
-            <a:extLst>
-              <a:ext uri="{FF2B5EF4-FFF2-40B4-BE49-F238E27FC236}">
-                <a16:creationId xmlns:a16="http://schemas.microsoft.com/office/drawing/2014/main" id="{2D9C97D2-CF39-4289-8B4C-52172E6D047A}"/>
-              </a:ext>
-            </a:extLst>
-          </p:cNvPr>
-          <p:cNvSpPr txBox="1"/>
-          <p:nvPr/>
-        </p:nvSpPr>
-        <p:spPr>
-          <a:xfrm flipH="1">
-            <a:off x="321563" y="172528"/>
-            <a:ext cx="986731" cy="584775"/>
-          </a:xfrm>
-          <a:prstGeom prst="rect">
-            <a:avLst/>
-          </a:prstGeom>
-          <a:noFill/>
-        </p:spPr>
-        <p:txBody>
-          <a:bodyPr wrap="square" rtlCol="0">
-            <a:spAutoFit/>
-          </a:bodyPr>
-          <a:lstStyle/>
-          <a:p>
-            <a:r>
-              <a:rPr lang="it-IT" sz="1400" dirty="0">
-                <a:latin typeface="Cambria Math" panose="02040503050406030204" pitchFamily="18" charset="0"/>
-                <a:ea typeface="Cambria Math" panose="02040503050406030204" pitchFamily="18" charset="0"/>
-              </a:rPr>
-              <a:t>Obbiettivi</a:t>
-            </a:r>
-            <a:endParaRPr lang="it-IT" dirty="0">
-              <a:latin typeface="Cambria Math" panose="02040503050406030204" pitchFamily="18" charset="0"/>
-              <a:ea typeface="Cambria Math" panose="02040503050406030204" pitchFamily="18" charset="0"/>
-            </a:endParaRPr>
-          </a:p>
-          <a:p>
-            <a:r>
-              <a:rPr lang="it-IT" dirty="0">
-                <a:latin typeface="Cambria Math" panose="02040503050406030204" pitchFamily="18" charset="0"/>
-                <a:ea typeface="Cambria Math" panose="02040503050406030204" pitchFamily="18" charset="0"/>
-              </a:rPr>
-              <a:t>     ◇</a:t>
-            </a:r>
-            <a:endParaRPr lang="it-IT" dirty="0"/>
-          </a:p>
-        </p:txBody>
-      </p:sp>
+      </p:pic>
     </p:spTree>
     <p:extLst>
       <p:ext uri="{BB962C8B-B14F-4D97-AF65-F5344CB8AC3E}">
@@ -11879,7 +14622,7 @@
           <a:lstStyle/>
           <a:p>
             <a:r>
-              <a:rPr lang="it-IT"/>
+              <a:rPr lang="it-IT" dirty="0"/>
               <a:t>Fasi di sviluppo</a:t>
             </a:r>
           </a:p>
@@ -11901,7 +14644,7 @@
             <p:ph idx="1"/>
             <p:extLst>
               <p:ext uri="{D42A27DB-BD31-4B8C-83A1-F6EECF244321}">
-                <p14:modId xmlns:p14="http://schemas.microsoft.com/office/powerpoint/2010/main" val="4086023058"/>
+                <p14:modId xmlns:p14="http://schemas.microsoft.com/office/powerpoint/2010/main" val="852918414"/>
               </p:ext>
             </p:extLst>
           </p:nvPr>
@@ -12017,10 +14760,15 @@
             <a:spLocks noGrp="1"/>
           </p:cNvSpPr>
           <p:nvPr>
-            <p:ph type="title"/>
-          </p:nvPr>
-        </p:nvSpPr>
-        <p:spPr/>
+            <p:ph type="ctrTitle"/>
+          </p:nvPr>
+        </p:nvSpPr>
+        <p:spPr>
+          <a:xfrm>
+            <a:off x="1370693" y="280373"/>
+            <a:ext cx="9440034" cy="1828801"/>
+          </a:xfrm>
+        </p:spPr>
         <p:txBody>
           <a:bodyPr/>
           <a:lstStyle/>
@@ -12029,6 +14777,100 @@
               <a:rPr lang="it-IT" dirty="0"/>
               <a:t>Analisi XML</a:t>
             </a:r>
+          </a:p>
+        </p:txBody>
+      </p:sp>
+      <p:sp>
+        <p:nvSpPr>
+          <p:cNvPr id="9" name="Segnaposto testo 8">
+            <a:extLst>
+              <a:ext uri="{FF2B5EF4-FFF2-40B4-BE49-F238E27FC236}">
+                <a16:creationId xmlns:a16="http://schemas.microsoft.com/office/drawing/2014/main" id="{E2625F69-9F99-495A-A015-FF1DBAB0FA8A}"/>
+              </a:ext>
+            </a:extLst>
+          </p:cNvPr>
+          <p:cNvSpPr>
+            <a:spLocks noGrp="1"/>
+          </p:cNvSpPr>
+          <p:nvPr>
+            <p:ph type="subTitle" idx="1"/>
+          </p:nvPr>
+        </p:nvSpPr>
+        <p:spPr>
+          <a:xfrm>
+            <a:off x="1370693" y="2284322"/>
+            <a:ext cx="9440034" cy="1049867"/>
+          </a:xfrm>
+        </p:spPr>
+        <p:txBody>
+          <a:bodyPr/>
+          <a:lstStyle/>
+          <a:p>
+            <a:r>
+              <a:rPr lang="it-IT" dirty="0"/>
+              <a:t>Tipi di documenti </a:t>
+            </a:r>
+          </a:p>
+          <a:p>
+            <a:endParaRPr lang="it-IT" dirty="0"/>
+          </a:p>
+        </p:txBody>
+      </p:sp>
+      <p:sp>
+        <p:nvSpPr>
+          <p:cNvPr id="6" name="Segnaposto piè di pagina 5">
+            <a:extLst>
+              <a:ext uri="{FF2B5EF4-FFF2-40B4-BE49-F238E27FC236}">
+                <a16:creationId xmlns:a16="http://schemas.microsoft.com/office/drawing/2014/main" id="{C3B8C465-BE51-464A-8E3E-372230515749}"/>
+              </a:ext>
+            </a:extLst>
+          </p:cNvPr>
+          <p:cNvSpPr>
+            <a:spLocks noGrp="1"/>
+          </p:cNvSpPr>
+          <p:nvPr>
+            <p:ph type="ftr" sz="quarter" idx="11"/>
+          </p:nvPr>
+        </p:nvSpPr>
+        <p:spPr/>
+        <p:txBody>
+          <a:bodyPr/>
+          <a:lstStyle/>
+          <a:p>
+            <a:r>
+              <a:rPr lang="it-IT"/>
+              <a:t>Gestione Avanzata dell’Informazione – UNIMORE- 2019/2020</a:t>
+            </a:r>
+            <a:endParaRPr lang="en-US" dirty="0"/>
+          </a:p>
+        </p:txBody>
+      </p:sp>
+      <p:sp>
+        <p:nvSpPr>
+          <p:cNvPr id="7" name="Segnaposto numero diapositiva 6">
+            <a:extLst>
+              <a:ext uri="{FF2B5EF4-FFF2-40B4-BE49-F238E27FC236}">
+                <a16:creationId xmlns:a16="http://schemas.microsoft.com/office/drawing/2014/main" id="{836BF468-01FC-44DB-A0B0-CDB3B01466A3}"/>
+              </a:ext>
+            </a:extLst>
+          </p:cNvPr>
+          <p:cNvSpPr>
+            <a:spLocks noGrp="1"/>
+          </p:cNvSpPr>
+          <p:nvPr>
+            <p:ph type="sldNum" sz="quarter" idx="12"/>
+          </p:nvPr>
+        </p:nvSpPr>
+        <p:spPr/>
+        <p:txBody>
+          <a:bodyPr/>
+          <a:lstStyle/>
+          <a:p>
+            <a:fld id="{3A98EE3D-8CD1-4C3F-BD1C-C98C9596463C}" type="slidenum">
+              <a:rPr lang="en-US" smtClean="0"/>
+              <a:t>5</a:t>
+            </a:fld>
+            <a:endParaRPr lang="en-US" dirty="0"/>
           </a:p>
         </p:txBody>
       </p:sp>
@@ -12045,15 +14887,61 @@
             <a:spLocks noGrp="1"/>
           </p:cNvSpPr>
           <p:nvPr>
-            <p:ph idx="1"/>
-          </p:nvPr>
-        </p:nvSpPr>
-        <p:spPr/>
+            <p:ph sz="half" idx="4294967295"/>
+          </p:nvPr>
+        </p:nvSpPr>
+        <p:spPr>
+          <a:xfrm>
+            <a:off x="1559417" y="3145850"/>
+            <a:ext cx="4764088" cy="3043238"/>
+          </a:xfrm>
+        </p:spPr>
         <p:txBody>
           <a:bodyPr/>
           <a:lstStyle/>
           <a:p>
-            <a:endParaRPr lang="it-IT"/>
+            <a:r>
+              <a:rPr lang="it-IT" dirty="0" err="1"/>
+              <a:t>Pubblication</a:t>
+            </a:r>
+            <a:endParaRPr lang="it-IT" dirty="0"/>
+          </a:p>
+          <a:p>
+            <a:endParaRPr lang="it-IT" dirty="0"/>
+          </a:p>
+        </p:txBody>
+      </p:sp>
+      <p:sp>
+        <p:nvSpPr>
+          <p:cNvPr id="10" name="Segnaposto testo 9">
+            <a:extLst>
+              <a:ext uri="{FF2B5EF4-FFF2-40B4-BE49-F238E27FC236}">
+                <a16:creationId xmlns:a16="http://schemas.microsoft.com/office/drawing/2014/main" id="{E562F571-2D20-4CD4-AD82-830D2F4379F4}"/>
+              </a:ext>
+            </a:extLst>
+          </p:cNvPr>
+          <p:cNvSpPr>
+            <a:spLocks noGrp="1"/>
+          </p:cNvSpPr>
+          <p:nvPr>
+            <p:ph type="body" sz="quarter" idx="4294967295"/>
+          </p:nvPr>
+        </p:nvSpPr>
+        <p:spPr>
+          <a:xfrm>
+            <a:off x="7427914" y="3329936"/>
+            <a:ext cx="4779962" cy="692150"/>
+          </a:xfrm>
+        </p:spPr>
+        <p:txBody>
+          <a:bodyPr/>
+          <a:lstStyle/>
+          <a:p>
+            <a:r>
+              <a:rPr lang="it-IT" dirty="0" err="1"/>
+              <a:t>Venue</a:t>
+            </a:r>
+            <a:endParaRPr lang="it-IT" dirty="0"/>
           </a:p>
         </p:txBody>
       </p:sp>
@@ -12171,68 +15059,10 @@
           </a:fontRef>
         </p:style>
       </p:sp>
-      <p:sp>
-        <p:nvSpPr>
-          <p:cNvPr id="6" name="Segnaposto piè di pagina 5">
-            <a:extLst>
-              <a:ext uri="{FF2B5EF4-FFF2-40B4-BE49-F238E27FC236}">
-                <a16:creationId xmlns:a16="http://schemas.microsoft.com/office/drawing/2014/main" id="{C3B8C465-BE51-464A-8E3E-372230515749}"/>
-              </a:ext>
-            </a:extLst>
-          </p:cNvPr>
-          <p:cNvSpPr>
-            <a:spLocks noGrp="1"/>
-          </p:cNvSpPr>
-          <p:nvPr>
-            <p:ph type="ftr" sz="quarter" idx="11"/>
-          </p:nvPr>
-        </p:nvSpPr>
-        <p:spPr/>
-        <p:txBody>
-          <a:bodyPr/>
-          <a:lstStyle/>
-          <a:p>
-            <a:r>
-              <a:rPr lang="it-IT"/>
-              <a:t>Gestione Avanzata dell’Informazione – UNIMORE- 2019/2020</a:t>
-            </a:r>
-            <a:endParaRPr lang="en-US" dirty="0"/>
-          </a:p>
-        </p:txBody>
-      </p:sp>
-      <p:sp>
-        <p:nvSpPr>
-          <p:cNvPr id="7" name="Segnaposto numero diapositiva 6">
-            <a:extLst>
-              <a:ext uri="{FF2B5EF4-FFF2-40B4-BE49-F238E27FC236}">
-                <a16:creationId xmlns:a16="http://schemas.microsoft.com/office/drawing/2014/main" id="{836BF468-01FC-44DB-A0B0-CDB3B01466A3}"/>
-              </a:ext>
-            </a:extLst>
-          </p:cNvPr>
-          <p:cNvSpPr>
-            <a:spLocks noGrp="1"/>
-          </p:cNvSpPr>
-          <p:nvPr>
-            <p:ph type="sldNum" sz="quarter" idx="12"/>
-          </p:nvPr>
-        </p:nvSpPr>
-        <p:spPr/>
-        <p:txBody>
-          <a:bodyPr/>
-          <a:lstStyle/>
-          <a:p>
-            <a:fld id="{3A98EE3D-8CD1-4C3F-BD1C-C98C9596463C}" type="slidenum">
-              <a:rPr lang="en-US" smtClean="0"/>
-              <a:t>5</a:t>
-            </a:fld>
-            <a:endParaRPr lang="en-US" dirty="0"/>
-          </a:p>
-        </p:txBody>
-      </p:sp>
     </p:spTree>
     <p:extLst>
       <p:ext uri="{BB962C8B-B14F-4D97-AF65-F5344CB8AC3E}">
-        <p14:creationId xmlns:p14="http://schemas.microsoft.com/office/powerpoint/2010/main" val="2581785726"/>
+        <p14:creationId xmlns:p14="http://schemas.microsoft.com/office/powerpoint/2010/main" val="1559959833"/>
       </p:ext>
     </p:extLst>
   </p:cSld>
@@ -12264,6 +15094,323 @@
           <p:cNvPr id="2" name="Titolo 1">
             <a:extLst>
               <a:ext uri="{FF2B5EF4-FFF2-40B4-BE49-F238E27FC236}">
+                <a16:creationId xmlns:a16="http://schemas.microsoft.com/office/drawing/2014/main" id="{BD0AFD84-8461-4463-A7DF-C0133E94E2CC}"/>
+              </a:ext>
+            </a:extLst>
+          </p:cNvPr>
+          <p:cNvSpPr>
+            <a:spLocks noGrp="1"/>
+          </p:cNvSpPr>
+          <p:nvPr>
+            <p:ph type="title"/>
+          </p:nvPr>
+        </p:nvSpPr>
+        <p:spPr/>
+        <p:txBody>
+          <a:bodyPr/>
+          <a:lstStyle/>
+          <a:p>
+            <a:r>
+              <a:rPr lang="it-IT" dirty="0"/>
+              <a:t>Analisi XML</a:t>
+            </a:r>
+          </a:p>
+        </p:txBody>
+      </p:sp>
+      <p:sp>
+        <p:nvSpPr>
+          <p:cNvPr id="3" name="Segnaposto contenuto 2">
+            <a:extLst>
+              <a:ext uri="{FF2B5EF4-FFF2-40B4-BE49-F238E27FC236}">
+                <a16:creationId xmlns:a16="http://schemas.microsoft.com/office/drawing/2014/main" id="{C53F735F-67A9-47CF-98D0-AF5E0A57ACA2}"/>
+              </a:ext>
+            </a:extLst>
+          </p:cNvPr>
+          <p:cNvSpPr>
+            <a:spLocks noGrp="1"/>
+          </p:cNvSpPr>
+          <p:nvPr>
+            <p:ph idx="1"/>
+          </p:nvPr>
+        </p:nvSpPr>
+        <p:spPr/>
+        <p:txBody>
+          <a:bodyPr/>
+          <a:lstStyle/>
+          <a:p>
+            <a:r>
+              <a:rPr lang="it-IT" dirty="0"/>
+              <a:t>Link / Cross-</a:t>
+            </a:r>
+            <a:r>
+              <a:rPr lang="it-IT" dirty="0" err="1"/>
+              <a:t>reference</a:t>
+            </a:r>
+            <a:endParaRPr lang="it-IT" dirty="0"/>
+          </a:p>
+          <a:p>
+            <a:endParaRPr lang="it-IT" dirty="0"/>
+          </a:p>
+          <a:p>
+            <a:r>
+              <a:rPr lang="it-IT" dirty="0"/>
+              <a:t>Book -&gt; </a:t>
+            </a:r>
+            <a:r>
+              <a:rPr lang="it-IT" dirty="0" err="1"/>
+              <a:t>incollection</a:t>
+            </a:r>
+            <a:endParaRPr lang="it-IT" dirty="0"/>
+          </a:p>
+          <a:p>
+            <a:r>
+              <a:rPr lang="it-IT" dirty="0" err="1"/>
+              <a:t>Proceedings</a:t>
+            </a:r>
+            <a:r>
+              <a:rPr lang="it-IT" dirty="0"/>
+              <a:t> -&gt; </a:t>
+            </a:r>
+            <a:r>
+              <a:rPr lang="it-IT" dirty="0" err="1"/>
+              <a:t>inproceeding</a:t>
+            </a:r>
+            <a:r>
+              <a:rPr lang="it-IT" dirty="0"/>
+              <a:t>, </a:t>
+            </a:r>
+            <a:r>
+              <a:rPr lang="it-IT" dirty="0" err="1"/>
+              <a:t>article</a:t>
+            </a:r>
+            <a:endParaRPr lang="it-IT" dirty="0"/>
+          </a:p>
+          <a:p>
+            <a:endParaRPr lang="it-IT" dirty="0"/>
+          </a:p>
+          <a:p>
+            <a:r>
+              <a:rPr lang="it-IT" dirty="0"/>
+              <a:t>Journal -&gt; </a:t>
+            </a:r>
+            <a:r>
+              <a:rPr lang="it-IT" dirty="0" err="1"/>
+              <a:t>article</a:t>
+            </a:r>
+            <a:r>
+              <a:rPr lang="it-IT" dirty="0"/>
+              <a:t> (da creare)</a:t>
+            </a:r>
+          </a:p>
+        </p:txBody>
+      </p:sp>
+      <p:sp>
+        <p:nvSpPr>
+          <p:cNvPr id="4" name="Ovale 3">
+            <a:extLst>
+              <a:ext uri="{FF2B5EF4-FFF2-40B4-BE49-F238E27FC236}">
+                <a16:creationId xmlns:a16="http://schemas.microsoft.com/office/drawing/2014/main" id="{DD16CC5A-7F1D-4DA5-8818-4036D2CD316D}"/>
+              </a:ext>
+            </a:extLst>
+          </p:cNvPr>
+          <p:cNvSpPr/>
+          <p:nvPr/>
+        </p:nvSpPr>
+        <p:spPr>
+          <a:xfrm>
+            <a:off x="924443" y="400050"/>
+            <a:ext cx="1321746" cy="1321746"/>
+          </a:xfrm>
+          <a:prstGeom prst="ellipse">
+            <a:avLst/>
+          </a:prstGeom>
+        </p:spPr>
+        <p:style>
+          <a:lnRef idx="0">
+            <a:schemeClr val="lt1">
+              <a:alpha val="0"/>
+              <a:hueOff val="0"/>
+              <a:satOff val="0"/>
+              <a:lumOff val="0"/>
+              <a:alphaOff val="0"/>
+            </a:schemeClr>
+          </a:lnRef>
+          <a:fillRef idx="1">
+            <a:schemeClr val="accent5">
+              <a:hueOff val="0"/>
+              <a:satOff val="0"/>
+              <a:lumOff val="0"/>
+              <a:alphaOff val="0"/>
+            </a:schemeClr>
+          </a:fillRef>
+          <a:effectRef idx="0">
+            <a:schemeClr val="accent5">
+              <a:hueOff val="0"/>
+              <a:satOff val="0"/>
+              <a:lumOff val="0"/>
+              <a:alphaOff val="0"/>
+            </a:schemeClr>
+          </a:effectRef>
+          <a:fontRef idx="minor"/>
+        </p:style>
+      </p:sp>
+      <p:sp>
+        <p:nvSpPr>
+          <p:cNvPr id="5" name="Rettangolo 4" descr="Document">
+            <a:extLst>
+              <a:ext uri="{FF2B5EF4-FFF2-40B4-BE49-F238E27FC236}">
+                <a16:creationId xmlns:a16="http://schemas.microsoft.com/office/drawing/2014/main" id="{3C1FADA2-3D5D-4329-9F35-15C8701F5C9A}"/>
+              </a:ext>
+            </a:extLst>
+          </p:cNvPr>
+          <p:cNvSpPr/>
+          <p:nvPr/>
+        </p:nvSpPr>
+        <p:spPr>
+          <a:xfrm>
+            <a:off x="1202010" y="677617"/>
+            <a:ext cx="766613" cy="766613"/>
+          </a:xfrm>
+          <a:prstGeom prst="rect">
+            <a:avLst/>
+          </a:prstGeom>
+          <a:blipFill>
+            <a:blip r:embed="rId2">
+              <a:extLst>
+                <a:ext uri="{28A0092B-C50C-407E-A947-70E740481C1C}">
+                  <a14:useLocalDpi xmlns:a14="http://schemas.microsoft.com/office/drawing/2010/main" val="0"/>
+                </a:ext>
+                <a:ext uri="{96DAC541-7B7A-43D3-8B79-37D633B846F1}">
+                  <asvg:svgBlip xmlns:asvg="http://schemas.microsoft.com/office/drawing/2016/SVG/main" r:embed="rId3"/>
+                </a:ext>
+              </a:extLst>
+            </a:blip>
+            <a:stretch>
+              <a:fillRect/>
+            </a:stretch>
+          </a:blipFill>
+          <a:ln>
+            <a:noFill/>
+          </a:ln>
+        </p:spPr>
+        <p:style>
+          <a:lnRef idx="2">
+            <a:scrgbClr r="0" g="0" b="0"/>
+          </a:lnRef>
+          <a:fillRef idx="1">
+            <a:scrgbClr r="0" g="0" b="0"/>
+          </a:fillRef>
+          <a:effectRef idx="0">
+            <a:schemeClr val="bg1">
+              <a:hueOff val="0"/>
+              <a:satOff val="0"/>
+              <a:lumOff val="0"/>
+              <a:alphaOff val="0"/>
+            </a:schemeClr>
+          </a:effectRef>
+          <a:fontRef idx="minor">
+            <a:schemeClr val="dk1">
+              <a:hueOff val="0"/>
+              <a:satOff val="0"/>
+              <a:lumOff val="0"/>
+              <a:alphaOff val="0"/>
+            </a:schemeClr>
+          </a:fontRef>
+        </p:style>
+      </p:sp>
+      <p:sp>
+        <p:nvSpPr>
+          <p:cNvPr id="6" name="Segnaposto piè di pagina 5">
+            <a:extLst>
+              <a:ext uri="{FF2B5EF4-FFF2-40B4-BE49-F238E27FC236}">
+                <a16:creationId xmlns:a16="http://schemas.microsoft.com/office/drawing/2014/main" id="{C3B8C465-BE51-464A-8E3E-372230515749}"/>
+              </a:ext>
+            </a:extLst>
+          </p:cNvPr>
+          <p:cNvSpPr>
+            <a:spLocks noGrp="1"/>
+          </p:cNvSpPr>
+          <p:nvPr>
+            <p:ph type="ftr" sz="quarter" idx="11"/>
+          </p:nvPr>
+        </p:nvSpPr>
+        <p:spPr/>
+        <p:txBody>
+          <a:bodyPr/>
+          <a:lstStyle/>
+          <a:p>
+            <a:r>
+              <a:rPr lang="it-IT"/>
+              <a:t>Gestione Avanzata dell’Informazione – UNIMORE- 2019/2020</a:t>
+            </a:r>
+            <a:endParaRPr lang="en-US" dirty="0"/>
+          </a:p>
+        </p:txBody>
+      </p:sp>
+      <p:sp>
+        <p:nvSpPr>
+          <p:cNvPr id="7" name="Segnaposto numero diapositiva 6">
+            <a:extLst>
+              <a:ext uri="{FF2B5EF4-FFF2-40B4-BE49-F238E27FC236}">
+                <a16:creationId xmlns:a16="http://schemas.microsoft.com/office/drawing/2014/main" id="{836BF468-01FC-44DB-A0B0-CDB3B01466A3}"/>
+              </a:ext>
+            </a:extLst>
+          </p:cNvPr>
+          <p:cNvSpPr>
+            <a:spLocks noGrp="1"/>
+          </p:cNvSpPr>
+          <p:nvPr>
+            <p:ph type="sldNum" sz="quarter" idx="12"/>
+          </p:nvPr>
+        </p:nvSpPr>
+        <p:spPr/>
+        <p:txBody>
+          <a:bodyPr/>
+          <a:lstStyle/>
+          <a:p>
+            <a:fld id="{3A98EE3D-8CD1-4C3F-BD1C-C98C9596463C}" type="slidenum">
+              <a:rPr lang="en-US" smtClean="0"/>
+              <a:t>6</a:t>
+            </a:fld>
+            <a:endParaRPr lang="en-US" dirty="0"/>
+          </a:p>
+        </p:txBody>
+      </p:sp>
+    </p:spTree>
+    <p:extLst>
+      <p:ext uri="{BB962C8B-B14F-4D97-AF65-F5344CB8AC3E}">
+        <p14:creationId xmlns:p14="http://schemas.microsoft.com/office/powerpoint/2010/main" val="2581785726"/>
+      </p:ext>
+    </p:extLst>
+  </p:cSld>
+  <p:clrMapOvr>
+    <a:masterClrMapping/>
+  </p:clrMapOvr>
+</p:sld>
+</file>
+
+<file path=ppt/slides/slide7.xml><?xml version="1.0" encoding="utf-8"?>
+<p:sld xmlns:a="http://schemas.openxmlformats.org/drawingml/2006/main" xmlns:r="http://schemas.openxmlformats.org/officeDocument/2006/relationships" xmlns:p="http://schemas.openxmlformats.org/presentationml/2006/main">
+  <p:cSld>
+    <p:spTree>
+      <p:nvGrpSpPr>
+        <p:cNvPr id="1" name=""/>
+        <p:cNvGrpSpPr/>
+        <p:nvPr/>
+      </p:nvGrpSpPr>
+      <p:grpSpPr>
+        <a:xfrm>
+          <a:off x="0" y="0"/>
+          <a:ext cx="0" cy="0"/>
+          <a:chOff x="0" y="0"/>
+          <a:chExt cx="0" cy="0"/>
+        </a:xfrm>
+      </p:grpSpPr>
+      <p:sp>
+        <p:nvSpPr>
+          <p:cNvPr id="2" name="Titolo 1">
+            <a:extLst>
+              <a:ext uri="{FF2B5EF4-FFF2-40B4-BE49-F238E27FC236}">
                 <a16:creationId xmlns:a16="http://schemas.microsoft.com/office/drawing/2014/main" id="{8D3F5933-20FD-4578-929B-12551ACBECB0}"/>
               </a:ext>
             </a:extLst>
@@ -12309,10 +15456,174 @@
         </p:nvSpPr>
         <p:spPr/>
         <p:txBody>
-          <a:bodyPr/>
+          <a:bodyPr>
+            <a:normAutofit fontScale="70000" lnSpcReduction="20000"/>
+          </a:bodyPr>
           <a:lstStyle/>
           <a:p>
-            <a:endParaRPr lang="it-IT"/>
+            <a:r>
+              <a:rPr lang="it-IT" dirty="0">
+                <a:effectLst/>
+              </a:rPr>
+              <a:t>Il primo passo per la creazione del programma </a:t>
+            </a:r>
+            <a:r>
+              <a:rPr lang="it-IT" dirty="0" err="1">
+                <a:effectLst/>
+              </a:rPr>
+              <a:t>e’</a:t>
+            </a:r>
+            <a:r>
+              <a:rPr lang="it-IT" dirty="0">
+                <a:effectLst/>
+              </a:rPr>
+              <a:t> stata l’analisi del file XML</a:t>
+            </a:r>
+          </a:p>
+          <a:p>
+            <a:r>
+              <a:rPr lang="it-IT" dirty="0">
+                <a:effectLst/>
+              </a:rPr>
+              <a:t>Due approcci possibili:</a:t>
+            </a:r>
+          </a:p>
+          <a:p>
+            <a:pPr marL="871200" lvl="1" indent="-457200">
+              <a:buFont typeface="+mj-lt"/>
+              <a:buAutoNum type="arabicPeriod"/>
+            </a:pPr>
+            <a:r>
+              <a:rPr lang="it-IT" dirty="0">
+                <a:effectLst/>
+              </a:rPr>
+              <a:t>DOM (</a:t>
+            </a:r>
+            <a:r>
+              <a:rPr lang="it-IT" dirty="0" err="1">
+                <a:effectLst/>
+              </a:rPr>
+              <a:t>Tree</a:t>
+            </a:r>
+            <a:r>
+              <a:rPr lang="it-IT" dirty="0">
+                <a:effectLst/>
+              </a:rPr>
+              <a:t> </a:t>
+            </a:r>
+            <a:r>
+              <a:rPr lang="it-IT" dirty="0" err="1">
+                <a:effectLst/>
+              </a:rPr>
+              <a:t>Based</a:t>
+            </a:r>
+            <a:r>
+              <a:rPr lang="it-IT" dirty="0">
+                <a:effectLst/>
+              </a:rPr>
+              <a:t>)</a:t>
+            </a:r>
+          </a:p>
+          <a:p>
+            <a:pPr marL="871200" lvl="1" indent="-457200">
+              <a:buFont typeface="+mj-lt"/>
+              <a:buAutoNum type="arabicPeriod"/>
+            </a:pPr>
+            <a:r>
+              <a:rPr lang="it-IT" dirty="0">
+                <a:effectLst/>
+              </a:rPr>
+              <a:t>SAX (Event </a:t>
+            </a:r>
+            <a:r>
+              <a:rPr lang="it-IT" dirty="0" err="1">
+                <a:effectLst/>
+              </a:rPr>
+              <a:t>Based</a:t>
+            </a:r>
+            <a:r>
+              <a:rPr lang="it-IT" dirty="0">
+                <a:effectLst/>
+              </a:rPr>
+              <a:t>)</a:t>
+            </a:r>
+          </a:p>
+          <a:p>
+            <a:endParaRPr lang="it-IT" dirty="0">
+              <a:effectLst/>
+            </a:endParaRPr>
+          </a:p>
+          <a:p>
+            <a:r>
+              <a:rPr lang="it-IT" dirty="0">
+                <a:effectLst/>
+              </a:rPr>
+              <a:t>DOM (</a:t>
+            </a:r>
+            <a:r>
+              <a:rPr lang="it-IT" dirty="0" err="1">
+                <a:effectLst/>
+              </a:rPr>
+              <a:t>Document</a:t>
+            </a:r>
+            <a:r>
+              <a:rPr lang="it-IT" dirty="0">
+                <a:effectLst/>
+              </a:rPr>
+              <a:t> Object Model)</a:t>
+            </a:r>
+          </a:p>
+          <a:p>
+            <a:pPr lvl="1"/>
+            <a:r>
+              <a:rPr lang="it-IT" dirty="0">
+                <a:effectLst/>
+              </a:rPr>
+              <a:t>Crea un albero contenuto interamente in memoria.</a:t>
+            </a:r>
+          </a:p>
+          <a:p>
+            <a:pPr lvl="1"/>
+            <a:r>
+              <a:rPr lang="it-IT" dirty="0">
+                <a:effectLst/>
+              </a:rPr>
+              <a:t>Veloce ma oneroso in termini di risorse.</a:t>
+            </a:r>
+          </a:p>
+          <a:p>
+            <a:r>
+              <a:rPr lang="it-IT" dirty="0">
+                <a:effectLst/>
+              </a:rPr>
+              <a:t>SAX (Simple Api for XML)</a:t>
+            </a:r>
+          </a:p>
+          <a:p>
+            <a:pPr lvl="1"/>
+            <a:r>
+              <a:rPr lang="it-IT" dirty="0">
+                <a:effectLst/>
+              </a:rPr>
+              <a:t>Esegue azioni in seguito a degli eventi. Più lento ma richiede meno memoria.</a:t>
+            </a:r>
+          </a:p>
+          <a:p>
+            <a:pPr lvl="1"/>
+            <a:endParaRPr lang="it-IT" dirty="0">
+              <a:effectLst/>
+            </a:endParaRPr>
+          </a:p>
+          <a:p>
+            <a:r>
+              <a:rPr lang="it-IT" dirty="0">
+                <a:effectLst/>
+              </a:rPr>
+              <a:t>SAX si è rivelata la scelta ottimale per le macchine utilizzate.</a:t>
+            </a:r>
+          </a:p>
+          <a:p>
+            <a:endParaRPr lang="it-IT" dirty="0"/>
           </a:p>
         </p:txBody>
       </p:sp>
@@ -12482,7 +15793,7 @@
           <a:p>
             <a:fld id="{3A98EE3D-8CD1-4C3F-BD1C-C98C9596463C}" type="slidenum">
               <a:rPr lang="en-US" smtClean="0"/>
-              <a:t>6</a:t>
+              <a:t>7</a:t>
             </a:fld>
             <a:endParaRPr lang="en-US" dirty="0"/>
           </a:p>
@@ -12501,7 +15812,7 @@
 </p:sld>
 </file>
 
-<file path=ppt/slides/slide7.xml><?xml version="1.0" encoding="utf-8"?>
+<file path=ppt/slides/slide8.xml><?xml version="1.0" encoding="utf-8"?>
 <p:sld xmlns:a="http://schemas.openxmlformats.org/drawingml/2006/main" xmlns:r="http://schemas.openxmlformats.org/officeDocument/2006/relationships" xmlns:p="http://schemas.openxmlformats.org/presentationml/2006/main">
   <p:cSld>
     <p:spTree>
@@ -12567,7 +15878,54 @@
           <a:bodyPr/>
           <a:lstStyle/>
           <a:p>
-            <a:endParaRPr lang="it-IT"/>
+            <a:r>
+              <a:rPr lang="it-IT" dirty="0">
+                <a:effectLst/>
+              </a:rPr>
+              <a:t>In seguito a test si </a:t>
+            </a:r>
+            <a:r>
+              <a:rPr lang="it-IT" dirty="0" err="1">
+                <a:effectLst/>
+              </a:rPr>
+              <a:t>e’</a:t>
+            </a:r>
+            <a:r>
+              <a:rPr lang="it-IT" dirty="0">
+                <a:effectLst/>
+              </a:rPr>
+              <a:t> deciso di mantenere il </a:t>
+            </a:r>
+            <a:r>
+              <a:rPr lang="it-IT" dirty="0" err="1">
+                <a:effectLst/>
+              </a:rPr>
+              <a:t>parsing</a:t>
+            </a:r>
+            <a:r>
+              <a:rPr lang="it-IT" dirty="0">
+                <a:effectLst/>
+              </a:rPr>
+              <a:t> sequenziale e di gestire in parallelo solo la creazione degli indici, tramite </a:t>
+            </a:r>
+            <a:r>
+              <a:rPr lang="it-IT" dirty="0" err="1">
+                <a:effectLst/>
+              </a:rPr>
+              <a:t>Whoosh</a:t>
+            </a:r>
+            <a:r>
+              <a:rPr lang="it-IT" dirty="0">
+                <a:effectLst/>
+              </a:rPr>
+              <a:t>.</a:t>
+            </a:r>
+          </a:p>
+          <a:p>
+            <a:r>
+              <a:rPr lang="it-IT" dirty="0"/>
+              <a:t>Dati </a:t>
+            </a:r>
           </a:p>
         </p:txBody>
       </p:sp>
@@ -12737,7 +16095,7 @@
           <a:p>
             <a:fld id="{3A98EE3D-8CD1-4C3F-BD1C-C98C9596463C}" type="slidenum">
               <a:rPr lang="en-US" smtClean="0"/>
-              <a:t>7</a:t>
+              <a:t>8</a:t>
             </a:fld>
             <a:endParaRPr lang="en-US" dirty="0"/>
           </a:p>
@@ -12756,7 +16114,7 @@
 </p:sld>
 </file>
 
-<file path=ppt/slides/slide8.xml><?xml version="1.0" encoding="utf-8"?>
+<file path=ppt/slides/slide9.xml><?xml version="1.0" encoding="utf-8"?>
 <p:sld xmlns:a="http://schemas.openxmlformats.org/drawingml/2006/main" xmlns:r="http://schemas.openxmlformats.org/officeDocument/2006/relationships" xmlns:p="http://schemas.openxmlformats.org/presentationml/2006/main">
   <p:cSld>
     <p:spTree>
@@ -12822,7 +16180,47 @@
           <a:bodyPr/>
           <a:lstStyle/>
           <a:p>
-            <a:endParaRPr lang="it-IT"/>
+            <a:r>
+              <a:rPr lang="it-IT" dirty="0"/>
+              <a:t>Sequenziale </a:t>
+            </a:r>
+          </a:p>
+          <a:p>
+            <a:pPr marL="36900" indent="0">
+              <a:buNone/>
+            </a:pPr>
+            <a:endParaRPr lang="it-IT" dirty="0"/>
+          </a:p>
+          <a:p>
+            <a:r>
+              <a:rPr lang="it-IT" dirty="0" err="1"/>
+              <a:t>Publicazioni</a:t>
+            </a:r>
+            <a:r>
+              <a:rPr lang="it-IT" dirty="0"/>
+              <a:t> </a:t>
+            </a:r>
+          </a:p>
+          <a:p>
+            <a:r>
+              <a:rPr lang="it-IT" dirty="0" err="1"/>
+              <a:t>Venue</a:t>
+            </a:r>
+            <a:r>
+              <a:rPr lang="it-IT" dirty="0"/>
+              <a:t> </a:t>
+            </a:r>
+          </a:p>
+          <a:p>
+            <a:r>
+              <a:rPr lang="it-IT" dirty="0"/>
+              <a:t>Aggiunta dei journal a </a:t>
+            </a:r>
+            <a:r>
+              <a:rPr lang="it-IT" dirty="0" err="1"/>
+              <a:t>venue</a:t>
+            </a:r>
+            <a:endParaRPr lang="it-IT" dirty="0"/>
           </a:p>
         </p:txBody>
       </p:sp>
@@ -12992,7 +16390,7 @@
           <a:p>
             <a:fld id="{3A98EE3D-8CD1-4C3F-BD1C-C98C9596463C}" type="slidenum">
               <a:rPr lang="en-US" smtClean="0"/>
-              <a:t>8</a:t>
+              <a:t>9</a:t>
             </a:fld>
             <a:endParaRPr lang="en-US" dirty="0"/>
           </a:p>
@@ -13002,261 +16400,6 @@
     <p:extLst>
       <p:ext uri="{BB962C8B-B14F-4D97-AF65-F5344CB8AC3E}">
         <p14:creationId xmlns:p14="http://schemas.microsoft.com/office/powerpoint/2010/main" val="1882351341"/>
-      </p:ext>
-    </p:extLst>
-  </p:cSld>
-  <p:clrMapOvr>
-    <a:masterClrMapping/>
-  </p:clrMapOvr>
-</p:sld>
-</file>
-
-<file path=ppt/slides/slide9.xml><?xml version="1.0" encoding="utf-8"?>
-<p:sld xmlns:a="http://schemas.openxmlformats.org/drawingml/2006/main" xmlns:r="http://schemas.openxmlformats.org/officeDocument/2006/relationships" xmlns:p="http://schemas.openxmlformats.org/presentationml/2006/main">
-  <p:cSld>
-    <p:spTree>
-      <p:nvGrpSpPr>
-        <p:cNvPr id="1" name=""/>
-        <p:cNvGrpSpPr/>
-        <p:nvPr/>
-      </p:nvGrpSpPr>
-      <p:grpSpPr>
-        <a:xfrm>
-          <a:off x="0" y="0"/>
-          <a:ext cx="0" cy="0"/>
-          <a:chOff x="0" y="0"/>
-          <a:chExt cx="0" cy="0"/>
-        </a:xfrm>
-      </p:grpSpPr>
-      <p:sp>
-        <p:nvSpPr>
-          <p:cNvPr id="2" name="Titolo 1">
-            <a:extLst>
-              <a:ext uri="{FF2B5EF4-FFF2-40B4-BE49-F238E27FC236}">
-                <a16:creationId xmlns:a16="http://schemas.microsoft.com/office/drawing/2014/main" id="{CF2EF52B-6032-46A9-A0A6-9713C27D052E}"/>
-              </a:ext>
-            </a:extLst>
-          </p:cNvPr>
-          <p:cNvSpPr>
-            <a:spLocks noGrp="1"/>
-          </p:cNvSpPr>
-          <p:nvPr>
-            <p:ph type="title"/>
-          </p:nvPr>
-        </p:nvSpPr>
-        <p:spPr/>
-        <p:txBody>
-          <a:bodyPr/>
-          <a:lstStyle/>
-          <a:p>
-            <a:r>
-              <a:rPr lang="it-IT" dirty="0"/>
-              <a:t>Schema degli indici</a:t>
-            </a:r>
-          </a:p>
-        </p:txBody>
-      </p:sp>
-      <p:sp>
-        <p:nvSpPr>
-          <p:cNvPr id="3" name="Segnaposto contenuto 2">
-            <a:extLst>
-              <a:ext uri="{FF2B5EF4-FFF2-40B4-BE49-F238E27FC236}">
-                <a16:creationId xmlns:a16="http://schemas.microsoft.com/office/drawing/2014/main" id="{E8237BC6-EDCC-44F7-B26A-64B5B54A1E16}"/>
-              </a:ext>
-            </a:extLst>
-          </p:cNvPr>
-          <p:cNvSpPr>
-            <a:spLocks noGrp="1"/>
-          </p:cNvSpPr>
-          <p:nvPr>
-            <p:ph idx="1"/>
-          </p:nvPr>
-        </p:nvSpPr>
-        <p:spPr/>
-        <p:txBody>
-          <a:bodyPr/>
-          <a:lstStyle/>
-          <a:p>
-            <a:endParaRPr lang="it-IT"/>
-          </a:p>
-        </p:txBody>
-      </p:sp>
-      <p:sp>
-        <p:nvSpPr>
-          <p:cNvPr id="4" name="Ovale 3">
-            <a:extLst>
-              <a:ext uri="{FF2B5EF4-FFF2-40B4-BE49-F238E27FC236}">
-                <a16:creationId xmlns:a16="http://schemas.microsoft.com/office/drawing/2014/main" id="{7D828D69-EC98-44C0-809D-7267536B3507}"/>
-              </a:ext>
-            </a:extLst>
-          </p:cNvPr>
-          <p:cNvSpPr/>
-          <p:nvPr/>
-        </p:nvSpPr>
-        <p:spPr>
-          <a:xfrm>
-            <a:off x="913795" y="273122"/>
-            <a:ext cx="1321746" cy="1321746"/>
-          </a:xfrm>
-          <a:prstGeom prst="ellipse">
-            <a:avLst/>
-          </a:prstGeom>
-        </p:spPr>
-        <p:style>
-          <a:lnRef idx="0">
-            <a:schemeClr val="lt1">
-              <a:alpha val="0"/>
-              <a:hueOff val="0"/>
-              <a:satOff val="0"/>
-              <a:lumOff val="0"/>
-              <a:alphaOff val="0"/>
-            </a:schemeClr>
-          </a:lnRef>
-          <a:fillRef idx="1">
-            <a:schemeClr val="accent5">
-              <a:hueOff val="534349"/>
-              <a:satOff val="-6292"/>
-              <a:lumOff val="4183"/>
-              <a:alphaOff val="0"/>
-            </a:schemeClr>
-          </a:fillRef>
-          <a:effectRef idx="0">
-            <a:schemeClr val="accent5">
-              <a:hueOff val="534349"/>
-              <a:satOff val="-6292"/>
-              <a:lumOff val="4183"/>
-              <a:alphaOff val="0"/>
-            </a:schemeClr>
-          </a:effectRef>
-          <a:fontRef idx="minor"/>
-        </p:style>
-      </p:sp>
-      <p:sp>
-        <p:nvSpPr>
-          <p:cNvPr id="5" name="Rettangolo 4" descr="Gears">
-            <a:extLst>
-              <a:ext uri="{FF2B5EF4-FFF2-40B4-BE49-F238E27FC236}">
-                <a16:creationId xmlns:a16="http://schemas.microsoft.com/office/drawing/2014/main" id="{ADC98D72-2E54-418F-9B4F-C7245C79693A}"/>
-              </a:ext>
-            </a:extLst>
-          </p:cNvPr>
-          <p:cNvSpPr/>
-          <p:nvPr/>
-        </p:nvSpPr>
-        <p:spPr>
-          <a:xfrm>
-            <a:off x="1191362" y="550689"/>
-            <a:ext cx="766613" cy="766613"/>
-          </a:xfrm>
-          <a:prstGeom prst="rect">
-            <a:avLst/>
-          </a:prstGeom>
-          <a:blipFill>
-            <a:blip r:embed="rId2">
-              <a:extLst>
-                <a:ext uri="{28A0092B-C50C-407E-A947-70E740481C1C}">
-                  <a14:useLocalDpi xmlns:a14="http://schemas.microsoft.com/office/drawing/2010/main" val="0"/>
-                </a:ext>
-                <a:ext uri="{96DAC541-7B7A-43D3-8B79-37D633B846F1}">
-                  <asvg:svgBlip xmlns:asvg="http://schemas.microsoft.com/office/drawing/2016/SVG/main" r:embed="rId3"/>
-                </a:ext>
-              </a:extLst>
-            </a:blip>
-            <a:stretch>
-              <a:fillRect/>
-            </a:stretch>
-          </a:blipFill>
-          <a:ln>
-            <a:noFill/>
-          </a:ln>
-        </p:spPr>
-        <p:style>
-          <a:lnRef idx="2">
-            <a:scrgbClr r="0" g="0" b="0"/>
-          </a:lnRef>
-          <a:fillRef idx="1">
-            <a:scrgbClr r="0" g="0" b="0"/>
-          </a:fillRef>
-          <a:effectRef idx="0">
-            <a:schemeClr val="bg1">
-              <a:hueOff val="0"/>
-              <a:satOff val="0"/>
-              <a:lumOff val="0"/>
-              <a:alphaOff val="0"/>
-            </a:schemeClr>
-          </a:effectRef>
-          <a:fontRef idx="minor">
-            <a:schemeClr val="dk1">
-              <a:hueOff val="0"/>
-              <a:satOff val="0"/>
-              <a:lumOff val="0"/>
-              <a:alphaOff val="0"/>
-            </a:schemeClr>
-          </a:fontRef>
-        </p:style>
-      </p:sp>
-      <p:sp>
-        <p:nvSpPr>
-          <p:cNvPr id="6" name="Segnaposto piè di pagina 5">
-            <a:extLst>
-              <a:ext uri="{FF2B5EF4-FFF2-40B4-BE49-F238E27FC236}">
-                <a16:creationId xmlns:a16="http://schemas.microsoft.com/office/drawing/2014/main" id="{D19B4878-AF6A-4E5A-998B-07E3A78E6661}"/>
-              </a:ext>
-            </a:extLst>
-          </p:cNvPr>
-          <p:cNvSpPr>
-            <a:spLocks noGrp="1"/>
-          </p:cNvSpPr>
-          <p:nvPr>
-            <p:ph type="ftr" sz="quarter" idx="11"/>
-          </p:nvPr>
-        </p:nvSpPr>
-        <p:spPr/>
-        <p:txBody>
-          <a:bodyPr/>
-          <a:lstStyle/>
-          <a:p>
-            <a:r>
-              <a:rPr lang="it-IT"/>
-              <a:t>Gestione Avanzata dell’Informazione – UNIMORE- 2019/2020</a:t>
-            </a:r>
-            <a:endParaRPr lang="en-US" dirty="0"/>
-          </a:p>
-        </p:txBody>
-      </p:sp>
-      <p:sp>
-        <p:nvSpPr>
-          <p:cNvPr id="7" name="Segnaposto numero diapositiva 6">
-            <a:extLst>
-              <a:ext uri="{FF2B5EF4-FFF2-40B4-BE49-F238E27FC236}">
-                <a16:creationId xmlns:a16="http://schemas.microsoft.com/office/drawing/2014/main" id="{A20D9697-7EAC-49A9-B1F0-7C2BB4D4B700}"/>
-              </a:ext>
-            </a:extLst>
-          </p:cNvPr>
-          <p:cNvSpPr>
-            <a:spLocks noGrp="1"/>
-          </p:cNvSpPr>
-          <p:nvPr>
-            <p:ph type="sldNum" sz="quarter" idx="12"/>
-          </p:nvPr>
-        </p:nvSpPr>
-        <p:spPr/>
-        <p:txBody>
-          <a:bodyPr/>
-          <a:lstStyle/>
-          <a:p>
-            <a:fld id="{3A98EE3D-8CD1-4C3F-BD1C-C98C9596463C}" type="slidenum">
-              <a:rPr lang="en-US" smtClean="0"/>
-              <a:t>9</a:t>
-            </a:fld>
-            <a:endParaRPr lang="en-US" dirty="0"/>
-          </a:p>
-        </p:txBody>
-      </p:sp>
-    </p:spTree>
-    <p:extLst>
-      <p:ext uri="{BB962C8B-B14F-4D97-AF65-F5344CB8AC3E}">
-        <p14:creationId xmlns:p14="http://schemas.microsoft.com/office/powerpoint/2010/main" val="3524802174"/>
       </p:ext>
     </p:extLst>
   </p:cSld>

--- a/Doc-it.pptx
+++ b/Doc-it.pptx
@@ -189,6 +189,901 @@
     </p:ext>
   </p:extLst>
 </p:presentation>
+</file>
+
+<file path=ppt/charts/chart1.xml><?xml version="1.0" encoding="utf-8"?>
+<c:chartSpace xmlns:c="http://schemas.openxmlformats.org/drawingml/2006/chart" xmlns:a="http://schemas.openxmlformats.org/drawingml/2006/main" xmlns:r="http://schemas.openxmlformats.org/officeDocument/2006/relationships" xmlns:c16r2="http://schemas.microsoft.com/office/drawing/2015/06/chart">
+  <c:date1904 val="0"/>
+  <c:lang val="it-IT"/>
+  <c:roundedCorners val="0"/>
+  <mc:AlternateContent xmlns:mc="http://schemas.openxmlformats.org/markup-compatibility/2006">
+    <mc:Choice xmlns:c14="http://schemas.microsoft.com/office/drawing/2007/8/2/chart" Requires="c14">
+      <c14:style val="102"/>
+    </mc:Choice>
+    <mc:Fallback>
+      <c:style val="2"/>
+    </mc:Fallback>
+  </mc:AlternateContent>
+  <c:chart>
+    <c:title>
+      <c:tx>
+        <c:rich>
+          <a:bodyPr rot="0" spcFirstLastPara="1" vertOverflow="ellipsis" vert="horz" wrap="square" anchor="ctr" anchorCtr="1"/>
+          <a:lstStyle/>
+          <a:p>
+            <a:pPr>
+              <a:defRPr sz="2400" b="0" i="1" u="none" strike="noStrike" kern="1200" spc="0" baseline="0">
+                <a:solidFill>
+                  <a:schemeClr val="tx2"/>
+                </a:solidFill>
+                <a:effectLst>
+                  <a:outerShdw blurRad="38100" dist="38100" dir="2700000" algn="tl">
+                    <a:srgbClr val="000000">
+                      <a:alpha val="43137"/>
+                    </a:srgbClr>
+                  </a:outerShdw>
+                </a:effectLst>
+                <a:latin typeface="+mn-lt"/>
+                <a:ea typeface="+mn-ea"/>
+                <a:cs typeface="+mn-cs"/>
+              </a:defRPr>
+            </a:pPr>
+            <a:r>
+              <a:rPr lang="en-US"/>
+              <a:t>Carico di lavoro</a:t>
+            </a:r>
+          </a:p>
+        </c:rich>
+      </c:tx>
+      <c:overlay val="0"/>
+      <c:spPr>
+        <a:noFill/>
+        <a:ln>
+          <a:noFill/>
+        </a:ln>
+        <a:effectLst/>
+      </c:spPr>
+      <c:txPr>
+        <a:bodyPr rot="0" spcFirstLastPara="1" vertOverflow="ellipsis" vert="horz" wrap="square" anchor="ctr" anchorCtr="1"/>
+        <a:lstStyle/>
+        <a:p>
+          <a:pPr>
+            <a:defRPr sz="2400" b="0" i="1" u="none" strike="noStrike" kern="1200" spc="0" baseline="0">
+              <a:solidFill>
+                <a:schemeClr val="tx2"/>
+              </a:solidFill>
+              <a:effectLst>
+                <a:outerShdw blurRad="38100" dist="38100" dir="2700000" algn="tl">
+                  <a:srgbClr val="000000">
+                    <a:alpha val="43137"/>
+                  </a:srgbClr>
+                </a:outerShdw>
+              </a:effectLst>
+              <a:latin typeface="+mn-lt"/>
+              <a:ea typeface="+mn-ea"/>
+              <a:cs typeface="+mn-cs"/>
+            </a:defRPr>
+          </a:pPr>
+          <a:endParaRPr lang="it-IT"/>
+        </a:p>
+      </c:txPr>
+    </c:title>
+    <c:autoTitleDeleted val="0"/>
+    <c:plotArea>
+      <c:layout/>
+      <c:pieChart>
+        <c:varyColors val="1"/>
+        <c:ser>
+          <c:idx val="0"/>
+          <c:order val="0"/>
+          <c:tx>
+            <c:strRef>
+              <c:f>Foglio1!$B$1</c:f>
+              <c:strCache>
+                <c:ptCount val="1"/>
+                <c:pt idx="0">
+                  <c:v>Carico di lavoro</c:v>
+                </c:pt>
+              </c:strCache>
+            </c:strRef>
+          </c:tx>
+          <c:spPr>
+            <a:solidFill>
+              <a:srgbClr val="0070C0"/>
+            </a:solidFill>
+          </c:spPr>
+          <c:dPt>
+            <c:idx val="0"/>
+            <c:bubble3D val="0"/>
+            <c:spPr>
+              <a:solidFill>
+                <a:schemeClr val="accent1">
+                  <a:lumMod val="75000"/>
+                </a:schemeClr>
+              </a:solidFill>
+              <a:ln w="19050">
+                <a:solidFill>
+                  <a:schemeClr val="lt1"/>
+                </a:solidFill>
+              </a:ln>
+              <a:effectLst/>
+            </c:spPr>
+            <c:extLst>
+              <c:ext xmlns:c16="http://schemas.microsoft.com/office/drawing/2014/chart" uri="{C3380CC4-5D6E-409C-BE32-E72D297353CC}">
+                <c16:uniqueId val="{00000001-9FD8-4610-8D01-DEFFBD061B17}"/>
+              </c:ext>
+            </c:extLst>
+          </c:dPt>
+          <c:dPt>
+            <c:idx val="1"/>
+            <c:bubble3D val="0"/>
+            <c:spPr>
+              <a:solidFill>
+                <a:schemeClr val="accent3">
+                  <a:lumMod val="75000"/>
+                </a:schemeClr>
+              </a:solidFill>
+              <a:ln w="19050">
+                <a:solidFill>
+                  <a:schemeClr val="lt1"/>
+                </a:solidFill>
+              </a:ln>
+              <a:effectLst/>
+            </c:spPr>
+            <c:extLst>
+              <c:ext xmlns:c16="http://schemas.microsoft.com/office/drawing/2014/chart" uri="{C3380CC4-5D6E-409C-BE32-E72D297353CC}">
+                <c16:uniqueId val="{00000002-9FD8-4610-8D01-DEFFBD061B17}"/>
+              </c:ext>
+            </c:extLst>
+          </c:dPt>
+          <c:dLbls>
+            <c:spPr>
+              <a:noFill/>
+              <a:ln>
+                <a:noFill/>
+              </a:ln>
+              <a:effectLst/>
+            </c:spPr>
+            <c:txPr>
+              <a:bodyPr rot="0" spcFirstLastPara="1" vertOverflow="ellipsis" vert="horz" wrap="square" anchor="ctr" anchorCtr="1"/>
+              <a:lstStyle/>
+              <a:p>
+                <a:pPr>
+                  <a:defRPr sz="2000" b="0" i="1" u="none" strike="noStrike" kern="1200" baseline="0">
+                    <a:solidFill>
+                      <a:schemeClr val="tx2"/>
+                    </a:solidFill>
+                    <a:effectLst>
+                      <a:outerShdw blurRad="38100" dist="38100" dir="2700000" algn="tl">
+                        <a:srgbClr val="000000">
+                          <a:alpha val="43137"/>
+                        </a:srgbClr>
+                      </a:outerShdw>
+                    </a:effectLst>
+                    <a:latin typeface="+mn-lt"/>
+                    <a:ea typeface="+mn-ea"/>
+                    <a:cs typeface="+mn-cs"/>
+                  </a:defRPr>
+                </a:pPr>
+                <a:endParaRPr lang="it-IT"/>
+              </a:p>
+            </c:txPr>
+            <c:showLegendKey val="0"/>
+            <c:showVal val="1"/>
+            <c:showCatName val="0"/>
+            <c:showSerName val="0"/>
+            <c:showPercent val="0"/>
+            <c:showBubbleSize val="0"/>
+            <c:showLeaderLines val="1"/>
+            <c:leaderLines>
+              <c:spPr>
+                <a:ln w="9525" cap="flat" cmpd="sng" algn="ctr">
+                  <a:solidFill>
+                    <a:schemeClr val="tx1">
+                      <a:lumMod val="35000"/>
+                      <a:lumOff val="65000"/>
+                    </a:schemeClr>
+                  </a:solidFill>
+                  <a:round/>
+                </a:ln>
+                <a:effectLst/>
+              </c:spPr>
+            </c:leaderLines>
+            <c:extLst>
+              <c:ext xmlns:c15="http://schemas.microsoft.com/office/drawing/2012/chart" uri="{CE6537A1-D6FC-4f65-9D91-7224C49458BB}"/>
+            </c:extLst>
+          </c:dLbls>
+          <c:cat>
+            <c:strRef>
+              <c:f>Foglio1!$A$2:$A$3</c:f>
+              <c:strCache>
+                <c:ptCount val="2"/>
+                <c:pt idx="0">
+                  <c:v>pubblicazione</c:v>
+                </c:pt>
+                <c:pt idx="1">
+                  <c:v>venue</c:v>
+                </c:pt>
+              </c:strCache>
+            </c:strRef>
+          </c:cat>
+          <c:val>
+            <c:numRef>
+              <c:f>Foglio1!$B$2:$B$3</c:f>
+              <c:numCache>
+                <c:formatCode>0%</c:formatCode>
+                <c:ptCount val="2"/>
+                <c:pt idx="0">
+                  <c:v>0.92</c:v>
+                </c:pt>
+                <c:pt idx="1">
+                  <c:v>0.08</c:v>
+                </c:pt>
+              </c:numCache>
+            </c:numRef>
+          </c:val>
+          <c:extLst>
+            <c:ext xmlns:c16="http://schemas.microsoft.com/office/drawing/2014/chart" uri="{C3380CC4-5D6E-409C-BE32-E72D297353CC}">
+              <c16:uniqueId val="{00000000-9FD8-4610-8D01-DEFFBD061B17}"/>
+            </c:ext>
+          </c:extLst>
+        </c:ser>
+        <c:dLbls>
+          <c:showLegendKey val="0"/>
+          <c:showVal val="0"/>
+          <c:showCatName val="0"/>
+          <c:showSerName val="0"/>
+          <c:showPercent val="0"/>
+          <c:showBubbleSize val="0"/>
+          <c:showLeaderLines val="1"/>
+        </c:dLbls>
+        <c:firstSliceAng val="0"/>
+      </c:pieChart>
+      <c:spPr>
+        <a:noFill/>
+        <a:ln>
+          <a:noFill/>
+        </a:ln>
+        <a:effectLst/>
+      </c:spPr>
+    </c:plotArea>
+    <c:legend>
+      <c:legendPos val="b"/>
+      <c:overlay val="0"/>
+      <c:spPr>
+        <a:noFill/>
+        <a:ln>
+          <a:noFill/>
+        </a:ln>
+        <a:effectLst/>
+      </c:spPr>
+      <c:txPr>
+        <a:bodyPr rot="0" spcFirstLastPara="1" vertOverflow="ellipsis" vert="horz" wrap="square" anchor="ctr" anchorCtr="1"/>
+        <a:lstStyle/>
+        <a:p>
+          <a:pPr>
+            <a:defRPr sz="2000" b="0" i="1" u="none" strike="noStrike" kern="1200" baseline="0">
+              <a:solidFill>
+                <a:schemeClr val="tx2"/>
+              </a:solidFill>
+              <a:effectLst>
+                <a:outerShdw blurRad="38100" dist="38100" dir="2700000" algn="tl">
+                  <a:srgbClr val="000000">
+                    <a:alpha val="43137"/>
+                  </a:srgbClr>
+                </a:outerShdw>
+              </a:effectLst>
+              <a:latin typeface="+mn-lt"/>
+              <a:ea typeface="+mn-ea"/>
+              <a:cs typeface="+mn-cs"/>
+            </a:defRPr>
+          </a:pPr>
+          <a:endParaRPr lang="it-IT"/>
+        </a:p>
+      </c:txPr>
+    </c:legend>
+    <c:plotVisOnly val="1"/>
+    <c:dispBlanksAs val="gap"/>
+    <c:extLst>
+      <c:ext xmlns:c16r3="http://schemas.microsoft.com/office/drawing/2017/03/chart" uri="{56B9EC1D-385E-4148-901F-78D8002777C0}">
+        <c16r3:dataDisplayOptions16>
+          <c16r3:dispNaAsBlank val="1"/>
+        </c16r3:dataDisplayOptions16>
+      </c:ext>
+    </c:extLst>
+    <c:showDLblsOverMax val="0"/>
+  </c:chart>
+  <c:spPr>
+    <a:noFill/>
+    <a:ln>
+      <a:noFill/>
+    </a:ln>
+    <a:effectLst/>
+  </c:spPr>
+  <c:txPr>
+    <a:bodyPr/>
+    <a:lstStyle/>
+    <a:p>
+      <a:pPr>
+        <a:defRPr sz="2000" i="1">
+          <a:solidFill>
+            <a:schemeClr val="tx2"/>
+          </a:solidFill>
+          <a:effectLst>
+            <a:outerShdw blurRad="38100" dist="38100" dir="2700000" algn="tl">
+              <a:srgbClr val="000000">
+                <a:alpha val="43137"/>
+              </a:srgbClr>
+            </a:outerShdw>
+          </a:effectLst>
+        </a:defRPr>
+      </a:pPr>
+      <a:endParaRPr lang="it-IT"/>
+    </a:p>
+  </c:txPr>
+  <c:externalData r:id="rId3">
+    <c:autoUpdate val="0"/>
+  </c:externalData>
+</c:chartSpace>
+</file>
+
+<file path=ppt/charts/colors1.xml><?xml version="1.0" encoding="utf-8"?>
+<cs:colorStyle xmlns:cs="http://schemas.microsoft.com/office/drawing/2012/chartStyle" xmlns:a="http://schemas.openxmlformats.org/drawingml/2006/main" meth="cycle" id="10">
+  <a:schemeClr val="accent1"/>
+  <a:schemeClr val="accent2"/>
+  <a:schemeClr val="accent3"/>
+  <a:schemeClr val="accent4"/>
+  <a:schemeClr val="accent5"/>
+  <a:schemeClr val="accent6"/>
+  <cs:variation/>
+  <cs:variation>
+    <a:lumMod val="60000"/>
+  </cs:variation>
+  <cs:variation>
+    <a:lumMod val="80000"/>
+    <a:lumOff val="20000"/>
+  </cs:variation>
+  <cs:variation>
+    <a:lumMod val="80000"/>
+  </cs:variation>
+  <cs:variation>
+    <a:lumMod val="60000"/>
+    <a:lumOff val="40000"/>
+  </cs:variation>
+  <cs:variation>
+    <a:lumMod val="50000"/>
+  </cs:variation>
+  <cs:variation>
+    <a:lumMod val="70000"/>
+    <a:lumOff val="30000"/>
+  </cs:variation>
+  <cs:variation>
+    <a:lumMod val="70000"/>
+  </cs:variation>
+  <cs:variation>
+    <a:lumMod val="50000"/>
+    <a:lumOff val="50000"/>
+  </cs:variation>
+</cs:colorStyle>
+</file>
+
+<file path=ppt/charts/style1.xml><?xml version="1.0" encoding="utf-8"?>
+<cs:chartStyle xmlns:cs="http://schemas.microsoft.com/office/drawing/2012/chartStyle" xmlns:a="http://schemas.openxmlformats.org/drawingml/2006/main" id="251">
+  <cs:axisTitle>
+    <cs:lnRef idx="0"/>
+    <cs:fillRef idx="0"/>
+    <cs:effectRef idx="0"/>
+    <cs:fontRef idx="minor">
+      <a:schemeClr val="tx1">
+        <a:lumMod val="65000"/>
+        <a:lumOff val="35000"/>
+      </a:schemeClr>
+    </cs:fontRef>
+    <cs:defRPr sz="1330" kern="1200"/>
+  </cs:axisTitle>
+  <cs:categoryAxis>
+    <cs:lnRef idx="0"/>
+    <cs:fillRef idx="0"/>
+    <cs:effectRef idx="0"/>
+    <cs:fontRef idx="minor">
+      <a:schemeClr val="tx1">
+        <a:lumMod val="65000"/>
+        <a:lumOff val="35000"/>
+      </a:schemeClr>
+    </cs:fontRef>
+    <cs:spPr>
+      <a:ln w="9525" cap="flat" cmpd="sng" algn="ctr">
+        <a:solidFill>
+          <a:schemeClr val="tx1">
+            <a:lumMod val="15000"/>
+            <a:lumOff val="85000"/>
+          </a:schemeClr>
+        </a:solidFill>
+        <a:round/>
+      </a:ln>
+    </cs:spPr>
+    <cs:defRPr sz="1197" kern="1200"/>
+  </cs:categoryAxis>
+  <cs:chartArea mods="allowNoFillOverride allowNoLineOverride">
+    <cs:lnRef idx="0"/>
+    <cs:fillRef idx="0"/>
+    <cs:effectRef idx="0"/>
+    <cs:fontRef idx="minor">
+      <a:schemeClr val="tx1"/>
+    </cs:fontRef>
+    <cs:spPr>
+      <a:solidFill>
+        <a:schemeClr val="bg1"/>
+      </a:solidFill>
+      <a:ln w="9525" cap="flat" cmpd="sng" algn="ctr">
+        <a:solidFill>
+          <a:schemeClr val="tx1">
+            <a:lumMod val="15000"/>
+            <a:lumOff val="85000"/>
+          </a:schemeClr>
+        </a:solidFill>
+        <a:round/>
+      </a:ln>
+    </cs:spPr>
+    <cs:defRPr sz="1197" kern="1200"/>
+  </cs:chartArea>
+  <cs:dataLabel>
+    <cs:lnRef idx="0"/>
+    <cs:fillRef idx="0"/>
+    <cs:effectRef idx="0"/>
+    <cs:fontRef idx="minor">
+      <a:schemeClr val="tx1">
+        <a:lumMod val="75000"/>
+        <a:lumOff val="25000"/>
+      </a:schemeClr>
+    </cs:fontRef>
+    <cs:defRPr sz="1197" kern="1200"/>
+  </cs:dataLabel>
+  <cs:dataLabelCallout>
+    <cs:lnRef idx="0"/>
+    <cs:fillRef idx="0"/>
+    <cs:effectRef idx="0"/>
+    <cs:fontRef idx="minor">
+      <a:schemeClr val="dk1">
+        <a:lumMod val="65000"/>
+        <a:lumOff val="35000"/>
+      </a:schemeClr>
+    </cs:fontRef>
+    <cs:spPr>
+      <a:solidFill>
+        <a:schemeClr val="lt1"/>
+      </a:solidFill>
+      <a:ln>
+        <a:solidFill>
+          <a:schemeClr val="dk1">
+            <a:lumMod val="25000"/>
+            <a:lumOff val="75000"/>
+          </a:schemeClr>
+        </a:solidFill>
+      </a:ln>
+    </cs:spPr>
+    <cs:defRPr sz="1197" kern="1200"/>
+    <cs:bodyPr rot="0" spcFirstLastPara="1" vertOverflow="clip" horzOverflow="clip" vert="horz" wrap="square" lIns="36576" tIns="18288" rIns="36576" bIns="18288" anchor="ctr" anchorCtr="1">
+      <a:spAutoFit/>
+    </cs:bodyPr>
+  </cs:dataLabelCallout>
+  <cs:dataPoint>
+    <cs:lnRef idx="0"/>
+    <cs:fillRef idx="1">
+      <cs:styleClr val="auto"/>
+    </cs:fillRef>
+    <cs:effectRef idx="0"/>
+    <cs:fontRef idx="minor">
+      <a:schemeClr val="tx1"/>
+    </cs:fontRef>
+    <cs:spPr>
+      <a:ln w="19050">
+        <a:solidFill>
+          <a:schemeClr val="lt1"/>
+        </a:solidFill>
+      </a:ln>
+    </cs:spPr>
+  </cs:dataPoint>
+  <cs:dataPoint3D>
+    <cs:lnRef idx="0"/>
+    <cs:fillRef idx="1">
+      <cs:styleClr val="auto"/>
+    </cs:fillRef>
+    <cs:effectRef idx="0"/>
+    <cs:fontRef idx="minor">
+      <a:schemeClr val="tx1"/>
+    </cs:fontRef>
+    <cs:spPr>
+      <a:ln w="25400">
+        <a:solidFill>
+          <a:schemeClr val="lt1"/>
+        </a:solidFill>
+      </a:ln>
+    </cs:spPr>
+  </cs:dataPoint3D>
+  <cs:dataPointLine>
+    <cs:lnRef idx="0">
+      <cs:styleClr val="auto"/>
+    </cs:lnRef>
+    <cs:fillRef idx="0"/>
+    <cs:effectRef idx="0"/>
+    <cs:fontRef idx="minor">
+      <a:schemeClr val="tx1"/>
+    </cs:fontRef>
+    <cs:spPr>
+      <a:ln w="28575" cap="rnd">
+        <a:solidFill>
+          <a:schemeClr val="phClr"/>
+        </a:solidFill>
+        <a:round/>
+      </a:ln>
+    </cs:spPr>
+  </cs:dataPointLine>
+  <cs:dataPointMarker>
+    <cs:lnRef idx="0">
+      <cs:styleClr val="auto"/>
+    </cs:lnRef>
+    <cs:fillRef idx="1">
+      <cs:styleClr val="auto"/>
+    </cs:fillRef>
+    <cs:effectRef idx="0"/>
+    <cs:fontRef idx="minor">
+      <a:schemeClr val="tx1"/>
+    </cs:fontRef>
+    <cs:spPr>
+      <a:ln w="9525">
+        <a:solidFill>
+          <a:schemeClr val="phClr"/>
+        </a:solidFill>
+      </a:ln>
+    </cs:spPr>
+  </cs:dataPointMarker>
+  <cs:dataPointMarkerLayout symbol="circle" size="5"/>
+  <cs:dataPointWireframe>
+    <cs:lnRef idx="0">
+      <cs:styleClr val="auto"/>
+    </cs:lnRef>
+    <cs:fillRef idx="0"/>
+    <cs:effectRef idx="0"/>
+    <cs:fontRef idx="minor">
+      <a:schemeClr val="tx1"/>
+    </cs:fontRef>
+    <cs:spPr>
+      <a:ln w="9525" cap="rnd">
+        <a:solidFill>
+          <a:schemeClr val="phClr"/>
+        </a:solidFill>
+        <a:round/>
+      </a:ln>
+    </cs:spPr>
+  </cs:dataPointWireframe>
+  <cs:dataTable>
+    <cs:lnRef idx="0"/>
+    <cs:fillRef idx="0"/>
+    <cs:effectRef idx="0"/>
+    <cs:fontRef idx="minor">
+      <a:schemeClr val="tx1">
+        <a:lumMod val="65000"/>
+        <a:lumOff val="35000"/>
+      </a:schemeClr>
+    </cs:fontRef>
+    <cs:spPr>
+      <a:noFill/>
+      <a:ln w="9525" cap="flat" cmpd="sng" algn="ctr">
+        <a:solidFill>
+          <a:schemeClr val="tx1">
+            <a:lumMod val="15000"/>
+            <a:lumOff val="85000"/>
+          </a:schemeClr>
+        </a:solidFill>
+        <a:round/>
+      </a:ln>
+    </cs:spPr>
+    <cs:defRPr sz="1197" kern="1200"/>
+  </cs:dataTable>
+  <cs:downBar>
+    <cs:lnRef idx="0"/>
+    <cs:fillRef idx="0"/>
+    <cs:effectRef idx="0"/>
+    <cs:fontRef idx="minor">
+      <a:schemeClr val="tx1"/>
+    </cs:fontRef>
+    <cs:spPr>
+      <a:solidFill>
+        <a:schemeClr val="dk1">
+          <a:lumMod val="75000"/>
+          <a:lumOff val="25000"/>
+        </a:schemeClr>
+      </a:solidFill>
+      <a:ln w="9525" cap="flat" cmpd="sng" algn="ctr">
+        <a:solidFill>
+          <a:schemeClr val="tx1">
+            <a:lumMod val="65000"/>
+            <a:lumOff val="35000"/>
+          </a:schemeClr>
+        </a:solidFill>
+        <a:round/>
+      </a:ln>
+    </cs:spPr>
+  </cs:downBar>
+  <cs:dropLine>
+    <cs:lnRef idx="0"/>
+    <cs:fillRef idx="0"/>
+    <cs:effectRef idx="0"/>
+    <cs:fontRef idx="minor">
+      <a:schemeClr val="tx1"/>
+    </cs:fontRef>
+    <cs:spPr>
+      <a:ln w="9525" cap="flat" cmpd="sng" algn="ctr">
+        <a:solidFill>
+          <a:schemeClr val="tx1">
+            <a:lumMod val="35000"/>
+            <a:lumOff val="65000"/>
+          </a:schemeClr>
+        </a:solidFill>
+        <a:round/>
+      </a:ln>
+    </cs:spPr>
+  </cs:dropLine>
+  <cs:errorBar>
+    <cs:lnRef idx="0"/>
+    <cs:fillRef idx="0"/>
+    <cs:effectRef idx="0"/>
+    <cs:fontRef idx="minor">
+      <a:schemeClr val="tx1"/>
+    </cs:fontRef>
+    <cs:spPr>
+      <a:ln w="9525" cap="flat" cmpd="sng" algn="ctr">
+        <a:solidFill>
+          <a:schemeClr val="tx1">
+            <a:lumMod val="65000"/>
+            <a:lumOff val="35000"/>
+          </a:schemeClr>
+        </a:solidFill>
+        <a:round/>
+      </a:ln>
+    </cs:spPr>
+  </cs:errorBar>
+  <cs:floor>
+    <cs:lnRef idx="0"/>
+    <cs:fillRef idx="0"/>
+    <cs:effectRef idx="0"/>
+    <cs:fontRef idx="minor">
+      <a:schemeClr val="tx1"/>
+    </cs:fontRef>
+    <cs:spPr>
+      <a:noFill/>
+      <a:ln>
+        <a:noFill/>
+      </a:ln>
+    </cs:spPr>
+  </cs:floor>
+  <cs:gridlineMajor>
+    <cs:lnRef idx="0"/>
+    <cs:fillRef idx="0"/>
+    <cs:effectRef idx="0"/>
+    <cs:fontRef idx="minor">
+      <a:schemeClr val="tx1"/>
+    </cs:fontRef>
+    <cs:spPr>
+      <a:ln w="9525" cap="flat" cmpd="sng" algn="ctr">
+        <a:solidFill>
+          <a:schemeClr val="tx1">
+            <a:lumMod val="15000"/>
+            <a:lumOff val="85000"/>
+          </a:schemeClr>
+        </a:solidFill>
+        <a:round/>
+      </a:ln>
+    </cs:spPr>
+  </cs:gridlineMajor>
+  <cs:gridlineMinor>
+    <cs:lnRef idx="0"/>
+    <cs:fillRef idx="0"/>
+    <cs:effectRef idx="0"/>
+    <cs:fontRef idx="minor">
+      <a:schemeClr val="tx1"/>
+    </cs:fontRef>
+    <cs:spPr>
+      <a:ln w="9525" cap="flat" cmpd="sng" algn="ctr">
+        <a:solidFill>
+          <a:schemeClr val="tx1">
+            <a:lumMod val="5000"/>
+            <a:lumOff val="95000"/>
+          </a:schemeClr>
+        </a:solidFill>
+        <a:round/>
+      </a:ln>
+    </cs:spPr>
+  </cs:gridlineMinor>
+  <cs:hiLoLine>
+    <cs:lnRef idx="0"/>
+    <cs:fillRef idx="0"/>
+    <cs:effectRef idx="0"/>
+    <cs:fontRef idx="minor">
+      <a:schemeClr val="tx1"/>
+    </cs:fontRef>
+    <cs:spPr>
+      <a:ln w="9525" cap="flat" cmpd="sng" algn="ctr">
+        <a:solidFill>
+          <a:schemeClr val="tx1">
+            <a:lumMod val="50000"/>
+            <a:lumOff val="50000"/>
+          </a:schemeClr>
+        </a:solidFill>
+        <a:round/>
+      </a:ln>
+    </cs:spPr>
+  </cs:hiLoLine>
+  <cs:leaderLine>
+    <cs:lnRef idx="0"/>
+    <cs:fillRef idx="0"/>
+    <cs:effectRef idx="0"/>
+    <cs:fontRef idx="minor">
+      <a:schemeClr val="tx1"/>
+    </cs:fontRef>
+    <cs:spPr>
+      <a:ln w="9525" cap="flat" cmpd="sng" algn="ctr">
+        <a:solidFill>
+          <a:schemeClr val="tx1">
+            <a:lumMod val="35000"/>
+            <a:lumOff val="65000"/>
+          </a:schemeClr>
+        </a:solidFill>
+        <a:round/>
+      </a:ln>
+    </cs:spPr>
+  </cs:leaderLine>
+  <cs:legend>
+    <cs:lnRef idx="0"/>
+    <cs:fillRef idx="0"/>
+    <cs:effectRef idx="0"/>
+    <cs:fontRef idx="minor">
+      <a:schemeClr val="tx1">
+        <a:lumMod val="65000"/>
+        <a:lumOff val="35000"/>
+      </a:schemeClr>
+    </cs:fontRef>
+    <cs:defRPr sz="1197" kern="1200"/>
+  </cs:legend>
+  <cs:plotArea mods="allowNoFillOverride allowNoLineOverride">
+    <cs:lnRef idx="0"/>
+    <cs:fillRef idx="0"/>
+    <cs:effectRef idx="0"/>
+    <cs:fontRef idx="minor">
+      <a:schemeClr val="tx1"/>
+    </cs:fontRef>
+  </cs:plotArea>
+  <cs:plotArea3D mods="allowNoFillOverride allowNoLineOverride">
+    <cs:lnRef idx="0"/>
+    <cs:fillRef idx="0"/>
+    <cs:effectRef idx="0"/>
+    <cs:fontRef idx="minor">
+      <a:schemeClr val="tx1"/>
+    </cs:fontRef>
+  </cs:plotArea3D>
+  <cs:seriesAxis>
+    <cs:lnRef idx="0"/>
+    <cs:fillRef idx="0"/>
+    <cs:effectRef idx="0"/>
+    <cs:fontRef idx="minor">
+      <a:schemeClr val="tx1">
+        <a:lumMod val="65000"/>
+        <a:lumOff val="35000"/>
+      </a:schemeClr>
+    </cs:fontRef>
+    <cs:defRPr sz="1197" kern="1200"/>
+  </cs:seriesAxis>
+  <cs:seriesLine>
+    <cs:lnRef idx="0"/>
+    <cs:fillRef idx="0"/>
+    <cs:effectRef idx="0"/>
+    <cs:fontRef idx="minor">
+      <a:schemeClr val="tx1"/>
+    </cs:fontRef>
+    <cs:spPr>
+      <a:ln w="9525" cap="flat" cmpd="sng" algn="ctr">
+        <a:solidFill>
+          <a:schemeClr val="tx1">
+            <a:lumMod val="35000"/>
+            <a:lumOff val="65000"/>
+          </a:schemeClr>
+        </a:solidFill>
+        <a:round/>
+      </a:ln>
+    </cs:spPr>
+  </cs:seriesLine>
+  <cs:title>
+    <cs:lnRef idx="0"/>
+    <cs:fillRef idx="0"/>
+    <cs:effectRef idx="0"/>
+    <cs:fontRef idx="minor">
+      <a:schemeClr val="tx1">
+        <a:lumMod val="65000"/>
+        <a:lumOff val="35000"/>
+      </a:schemeClr>
+    </cs:fontRef>
+    <cs:defRPr sz="1862" b="0" kern="1200" spc="0" baseline="0"/>
+  </cs:title>
+  <cs:trendline>
+    <cs:lnRef idx="0">
+      <cs:styleClr val="auto"/>
+    </cs:lnRef>
+    <cs:fillRef idx="0"/>
+    <cs:effectRef idx="0"/>
+    <cs:fontRef idx="minor">
+      <a:schemeClr val="tx1"/>
+    </cs:fontRef>
+    <cs:spPr>
+      <a:ln w="19050" cap="rnd">
+        <a:solidFill>
+          <a:schemeClr val="phClr"/>
+        </a:solidFill>
+        <a:prstDash val="sysDot"/>
+      </a:ln>
+    </cs:spPr>
+  </cs:trendline>
+  <cs:trendlineLabel>
+    <cs:lnRef idx="0"/>
+    <cs:fillRef idx="0"/>
+    <cs:effectRef idx="0"/>
+    <cs:fontRef idx="minor">
+      <a:schemeClr val="tx1">
+        <a:lumMod val="65000"/>
+        <a:lumOff val="35000"/>
+      </a:schemeClr>
+    </cs:fontRef>
+    <cs:defRPr sz="1197" kern="1200"/>
+  </cs:trendlineLabel>
+  <cs:upBar>
+    <cs:lnRef idx="0"/>
+    <cs:fillRef idx="0"/>
+    <cs:effectRef idx="0"/>
+    <cs:fontRef idx="minor">
+      <a:schemeClr val="tx1"/>
+    </cs:fontRef>
+    <cs:spPr>
+      <a:solidFill>
+        <a:schemeClr val="lt1"/>
+      </a:solidFill>
+      <a:ln w="9525" cap="flat" cmpd="sng" algn="ctr">
+        <a:solidFill>
+          <a:schemeClr val="tx1">
+            <a:lumMod val="65000"/>
+            <a:lumOff val="35000"/>
+          </a:schemeClr>
+        </a:solidFill>
+        <a:round/>
+      </a:ln>
+    </cs:spPr>
+  </cs:upBar>
+  <cs:valueAxis>
+    <cs:lnRef idx="0"/>
+    <cs:fillRef idx="0"/>
+    <cs:effectRef idx="0"/>
+    <cs:fontRef idx="minor">
+      <a:schemeClr val="tx1">
+        <a:lumMod val="65000"/>
+        <a:lumOff val="35000"/>
+      </a:schemeClr>
+    </cs:fontRef>
+    <cs:defRPr sz="1197" kern="1200"/>
+  </cs:valueAxis>
+  <cs:wall>
+    <cs:lnRef idx="0"/>
+    <cs:fillRef idx="0"/>
+    <cs:effectRef idx="0"/>
+    <cs:fontRef idx="minor">
+      <a:schemeClr val="tx1"/>
+    </cs:fontRef>
+    <cs:spPr>
+      <a:noFill/>
+      <a:ln>
+        <a:noFill/>
+      </a:ln>
+    </cs:spPr>
+  </cs:wall>
+</cs:chartStyle>
 </file>
 
 <file path=ppt/diagrams/colors1.xml><?xml version="1.0" encoding="utf-8"?>
@@ -3718,7 +4613,7 @@
           <a:p>
             <a:fld id="{057C0A10-08F2-4987-A546-76033F5E1B91}" type="datetimeFigureOut">
               <a:rPr lang="it-IT" smtClean="0"/>
-              <a:t>05/12/2019</a:t>
+              <a:t>06/12/2019</a:t>
             </a:fld>
             <a:endParaRPr lang="it-IT"/>
           </a:p>
@@ -3896,7 +4791,7 @@
           <a:p>
             <a:fld id="{35BD7E0B-F58C-414F-AB60-F68CECCADE6F}" type="datetimeFigureOut">
               <a:rPr lang="it-IT" smtClean="0"/>
-              <a:t>05/12/2019</a:t>
+              <a:t>06/12/2019</a:t>
             </a:fld>
             <a:endParaRPr lang="it-IT"/>
           </a:p>
@@ -4349,7 +5244,7 @@
           <a:p>
             <a:fld id="{C5534CC0-8DFC-4304-9DC7-C5B020228D99}" type="datetime1">
               <a:rPr lang="en-US" smtClean="0"/>
-              <a:t>12/5/2019</a:t>
+              <a:t>12/6/2019</a:t>
             </a:fld>
             <a:endParaRPr lang="en-US" dirty="0"/>
           </a:p>
@@ -4658,7 +5553,7 @@
           <a:p>
             <a:fld id="{6C9EAABF-F619-455A-AF2B-2DE40686EDC7}" type="datetime1">
               <a:rPr lang="en-US" smtClean="0"/>
-              <a:t>12/5/2019</a:t>
+              <a:t>12/6/2019</a:t>
             </a:fld>
             <a:endParaRPr lang="en-US" dirty="0"/>
           </a:p>
@@ -4856,7 +5751,7 @@
           <a:p>
             <a:fld id="{548848ED-0B54-48E3-8ED9-D796C46540DF}" type="datetime1">
               <a:rPr lang="en-US" smtClean="0"/>
-              <a:t>12/5/2019</a:t>
+              <a:t>12/6/2019</a:t>
             </a:fld>
             <a:endParaRPr lang="en-US" dirty="0"/>
           </a:p>
@@ -5123,7 +6018,7 @@
           <a:p>
             <a:fld id="{699E01A9-985E-4B8E-A1D1-5A3B9482A51E}" type="datetime1">
               <a:rPr lang="en-US" smtClean="0"/>
-              <a:t>12/5/2019</a:t>
+              <a:t>12/6/2019</a:t>
             </a:fld>
             <a:endParaRPr lang="en-US" dirty="0"/>
           </a:p>
@@ -5563,7 +6458,7 @@
           <a:p>
             <a:fld id="{BDA18F17-62FF-4FD0-855D-CD8396DD6905}" type="datetime1">
               <a:rPr lang="en-US" smtClean="0"/>
-              <a:t>12/5/2019</a:t>
+              <a:t>12/6/2019</a:t>
             </a:fld>
             <a:endParaRPr lang="en-US" dirty="0"/>
           </a:p>
@@ -6104,7 +6999,7 @@
           <a:p>
             <a:fld id="{596F8984-F028-4E01-9240-9C0AFC67EC06}" type="datetime1">
               <a:rPr lang="en-US" smtClean="0"/>
-              <a:t>12/5/2019</a:t>
+              <a:t>12/6/2019</a:t>
             </a:fld>
             <a:endParaRPr lang="en-US" dirty="0"/>
           </a:p>
@@ -6990,7 +7885,7 @@
           <a:p>
             <a:fld id="{4ACAF86C-6109-45A3-9723-30FB1317765F}" type="datetime1">
               <a:rPr lang="en-US" smtClean="0"/>
-              <a:t>12/5/2019</a:t>
+              <a:t>12/6/2019</a:t>
             </a:fld>
             <a:endParaRPr lang="en-US" dirty="0"/>
           </a:p>
@@ -7164,7 +8059,7 @@
           <a:p>
             <a:fld id="{110136F7-6558-4BA2-9CA3-A12A881D867C}" type="datetime1">
               <a:rPr lang="en-US" smtClean="0"/>
-              <a:t>12/5/2019</a:t>
+              <a:t>12/6/2019</a:t>
             </a:fld>
             <a:endParaRPr lang="en-US" dirty="0"/>
           </a:p>
@@ -7352,7 +8247,7 @@
           <a:p>
             <a:fld id="{B779D75B-1D09-4E71-884A-158953375BAF}" type="datetime1">
               <a:rPr lang="en-US" smtClean="0"/>
-              <a:t>12/5/2019</a:t>
+              <a:t>12/6/2019</a:t>
             </a:fld>
             <a:endParaRPr lang="en-US" dirty="0"/>
           </a:p>
@@ -7526,7 +8421,7 @@
           <a:p>
             <a:fld id="{B69383A4-7D1A-4470-B6C4-8FF803DCD5E6}" type="datetime1">
               <a:rPr lang="en-US" smtClean="0"/>
-              <a:t>12/5/2019</a:t>
+              <a:t>12/6/2019</a:t>
             </a:fld>
             <a:endParaRPr lang="en-US" dirty="0"/>
           </a:p>
@@ -7774,7 +8669,7 @@
           <a:p>
             <a:fld id="{85E88BAD-2D95-45F4-A01A-D955A7E29B40}" type="datetime1">
               <a:rPr lang="en-US" smtClean="0"/>
-              <a:t>12/5/2019</a:t>
+              <a:t>12/6/2019</a:t>
             </a:fld>
             <a:endParaRPr lang="en-US" dirty="0"/>
           </a:p>
@@ -8020,7 +8915,7 @@
           <a:p>
             <a:fld id="{0E92028E-E5AD-4C16-90FE-13D241197923}" type="datetime1">
               <a:rPr lang="en-US" smtClean="0"/>
-              <a:t>12/5/2019</a:t>
+              <a:t>12/6/2019</a:t>
             </a:fld>
             <a:endParaRPr lang="en-US" dirty="0"/>
           </a:p>
@@ -8505,7 +9400,7 @@
           <a:p>
             <a:fld id="{D0C81FA9-C04D-4CBA-AC5A-E3E6C44FAA9E}" type="datetime1">
               <a:rPr lang="en-US" smtClean="0"/>
-              <a:t>12/5/2019</a:t>
+              <a:t>12/6/2019</a:t>
             </a:fld>
             <a:endParaRPr lang="en-US" dirty="0"/>
           </a:p>
@@ -8627,7 +9522,7 @@
           <a:p>
             <a:fld id="{D1633EB8-7B08-4D2C-8283-9E0E06A195E0}" type="datetime1">
               <a:rPr lang="en-US" smtClean="0"/>
-              <a:t>12/5/2019</a:t>
+              <a:t>12/6/2019</a:t>
             </a:fld>
             <a:endParaRPr lang="en-US" dirty="0"/>
           </a:p>
@@ -8726,7 +9621,7 @@
           <a:p>
             <a:fld id="{76E6ACD1-F798-4057-B1B3-28AFC947AA55}" type="datetime1">
               <a:rPr lang="en-US" smtClean="0"/>
-              <a:t>12/5/2019</a:t>
+              <a:t>12/6/2019</a:t>
             </a:fld>
             <a:endParaRPr lang="en-US" dirty="0"/>
           </a:p>
@@ -8985,7 +9880,7 @@
           <a:p>
             <a:fld id="{D052FF3D-75DA-4DF0-9828-CF88B7326B65}" type="datetime1">
               <a:rPr lang="en-US" smtClean="0"/>
-              <a:t>12/5/2019</a:t>
+              <a:t>12/6/2019</a:t>
             </a:fld>
             <a:endParaRPr lang="en-US" dirty="0"/>
           </a:p>
@@ -9296,7 +10191,7 @@
           <a:p>
             <a:fld id="{A5929FA4-0F03-4E59-99FE-6FDBB13785AA}" type="datetime1">
               <a:rPr lang="en-US" smtClean="0"/>
-              <a:t>12/5/2019</a:t>
+              <a:t>12/6/2019</a:t>
             </a:fld>
             <a:endParaRPr lang="en-US" dirty="0"/>
           </a:p>
@@ -9535,7 +10430,7 @@
           <a:p>
             <a:fld id="{EE481914-821C-4511-AD6A-120D964128A8}" type="datetime1">
               <a:rPr lang="en-US" smtClean="0"/>
-              <a:t>12/5/2019</a:t>
+              <a:t>12/6/2019</a:t>
             </a:fld>
             <a:endParaRPr lang="en-US" dirty="0"/>
           </a:p>
@@ -14536,8 +15431,8 @@
         </p:blipFill>
         <p:spPr>
           <a:xfrm>
-            <a:off x="4602431" y="1568108"/>
-            <a:ext cx="7626194" cy="2864534"/>
+            <a:off x="1414485" y="1568107"/>
+            <a:ext cx="10814140" cy="4061983"/>
           </a:xfrm>
           <a:prstGeom prst="rect">
             <a:avLst/>
@@ -14760,22 +15655,140 @@
             <a:spLocks noGrp="1"/>
           </p:cNvSpPr>
           <p:nvPr>
-            <p:ph type="ctrTitle"/>
+            <p:ph type="title"/>
           </p:nvPr>
         </p:nvSpPr>
         <p:spPr>
           <a:xfrm>
-            <a:off x="1370693" y="280373"/>
-            <a:ext cx="9440034" cy="1828801"/>
+            <a:off x="852616" y="794777"/>
+            <a:ext cx="10353762" cy="970450"/>
           </a:xfrm>
         </p:spPr>
         <p:txBody>
+          <a:bodyPr>
+            <a:normAutofit/>
+          </a:bodyPr>
+          <a:lstStyle/>
+          <a:p>
+            <a:r>
+              <a:rPr lang="it-IT" sz="2400" dirty="0"/>
+              <a:t>Tipi di documenti</a:t>
+            </a:r>
+          </a:p>
+        </p:txBody>
+      </p:sp>
+      <p:sp>
+        <p:nvSpPr>
+          <p:cNvPr id="10" name="Segnaposto testo 9">
+            <a:extLst>
+              <a:ext uri="{FF2B5EF4-FFF2-40B4-BE49-F238E27FC236}">
+                <a16:creationId xmlns:a16="http://schemas.microsoft.com/office/drawing/2014/main" id="{E562F571-2D20-4CD4-AD82-830D2F4379F4}"/>
+              </a:ext>
+            </a:extLst>
+          </p:cNvPr>
+          <p:cNvSpPr>
+            <a:spLocks noGrp="1"/>
+          </p:cNvSpPr>
+          <p:nvPr>
+            <p:ph type="body" idx="1"/>
+          </p:nvPr>
+        </p:nvSpPr>
+        <p:spPr/>
+        <p:txBody>
           <a:bodyPr/>
           <a:lstStyle/>
           <a:p>
             <a:r>
+              <a:rPr lang="it-IT" dirty="0" err="1"/>
+              <a:t>Venue</a:t>
+            </a:r>
+            <a:endParaRPr lang="it-IT" dirty="0"/>
+          </a:p>
+        </p:txBody>
+      </p:sp>
+      <p:sp>
+        <p:nvSpPr>
+          <p:cNvPr id="3" name="Segnaposto contenuto 2">
+            <a:extLst>
+              <a:ext uri="{FF2B5EF4-FFF2-40B4-BE49-F238E27FC236}">
+                <a16:creationId xmlns:a16="http://schemas.microsoft.com/office/drawing/2014/main" id="{C53F735F-67A9-47CF-98D0-AF5E0A57ACA2}"/>
+              </a:ext>
+            </a:extLst>
+          </p:cNvPr>
+          <p:cNvSpPr>
+            <a:spLocks noGrp="1"/>
+          </p:cNvSpPr>
+          <p:nvPr>
+            <p:ph sz="half" idx="2"/>
+          </p:nvPr>
+        </p:nvSpPr>
+        <p:spPr/>
+        <p:txBody>
+          <a:bodyPr>
+            <a:normAutofit lnSpcReduction="10000"/>
+          </a:bodyPr>
+          <a:lstStyle/>
+          <a:p>
+            <a:r>
               <a:rPr lang="it-IT" dirty="0"/>
-              <a:t>Analisi XML</a:t>
+              <a:t>Raccolta di pubblicazioni </a:t>
+            </a:r>
+          </a:p>
+          <a:p>
+            <a:pPr marL="36900" indent="0">
+              <a:buNone/>
+            </a:pPr>
+            <a:endParaRPr lang="it-IT" dirty="0"/>
+          </a:p>
+          <a:p>
+            <a:r>
+              <a:rPr lang="it-IT" dirty="0"/>
+              <a:t>Può essere: </a:t>
+            </a:r>
+          </a:p>
+          <a:p>
+            <a:pPr lvl="1"/>
+            <a:r>
+              <a:rPr lang="it-IT" dirty="0"/>
+              <a:t>Conferenza (</a:t>
+            </a:r>
+            <a:r>
+              <a:rPr lang="it-IT" i="1" dirty="0" err="1"/>
+              <a:t>proceedings</a:t>
+            </a:r>
+            <a:r>
+              <a:rPr lang="it-IT" dirty="0"/>
+              <a:t>)</a:t>
+            </a:r>
+          </a:p>
+          <a:p>
+            <a:pPr lvl="1"/>
+            <a:r>
+              <a:rPr lang="it-IT" dirty="0"/>
+              <a:t>Libro (</a:t>
+            </a:r>
+            <a:r>
+              <a:rPr lang="it-IT" i="1" dirty="0"/>
+              <a:t>book</a:t>
+            </a:r>
+            <a:r>
+              <a:rPr lang="it-IT" dirty="0"/>
+              <a:t>)</a:t>
+            </a:r>
+          </a:p>
+          <a:p>
+            <a:pPr lvl="1"/>
+            <a:r>
+              <a:rPr lang="it-IT" dirty="0"/>
+              <a:t>Rivista (</a:t>
+            </a:r>
+            <a:r>
+              <a:rPr lang="it-IT" i="1" dirty="0"/>
+              <a:t>journal</a:t>
+            </a:r>
+            <a:r>
+              <a:rPr lang="it-IT" dirty="0"/>
+              <a:t>)</a:t>
             </a:r>
           </a:p>
         </p:txBody>
@@ -14793,25 +15806,144 @@
             <a:spLocks noGrp="1"/>
           </p:cNvSpPr>
           <p:nvPr>
-            <p:ph type="subTitle" idx="1"/>
-          </p:nvPr>
-        </p:nvSpPr>
-        <p:spPr>
-          <a:xfrm>
-            <a:off x="1370693" y="2284322"/>
-            <a:ext cx="9440034" cy="1049867"/>
-          </a:xfrm>
-        </p:spPr>
+            <p:ph type="body" sz="quarter" idx="3"/>
+          </p:nvPr>
+        </p:nvSpPr>
+        <p:spPr/>
         <p:txBody>
           <a:bodyPr/>
           <a:lstStyle/>
           <a:p>
             <a:r>
+              <a:rPr lang="it-IT" dirty="0" err="1"/>
+              <a:t>Pubblication</a:t>
+            </a:r>
+            <a:endParaRPr lang="it-IT" dirty="0"/>
+          </a:p>
+        </p:txBody>
+      </p:sp>
+      <p:sp>
+        <p:nvSpPr>
+          <p:cNvPr id="8" name="Segnaposto contenuto 7">
+            <a:extLst>
+              <a:ext uri="{FF2B5EF4-FFF2-40B4-BE49-F238E27FC236}">
+                <a16:creationId xmlns:a16="http://schemas.microsoft.com/office/drawing/2014/main" id="{B9DAA418-1134-4064-A3F0-2EBD519020D3}"/>
+              </a:ext>
+            </a:extLst>
+          </p:cNvPr>
+          <p:cNvSpPr>
+            <a:spLocks noGrp="1"/>
+          </p:cNvSpPr>
+          <p:nvPr>
+            <p:ph sz="quarter" idx="4"/>
+          </p:nvPr>
+        </p:nvSpPr>
+        <p:spPr/>
+        <p:txBody>
+          <a:bodyPr>
+            <a:normAutofit lnSpcReduction="10000"/>
+          </a:bodyPr>
+          <a:lstStyle/>
+          <a:p>
+            <a:r>
               <a:rPr lang="it-IT" dirty="0"/>
-              <a:t>Tipi di documenti </a:t>
-            </a:r>
-          </a:p>
-          <a:p>
+              <a:t>Il documento dello studio pubblicato</a:t>
+            </a:r>
+          </a:p>
+          <a:p>
+            <a:pPr marL="36900" indent="0">
+              <a:buNone/>
+            </a:pPr>
+            <a:endParaRPr lang="it-IT" dirty="0"/>
+          </a:p>
+          <a:p>
+            <a:r>
+              <a:rPr lang="it-IT" dirty="0"/>
+              <a:t>Può essere:</a:t>
+            </a:r>
+          </a:p>
+          <a:p>
+            <a:pPr lvl="1"/>
+            <a:r>
+              <a:rPr lang="it-IT" dirty="0"/>
+              <a:t>Articolo (</a:t>
+            </a:r>
+            <a:r>
+              <a:rPr lang="it-IT" i="1" dirty="0" err="1"/>
+              <a:t>article</a:t>
+            </a:r>
+            <a:r>
+              <a:rPr lang="it-IT" dirty="0"/>
+              <a:t>)</a:t>
+            </a:r>
+          </a:p>
+          <a:p>
+            <a:pPr lvl="1"/>
+            <a:r>
+              <a:rPr lang="it-IT" i="1" dirty="0" err="1"/>
+              <a:t>incollection</a:t>
+            </a:r>
+            <a:endParaRPr lang="it-IT" dirty="0"/>
+          </a:p>
+          <a:p>
+            <a:pPr lvl="1"/>
+            <a:r>
+              <a:rPr lang="it-IT" dirty="0"/>
+              <a:t>Intervento (</a:t>
+            </a:r>
+            <a:r>
+              <a:rPr lang="it-IT" i="1" dirty="0" err="1"/>
+              <a:t>inproceedings</a:t>
+            </a:r>
+            <a:r>
+              <a:rPr lang="it-IT" dirty="0"/>
+              <a:t>)</a:t>
+            </a:r>
+          </a:p>
+          <a:p>
+            <a:pPr lvl="1"/>
+            <a:r>
+              <a:rPr lang="it-IT" dirty="0"/>
+              <a:t>Tesi di dottorato (</a:t>
+            </a:r>
+            <a:r>
+              <a:rPr lang="it-IT" i="1" dirty="0" err="1"/>
+              <a:t>ph</a:t>
+            </a:r>
+            <a:r>
+              <a:rPr lang="it-IT" i="1" dirty="0"/>
+              <a:t>. </a:t>
+            </a:r>
+            <a:r>
+              <a:rPr lang="it-IT" i="1" dirty="0" err="1"/>
+              <a:t>Thesis</a:t>
+            </a:r>
+            <a:r>
+              <a:rPr lang="it-IT" dirty="0"/>
+              <a:t>)</a:t>
+            </a:r>
+          </a:p>
+          <a:p>
+            <a:pPr lvl="1"/>
+            <a:r>
+              <a:rPr lang="it-IT" dirty="0"/>
+              <a:t>Tesi di laurea (</a:t>
+            </a:r>
+            <a:r>
+              <a:rPr lang="it-IT" i="1" dirty="0"/>
+              <a:t>master </a:t>
+            </a:r>
+            <a:r>
+              <a:rPr lang="it-IT" i="1" dirty="0" err="1"/>
+              <a:t>thesis</a:t>
+            </a:r>
+            <a:r>
+              <a:rPr lang="it-IT" dirty="0"/>
+              <a:t>)</a:t>
+            </a:r>
+          </a:p>
+          <a:p>
+            <a:pPr lvl="1"/>
             <a:endParaRPr lang="it-IT" dirty="0"/>
           </a:p>
         </p:txBody>
@@ -14871,77 +16003,6 @@
               <a:t>5</a:t>
             </a:fld>
             <a:endParaRPr lang="en-US" dirty="0"/>
-          </a:p>
-        </p:txBody>
-      </p:sp>
-      <p:sp>
-        <p:nvSpPr>
-          <p:cNvPr id="3" name="Segnaposto contenuto 2">
-            <a:extLst>
-              <a:ext uri="{FF2B5EF4-FFF2-40B4-BE49-F238E27FC236}">
-                <a16:creationId xmlns:a16="http://schemas.microsoft.com/office/drawing/2014/main" id="{C53F735F-67A9-47CF-98D0-AF5E0A57ACA2}"/>
-              </a:ext>
-            </a:extLst>
-          </p:cNvPr>
-          <p:cNvSpPr>
-            <a:spLocks noGrp="1"/>
-          </p:cNvSpPr>
-          <p:nvPr>
-            <p:ph sz="half" idx="4294967295"/>
-          </p:nvPr>
-        </p:nvSpPr>
-        <p:spPr>
-          <a:xfrm>
-            <a:off x="1559417" y="3145850"/>
-            <a:ext cx="4764088" cy="3043238"/>
-          </a:xfrm>
-        </p:spPr>
-        <p:txBody>
-          <a:bodyPr/>
-          <a:lstStyle/>
-          <a:p>
-            <a:r>
-              <a:rPr lang="it-IT" dirty="0" err="1"/>
-              <a:t>Pubblication</a:t>
-            </a:r>
-            <a:endParaRPr lang="it-IT" dirty="0"/>
-          </a:p>
-          <a:p>
-            <a:endParaRPr lang="it-IT" dirty="0"/>
-          </a:p>
-        </p:txBody>
-      </p:sp>
-      <p:sp>
-        <p:nvSpPr>
-          <p:cNvPr id="10" name="Segnaposto testo 9">
-            <a:extLst>
-              <a:ext uri="{FF2B5EF4-FFF2-40B4-BE49-F238E27FC236}">
-                <a16:creationId xmlns:a16="http://schemas.microsoft.com/office/drawing/2014/main" id="{E562F571-2D20-4CD4-AD82-830D2F4379F4}"/>
-              </a:ext>
-            </a:extLst>
-          </p:cNvPr>
-          <p:cNvSpPr>
-            <a:spLocks noGrp="1"/>
-          </p:cNvSpPr>
-          <p:nvPr>
-            <p:ph type="body" sz="quarter" idx="4294967295"/>
-          </p:nvPr>
-        </p:nvSpPr>
-        <p:spPr>
-          <a:xfrm>
-            <a:off x="7427914" y="3329936"/>
-            <a:ext cx="4779962" cy="692150"/>
-          </a:xfrm>
-        </p:spPr>
-        <p:txBody>
-          <a:bodyPr/>
-          <a:lstStyle/>
-          <a:p>
-            <a:r>
-              <a:rPr lang="it-IT" dirty="0" err="1"/>
-              <a:t>Venue</a:t>
-            </a:r>
-            <a:endParaRPr lang="it-IT" dirty="0"/>
           </a:p>
         </p:txBody>
       </p:sp>
@@ -15059,6 +16120,139 @@
           </a:fontRef>
         </p:style>
       </p:sp>
+      <p:sp>
+        <p:nvSpPr>
+          <p:cNvPr id="12" name="Titolo 1">
+            <a:extLst>
+              <a:ext uri="{FF2B5EF4-FFF2-40B4-BE49-F238E27FC236}">
+                <a16:creationId xmlns:a16="http://schemas.microsoft.com/office/drawing/2014/main" id="{7C24BD65-5794-4B32-8F33-D2334DB78AA2}"/>
+              </a:ext>
+            </a:extLst>
+          </p:cNvPr>
+          <p:cNvSpPr txBox="1">
+            <a:spLocks/>
+          </p:cNvSpPr>
+          <p:nvPr/>
+        </p:nvSpPr>
+        <p:spPr>
+          <a:xfrm>
+            <a:off x="985622" y="242873"/>
+            <a:ext cx="10353762" cy="970450"/>
+          </a:xfrm>
+          <a:prstGeom prst="rect">
+            <a:avLst/>
+          </a:prstGeom>
+          <a:effectLst>
+            <a:outerShdw blurRad="25400" dir="17880000">
+              <a:srgbClr val="000000">
+                <a:alpha val="46000"/>
+              </a:srgbClr>
+            </a:outerShdw>
+          </a:effectLst>
+        </p:spPr>
+        <p:txBody>
+          <a:bodyPr vert="horz" lIns="91440" tIns="45720" rIns="91440" bIns="45720" rtlCol="0" anchor="ctr">
+            <a:normAutofit/>
+          </a:bodyPr>
+          <a:lstStyle>
+            <a:lvl1pPr algn="ctr" defTabSz="457200" rtl="0" eaLnBrk="1" latinLnBrk="0" hangingPunct="1">
+              <a:lnSpc>
+                <a:spcPct val="90000"/>
+              </a:lnSpc>
+              <a:spcBef>
+                <a:spcPct val="0"/>
+              </a:spcBef>
+              <a:buNone/>
+              <a:defRPr sz="3900" i="1" kern="1200">
+                <a:ln>
+                  <a:solidFill>
+                    <a:schemeClr val="bg1">
+                      <a:lumMod val="75000"/>
+                      <a:lumOff val="25000"/>
+                      <a:alpha val="10000"/>
+                    </a:schemeClr>
+                  </a:solidFill>
+                </a:ln>
+                <a:solidFill>
+                  <a:schemeClr val="tx2"/>
+                </a:solidFill>
+                <a:effectLst>
+                  <a:outerShdw blurRad="9525" dist="25400" dir="14640000" algn="tl" rotWithShape="0">
+                    <a:schemeClr val="bg1">
+                      <a:alpha val="30000"/>
+                    </a:schemeClr>
+                  </a:outerShdw>
+                </a:effectLst>
+                <a:latin typeface="+mj-lt"/>
+                <a:ea typeface="+mj-ea"/>
+                <a:cs typeface="Trebuchet MS"/>
+              </a:defRPr>
+            </a:lvl1pPr>
+            <a:lvl2pPr eaLnBrk="1" hangingPunct="1">
+              <a:defRPr>
+                <a:solidFill>
+                  <a:schemeClr val="tx2"/>
+                </a:solidFill>
+              </a:defRPr>
+            </a:lvl2pPr>
+            <a:lvl3pPr eaLnBrk="1" hangingPunct="1">
+              <a:defRPr>
+                <a:solidFill>
+                  <a:schemeClr val="tx2"/>
+                </a:solidFill>
+              </a:defRPr>
+            </a:lvl3pPr>
+            <a:lvl4pPr eaLnBrk="1" hangingPunct="1">
+              <a:defRPr>
+                <a:solidFill>
+                  <a:schemeClr val="tx2"/>
+                </a:solidFill>
+              </a:defRPr>
+            </a:lvl4pPr>
+            <a:lvl5pPr eaLnBrk="1" hangingPunct="1">
+              <a:defRPr>
+                <a:solidFill>
+                  <a:schemeClr val="tx2"/>
+                </a:solidFill>
+              </a:defRPr>
+            </a:lvl5pPr>
+            <a:lvl6pPr eaLnBrk="1" hangingPunct="1">
+              <a:defRPr>
+                <a:solidFill>
+                  <a:schemeClr val="tx2"/>
+                </a:solidFill>
+              </a:defRPr>
+            </a:lvl6pPr>
+            <a:lvl7pPr eaLnBrk="1" hangingPunct="1">
+              <a:defRPr>
+                <a:solidFill>
+                  <a:schemeClr val="tx2"/>
+                </a:solidFill>
+              </a:defRPr>
+            </a:lvl7pPr>
+            <a:lvl8pPr eaLnBrk="1" hangingPunct="1">
+              <a:defRPr>
+                <a:solidFill>
+                  <a:schemeClr val="tx2"/>
+                </a:solidFill>
+              </a:defRPr>
+            </a:lvl8pPr>
+            <a:lvl9pPr eaLnBrk="1" hangingPunct="1">
+              <a:defRPr>
+                <a:solidFill>
+                  <a:schemeClr val="tx2"/>
+                </a:solidFill>
+              </a:defRPr>
+            </a:lvl9pPr>
+          </a:lstStyle>
+          <a:p>
+            <a:r>
+              <a:rPr lang="it-IT" dirty="0"/>
+              <a:t>Analisi XML</a:t>
+            </a:r>
+          </a:p>
+        </p:txBody>
+      </p:sp>
     </p:spTree>
     <p:extLst>
       <p:ext uri="{BB962C8B-B14F-4D97-AF65-F5344CB8AC3E}">
@@ -15130,7 +16324,7 @@
             <a:spLocks noGrp="1"/>
           </p:cNvSpPr>
           <p:nvPr>
-            <p:ph idx="1"/>
+            <p:ph type="body" idx="1"/>
           </p:nvPr>
         </p:nvSpPr>
         <p:spPr/>
@@ -15139,18 +16333,74 @@
           <a:lstStyle/>
           <a:p>
             <a:r>
+              <a:rPr lang="it-IT" dirty="0" err="1"/>
+              <a:t>Proceedings</a:t>
+            </a:r>
+            <a:r>
               <a:rPr lang="it-IT" dirty="0"/>
-              <a:t>Link / Cross-</a:t>
+              <a:t> -&gt; </a:t>
             </a:r>
             <a:r>
               <a:rPr lang="it-IT" dirty="0" err="1"/>
-              <a:t>reference</a:t>
+              <a:t>inproceedings</a:t>
+            </a:r>
+            <a:r>
+              <a:rPr lang="it-IT" dirty="0"/>
+              <a:t>, </a:t>
+            </a:r>
+            <a:r>
+              <a:rPr lang="it-IT" dirty="0" err="1"/>
+              <a:t>article</a:t>
             </a:r>
             <a:endParaRPr lang="it-IT" dirty="0"/>
           </a:p>
+        </p:txBody>
+      </p:sp>
+      <p:sp>
+        <p:nvSpPr>
+          <p:cNvPr id="24" name="Segnaposto testo 23">
+            <a:extLst>
+              <a:ext uri="{FF2B5EF4-FFF2-40B4-BE49-F238E27FC236}">
+                <a16:creationId xmlns:a16="http://schemas.microsoft.com/office/drawing/2014/main" id="{D575E563-5363-461C-A921-B6A7911AE330}"/>
+              </a:ext>
+            </a:extLst>
+          </p:cNvPr>
+          <p:cNvSpPr>
+            <a:spLocks noGrp="1"/>
+          </p:cNvSpPr>
+          <p:nvPr>
+            <p:ph type="body" sz="half" idx="15"/>
+          </p:nvPr>
+        </p:nvSpPr>
+        <p:spPr/>
+        <p:txBody>
+          <a:bodyPr/>
+          <a:lstStyle/>
           <a:p>
             <a:endParaRPr lang="it-IT" dirty="0"/>
           </a:p>
+        </p:txBody>
+      </p:sp>
+      <p:sp>
+        <p:nvSpPr>
+          <p:cNvPr id="22" name="Segnaposto testo 21">
+            <a:extLst>
+              <a:ext uri="{FF2B5EF4-FFF2-40B4-BE49-F238E27FC236}">
+                <a16:creationId xmlns:a16="http://schemas.microsoft.com/office/drawing/2014/main" id="{1EE5A5ED-BCD1-4209-9D97-4A1231200D43}"/>
+              </a:ext>
+            </a:extLst>
+          </p:cNvPr>
+          <p:cNvSpPr>
+            <a:spLocks noGrp="1"/>
+          </p:cNvSpPr>
+          <p:nvPr>
+            <p:ph type="body" sz="quarter" idx="3"/>
+          </p:nvPr>
+        </p:nvSpPr>
+        <p:spPr/>
+        <p:txBody>
+          <a:bodyPr/>
+          <a:lstStyle/>
           <a:p>
             <a:r>
               <a:rPr lang="it-IT" dirty="0"/>
@@ -15162,45 +16412,150 @@
             </a:r>
             <a:endParaRPr lang="it-IT" dirty="0"/>
           </a:p>
-          <a:p>
-            <a:r>
-              <a:rPr lang="it-IT" dirty="0" err="1"/>
-              <a:t>Proceedings</a:t>
-            </a:r>
+        </p:txBody>
+      </p:sp>
+      <p:sp>
+        <p:nvSpPr>
+          <p:cNvPr id="25" name="Segnaposto testo 24">
+            <a:extLst>
+              <a:ext uri="{FF2B5EF4-FFF2-40B4-BE49-F238E27FC236}">
+                <a16:creationId xmlns:a16="http://schemas.microsoft.com/office/drawing/2014/main" id="{89721B25-6976-4E3C-BD30-87E8F17D9607}"/>
+              </a:ext>
+            </a:extLst>
+          </p:cNvPr>
+          <p:cNvSpPr>
+            <a:spLocks noGrp="1"/>
+          </p:cNvSpPr>
+          <p:nvPr>
+            <p:ph type="body" sz="half" idx="16"/>
+          </p:nvPr>
+        </p:nvSpPr>
+        <p:spPr/>
+        <p:txBody>
+          <a:bodyPr/>
+          <a:lstStyle/>
+          <a:p>
+            <a:endParaRPr lang="it-IT" dirty="0"/>
+          </a:p>
+        </p:txBody>
+      </p:sp>
+      <p:sp>
+        <p:nvSpPr>
+          <p:cNvPr id="23" name="Segnaposto testo 22">
+            <a:extLst>
+              <a:ext uri="{FF2B5EF4-FFF2-40B4-BE49-F238E27FC236}">
+                <a16:creationId xmlns:a16="http://schemas.microsoft.com/office/drawing/2014/main" id="{16C779A3-2298-40A7-8B81-9D2D07AC8ACA}"/>
+              </a:ext>
+            </a:extLst>
+          </p:cNvPr>
+          <p:cNvSpPr>
+            <a:spLocks noGrp="1"/>
+          </p:cNvSpPr>
+          <p:nvPr>
+            <p:ph type="body" sz="quarter" idx="13"/>
+          </p:nvPr>
+        </p:nvSpPr>
+        <p:spPr/>
+        <p:txBody>
+          <a:bodyPr/>
+          <a:lstStyle/>
+          <a:p>
             <a:r>
               <a:rPr lang="it-IT" dirty="0"/>
-              <a:t> -&gt; </a:t>
-            </a:r>
-            <a:r>
-              <a:rPr lang="it-IT" dirty="0" err="1"/>
-              <a:t>inproceeding</a:t>
-            </a:r>
-            <a:r>
-              <a:rPr lang="it-IT" dirty="0"/>
-              <a:t>, </a:t>
+              <a:t>Journal -&gt; </a:t>
             </a:r>
             <a:r>
               <a:rPr lang="it-IT" dirty="0" err="1"/>
               <a:t>article</a:t>
             </a:r>
-            <a:endParaRPr lang="it-IT" dirty="0"/>
-          </a:p>
-          <a:p>
-            <a:endParaRPr lang="it-IT" dirty="0"/>
-          </a:p>
-          <a:p>
-            <a:r>
-              <a:rPr lang="it-IT" dirty="0"/>
-              <a:t>Journal -&gt; </a:t>
-            </a:r>
-            <a:r>
-              <a:rPr lang="it-IT" dirty="0" err="1"/>
-              <a:t>article</a:t>
-            </a:r>
             <a:r>
               <a:rPr lang="it-IT" dirty="0"/>
               <a:t> (da creare)</a:t>
             </a:r>
+          </a:p>
+        </p:txBody>
+      </p:sp>
+      <p:sp>
+        <p:nvSpPr>
+          <p:cNvPr id="26" name="Segnaposto testo 25">
+            <a:extLst>
+              <a:ext uri="{FF2B5EF4-FFF2-40B4-BE49-F238E27FC236}">
+                <a16:creationId xmlns:a16="http://schemas.microsoft.com/office/drawing/2014/main" id="{DBB2D656-2A13-447D-9AFB-0FE786779009}"/>
+              </a:ext>
+            </a:extLst>
+          </p:cNvPr>
+          <p:cNvSpPr>
+            <a:spLocks noGrp="1"/>
+          </p:cNvSpPr>
+          <p:nvPr>
+            <p:ph type="body" sz="half" idx="17"/>
+          </p:nvPr>
+        </p:nvSpPr>
+        <p:spPr/>
+        <p:txBody>
+          <a:bodyPr/>
+          <a:lstStyle/>
+          <a:p>
+            <a:endParaRPr lang="it-IT"/>
+          </a:p>
+        </p:txBody>
+      </p:sp>
+      <p:sp>
+        <p:nvSpPr>
+          <p:cNvPr id="6" name="Segnaposto piè di pagina 5">
+            <a:extLst>
+              <a:ext uri="{FF2B5EF4-FFF2-40B4-BE49-F238E27FC236}">
+                <a16:creationId xmlns:a16="http://schemas.microsoft.com/office/drawing/2014/main" id="{C3B8C465-BE51-464A-8E3E-372230515749}"/>
+              </a:ext>
+            </a:extLst>
+          </p:cNvPr>
+          <p:cNvSpPr>
+            <a:spLocks noGrp="1"/>
+          </p:cNvSpPr>
+          <p:nvPr>
+            <p:ph type="ftr" sz="quarter" idx="11"/>
+          </p:nvPr>
+        </p:nvSpPr>
+        <p:spPr/>
+        <p:txBody>
+          <a:bodyPr/>
+          <a:lstStyle/>
+          <a:p>
+            <a:r>
+              <a:rPr lang="it-IT"/>
+              <a:t>Gestione Avanzata dell’Informazione – UNIMORE- 2019/2020</a:t>
+            </a:r>
+            <a:endParaRPr lang="en-US" dirty="0"/>
+          </a:p>
+        </p:txBody>
+      </p:sp>
+      <p:sp>
+        <p:nvSpPr>
+          <p:cNvPr id="7" name="Segnaposto numero diapositiva 6">
+            <a:extLst>
+              <a:ext uri="{FF2B5EF4-FFF2-40B4-BE49-F238E27FC236}">
+                <a16:creationId xmlns:a16="http://schemas.microsoft.com/office/drawing/2014/main" id="{836BF468-01FC-44DB-A0B0-CDB3B01466A3}"/>
+              </a:ext>
+            </a:extLst>
+          </p:cNvPr>
+          <p:cNvSpPr>
+            <a:spLocks noGrp="1"/>
+          </p:cNvSpPr>
+          <p:nvPr>
+            <p:ph type="sldNum" sz="quarter" idx="12"/>
+          </p:nvPr>
+        </p:nvSpPr>
+        <p:spPr/>
+        <p:txBody>
+          <a:bodyPr/>
+          <a:lstStyle/>
+          <a:p>
+            <a:fld id="{3A98EE3D-8CD1-4C3F-BD1C-C98C9596463C}" type="slidenum">
+              <a:rPr lang="en-US" smtClean="0"/>
+              <a:pPr/>
+              <a:t>6</a:t>
+            </a:fld>
+            <a:endParaRPr lang="en-US" dirty="0"/>
           </a:p>
         </p:txBody>
       </p:sp>
@@ -15320,59 +16675,134 @@
       </p:sp>
       <p:sp>
         <p:nvSpPr>
-          <p:cNvPr id="6" name="Segnaposto piè di pagina 5">
+          <p:cNvPr id="21" name="Titolo 1">
             <a:extLst>
               <a:ext uri="{FF2B5EF4-FFF2-40B4-BE49-F238E27FC236}">
-                <a16:creationId xmlns:a16="http://schemas.microsoft.com/office/drawing/2014/main" id="{C3B8C465-BE51-464A-8E3E-372230515749}"/>
+                <a16:creationId xmlns:a16="http://schemas.microsoft.com/office/drawing/2014/main" id="{BA9A9107-FC0C-472C-8C52-466010F3385B}"/>
               </a:ext>
             </a:extLst>
           </p:cNvPr>
-          <p:cNvSpPr>
-            <a:spLocks noGrp="1"/>
-          </p:cNvSpPr>
-          <p:nvPr>
-            <p:ph type="ftr" sz="quarter" idx="11"/>
-          </p:nvPr>
-        </p:nvSpPr>
-        <p:spPr/>
-        <p:txBody>
-          <a:bodyPr/>
-          <a:lstStyle/>
-          <a:p>
-            <a:r>
-              <a:rPr lang="it-IT"/>
-              <a:t>Gestione Avanzata dell’Informazione – UNIMORE- 2019/2020</a:t>
-            </a:r>
-            <a:endParaRPr lang="en-US" dirty="0"/>
-          </a:p>
-        </p:txBody>
-      </p:sp>
-      <p:sp>
-        <p:nvSpPr>
-          <p:cNvPr id="7" name="Segnaposto numero diapositiva 6">
-            <a:extLst>
-              <a:ext uri="{FF2B5EF4-FFF2-40B4-BE49-F238E27FC236}">
-                <a16:creationId xmlns:a16="http://schemas.microsoft.com/office/drawing/2014/main" id="{836BF468-01FC-44DB-A0B0-CDB3B01466A3}"/>
-              </a:ext>
-            </a:extLst>
-          </p:cNvPr>
-          <p:cNvSpPr>
-            <a:spLocks noGrp="1"/>
-          </p:cNvSpPr>
-          <p:nvPr>
-            <p:ph type="sldNum" sz="quarter" idx="12"/>
-          </p:nvPr>
-        </p:nvSpPr>
-        <p:spPr/>
-        <p:txBody>
-          <a:bodyPr/>
-          <a:lstStyle/>
-          <a:p>
-            <a:fld id="{3A98EE3D-8CD1-4C3F-BD1C-C98C9596463C}" type="slidenum">
-              <a:rPr lang="en-US" smtClean="0"/>
-              <a:t>6</a:t>
-            </a:fld>
-            <a:endParaRPr lang="en-US" dirty="0"/>
+          <p:cNvSpPr txBox="1">
+            <a:spLocks/>
+          </p:cNvSpPr>
+          <p:nvPr/>
+        </p:nvSpPr>
+        <p:spPr>
+          <a:xfrm>
+            <a:off x="1202010" y="920355"/>
+            <a:ext cx="10353762" cy="1257300"/>
+          </a:xfrm>
+          <a:prstGeom prst="rect">
+            <a:avLst/>
+          </a:prstGeom>
+          <a:effectLst>
+            <a:outerShdw blurRad="25400" dir="17880000">
+              <a:srgbClr val="000000">
+                <a:alpha val="46000"/>
+              </a:srgbClr>
+            </a:outerShdw>
+          </a:effectLst>
+        </p:spPr>
+        <p:txBody>
+          <a:bodyPr vert="horz" lIns="91440" tIns="45720" rIns="91440" bIns="45720" rtlCol="0" anchor="ctr">
+            <a:normAutofit/>
+          </a:bodyPr>
+          <a:lstStyle>
+            <a:lvl1pPr algn="ctr" defTabSz="457200" rtl="0" eaLnBrk="1" latinLnBrk="0" hangingPunct="1">
+              <a:lnSpc>
+                <a:spcPct val="90000"/>
+              </a:lnSpc>
+              <a:spcBef>
+                <a:spcPct val="0"/>
+              </a:spcBef>
+              <a:buNone/>
+              <a:defRPr sz="3900" i="1" kern="1200">
+                <a:ln>
+                  <a:solidFill>
+                    <a:schemeClr val="bg1">
+                      <a:lumMod val="75000"/>
+                      <a:lumOff val="25000"/>
+                      <a:alpha val="10000"/>
+                    </a:schemeClr>
+                  </a:solidFill>
+                </a:ln>
+                <a:solidFill>
+                  <a:schemeClr val="tx2"/>
+                </a:solidFill>
+                <a:effectLst>
+                  <a:outerShdw blurRad="9525" dist="25400" dir="14640000" algn="tl" rotWithShape="0">
+                    <a:schemeClr val="bg1">
+                      <a:alpha val="30000"/>
+                    </a:schemeClr>
+                  </a:outerShdw>
+                </a:effectLst>
+                <a:latin typeface="+mj-lt"/>
+                <a:ea typeface="+mj-ea"/>
+                <a:cs typeface="Trebuchet MS"/>
+              </a:defRPr>
+            </a:lvl1pPr>
+            <a:lvl2pPr eaLnBrk="1" hangingPunct="1">
+              <a:defRPr>
+                <a:solidFill>
+                  <a:schemeClr val="tx2"/>
+                </a:solidFill>
+              </a:defRPr>
+            </a:lvl2pPr>
+            <a:lvl3pPr eaLnBrk="1" hangingPunct="1">
+              <a:defRPr>
+                <a:solidFill>
+                  <a:schemeClr val="tx2"/>
+                </a:solidFill>
+              </a:defRPr>
+            </a:lvl3pPr>
+            <a:lvl4pPr eaLnBrk="1" hangingPunct="1">
+              <a:defRPr>
+                <a:solidFill>
+                  <a:schemeClr val="tx2"/>
+                </a:solidFill>
+              </a:defRPr>
+            </a:lvl4pPr>
+            <a:lvl5pPr eaLnBrk="1" hangingPunct="1">
+              <a:defRPr>
+                <a:solidFill>
+                  <a:schemeClr val="tx2"/>
+                </a:solidFill>
+              </a:defRPr>
+            </a:lvl5pPr>
+            <a:lvl6pPr eaLnBrk="1" hangingPunct="1">
+              <a:defRPr>
+                <a:solidFill>
+                  <a:schemeClr val="tx2"/>
+                </a:solidFill>
+              </a:defRPr>
+            </a:lvl6pPr>
+            <a:lvl7pPr eaLnBrk="1" hangingPunct="1">
+              <a:defRPr>
+                <a:solidFill>
+                  <a:schemeClr val="tx2"/>
+                </a:solidFill>
+              </a:defRPr>
+            </a:lvl7pPr>
+            <a:lvl8pPr eaLnBrk="1" hangingPunct="1">
+              <a:defRPr>
+                <a:solidFill>
+                  <a:schemeClr val="tx2"/>
+                </a:solidFill>
+              </a:defRPr>
+            </a:lvl8pPr>
+            <a:lvl9pPr eaLnBrk="1" hangingPunct="1">
+              <a:defRPr>
+                <a:solidFill>
+                  <a:schemeClr val="tx2"/>
+                </a:solidFill>
+              </a:defRPr>
+            </a:lvl9pPr>
+          </a:lstStyle>
+          <a:p>
+            <a:r>
+              <a:rPr lang="it-IT" sz="2800" dirty="0"/>
+              <a:t>Riferimenti tra pubblicazioni e raccolte</a:t>
+            </a:r>
           </a:p>
         </p:txBody>
       </p:sp>
@@ -15451,47 +16881,23 @@
             <a:spLocks noGrp="1"/>
           </p:cNvSpPr>
           <p:nvPr>
-            <p:ph idx="1"/>
-          </p:nvPr>
-        </p:nvSpPr>
-        <p:spPr/>
+            <p:ph sz="half" idx="1"/>
+          </p:nvPr>
+        </p:nvSpPr>
+        <p:spPr>
+          <a:xfrm>
+            <a:off x="913795" y="3265714"/>
+            <a:ext cx="4856841" cy="1720815"/>
+          </a:xfrm>
+        </p:spPr>
         <p:txBody>
           <a:bodyPr>
-            <a:normAutofit fontScale="70000" lnSpcReduction="20000"/>
+            <a:normAutofit/>
           </a:bodyPr>
           <a:lstStyle/>
           <a:p>
-            <a:r>
-              <a:rPr lang="it-IT" dirty="0">
-                <a:effectLst/>
-              </a:rPr>
-              <a:t>Il primo passo per la creazione del programma </a:t>
-            </a:r>
-            <a:r>
-              <a:rPr lang="it-IT" dirty="0" err="1">
-                <a:effectLst/>
-              </a:rPr>
-              <a:t>e’</a:t>
-            </a:r>
-            <a:r>
-              <a:rPr lang="it-IT" dirty="0">
-                <a:effectLst/>
-              </a:rPr>
-              <a:t> stata l’analisi del file XML</a:t>
-            </a:r>
-          </a:p>
-          <a:p>
-            <a:r>
-              <a:rPr lang="it-IT" dirty="0">
-                <a:effectLst/>
-              </a:rPr>
-              <a:t>Due approcci possibili:</a:t>
-            </a:r>
-          </a:p>
-          <a:p>
-            <a:pPr marL="871200" lvl="1" indent="-457200">
-              <a:buFont typeface="+mj-lt"/>
-              <a:buAutoNum type="arabicPeriod"/>
+            <a:pPr marL="36900" indent="0">
+              <a:buNone/>
             </a:pPr>
             <a:r>
               <a:rPr lang="it-IT" dirty="0">
@@ -15503,67 +16909,6 @@
               <a:rPr lang="it-IT" dirty="0" err="1">
                 <a:effectLst/>
               </a:rPr>
-              <a:t>Tree</a:t>
-            </a:r>
-            <a:r>
-              <a:rPr lang="it-IT" dirty="0">
-                <a:effectLst/>
-              </a:rPr>
-              <a:t> </a:t>
-            </a:r>
-            <a:r>
-              <a:rPr lang="it-IT" dirty="0" err="1">
-                <a:effectLst/>
-              </a:rPr>
-              <a:t>Based</a:t>
-            </a:r>
-            <a:r>
-              <a:rPr lang="it-IT" dirty="0">
-                <a:effectLst/>
-              </a:rPr>
-              <a:t>)</a:t>
-            </a:r>
-          </a:p>
-          <a:p>
-            <a:pPr marL="871200" lvl="1" indent="-457200">
-              <a:buFont typeface="+mj-lt"/>
-              <a:buAutoNum type="arabicPeriod"/>
-            </a:pPr>
-            <a:r>
-              <a:rPr lang="it-IT" dirty="0">
-                <a:effectLst/>
-              </a:rPr>
-              <a:t>SAX (Event </a:t>
-            </a:r>
-            <a:r>
-              <a:rPr lang="it-IT" dirty="0" err="1">
-                <a:effectLst/>
-              </a:rPr>
-              <a:t>Based</a:t>
-            </a:r>
-            <a:r>
-              <a:rPr lang="it-IT" dirty="0">
-                <a:effectLst/>
-              </a:rPr>
-              <a:t>)</a:t>
-            </a:r>
-          </a:p>
-          <a:p>
-            <a:endParaRPr lang="it-IT" dirty="0">
-              <a:effectLst/>
-            </a:endParaRPr>
-          </a:p>
-          <a:p>
-            <a:r>
-              <a:rPr lang="it-IT" dirty="0">
-                <a:effectLst/>
-              </a:rPr>
-              <a:t>DOM (</a:t>
-            </a:r>
-            <a:r>
-              <a:rPr lang="it-IT" dirty="0" err="1">
-                <a:effectLst/>
-              </a:rPr>
               <a:t>Document</a:t>
             </a:r>
             <a:r>
@@ -15591,7 +16936,39 @@
               <a:t>Veloce ma oneroso in termini di risorse.</a:t>
             </a:r>
           </a:p>
-          <a:p>
+        </p:txBody>
+      </p:sp>
+      <p:sp>
+        <p:nvSpPr>
+          <p:cNvPr id="8" name="Segnaposto contenuto 7">
+            <a:extLst>
+              <a:ext uri="{FF2B5EF4-FFF2-40B4-BE49-F238E27FC236}">
+                <a16:creationId xmlns:a16="http://schemas.microsoft.com/office/drawing/2014/main" id="{9FD174EE-32DD-4C0B-ADAB-1D9F20C636DB}"/>
+              </a:ext>
+            </a:extLst>
+          </p:cNvPr>
+          <p:cNvSpPr>
+            <a:spLocks noGrp="1"/>
+          </p:cNvSpPr>
+          <p:nvPr>
+            <p:ph sz="half" idx="2"/>
+          </p:nvPr>
+        </p:nvSpPr>
+        <p:spPr>
+          <a:xfrm>
+            <a:off x="6804611" y="3235988"/>
+            <a:ext cx="4856841" cy="1780266"/>
+          </a:xfrm>
+        </p:spPr>
+        <p:txBody>
+          <a:bodyPr>
+            <a:normAutofit/>
+          </a:bodyPr>
+          <a:lstStyle/>
+          <a:p>
+            <a:pPr marL="36900" indent="0">
+              <a:buNone/>
+            </a:pPr>
             <a:r>
               <a:rPr lang="it-IT" dirty="0">
                 <a:effectLst/>
@@ -15605,25 +16982,78 @@
               <a:rPr lang="it-IT" dirty="0">
                 <a:effectLst/>
               </a:rPr>
-              <a:t>Esegue azioni in seguito a degli eventi. Più lento ma richiede meno memoria.</a:t>
+              <a:t>Esegue azioni in seguito a degli eventi. </a:t>
             </a:r>
           </a:p>
           <a:p>
             <a:pPr lvl="1"/>
-            <a:endParaRPr lang="it-IT" dirty="0">
-              <a:effectLst/>
-            </a:endParaRPr>
-          </a:p>
-          <a:p>
             <a:r>
               <a:rPr lang="it-IT" dirty="0">
                 <a:effectLst/>
               </a:rPr>
-              <a:t>SAX si è rivelata la scelta ottimale per le macchine utilizzate.</a:t>
+              <a:t>Più lento ma richiede meno memoria.</a:t>
             </a:r>
           </a:p>
           <a:p>
             <a:endParaRPr lang="it-IT" dirty="0"/>
+          </a:p>
+        </p:txBody>
+      </p:sp>
+      <p:sp>
+        <p:nvSpPr>
+          <p:cNvPr id="6" name="Segnaposto piè di pagina 5">
+            <a:extLst>
+              <a:ext uri="{FF2B5EF4-FFF2-40B4-BE49-F238E27FC236}">
+                <a16:creationId xmlns:a16="http://schemas.microsoft.com/office/drawing/2014/main" id="{6064E8CF-F401-47DC-B161-8D8D45EC1FDF}"/>
+              </a:ext>
+            </a:extLst>
+          </p:cNvPr>
+          <p:cNvSpPr>
+            <a:spLocks noGrp="1"/>
+          </p:cNvSpPr>
+          <p:nvPr>
+            <p:ph type="ftr" sz="quarter" idx="11"/>
+          </p:nvPr>
+        </p:nvSpPr>
+        <p:spPr/>
+        <p:txBody>
+          <a:bodyPr/>
+          <a:lstStyle/>
+          <a:p>
+            <a:r>
+              <a:rPr lang="it-IT"/>
+              <a:t>Gestione Avanzata dell’Informazione – UNIMORE- 2019/2020</a:t>
+            </a:r>
+            <a:endParaRPr lang="en-US" dirty="0"/>
+          </a:p>
+        </p:txBody>
+      </p:sp>
+      <p:sp>
+        <p:nvSpPr>
+          <p:cNvPr id="7" name="Segnaposto numero diapositiva 6">
+            <a:extLst>
+              <a:ext uri="{FF2B5EF4-FFF2-40B4-BE49-F238E27FC236}">
+                <a16:creationId xmlns:a16="http://schemas.microsoft.com/office/drawing/2014/main" id="{304F6459-7C24-470F-A925-B3B10D194F76}"/>
+              </a:ext>
+            </a:extLst>
+          </p:cNvPr>
+          <p:cNvSpPr>
+            <a:spLocks noGrp="1"/>
+          </p:cNvSpPr>
+          <p:nvPr>
+            <p:ph type="sldNum" sz="quarter" idx="12"/>
+          </p:nvPr>
+        </p:nvSpPr>
+        <p:spPr/>
+        <p:txBody>
+          <a:bodyPr/>
+          <a:lstStyle/>
+          <a:p>
+            <a:fld id="{3A98EE3D-8CD1-4C3F-BD1C-C98C9596463C}" type="slidenum">
+              <a:rPr lang="en-US" smtClean="0"/>
+              <a:t>7</a:t>
+            </a:fld>
+            <a:endParaRPr lang="en-US" dirty="0"/>
           </a:p>
         </p:txBody>
       </p:sp>
@@ -15743,59 +17173,163 @@
       </p:sp>
       <p:sp>
         <p:nvSpPr>
-          <p:cNvPr id="6" name="Segnaposto piè di pagina 5">
+          <p:cNvPr id="9" name="Rettangolo 8">
             <a:extLst>
               <a:ext uri="{FF2B5EF4-FFF2-40B4-BE49-F238E27FC236}">
-                <a16:creationId xmlns:a16="http://schemas.microsoft.com/office/drawing/2014/main" id="{6064E8CF-F401-47DC-B161-8D8D45EC1FDF}"/>
+                <a16:creationId xmlns:a16="http://schemas.microsoft.com/office/drawing/2014/main" id="{CDEA82D1-732E-4DB0-AFC4-A89B3A0FA16E}"/>
               </a:ext>
             </a:extLst>
           </p:cNvPr>
-          <p:cNvSpPr>
-            <a:spLocks noGrp="1"/>
-          </p:cNvSpPr>
-          <p:nvPr>
-            <p:ph type="ftr" sz="quarter" idx="11"/>
-          </p:nvPr>
-        </p:nvSpPr>
-        <p:spPr/>
-        <p:txBody>
-          <a:bodyPr/>
+          <p:cNvSpPr/>
+          <p:nvPr/>
+        </p:nvSpPr>
+        <p:spPr>
+          <a:xfrm>
+            <a:off x="2722636" y="1660184"/>
+            <a:ext cx="6096000" cy="1477328"/>
+          </a:xfrm>
+          <a:prstGeom prst="rect">
+            <a:avLst/>
+          </a:prstGeom>
+        </p:spPr>
+        <p:txBody>
+          <a:bodyPr>
+            <a:spAutoFit/>
+          </a:bodyPr>
           <a:lstStyle/>
           <a:p>
             <a:r>
-              <a:rPr lang="it-IT"/>
-              <a:t>Gestione Avanzata dell’Informazione – UNIMORE- 2019/2020</a:t>
-            </a:r>
-            <a:endParaRPr lang="en-US" dirty="0"/>
-          </a:p>
-        </p:txBody>
-      </p:sp>
-      <p:sp>
-        <p:nvSpPr>
-          <p:cNvPr id="7" name="Segnaposto numero diapositiva 6">
+              <a:rPr lang="it-IT" dirty="0">
+                <a:solidFill>
+                  <a:schemeClr val="tx2"/>
+                </a:solidFill>
+              </a:rPr>
+              <a:t>Il primo passo per la creazione del programma è stata l’analisi del file XML</a:t>
+            </a:r>
+          </a:p>
+          <a:p>
+            <a:r>
+              <a:rPr lang="it-IT" dirty="0">
+                <a:solidFill>
+                  <a:schemeClr val="tx2"/>
+                </a:solidFill>
+              </a:rPr>
+              <a:t>Due approcci possibili:</a:t>
+            </a:r>
+          </a:p>
+          <a:p>
+            <a:pPr marL="871200" lvl="1" indent="-457200">
+              <a:buFont typeface="+mj-lt"/>
+              <a:buAutoNum type="arabicPeriod"/>
+            </a:pPr>
+            <a:r>
+              <a:rPr lang="it-IT" dirty="0">
+                <a:solidFill>
+                  <a:schemeClr val="tx2"/>
+                </a:solidFill>
+              </a:rPr>
+              <a:t>DOM (</a:t>
+            </a:r>
+            <a:r>
+              <a:rPr lang="it-IT" dirty="0" err="1">
+                <a:solidFill>
+                  <a:schemeClr val="tx2"/>
+                </a:solidFill>
+              </a:rPr>
+              <a:t>Tree</a:t>
+            </a:r>
+            <a:r>
+              <a:rPr lang="it-IT" dirty="0">
+                <a:solidFill>
+                  <a:schemeClr val="tx2"/>
+                </a:solidFill>
+              </a:rPr>
+              <a:t> </a:t>
+            </a:r>
+            <a:r>
+              <a:rPr lang="it-IT" dirty="0" err="1">
+                <a:solidFill>
+                  <a:schemeClr val="tx2"/>
+                </a:solidFill>
+              </a:rPr>
+              <a:t>Based</a:t>
+            </a:r>
+            <a:r>
+              <a:rPr lang="it-IT" dirty="0">
+                <a:solidFill>
+                  <a:schemeClr val="tx2"/>
+                </a:solidFill>
+              </a:rPr>
+              <a:t>)</a:t>
+            </a:r>
+          </a:p>
+          <a:p>
+            <a:pPr marL="871200" lvl="1" indent="-457200">
+              <a:buFont typeface="+mj-lt"/>
+              <a:buAutoNum type="arabicPeriod"/>
+            </a:pPr>
+            <a:r>
+              <a:rPr lang="it-IT" dirty="0">
+                <a:solidFill>
+                  <a:schemeClr val="tx2"/>
+                </a:solidFill>
+              </a:rPr>
+              <a:t>SAX (Event </a:t>
+            </a:r>
+            <a:r>
+              <a:rPr lang="it-IT" dirty="0" err="1">
+                <a:solidFill>
+                  <a:schemeClr val="tx2"/>
+                </a:solidFill>
+              </a:rPr>
+              <a:t>Based</a:t>
+            </a:r>
+            <a:r>
+              <a:rPr lang="it-IT" dirty="0">
+                <a:solidFill>
+                  <a:schemeClr val="tx2"/>
+                </a:solidFill>
+              </a:rPr>
+              <a:t>)</a:t>
+            </a:r>
+          </a:p>
+        </p:txBody>
+      </p:sp>
+      <p:sp>
+        <p:nvSpPr>
+          <p:cNvPr id="11" name="Rettangolo 10">
             <a:extLst>
               <a:ext uri="{FF2B5EF4-FFF2-40B4-BE49-F238E27FC236}">
-                <a16:creationId xmlns:a16="http://schemas.microsoft.com/office/drawing/2014/main" id="{304F6459-7C24-470F-A925-B3B10D194F76}"/>
+                <a16:creationId xmlns:a16="http://schemas.microsoft.com/office/drawing/2014/main" id="{F25A7846-7A48-41CA-AC4D-3A920F305461}"/>
               </a:ext>
             </a:extLst>
           </p:cNvPr>
-          <p:cNvSpPr>
-            <a:spLocks noGrp="1"/>
-          </p:cNvSpPr>
-          <p:nvPr>
-            <p:ph type="sldNum" sz="quarter" idx="12"/>
-          </p:nvPr>
-        </p:nvSpPr>
-        <p:spPr/>
-        <p:txBody>
-          <a:bodyPr/>
+          <p:cNvSpPr/>
+          <p:nvPr/>
+        </p:nvSpPr>
+        <p:spPr>
+          <a:xfrm>
+            <a:off x="1769775" y="5316141"/>
+            <a:ext cx="6111545" cy="384721"/>
+          </a:xfrm>
+          <a:prstGeom prst="rect">
+            <a:avLst/>
+          </a:prstGeom>
+        </p:spPr>
+        <p:txBody>
+          <a:bodyPr wrap="none">
+            <a:spAutoFit/>
+          </a:bodyPr>
           <a:lstStyle/>
           <a:p>
-            <a:fld id="{3A98EE3D-8CD1-4C3F-BD1C-C98C9596463C}" type="slidenum">
-              <a:rPr lang="en-US" smtClean="0"/>
-              <a:t>7</a:t>
-            </a:fld>
-            <a:endParaRPr lang="en-US" dirty="0"/>
+            <a:r>
+              <a:rPr lang="it-IT" sz="1900" dirty="0">
+                <a:solidFill>
+                  <a:schemeClr val="tx2"/>
+                </a:solidFill>
+              </a:rPr>
+              <a:t>SAX si è rivelata la scelta ottimale per le macchine utilizzate.</a:t>
+            </a:r>
           </a:p>
         </p:txBody>
       </p:sp>
@@ -15845,7 +17379,12 @@
             <p:ph type="title"/>
           </p:nvPr>
         </p:nvSpPr>
-        <p:spPr/>
+        <p:spPr>
+          <a:xfrm>
+            <a:off x="924443" y="294640"/>
+            <a:ext cx="10353762" cy="1261872"/>
+          </a:xfrm>
+        </p:spPr>
         <p:txBody>
           <a:bodyPr/>
           <a:lstStyle/>
@@ -15870,31 +17409,27 @@
             <a:spLocks noGrp="1"/>
           </p:cNvSpPr>
           <p:nvPr>
-            <p:ph idx="1"/>
-          </p:nvPr>
-        </p:nvSpPr>
-        <p:spPr/>
+            <p:ph sz="half" idx="1"/>
+          </p:nvPr>
+        </p:nvSpPr>
+        <p:spPr>
+          <a:xfrm>
+            <a:off x="449561" y="2038394"/>
+            <a:ext cx="6794157" cy="1623353"/>
+          </a:xfrm>
+        </p:spPr>
         <p:txBody>
           <a:bodyPr/>
           <a:lstStyle/>
           <a:p>
+            <a:pPr marL="36900" indent="0">
+              <a:buNone/>
+            </a:pPr>
             <a:r>
               <a:rPr lang="it-IT" dirty="0">
                 <a:effectLst/>
               </a:rPr>
-              <a:t>In seguito a test si </a:t>
-            </a:r>
-            <a:r>
-              <a:rPr lang="it-IT" dirty="0" err="1">
-                <a:effectLst/>
-              </a:rPr>
-              <a:t>e’</a:t>
-            </a:r>
-            <a:r>
-              <a:rPr lang="it-IT" dirty="0">
-                <a:effectLst/>
-              </a:rPr>
-              <a:t> deciso di mantenere il </a:t>
+              <a:t>In seguito a test si è deciso di mantenere il </a:t>
             </a:r>
             <a:r>
               <a:rPr lang="it-IT" dirty="0" err="1">
@@ -15921,11 +17456,63 @@
               <a:t>.</a:t>
             </a:r>
           </a:p>
-          <a:p>
-            <a:r>
-              <a:rPr lang="it-IT" dirty="0"/>
-              <a:t>Dati </a:t>
-            </a:r>
+        </p:txBody>
+      </p:sp>
+      <p:sp>
+        <p:nvSpPr>
+          <p:cNvPr id="6" name="Segnaposto piè di pagina 5">
+            <a:extLst>
+              <a:ext uri="{FF2B5EF4-FFF2-40B4-BE49-F238E27FC236}">
+                <a16:creationId xmlns:a16="http://schemas.microsoft.com/office/drawing/2014/main" id="{E95EE388-108A-4DDF-BD49-6244C98B349E}"/>
+              </a:ext>
+            </a:extLst>
+          </p:cNvPr>
+          <p:cNvSpPr>
+            <a:spLocks noGrp="1"/>
+          </p:cNvSpPr>
+          <p:nvPr>
+            <p:ph type="ftr" sz="quarter" idx="11"/>
+          </p:nvPr>
+        </p:nvSpPr>
+        <p:spPr/>
+        <p:txBody>
+          <a:bodyPr/>
+          <a:lstStyle/>
+          <a:p>
+            <a:r>
+              <a:rPr lang="it-IT"/>
+              <a:t>Gestione Avanzata dell’Informazione – UNIMORE- 2019/2020</a:t>
+            </a:r>
+            <a:endParaRPr lang="en-US" dirty="0"/>
+          </a:p>
+        </p:txBody>
+      </p:sp>
+      <p:sp>
+        <p:nvSpPr>
+          <p:cNvPr id="7" name="Segnaposto numero diapositiva 6">
+            <a:extLst>
+              <a:ext uri="{FF2B5EF4-FFF2-40B4-BE49-F238E27FC236}">
+                <a16:creationId xmlns:a16="http://schemas.microsoft.com/office/drawing/2014/main" id="{855FB0FF-DCDD-413E-B72B-BF9FF562A752}"/>
+              </a:ext>
+            </a:extLst>
+          </p:cNvPr>
+          <p:cNvSpPr>
+            <a:spLocks noGrp="1"/>
+          </p:cNvSpPr>
+          <p:nvPr>
+            <p:ph type="sldNum" sz="quarter" idx="12"/>
+          </p:nvPr>
+        </p:nvSpPr>
+        <p:spPr/>
+        <p:txBody>
+          <a:bodyPr/>
+          <a:lstStyle/>
+          <a:p>
+            <a:fld id="{3A98EE3D-8CD1-4C3F-BD1C-C98C9596463C}" type="slidenum">
+              <a:rPr lang="en-US" smtClean="0"/>
+              <a:t>8</a:t>
+            </a:fld>
+            <a:endParaRPr lang="en-US" dirty="0"/>
           </a:p>
         </p:txBody>
       </p:sp>
@@ -16043,61 +17630,558 @@
           </a:fontRef>
         </p:style>
       </p:sp>
-      <p:sp>
-        <p:nvSpPr>
-          <p:cNvPr id="6" name="Segnaposto piè di pagina 5">
+      <p:graphicFrame>
+        <p:nvGraphicFramePr>
+          <p:cNvPr id="12" name="Grafico 11">
             <a:extLst>
               <a:ext uri="{FF2B5EF4-FFF2-40B4-BE49-F238E27FC236}">
-                <a16:creationId xmlns:a16="http://schemas.microsoft.com/office/drawing/2014/main" id="{E95EE388-108A-4DDF-BD49-6244C98B349E}"/>
+                <a16:creationId xmlns:a16="http://schemas.microsoft.com/office/drawing/2014/main" id="{5334BDE6-FF77-4CDB-B0AF-D0B9A13980E9}"/>
               </a:ext>
             </a:extLst>
           </p:cNvPr>
-          <p:cNvSpPr>
-            <a:spLocks noGrp="1"/>
-          </p:cNvSpPr>
-          <p:nvPr>
-            <p:ph type="ftr" sz="quarter" idx="11"/>
-          </p:nvPr>
-        </p:nvSpPr>
-        <p:spPr/>
-        <p:txBody>
-          <a:bodyPr/>
-          <a:lstStyle/>
-          <a:p>
-            <a:r>
-              <a:rPr lang="it-IT"/>
-              <a:t>Gestione Avanzata dell’Informazione – UNIMORE- 2019/2020</a:t>
-            </a:r>
-            <a:endParaRPr lang="en-US" dirty="0"/>
-          </a:p>
-        </p:txBody>
-      </p:sp>
-      <p:sp>
-        <p:nvSpPr>
-          <p:cNvPr id="7" name="Segnaposto numero diapositiva 6">
+          <p:cNvGraphicFramePr/>
+          <p:nvPr>
+            <p:extLst>
+              <p:ext uri="{D42A27DB-BD31-4B8C-83A1-F6EECF244321}">
+                <p14:modId xmlns:p14="http://schemas.microsoft.com/office/powerpoint/2010/main" val="3199660628"/>
+              </p:ext>
+            </p:extLst>
+          </p:nvPr>
+        </p:nvGraphicFramePr>
+        <p:xfrm>
+          <a:off x="6906075" y="1198826"/>
+          <a:ext cx="6794157" cy="4460348"/>
+        </p:xfrm>
+        <a:graphic>
+          <a:graphicData uri="http://schemas.openxmlformats.org/drawingml/2006/chart">
+            <c:chart xmlns:c="http://schemas.openxmlformats.org/drawingml/2006/chart" xmlns:r="http://schemas.openxmlformats.org/officeDocument/2006/relationships" r:id="rId4"/>
+          </a:graphicData>
+        </a:graphic>
+      </p:graphicFrame>
+      <p:sp>
+        <p:nvSpPr>
+          <p:cNvPr id="18" name="Segnaposto contenuto 2">
             <a:extLst>
               <a:ext uri="{FF2B5EF4-FFF2-40B4-BE49-F238E27FC236}">
-                <a16:creationId xmlns:a16="http://schemas.microsoft.com/office/drawing/2014/main" id="{855FB0FF-DCDD-413E-B72B-BF9FF562A752}"/>
+                <a16:creationId xmlns:a16="http://schemas.microsoft.com/office/drawing/2014/main" id="{7FC2065D-B07B-4FE4-A727-31ECA9C87EB5}"/>
               </a:ext>
             </a:extLst>
           </p:cNvPr>
-          <p:cNvSpPr>
-            <a:spLocks noGrp="1"/>
-          </p:cNvSpPr>
-          <p:nvPr>
-            <p:ph type="sldNum" sz="quarter" idx="12"/>
-          </p:nvPr>
-        </p:nvSpPr>
-        <p:spPr/>
-        <p:txBody>
-          <a:bodyPr/>
-          <a:lstStyle/>
-          <a:p>
-            <a:fld id="{3A98EE3D-8CD1-4C3F-BD1C-C98C9596463C}" type="slidenum">
-              <a:rPr lang="en-US" smtClean="0"/>
-              <a:t>8</a:t>
-            </a:fld>
-            <a:endParaRPr lang="en-US" dirty="0"/>
+          <p:cNvSpPr txBox="1">
+            <a:spLocks/>
+          </p:cNvSpPr>
+          <p:nvPr/>
+        </p:nvSpPr>
+        <p:spPr>
+          <a:xfrm>
+            <a:off x="271100" y="3699803"/>
+            <a:ext cx="8079545" cy="1959371"/>
+          </a:xfrm>
+          <a:prstGeom prst="rect">
+            <a:avLst/>
+          </a:prstGeom>
+          <a:effectLst>
+            <a:outerShdw blurRad="25400" dir="17880000">
+              <a:srgbClr val="000000">
+                <a:alpha val="46000"/>
+              </a:srgbClr>
+            </a:outerShdw>
+          </a:effectLst>
+        </p:spPr>
+        <p:txBody>
+          <a:bodyPr vert="horz" lIns="91440" tIns="45720" rIns="91440" bIns="45720" rtlCol="0" anchor="t">
+            <a:normAutofit/>
+          </a:bodyPr>
+          <a:lstStyle>
+            <a:lvl1pPr marL="342900" indent="-306000" algn="l" defTabSz="457200" rtl="0" eaLnBrk="1" latinLnBrk="0" hangingPunct="1">
+              <a:lnSpc>
+                <a:spcPct val="110000"/>
+              </a:lnSpc>
+              <a:spcBef>
+                <a:spcPct val="20000"/>
+              </a:spcBef>
+              <a:spcAft>
+                <a:spcPts val="600"/>
+              </a:spcAft>
+              <a:buClr>
+                <a:schemeClr val="tx2"/>
+              </a:buClr>
+              <a:buSzPct val="70000"/>
+              <a:buFont typeface="Wingdings 2" charset="2"/>
+              <a:buChar char=""/>
+              <a:defRPr sz="2100" kern="1200">
+                <a:ln>
+                  <a:solidFill>
+                    <a:schemeClr val="bg1">
+                      <a:lumMod val="75000"/>
+                      <a:lumOff val="25000"/>
+                      <a:alpha val="10000"/>
+                    </a:schemeClr>
+                  </a:solidFill>
+                </a:ln>
+                <a:solidFill>
+                  <a:schemeClr val="tx2"/>
+                </a:solidFill>
+                <a:effectLst>
+                  <a:outerShdw blurRad="9525" dist="25400" dir="14640000" algn="tl" rotWithShape="0">
+                    <a:schemeClr val="bg1">
+                      <a:alpha val="30000"/>
+                    </a:schemeClr>
+                  </a:outerShdw>
+                </a:effectLst>
+                <a:latin typeface="+mn-lt"/>
+                <a:ea typeface="+mn-ea"/>
+                <a:cs typeface="+mn-cs"/>
+              </a:defRPr>
+            </a:lvl1pPr>
+            <a:lvl2pPr marL="720000" indent="-270000" algn="l" defTabSz="457200" rtl="0" eaLnBrk="1" latinLnBrk="0" hangingPunct="1">
+              <a:spcBef>
+                <a:spcPct val="20000"/>
+              </a:spcBef>
+              <a:spcAft>
+                <a:spcPts val="600"/>
+              </a:spcAft>
+              <a:buClr>
+                <a:schemeClr val="tx2"/>
+              </a:buClr>
+              <a:buSzPct val="70000"/>
+              <a:buFont typeface="Wingdings 2" charset="2"/>
+              <a:buChar char=""/>
+              <a:defRPr sz="1900" kern="1200">
+                <a:ln>
+                  <a:solidFill>
+                    <a:schemeClr val="bg1">
+                      <a:lumMod val="75000"/>
+                      <a:lumOff val="25000"/>
+                      <a:alpha val="10000"/>
+                    </a:schemeClr>
+                  </a:solidFill>
+                </a:ln>
+                <a:solidFill>
+                  <a:schemeClr val="tx2"/>
+                </a:solidFill>
+                <a:effectLst>
+                  <a:outerShdw blurRad="9525" dist="25400" dir="14640000" algn="tl" rotWithShape="0">
+                    <a:schemeClr val="bg1">
+                      <a:alpha val="30000"/>
+                    </a:schemeClr>
+                  </a:outerShdw>
+                </a:effectLst>
+                <a:latin typeface="+mn-lt"/>
+                <a:ea typeface="+mn-ea"/>
+                <a:cs typeface="+mn-cs"/>
+              </a:defRPr>
+            </a:lvl2pPr>
+            <a:lvl3pPr marL="1026000" indent="-216000" algn="l" defTabSz="457200" rtl="0" eaLnBrk="1" latinLnBrk="0" hangingPunct="1">
+              <a:spcBef>
+                <a:spcPct val="20000"/>
+              </a:spcBef>
+              <a:spcAft>
+                <a:spcPts val="600"/>
+              </a:spcAft>
+              <a:buClr>
+                <a:schemeClr val="tx2"/>
+              </a:buClr>
+              <a:buSzPct val="70000"/>
+              <a:buFont typeface="Wingdings 2" charset="2"/>
+              <a:buChar char=""/>
+              <a:defRPr sz="1700" kern="1200">
+                <a:ln>
+                  <a:solidFill>
+                    <a:schemeClr val="bg1">
+                      <a:lumMod val="75000"/>
+                      <a:lumOff val="25000"/>
+                      <a:alpha val="10000"/>
+                    </a:schemeClr>
+                  </a:solidFill>
+                </a:ln>
+                <a:solidFill>
+                  <a:schemeClr val="tx2"/>
+                </a:solidFill>
+                <a:effectLst>
+                  <a:outerShdw blurRad="9525" dist="25400" dir="14640000" algn="tl" rotWithShape="0">
+                    <a:schemeClr val="bg1">
+                      <a:alpha val="30000"/>
+                    </a:schemeClr>
+                  </a:outerShdw>
+                </a:effectLst>
+                <a:latin typeface="+mn-lt"/>
+                <a:ea typeface="+mn-ea"/>
+                <a:cs typeface="+mn-cs"/>
+              </a:defRPr>
+            </a:lvl3pPr>
+            <a:lvl4pPr marL="1386000" indent="-216000" algn="l" defTabSz="457200" rtl="0" eaLnBrk="1" latinLnBrk="0" hangingPunct="1">
+              <a:spcBef>
+                <a:spcPct val="20000"/>
+              </a:spcBef>
+              <a:spcAft>
+                <a:spcPts val="600"/>
+              </a:spcAft>
+              <a:buClr>
+                <a:schemeClr val="tx2"/>
+              </a:buClr>
+              <a:buSzPct val="70000"/>
+              <a:buFont typeface="Wingdings 2" charset="2"/>
+              <a:buChar char=""/>
+              <a:defRPr sz="1500" kern="1200">
+                <a:ln>
+                  <a:solidFill>
+                    <a:schemeClr val="bg1">
+                      <a:lumMod val="75000"/>
+                      <a:lumOff val="25000"/>
+                      <a:alpha val="10000"/>
+                    </a:schemeClr>
+                  </a:solidFill>
+                </a:ln>
+                <a:solidFill>
+                  <a:schemeClr val="tx2"/>
+                </a:solidFill>
+                <a:effectLst>
+                  <a:outerShdw blurRad="9525" dist="25400" dir="14640000" algn="tl" rotWithShape="0">
+                    <a:schemeClr val="bg1">
+                      <a:alpha val="30000"/>
+                    </a:schemeClr>
+                  </a:outerShdw>
+                </a:effectLst>
+                <a:latin typeface="+mn-lt"/>
+                <a:ea typeface="+mn-ea"/>
+                <a:cs typeface="+mn-cs"/>
+              </a:defRPr>
+            </a:lvl4pPr>
+            <a:lvl5pPr marL="1674000" indent="-216000" algn="l" defTabSz="457200" rtl="0" eaLnBrk="1" latinLnBrk="0" hangingPunct="1">
+              <a:spcBef>
+                <a:spcPct val="20000"/>
+              </a:spcBef>
+              <a:spcAft>
+                <a:spcPts val="600"/>
+              </a:spcAft>
+              <a:buClr>
+                <a:schemeClr val="tx2"/>
+              </a:buClr>
+              <a:buSzPct val="70000"/>
+              <a:buFont typeface="Wingdings 2" charset="2"/>
+              <a:buChar char=""/>
+              <a:defRPr sz="1500" kern="1200">
+                <a:ln>
+                  <a:solidFill>
+                    <a:schemeClr val="bg1">
+                      <a:lumMod val="75000"/>
+                      <a:lumOff val="25000"/>
+                      <a:alpha val="10000"/>
+                    </a:schemeClr>
+                  </a:solidFill>
+                </a:ln>
+                <a:solidFill>
+                  <a:schemeClr val="tx2"/>
+                </a:solidFill>
+                <a:effectLst>
+                  <a:outerShdw blurRad="9525" dist="25400" dir="14640000" algn="tl" rotWithShape="0">
+                    <a:schemeClr val="bg1">
+                      <a:alpha val="30000"/>
+                    </a:schemeClr>
+                  </a:outerShdw>
+                </a:effectLst>
+                <a:latin typeface="+mn-lt"/>
+                <a:ea typeface="+mn-ea"/>
+                <a:cs typeface="+mn-cs"/>
+              </a:defRPr>
+            </a:lvl5pPr>
+            <a:lvl6pPr marL="2014600" indent="-228600" algn="l" defTabSz="457200" rtl="0" eaLnBrk="1" latinLnBrk="0" hangingPunct="1">
+              <a:spcBef>
+                <a:spcPct val="20000"/>
+              </a:spcBef>
+              <a:spcAft>
+                <a:spcPts val="600"/>
+              </a:spcAft>
+              <a:buClr>
+                <a:schemeClr val="tx2"/>
+              </a:buClr>
+              <a:buSzPct val="70000"/>
+              <a:buFont typeface="Wingdings 2" charset="2"/>
+              <a:buChar char=""/>
+              <a:defRPr sz="1400" kern="1200">
+                <a:ln>
+                  <a:solidFill>
+                    <a:schemeClr val="bg1">
+                      <a:lumMod val="75000"/>
+                      <a:lumOff val="25000"/>
+                      <a:alpha val="10000"/>
+                    </a:schemeClr>
+                  </a:solidFill>
+                </a:ln>
+                <a:solidFill>
+                  <a:schemeClr val="tx2"/>
+                </a:solidFill>
+                <a:effectLst>
+                  <a:outerShdw blurRad="9525" dist="25400" dir="14640000" algn="tl" rotWithShape="0">
+                    <a:schemeClr val="bg1">
+                      <a:alpha val="30000"/>
+                    </a:schemeClr>
+                  </a:outerShdw>
+                </a:effectLst>
+                <a:latin typeface="+mn-lt"/>
+                <a:ea typeface="+mn-ea"/>
+                <a:cs typeface="+mn-cs"/>
+              </a:defRPr>
+            </a:lvl6pPr>
+            <a:lvl7pPr marL="2401800" indent="-228600" algn="l" defTabSz="457200" rtl="0" eaLnBrk="1" latinLnBrk="0" hangingPunct="1">
+              <a:spcBef>
+                <a:spcPct val="20000"/>
+              </a:spcBef>
+              <a:spcAft>
+                <a:spcPts val="600"/>
+              </a:spcAft>
+              <a:buClr>
+                <a:schemeClr val="tx2"/>
+              </a:buClr>
+              <a:buSzPct val="70000"/>
+              <a:buFont typeface="Wingdings 2" charset="2"/>
+              <a:buChar char=""/>
+              <a:defRPr sz="1400" kern="1200">
+                <a:ln>
+                  <a:solidFill>
+                    <a:schemeClr val="bg1">
+                      <a:lumMod val="75000"/>
+                      <a:lumOff val="25000"/>
+                      <a:alpha val="10000"/>
+                    </a:schemeClr>
+                  </a:solidFill>
+                </a:ln>
+                <a:solidFill>
+                  <a:schemeClr val="tx2"/>
+                </a:solidFill>
+                <a:effectLst>
+                  <a:outerShdw blurRad="9525" dist="25400" dir="14640000" algn="tl" rotWithShape="0">
+                    <a:schemeClr val="bg1">
+                      <a:alpha val="30000"/>
+                    </a:schemeClr>
+                  </a:outerShdw>
+                </a:effectLst>
+                <a:latin typeface="+mn-lt"/>
+                <a:ea typeface="+mn-ea"/>
+                <a:cs typeface="+mn-cs"/>
+              </a:defRPr>
+            </a:lvl7pPr>
+            <a:lvl8pPr marL="2789000" indent="-228600" algn="l" defTabSz="457200" rtl="0" eaLnBrk="1" latinLnBrk="0" hangingPunct="1">
+              <a:spcBef>
+                <a:spcPct val="20000"/>
+              </a:spcBef>
+              <a:spcAft>
+                <a:spcPts val="600"/>
+              </a:spcAft>
+              <a:buClr>
+                <a:schemeClr val="tx2"/>
+              </a:buClr>
+              <a:buSzPct val="70000"/>
+              <a:buFont typeface="Wingdings 2" charset="2"/>
+              <a:buChar char=""/>
+              <a:defRPr sz="1400" kern="1200">
+                <a:ln>
+                  <a:solidFill>
+                    <a:schemeClr val="bg1">
+                      <a:lumMod val="75000"/>
+                      <a:lumOff val="25000"/>
+                      <a:alpha val="10000"/>
+                    </a:schemeClr>
+                  </a:solidFill>
+                </a:ln>
+                <a:solidFill>
+                  <a:schemeClr val="tx2"/>
+                </a:solidFill>
+                <a:effectLst>
+                  <a:outerShdw blurRad="9525" dist="25400" dir="14640000" algn="tl" rotWithShape="0">
+                    <a:schemeClr val="bg1">
+                      <a:alpha val="30000"/>
+                    </a:schemeClr>
+                  </a:outerShdw>
+                </a:effectLst>
+                <a:latin typeface="+mn-lt"/>
+                <a:ea typeface="+mn-ea"/>
+                <a:cs typeface="+mn-cs"/>
+              </a:defRPr>
+            </a:lvl8pPr>
+            <a:lvl9pPr marL="3106200" indent="-228600" algn="l" defTabSz="457200" rtl="0" eaLnBrk="1" latinLnBrk="0" hangingPunct="1">
+              <a:spcBef>
+                <a:spcPct val="20000"/>
+              </a:spcBef>
+              <a:spcAft>
+                <a:spcPts val="600"/>
+              </a:spcAft>
+              <a:buClr>
+                <a:schemeClr val="tx2"/>
+              </a:buClr>
+              <a:buSzPct val="70000"/>
+              <a:buFont typeface="Wingdings 2" charset="2"/>
+              <a:buChar char=""/>
+              <a:defRPr sz="1400" kern="1200">
+                <a:ln>
+                  <a:solidFill>
+                    <a:schemeClr val="bg1">
+                      <a:lumMod val="75000"/>
+                      <a:lumOff val="25000"/>
+                      <a:alpha val="10000"/>
+                    </a:schemeClr>
+                  </a:solidFill>
+                </a:ln>
+                <a:solidFill>
+                  <a:schemeClr val="tx2"/>
+                </a:solidFill>
+                <a:effectLst>
+                  <a:outerShdw blurRad="9525" dist="25400" dir="14640000" algn="tl" rotWithShape="0">
+                    <a:schemeClr val="bg1">
+                      <a:alpha val="30000"/>
+                    </a:schemeClr>
+                  </a:outerShdw>
+                </a:effectLst>
+                <a:latin typeface="+mn-lt"/>
+                <a:ea typeface="+mn-ea"/>
+                <a:cs typeface="+mn-cs"/>
+              </a:defRPr>
+            </a:lvl9pPr>
+          </a:lstStyle>
+          <a:p>
+            <a:r>
+              <a:rPr lang="it-IT" sz="2200" dirty="0"/>
+              <a:t>Dati </a:t>
+            </a:r>
+          </a:p>
+          <a:p>
+            <a:pPr lvl="1"/>
+            <a:r>
+              <a:rPr lang="en-US" sz="2000" dirty="0"/>
+              <a:t>~29 </a:t>
+            </a:r>
+            <a:r>
+              <a:rPr lang="en-US" sz="2000" dirty="0" err="1"/>
+              <a:t>minuti</a:t>
+            </a:r>
+            <a:r>
+              <a:rPr lang="en-US" sz="2000" dirty="0"/>
+              <a:t> per </a:t>
+            </a:r>
+            <a:r>
+              <a:rPr lang="en-US" sz="2000" dirty="0" err="1"/>
+              <a:t>eseguire</a:t>
+            </a:r>
+            <a:r>
+              <a:rPr lang="en-US" sz="2000" dirty="0"/>
+              <a:t> </a:t>
+            </a:r>
+            <a:r>
+              <a:rPr lang="en-US" sz="2000" dirty="0" err="1"/>
+              <a:t>il</a:t>
+            </a:r>
+            <a:r>
+              <a:rPr lang="en-US" sz="2000" dirty="0"/>
+              <a:t> parsing, </a:t>
+            </a:r>
+            <a:r>
+              <a:rPr lang="en-US" sz="2000" dirty="0" err="1"/>
+              <a:t>sia</a:t>
+            </a:r>
+            <a:r>
+              <a:rPr lang="en-US" sz="2000" dirty="0"/>
+              <a:t> in </a:t>
+            </a:r>
+            <a:r>
+              <a:rPr lang="en-US" sz="2000" dirty="0" err="1"/>
+              <a:t>sequenziale</a:t>
+            </a:r>
+            <a:r>
+              <a:rPr lang="en-US" sz="2000" dirty="0"/>
+              <a:t> </a:t>
+            </a:r>
+            <a:r>
+              <a:rPr lang="en-US" sz="2000" dirty="0" err="1"/>
+              <a:t>che</a:t>
+            </a:r>
+            <a:r>
+              <a:rPr lang="en-US" sz="2000" dirty="0"/>
+              <a:t> in </a:t>
+            </a:r>
+            <a:r>
+              <a:rPr lang="en-US" sz="2000" dirty="0" err="1"/>
+              <a:t>parallelo</a:t>
+            </a:r>
+            <a:r>
+              <a:rPr lang="en-US" sz="2000" dirty="0"/>
+              <a:t>. </a:t>
+            </a:r>
+          </a:p>
+          <a:p>
+            <a:pPr lvl="1"/>
+            <a:r>
+              <a:rPr lang="en-US" sz="2000" dirty="0"/>
+              <a:t>Il </a:t>
+            </a:r>
+            <a:r>
+              <a:rPr lang="en-US" sz="2000" dirty="0" err="1"/>
+              <a:t>carico</a:t>
+            </a:r>
+            <a:r>
+              <a:rPr lang="en-US" sz="2000" dirty="0"/>
+              <a:t> di </a:t>
+            </a:r>
+            <a:r>
+              <a:rPr lang="en-US" sz="2000" dirty="0" err="1"/>
+              <a:t>lavoro</a:t>
+            </a:r>
+            <a:r>
+              <a:rPr lang="en-US" sz="2000" dirty="0"/>
+              <a:t> è </a:t>
+            </a:r>
+            <a:r>
+              <a:rPr lang="en-US" sz="2000" dirty="0" err="1"/>
+              <a:t>completamente</a:t>
+            </a:r>
+            <a:r>
+              <a:rPr lang="en-US" sz="2000" dirty="0"/>
+              <a:t> </a:t>
+            </a:r>
+            <a:r>
+              <a:rPr lang="en-US" sz="2000" dirty="0" err="1"/>
+              <a:t>sbilanciato</a:t>
+            </a:r>
+            <a:r>
+              <a:rPr lang="en-US" sz="2000" dirty="0"/>
+              <a:t>.</a:t>
+            </a:r>
+          </a:p>
+          <a:p>
+            <a:pPr lvl="1"/>
+            <a:r>
+              <a:rPr lang="en-US" sz="2000" dirty="0"/>
+              <a:t>Le </a:t>
+            </a:r>
+            <a:r>
+              <a:rPr lang="en-US" sz="2000" dirty="0" err="1"/>
+              <a:t>risorse</a:t>
+            </a:r>
+            <a:r>
+              <a:rPr lang="en-US" sz="2000" dirty="0"/>
+              <a:t> </a:t>
+            </a:r>
+            <a:r>
+              <a:rPr lang="en-US" sz="2000" dirty="0" err="1"/>
+              <a:t>sono</a:t>
+            </a:r>
+            <a:r>
+              <a:rPr lang="en-US" sz="2000" dirty="0"/>
+              <a:t> </a:t>
+            </a:r>
+            <a:r>
+              <a:rPr lang="en-US" sz="2000" dirty="0" err="1"/>
+              <a:t>distribuite</a:t>
+            </a:r>
+            <a:r>
+              <a:rPr lang="en-US" sz="2000" dirty="0"/>
+              <a:t> </a:t>
+            </a:r>
+            <a:r>
+              <a:rPr lang="en-US" sz="2000" dirty="0" err="1"/>
+              <a:t>uniformemente</a:t>
+            </a:r>
+            <a:endParaRPr lang="en-US" sz="2000" dirty="0"/>
           </a:p>
         </p:txBody>
       </p:sp>
@@ -16175,14 +18259,27 @@
             <p:ph idx="1"/>
           </p:nvPr>
         </p:nvSpPr>
-        <p:spPr/>
+        <p:spPr>
+          <a:xfrm>
+            <a:off x="2235541" y="2203378"/>
+            <a:ext cx="6764768" cy="3714749"/>
+          </a:xfrm>
+        </p:spPr>
         <p:txBody>
           <a:bodyPr/>
           <a:lstStyle/>
           <a:p>
             <a:r>
               <a:rPr lang="it-IT" dirty="0"/>
-              <a:t>Sequenziale </a:t>
+              <a:t>Indici creati durante la fase di </a:t>
+            </a:r>
+            <a:r>
+              <a:rPr lang="it-IT" dirty="0" err="1"/>
+              <a:t>parsing</a:t>
+            </a:r>
+            <a:r>
+              <a:rPr lang="it-IT" dirty="0"/>
+              <a:t> (sequenziale)</a:t>
             </a:r>
           </a:p>
           <a:p>
@@ -16193,34 +18290,39 @@
           </a:p>
           <a:p>
             <a:r>
-              <a:rPr lang="it-IT" dirty="0" err="1"/>
-              <a:t>Publicazioni</a:t>
-            </a:r>
-            <a:r>
               <a:rPr lang="it-IT" dirty="0"/>
-              <a:t> </a:t>
-            </a:r>
-          </a:p>
-          <a:p>
-            <a:r>
-              <a:rPr lang="it-IT" dirty="0" err="1"/>
-              <a:t>Venue</a:t>
-            </a:r>
+              <a:t>3 fasi di processing:</a:t>
+            </a:r>
+          </a:p>
+          <a:p>
+            <a:pPr marL="907200" lvl="1" indent="-457200">
+              <a:buFont typeface="+mj-lt"/>
+              <a:buAutoNum type="arabicPeriod"/>
+            </a:pPr>
             <a:r>
               <a:rPr lang="it-IT" dirty="0"/>
-              <a:t> </a:t>
-            </a:r>
-          </a:p>
-          <a:p>
+              <a:t>Pubblicazioni </a:t>
+            </a:r>
+          </a:p>
+          <a:p>
+            <a:pPr marL="907200" lvl="1" indent="-457200">
+              <a:buFont typeface="+mj-lt"/>
+              <a:buAutoNum type="arabicPeriod"/>
+            </a:pPr>
             <a:r>
               <a:rPr lang="it-IT" dirty="0"/>
-              <a:t>Aggiunta dei journal a </a:t>
-            </a:r>
-            <a:r>
-              <a:rPr lang="it-IT" dirty="0" err="1"/>
-              <a:t>venue</a:t>
-            </a:r>
-            <a:endParaRPr lang="it-IT" dirty="0"/>
+              <a:t>Collezioni </a:t>
+            </a:r>
+          </a:p>
+          <a:p>
+            <a:pPr marL="907200" lvl="1" indent="-457200">
+              <a:buFont typeface="+mj-lt"/>
+              <a:buAutoNum type="arabicPeriod"/>
+            </a:pPr>
+            <a:r>
+              <a:rPr lang="it-IT" dirty="0"/>
+              <a:t>Aggiunta riviste (trovate nella fase 1) alle Collezioni</a:t>
+            </a:r>
           </a:p>
         </p:txBody>
       </p:sp>
